--- a/prezentacje/arduino_ide.pptx
+++ b/prezentacje/arduino_ide.pptx
@@ -5,29 +5,31 @@
     <p:sldMasterId id="2147483927" r:id="rId1"/>
   </p:sldMasterIdLst>
   <p:notesMasterIdLst>
-    <p:notesMasterId r:id="rId14"/>
+    <p:notesMasterId r:id="rId16"/>
   </p:notesMasterIdLst>
   <p:handoutMasterIdLst>
-    <p:handoutMasterId r:id="rId15"/>
+    <p:handoutMasterId r:id="rId17"/>
   </p:handoutMasterIdLst>
   <p:sldIdLst>
     <p:sldId id="311" r:id="rId2"/>
     <p:sldId id="363" r:id="rId3"/>
     <p:sldId id="340" r:id="rId4"/>
-    <p:sldId id="348" r:id="rId5"/>
-    <p:sldId id="359" r:id="rId6"/>
-    <p:sldId id="362" r:id="rId7"/>
-    <p:sldId id="364" r:id="rId8"/>
-    <p:sldId id="351" r:id="rId9"/>
-    <p:sldId id="356" r:id="rId10"/>
-    <p:sldId id="361" r:id="rId11"/>
-    <p:sldId id="365" r:id="rId12"/>
-    <p:sldId id="360" r:id="rId13"/>
+    <p:sldId id="366" r:id="rId5"/>
+    <p:sldId id="348" r:id="rId6"/>
+    <p:sldId id="359" r:id="rId7"/>
+    <p:sldId id="362" r:id="rId8"/>
+    <p:sldId id="367" r:id="rId9"/>
+    <p:sldId id="364" r:id="rId10"/>
+    <p:sldId id="351" r:id="rId11"/>
+    <p:sldId id="356" r:id="rId12"/>
+    <p:sldId id="361" r:id="rId13"/>
+    <p:sldId id="365" r:id="rId14"/>
+    <p:sldId id="360" r:id="rId15"/>
   </p:sldIdLst>
   <p:sldSz cx="9906000" cy="6858000" type="A4"/>
   <p:notesSz cx="6896100" cy="10033000"/>
   <p:custDataLst>
-    <p:tags r:id="rId16"/>
+    <p:tags r:id="rId18"/>
   </p:custDataLst>
   <p:defaultTextStyle>
     <a:defPPr>
@@ -356,7 +358,7 @@
             <a:fld id="{2FB4FF29-EE9A-4D47-9F1A-289A80693C0F}" type="datetimeFigureOut">
               <a:rPr lang="en-US" smtClean="0"/>
               <a:pPr/>
-              <a:t>6/23/2016</a:t>
+              <a:t>6/29/2016</a:t>
             </a:fld>
             <a:endParaRPr lang="en-US" dirty="0"/>
           </a:p>
@@ -1060,6 +1062,204 @@
 </p:notes>
 </file>
 
+<file path=ppt/notesSlides/notesSlide13.xml><?xml version="1.0" encoding="utf-8"?>
+<p:notes xmlns:a="http://schemas.openxmlformats.org/drawingml/2006/main" xmlns:r="http://schemas.openxmlformats.org/officeDocument/2006/relationships" xmlns:p="http://schemas.openxmlformats.org/presentationml/2006/main">
+  <p:cSld>
+    <p:spTree>
+      <p:nvGrpSpPr>
+        <p:cNvPr id="1" name=""/>
+        <p:cNvGrpSpPr/>
+        <p:nvPr/>
+      </p:nvGrpSpPr>
+      <p:grpSpPr>
+        <a:xfrm>
+          <a:off x="0" y="0"/>
+          <a:ext cx="0" cy="0"/>
+          <a:chOff x="0" y="0"/>
+          <a:chExt cx="0" cy="0"/>
+        </a:xfrm>
+      </p:grpSpPr>
+      <p:sp>
+        <p:nvSpPr>
+          <p:cNvPr id="2" name="Slide Image Placeholder 1"/>
+          <p:cNvSpPr>
+            <a:spLocks noGrp="1" noRot="1" noChangeAspect="1"/>
+          </p:cNvSpPr>
+          <p:nvPr>
+            <p:ph type="sldImg"/>
+          </p:nvPr>
+        </p:nvSpPr>
+        <p:spPr/>
+      </p:sp>
+      <p:sp>
+        <p:nvSpPr>
+          <p:cNvPr id="3" name="Notes Placeholder 2"/>
+          <p:cNvSpPr>
+            <a:spLocks noGrp="1"/>
+          </p:cNvSpPr>
+          <p:nvPr>
+            <p:ph type="body" idx="1"/>
+          </p:nvPr>
+        </p:nvSpPr>
+        <p:spPr/>
+        <p:txBody>
+          <a:bodyPr>
+            <a:normAutofit/>
+          </a:bodyPr>
+          <a:lstStyle/>
+          <a:p>
+            <a:pPr marL="0" marR="0" indent="0" algn="l" defTabSz="914342" rtl="0" eaLnBrk="1" fontAlgn="auto" latinLnBrk="0" hangingPunct="1">
+              <a:lnSpc>
+                <a:spcPct val="90000"/>
+              </a:lnSpc>
+              <a:spcBef>
+                <a:spcPts val="0"/>
+              </a:spcBef>
+              <a:spcAft>
+                <a:spcPts val="400"/>
+              </a:spcAft>
+              <a:buClrTx/>
+              <a:buSzTx/>
+              <a:buFontTx/>
+              <a:buNone/>
+              <a:tabLst/>
+              <a:defRPr/>
+            </a:pPr>
+            <a:endParaRPr lang="en-US" dirty="0" smtClean="0"/>
+          </a:p>
+        </p:txBody>
+      </p:sp>
+      <p:sp>
+        <p:nvSpPr>
+          <p:cNvPr id="4" name="Slide Number Placeholder 3"/>
+          <p:cNvSpPr>
+            <a:spLocks noGrp="1"/>
+          </p:cNvSpPr>
+          <p:nvPr>
+            <p:ph type="sldNum" sz="quarter" idx="10"/>
+          </p:nvPr>
+        </p:nvSpPr>
+        <p:spPr/>
+        <p:txBody>
+          <a:bodyPr/>
+          <a:lstStyle/>
+          <a:p>
+            <a:fld id="{71E7D22E-2FCF-4181-8686-08BDCDF94062}" type="slidenum">
+              <a:rPr lang="en-US" smtClean="0"/>
+              <a:pPr/>
+              <a:t>13</a:t>
+            </a:fld>
+            <a:endParaRPr lang="en-US" dirty="0"/>
+          </a:p>
+        </p:txBody>
+      </p:sp>
+    </p:spTree>
+  </p:cSld>
+  <p:clrMapOvr>
+    <a:masterClrMapping/>
+  </p:clrMapOvr>
+</p:notes>
+</file>
+
+<file path=ppt/notesSlides/notesSlide14.xml><?xml version="1.0" encoding="utf-8"?>
+<p:notes xmlns:a="http://schemas.openxmlformats.org/drawingml/2006/main" xmlns:r="http://schemas.openxmlformats.org/officeDocument/2006/relationships" xmlns:p="http://schemas.openxmlformats.org/presentationml/2006/main">
+  <p:cSld>
+    <p:spTree>
+      <p:nvGrpSpPr>
+        <p:cNvPr id="1" name=""/>
+        <p:cNvGrpSpPr/>
+        <p:nvPr/>
+      </p:nvGrpSpPr>
+      <p:grpSpPr>
+        <a:xfrm>
+          <a:off x="0" y="0"/>
+          <a:ext cx="0" cy="0"/>
+          <a:chOff x="0" y="0"/>
+          <a:chExt cx="0" cy="0"/>
+        </a:xfrm>
+      </p:grpSpPr>
+      <p:sp>
+        <p:nvSpPr>
+          <p:cNvPr id="2" name="Slide Image Placeholder 1"/>
+          <p:cNvSpPr>
+            <a:spLocks noGrp="1" noRot="1" noChangeAspect="1"/>
+          </p:cNvSpPr>
+          <p:nvPr>
+            <p:ph type="sldImg"/>
+          </p:nvPr>
+        </p:nvSpPr>
+        <p:spPr/>
+      </p:sp>
+      <p:sp>
+        <p:nvSpPr>
+          <p:cNvPr id="3" name="Notes Placeholder 2"/>
+          <p:cNvSpPr>
+            <a:spLocks noGrp="1"/>
+          </p:cNvSpPr>
+          <p:nvPr>
+            <p:ph type="body" idx="1"/>
+          </p:nvPr>
+        </p:nvSpPr>
+        <p:spPr/>
+        <p:txBody>
+          <a:bodyPr>
+            <a:normAutofit/>
+          </a:bodyPr>
+          <a:lstStyle/>
+          <a:p>
+            <a:pPr marL="0" marR="0" indent="0" algn="l" defTabSz="914342" rtl="0" eaLnBrk="1" fontAlgn="auto" latinLnBrk="0" hangingPunct="1">
+              <a:lnSpc>
+                <a:spcPct val="90000"/>
+              </a:lnSpc>
+              <a:spcBef>
+                <a:spcPts val="0"/>
+              </a:spcBef>
+              <a:spcAft>
+                <a:spcPts val="400"/>
+              </a:spcAft>
+              <a:buClrTx/>
+              <a:buSzTx/>
+              <a:buFontTx/>
+              <a:buNone/>
+              <a:tabLst/>
+              <a:defRPr/>
+            </a:pPr>
+            <a:endParaRPr lang="en-US" dirty="0" smtClean="0"/>
+          </a:p>
+        </p:txBody>
+      </p:sp>
+      <p:sp>
+        <p:nvSpPr>
+          <p:cNvPr id="4" name="Slide Number Placeholder 3"/>
+          <p:cNvSpPr>
+            <a:spLocks noGrp="1"/>
+          </p:cNvSpPr>
+          <p:nvPr>
+            <p:ph type="sldNum" sz="quarter" idx="10"/>
+          </p:nvPr>
+        </p:nvSpPr>
+        <p:spPr/>
+        <p:txBody>
+          <a:bodyPr/>
+          <a:lstStyle/>
+          <a:p>
+            <a:fld id="{71E7D22E-2FCF-4181-8686-08BDCDF94062}" type="slidenum">
+              <a:rPr lang="en-US" smtClean="0"/>
+              <a:pPr/>
+              <a:t>14</a:t>
+            </a:fld>
+            <a:endParaRPr lang="en-US" dirty="0"/>
+          </a:p>
+        </p:txBody>
+      </p:sp>
+    </p:spTree>
+  </p:cSld>
+  <p:clrMapOvr>
+    <a:masterClrMapping/>
+  </p:clrMapOvr>
+</p:notes>
+</file>
+
 <file path=ppt/notesSlides/notesSlide2.xml><?xml version="1.0" encoding="utf-8"?>
 <p:notes xmlns:a="http://schemas.openxmlformats.org/drawingml/2006/main" xmlns:r="http://schemas.openxmlformats.org/officeDocument/2006/relationships" xmlns:p="http://schemas.openxmlformats.org/presentationml/2006/main">
   <p:cSld>
@@ -1312,430 +1512,32 @@
           </a:bodyPr>
           <a:lstStyle/>
           <a:p>
-            <a:pPr marL="0" marR="0" indent="0" algn="l" defTabSz="914342" rtl="0" eaLnBrk="1" fontAlgn="auto" latinLnBrk="0" hangingPunct="1">
-              <a:lnSpc>
-                <a:spcPct val="90000"/>
-              </a:lnSpc>
-              <a:spcBef>
-                <a:spcPts val="0"/>
-              </a:spcBef>
-              <a:spcAft>
-                <a:spcPts val="400"/>
-              </a:spcAft>
-              <a:buClrTx/>
-              <a:buSzTx/>
-              <a:buFontTx/>
-              <a:buNone/>
-              <a:tabLst/>
-              <a:defRPr/>
-            </a:pPr>
             <a:r>
               <a:rPr lang="pl-PL" dirty="0" smtClean="0"/>
-              <a:t>Funkcja </a:t>
-            </a:r>
-            <a:r>
-              <a:rPr lang="pl-PL" dirty="0" err="1" smtClean="0"/>
-              <a:t>main</a:t>
-            </a:r>
-            <a:r>
-              <a:rPr lang="pl-PL" dirty="0" smtClean="0"/>
-              <a:t> </a:t>
-            </a:r>
-            <a:r>
-              <a:rPr lang="pl-PL" dirty="0" err="1" smtClean="0"/>
-              <a:t>Arduino</a:t>
-            </a:r>
-            <a:r>
-              <a:rPr lang="pl-PL" dirty="0" smtClean="0"/>
-              <a:t> wygląda następująco:</a:t>
-            </a:r>
-          </a:p>
-          <a:p>
-            <a:pPr marL="0" marR="0" indent="0" algn="l" defTabSz="914342" rtl="0" eaLnBrk="1" fontAlgn="auto" latinLnBrk="0" hangingPunct="1">
-              <a:lnSpc>
-                <a:spcPct val="90000"/>
-              </a:lnSpc>
-              <a:spcBef>
-                <a:spcPts val="0"/>
-              </a:spcBef>
-              <a:spcAft>
-                <a:spcPts val="400"/>
-              </a:spcAft>
-              <a:buClrTx/>
-              <a:buSzTx/>
-              <a:buFontTx/>
-              <a:buNone/>
-              <a:tabLst/>
-              <a:defRPr/>
-            </a:pPr>
-            <a:endParaRPr lang="en-US" dirty="0" smtClean="0"/>
-          </a:p>
-          <a:p>
-            <a:pPr marL="0" marR="0" indent="0" algn="l" defTabSz="914342" rtl="0" eaLnBrk="1" fontAlgn="auto" latinLnBrk="0" hangingPunct="1">
-              <a:lnSpc>
-                <a:spcPct val="90000"/>
-              </a:lnSpc>
-              <a:spcBef>
-                <a:spcPts val="0"/>
-              </a:spcBef>
-              <a:spcAft>
-                <a:spcPts val="400"/>
-              </a:spcAft>
-              <a:buClrTx/>
-              <a:buSzTx/>
-              <a:buFontTx/>
-              <a:buNone/>
-              <a:tabLst/>
-              <a:defRPr/>
-            </a:pPr>
-            <a:r>
-              <a:rPr lang="en-US" dirty="0" err="1" smtClean="0"/>
-              <a:t>int</a:t>
-            </a:r>
-            <a:r>
-              <a:rPr lang="en-US" dirty="0" smtClean="0"/>
-              <a:t> main(void)</a:t>
-            </a:r>
-          </a:p>
-          <a:p>
-            <a:pPr marL="0" marR="0" indent="0" algn="l" defTabSz="914342" rtl="0" eaLnBrk="1" fontAlgn="auto" latinLnBrk="0" hangingPunct="1">
-              <a:lnSpc>
-                <a:spcPct val="90000"/>
-              </a:lnSpc>
-              <a:spcBef>
-                <a:spcPts val="0"/>
-              </a:spcBef>
-              <a:spcAft>
-                <a:spcPts val="400"/>
-              </a:spcAft>
-              <a:buClrTx/>
-              <a:buSzTx/>
-              <a:buFontTx/>
-              <a:buNone/>
-              <a:tabLst/>
-              <a:defRPr/>
-            </a:pPr>
-            <a:r>
-              <a:rPr lang="en-US" dirty="0" smtClean="0"/>
-              <a:t>{</a:t>
-            </a:r>
-          </a:p>
-          <a:p>
-            <a:pPr marL="0" marR="0" indent="0" algn="l" defTabSz="914342" rtl="0" eaLnBrk="1" fontAlgn="auto" latinLnBrk="0" hangingPunct="1">
-              <a:lnSpc>
-                <a:spcPct val="90000"/>
-              </a:lnSpc>
-              <a:spcBef>
-                <a:spcPts val="0"/>
-              </a:spcBef>
-              <a:spcAft>
-                <a:spcPts val="400"/>
-              </a:spcAft>
-              <a:buClrTx/>
-              <a:buSzTx/>
-              <a:buFontTx/>
-              <a:buNone/>
-              <a:tabLst/>
-              <a:defRPr/>
-            </a:pPr>
-            <a:r>
-              <a:rPr lang="en-US" dirty="0" smtClean="0"/>
-              <a:t>	init();</a:t>
-            </a:r>
-          </a:p>
-          <a:p>
-            <a:pPr marL="0" marR="0" indent="0" algn="l" defTabSz="914342" rtl="0" eaLnBrk="1" fontAlgn="auto" latinLnBrk="0" hangingPunct="1">
-              <a:lnSpc>
-                <a:spcPct val="90000"/>
-              </a:lnSpc>
-              <a:spcBef>
-                <a:spcPts val="0"/>
-              </a:spcBef>
-              <a:spcAft>
-                <a:spcPts val="400"/>
-              </a:spcAft>
-              <a:buClrTx/>
-              <a:buSzTx/>
-              <a:buFontTx/>
-              <a:buNone/>
-              <a:tabLst/>
-              <a:defRPr/>
-            </a:pPr>
-            <a:endParaRPr lang="en-US" dirty="0" smtClean="0"/>
-          </a:p>
-          <a:p>
-            <a:pPr marL="0" marR="0" indent="0" algn="l" defTabSz="914342" rtl="0" eaLnBrk="1" fontAlgn="auto" latinLnBrk="0" hangingPunct="1">
-              <a:lnSpc>
-                <a:spcPct val="90000"/>
-              </a:lnSpc>
-              <a:spcBef>
-                <a:spcPts val="0"/>
-              </a:spcBef>
-              <a:spcAft>
-                <a:spcPts val="400"/>
-              </a:spcAft>
-              <a:buClrTx/>
-              <a:buSzTx/>
-              <a:buFontTx/>
-              <a:buNone/>
-              <a:tabLst/>
-              <a:defRPr/>
-            </a:pPr>
-            <a:r>
-              <a:rPr lang="en-US" dirty="0" smtClean="0"/>
-              <a:t>	</a:t>
-            </a:r>
-            <a:r>
-              <a:rPr lang="en-US" dirty="0" err="1" smtClean="0"/>
-              <a:t>initVariant</a:t>
-            </a:r>
-            <a:r>
-              <a:rPr lang="en-US" dirty="0" smtClean="0"/>
-              <a:t>();</a:t>
-            </a:r>
-          </a:p>
-          <a:p>
-            <a:pPr marL="0" marR="0" indent="0" algn="l" defTabSz="914342" rtl="0" eaLnBrk="1" fontAlgn="auto" latinLnBrk="0" hangingPunct="1">
-              <a:lnSpc>
-                <a:spcPct val="90000"/>
-              </a:lnSpc>
-              <a:spcBef>
-                <a:spcPts val="0"/>
-              </a:spcBef>
-              <a:spcAft>
-                <a:spcPts val="400"/>
-              </a:spcAft>
-              <a:buClrTx/>
-              <a:buSzTx/>
-              <a:buFontTx/>
-              <a:buNone/>
-              <a:tabLst/>
-              <a:defRPr/>
-            </a:pPr>
-            <a:endParaRPr lang="en-US" dirty="0" smtClean="0"/>
-          </a:p>
-          <a:p>
-            <a:pPr marL="0" marR="0" indent="0" algn="l" defTabSz="914342" rtl="0" eaLnBrk="1" fontAlgn="auto" latinLnBrk="0" hangingPunct="1">
-              <a:lnSpc>
-                <a:spcPct val="90000"/>
-              </a:lnSpc>
-              <a:spcBef>
-                <a:spcPts val="0"/>
-              </a:spcBef>
-              <a:spcAft>
-                <a:spcPts val="400"/>
-              </a:spcAft>
-              <a:buClrTx/>
-              <a:buSzTx/>
-              <a:buFontTx/>
-              <a:buNone/>
-              <a:tabLst/>
-              <a:defRPr/>
-            </a:pPr>
-            <a:r>
-              <a:rPr lang="en-US" dirty="0" smtClean="0"/>
-              <a:t>	setup();</a:t>
-            </a:r>
-          </a:p>
-          <a:p>
-            <a:pPr marL="0" marR="0" indent="0" algn="l" defTabSz="914342" rtl="0" eaLnBrk="1" fontAlgn="auto" latinLnBrk="0" hangingPunct="1">
-              <a:lnSpc>
-                <a:spcPct val="90000"/>
-              </a:lnSpc>
-              <a:spcBef>
-                <a:spcPts val="0"/>
-              </a:spcBef>
-              <a:spcAft>
-                <a:spcPts val="400"/>
-              </a:spcAft>
-              <a:buClrTx/>
-              <a:buSzTx/>
-              <a:buFontTx/>
-              <a:buNone/>
-              <a:tabLst/>
-              <a:defRPr/>
-            </a:pPr>
-            <a:r>
-              <a:rPr lang="en-US" dirty="0" smtClean="0"/>
-              <a:t>    </a:t>
-            </a:r>
-          </a:p>
-          <a:p>
-            <a:pPr marL="0" marR="0" indent="0" algn="l" defTabSz="914342" rtl="0" eaLnBrk="1" fontAlgn="auto" latinLnBrk="0" hangingPunct="1">
-              <a:lnSpc>
-                <a:spcPct val="90000"/>
-              </a:lnSpc>
-              <a:spcBef>
-                <a:spcPts val="0"/>
-              </a:spcBef>
-              <a:spcAft>
-                <a:spcPts val="400"/>
-              </a:spcAft>
-              <a:buClrTx/>
-              <a:buSzTx/>
-              <a:buFontTx/>
-              <a:buNone/>
-              <a:tabLst/>
-              <a:defRPr/>
-            </a:pPr>
-            <a:r>
-              <a:rPr lang="en-US" dirty="0" smtClean="0"/>
-              <a:t>	for (;;) {</a:t>
-            </a:r>
-          </a:p>
-          <a:p>
-            <a:pPr marL="0" marR="0" indent="0" algn="l" defTabSz="914342" rtl="0" eaLnBrk="1" fontAlgn="auto" latinLnBrk="0" hangingPunct="1">
-              <a:lnSpc>
-                <a:spcPct val="90000"/>
-              </a:lnSpc>
-              <a:spcBef>
-                <a:spcPts val="0"/>
-              </a:spcBef>
-              <a:spcAft>
-                <a:spcPts val="400"/>
-              </a:spcAft>
-              <a:buClrTx/>
-              <a:buSzTx/>
-              <a:buFontTx/>
-              <a:buNone/>
-              <a:tabLst/>
-              <a:defRPr/>
-            </a:pPr>
-            <a:r>
-              <a:rPr lang="en-US" dirty="0" smtClean="0"/>
-              <a:t>		loop();</a:t>
-            </a:r>
-          </a:p>
-          <a:p>
-            <a:pPr marL="0" marR="0" indent="0" algn="l" defTabSz="914342" rtl="0" eaLnBrk="1" fontAlgn="auto" latinLnBrk="0" hangingPunct="1">
-              <a:lnSpc>
-                <a:spcPct val="90000"/>
-              </a:lnSpc>
-              <a:spcBef>
-                <a:spcPts val="0"/>
-              </a:spcBef>
-              <a:spcAft>
-                <a:spcPts val="400"/>
-              </a:spcAft>
-              <a:buClrTx/>
-              <a:buSzTx/>
-              <a:buFontTx/>
-              <a:buNone/>
-              <a:tabLst/>
-              <a:defRPr/>
-            </a:pPr>
-            <a:r>
-              <a:rPr lang="en-US" dirty="0" smtClean="0"/>
-              <a:t>		if (</a:t>
-            </a:r>
-            <a:r>
-              <a:rPr lang="en-US" dirty="0" err="1" smtClean="0"/>
-              <a:t>serialEventRun</a:t>
-            </a:r>
-            <a:r>
-              <a:rPr lang="en-US" dirty="0" smtClean="0"/>
-              <a:t>) </a:t>
-            </a:r>
-            <a:r>
-              <a:rPr lang="en-US" dirty="0" err="1" smtClean="0"/>
-              <a:t>serialEventRun</a:t>
-            </a:r>
-            <a:r>
-              <a:rPr lang="en-US" dirty="0" smtClean="0"/>
-              <a:t>();</a:t>
-            </a:r>
-          </a:p>
-          <a:p>
-            <a:pPr marL="0" marR="0" indent="0" algn="l" defTabSz="914342" rtl="0" eaLnBrk="1" fontAlgn="auto" latinLnBrk="0" hangingPunct="1">
-              <a:lnSpc>
-                <a:spcPct val="90000"/>
-              </a:lnSpc>
-              <a:spcBef>
-                <a:spcPts val="0"/>
-              </a:spcBef>
-              <a:spcAft>
-                <a:spcPts val="400"/>
-              </a:spcAft>
-              <a:buClrTx/>
-              <a:buSzTx/>
-              <a:buFontTx/>
-              <a:buNone/>
-              <a:tabLst/>
-              <a:defRPr/>
-            </a:pPr>
-            <a:r>
-              <a:rPr lang="en-US" dirty="0" smtClean="0"/>
-              <a:t>	}</a:t>
-            </a:r>
-          </a:p>
-          <a:p>
-            <a:pPr marL="0" marR="0" indent="0" algn="l" defTabSz="914342" rtl="0" eaLnBrk="1" fontAlgn="auto" latinLnBrk="0" hangingPunct="1">
-              <a:lnSpc>
-                <a:spcPct val="90000"/>
-              </a:lnSpc>
-              <a:spcBef>
-                <a:spcPts val="0"/>
-              </a:spcBef>
-              <a:spcAft>
-                <a:spcPts val="400"/>
-              </a:spcAft>
-              <a:buClrTx/>
-              <a:buSzTx/>
-              <a:buFontTx/>
-              <a:buNone/>
-              <a:tabLst/>
-              <a:defRPr/>
-            </a:pPr>
-            <a:r>
-              <a:rPr lang="en-US" dirty="0" smtClean="0"/>
-              <a:t>        </a:t>
-            </a:r>
-          </a:p>
-          <a:p>
-            <a:pPr marL="0" marR="0" indent="0" algn="l" defTabSz="914342" rtl="0" eaLnBrk="1" fontAlgn="auto" latinLnBrk="0" hangingPunct="1">
-              <a:lnSpc>
-                <a:spcPct val="90000"/>
-              </a:lnSpc>
-              <a:spcBef>
-                <a:spcPts val="0"/>
-              </a:spcBef>
-              <a:spcAft>
-                <a:spcPts val="400"/>
-              </a:spcAft>
-              <a:buClrTx/>
-              <a:buSzTx/>
-              <a:buFontTx/>
-              <a:buNone/>
-              <a:tabLst/>
-              <a:defRPr/>
-            </a:pPr>
-            <a:r>
-              <a:rPr lang="en-US" dirty="0" smtClean="0"/>
-              <a:t>	return 0;</a:t>
-            </a:r>
-          </a:p>
-          <a:p>
-            <a:pPr marL="0" marR="0" indent="0" algn="l" defTabSz="914342" rtl="0" eaLnBrk="1" fontAlgn="auto" latinLnBrk="0" hangingPunct="1">
-              <a:lnSpc>
-                <a:spcPct val="90000"/>
-              </a:lnSpc>
-              <a:spcBef>
-                <a:spcPts val="0"/>
-              </a:spcBef>
-              <a:spcAft>
-                <a:spcPts val="400"/>
-              </a:spcAft>
-              <a:buClrTx/>
-              <a:buSzTx/>
-              <a:buFontTx/>
-              <a:buNone/>
-              <a:tabLst/>
-              <a:defRPr/>
-            </a:pPr>
-            <a:r>
-              <a:rPr lang="en-US" dirty="0" smtClean="0"/>
-              <a:t>}</a:t>
-            </a:r>
+              <a:t>IDE</a:t>
+            </a:r>
+            <a:r>
+              <a:rPr lang="pl-PL" baseline="0" dirty="0" smtClean="0"/>
+              <a:t> dostarczane przez twórców </a:t>
+            </a:r>
+            <a:r>
+              <a:rPr lang="pl-PL" baseline="0" dirty="0" err="1" smtClean="0"/>
+              <a:t>arduino</a:t>
+            </a:r>
+            <a:endParaRPr lang="pl-PL" baseline="0" dirty="0" smtClean="0"/>
+          </a:p>
+          <a:p>
+            <a:r>
+              <a:rPr lang="pl-PL" baseline="0" dirty="0" smtClean="0"/>
+              <a:t>Wygodne na początek.</a:t>
+            </a:r>
+          </a:p>
+          <a:p>
+            <a:r>
+              <a:rPr lang="pl-PL" baseline="0" dirty="0" smtClean="0"/>
+              <a:t>Łatwo dokłada się nowe biblioteki i przykłady z netu.</a:t>
+            </a:r>
+            <a:endParaRPr lang="en-US" dirty="0"/>
           </a:p>
         </p:txBody>
       </p:sp>
@@ -1834,7 +1636,413 @@
               <a:tabLst/>
               <a:defRPr/>
             </a:pPr>
+            <a:r>
+              <a:rPr lang="pl-PL" dirty="0" smtClean="0"/>
+              <a:t>Funkcja </a:t>
+            </a:r>
+            <a:r>
+              <a:rPr lang="pl-PL" dirty="0" err="1" smtClean="0"/>
+              <a:t>main</a:t>
+            </a:r>
+            <a:r>
+              <a:rPr lang="pl-PL" dirty="0" smtClean="0"/>
+              <a:t> </a:t>
+            </a:r>
+            <a:r>
+              <a:rPr lang="pl-PL" dirty="0" err="1" smtClean="0"/>
+              <a:t>Arduino</a:t>
+            </a:r>
+            <a:r>
+              <a:rPr lang="pl-PL" dirty="0" smtClean="0"/>
+              <a:t> wygląda następująco:</a:t>
+            </a:r>
+          </a:p>
+          <a:p>
+            <a:pPr marL="0" marR="0" indent="0" algn="l" defTabSz="914342" rtl="0" eaLnBrk="1" fontAlgn="auto" latinLnBrk="0" hangingPunct="1">
+              <a:lnSpc>
+                <a:spcPct val="90000"/>
+              </a:lnSpc>
+              <a:spcBef>
+                <a:spcPts val="0"/>
+              </a:spcBef>
+              <a:spcAft>
+                <a:spcPts val="400"/>
+              </a:spcAft>
+              <a:buClrTx/>
+              <a:buSzTx/>
+              <a:buFontTx/>
+              <a:buNone/>
+              <a:tabLst/>
+              <a:defRPr/>
+            </a:pPr>
             <a:endParaRPr lang="en-US" dirty="0" smtClean="0"/>
+          </a:p>
+          <a:p>
+            <a:pPr marL="0" marR="0" indent="0" algn="l" defTabSz="914342" rtl="0" eaLnBrk="1" fontAlgn="auto" latinLnBrk="0" hangingPunct="1">
+              <a:lnSpc>
+                <a:spcPct val="90000"/>
+              </a:lnSpc>
+              <a:spcBef>
+                <a:spcPts val="0"/>
+              </a:spcBef>
+              <a:spcAft>
+                <a:spcPts val="400"/>
+              </a:spcAft>
+              <a:buClrTx/>
+              <a:buSzTx/>
+              <a:buFontTx/>
+              <a:buNone/>
+              <a:tabLst/>
+              <a:defRPr/>
+            </a:pPr>
+            <a:r>
+              <a:rPr lang="en-US" dirty="0" err="1" smtClean="0"/>
+              <a:t>int</a:t>
+            </a:r>
+            <a:r>
+              <a:rPr lang="en-US" dirty="0" smtClean="0"/>
+              <a:t> main(void)</a:t>
+            </a:r>
+          </a:p>
+          <a:p>
+            <a:pPr marL="0" marR="0" indent="0" algn="l" defTabSz="914342" rtl="0" eaLnBrk="1" fontAlgn="auto" latinLnBrk="0" hangingPunct="1">
+              <a:lnSpc>
+                <a:spcPct val="90000"/>
+              </a:lnSpc>
+              <a:spcBef>
+                <a:spcPts val="0"/>
+              </a:spcBef>
+              <a:spcAft>
+                <a:spcPts val="400"/>
+              </a:spcAft>
+              <a:buClrTx/>
+              <a:buSzTx/>
+              <a:buFontTx/>
+              <a:buNone/>
+              <a:tabLst/>
+              <a:defRPr/>
+            </a:pPr>
+            <a:r>
+              <a:rPr lang="en-US" dirty="0" smtClean="0"/>
+              <a:t>{</a:t>
+            </a:r>
+          </a:p>
+          <a:p>
+            <a:pPr marL="0" marR="0" indent="0" algn="l" defTabSz="914342" rtl="0" eaLnBrk="1" fontAlgn="auto" latinLnBrk="0" hangingPunct="1">
+              <a:lnSpc>
+                <a:spcPct val="90000"/>
+              </a:lnSpc>
+              <a:spcBef>
+                <a:spcPts val="0"/>
+              </a:spcBef>
+              <a:spcAft>
+                <a:spcPts val="400"/>
+              </a:spcAft>
+              <a:buClrTx/>
+              <a:buSzTx/>
+              <a:buFontTx/>
+              <a:buNone/>
+              <a:tabLst/>
+              <a:defRPr/>
+            </a:pPr>
+            <a:r>
+              <a:rPr lang="en-US" dirty="0" smtClean="0"/>
+              <a:t>	init();</a:t>
+            </a:r>
+          </a:p>
+          <a:p>
+            <a:pPr marL="0" marR="0" indent="0" algn="l" defTabSz="914342" rtl="0" eaLnBrk="1" fontAlgn="auto" latinLnBrk="0" hangingPunct="1">
+              <a:lnSpc>
+                <a:spcPct val="90000"/>
+              </a:lnSpc>
+              <a:spcBef>
+                <a:spcPts val="0"/>
+              </a:spcBef>
+              <a:spcAft>
+                <a:spcPts val="400"/>
+              </a:spcAft>
+              <a:buClrTx/>
+              <a:buSzTx/>
+              <a:buFontTx/>
+              <a:buNone/>
+              <a:tabLst/>
+              <a:defRPr/>
+            </a:pPr>
+            <a:endParaRPr lang="en-US" dirty="0" smtClean="0"/>
+          </a:p>
+          <a:p>
+            <a:pPr marL="0" marR="0" indent="0" algn="l" defTabSz="914342" rtl="0" eaLnBrk="1" fontAlgn="auto" latinLnBrk="0" hangingPunct="1">
+              <a:lnSpc>
+                <a:spcPct val="90000"/>
+              </a:lnSpc>
+              <a:spcBef>
+                <a:spcPts val="0"/>
+              </a:spcBef>
+              <a:spcAft>
+                <a:spcPts val="400"/>
+              </a:spcAft>
+              <a:buClrTx/>
+              <a:buSzTx/>
+              <a:buFontTx/>
+              <a:buNone/>
+              <a:tabLst/>
+              <a:defRPr/>
+            </a:pPr>
+            <a:r>
+              <a:rPr lang="en-US" dirty="0" smtClean="0"/>
+              <a:t>	</a:t>
+            </a:r>
+            <a:r>
+              <a:rPr lang="en-US" dirty="0" err="1" smtClean="0"/>
+              <a:t>initVariant</a:t>
+            </a:r>
+            <a:r>
+              <a:rPr lang="en-US" dirty="0" smtClean="0"/>
+              <a:t>();</a:t>
+            </a:r>
+          </a:p>
+          <a:p>
+            <a:pPr marL="0" marR="0" indent="0" algn="l" defTabSz="914342" rtl="0" eaLnBrk="1" fontAlgn="auto" latinLnBrk="0" hangingPunct="1">
+              <a:lnSpc>
+                <a:spcPct val="90000"/>
+              </a:lnSpc>
+              <a:spcBef>
+                <a:spcPts val="0"/>
+              </a:spcBef>
+              <a:spcAft>
+                <a:spcPts val="400"/>
+              </a:spcAft>
+              <a:buClrTx/>
+              <a:buSzTx/>
+              <a:buFontTx/>
+              <a:buNone/>
+              <a:tabLst/>
+              <a:defRPr/>
+            </a:pPr>
+            <a:endParaRPr lang="en-US" dirty="0" smtClean="0"/>
+          </a:p>
+          <a:p>
+            <a:pPr marL="0" marR="0" indent="0" algn="l" defTabSz="914342" rtl="0" eaLnBrk="1" fontAlgn="auto" latinLnBrk="0" hangingPunct="1">
+              <a:lnSpc>
+                <a:spcPct val="90000"/>
+              </a:lnSpc>
+              <a:spcBef>
+                <a:spcPts val="0"/>
+              </a:spcBef>
+              <a:spcAft>
+                <a:spcPts val="400"/>
+              </a:spcAft>
+              <a:buClrTx/>
+              <a:buSzTx/>
+              <a:buFontTx/>
+              <a:buNone/>
+              <a:tabLst/>
+              <a:defRPr/>
+            </a:pPr>
+            <a:r>
+              <a:rPr lang="en-US" dirty="0" smtClean="0"/>
+              <a:t>	setup();</a:t>
+            </a:r>
+          </a:p>
+          <a:p>
+            <a:pPr marL="0" marR="0" indent="0" algn="l" defTabSz="914342" rtl="0" eaLnBrk="1" fontAlgn="auto" latinLnBrk="0" hangingPunct="1">
+              <a:lnSpc>
+                <a:spcPct val="90000"/>
+              </a:lnSpc>
+              <a:spcBef>
+                <a:spcPts val="0"/>
+              </a:spcBef>
+              <a:spcAft>
+                <a:spcPts val="400"/>
+              </a:spcAft>
+              <a:buClrTx/>
+              <a:buSzTx/>
+              <a:buFontTx/>
+              <a:buNone/>
+              <a:tabLst/>
+              <a:defRPr/>
+            </a:pPr>
+            <a:r>
+              <a:rPr lang="en-US" dirty="0" smtClean="0"/>
+              <a:t>    </a:t>
+            </a:r>
+          </a:p>
+          <a:p>
+            <a:pPr marL="0" marR="0" indent="0" algn="l" defTabSz="914342" rtl="0" eaLnBrk="1" fontAlgn="auto" latinLnBrk="0" hangingPunct="1">
+              <a:lnSpc>
+                <a:spcPct val="90000"/>
+              </a:lnSpc>
+              <a:spcBef>
+                <a:spcPts val="0"/>
+              </a:spcBef>
+              <a:spcAft>
+                <a:spcPts val="400"/>
+              </a:spcAft>
+              <a:buClrTx/>
+              <a:buSzTx/>
+              <a:buFontTx/>
+              <a:buNone/>
+              <a:tabLst/>
+              <a:defRPr/>
+            </a:pPr>
+            <a:r>
+              <a:rPr lang="en-US" dirty="0" smtClean="0"/>
+              <a:t>	for (;;) {</a:t>
+            </a:r>
+          </a:p>
+          <a:p>
+            <a:pPr marL="0" marR="0" indent="0" algn="l" defTabSz="914342" rtl="0" eaLnBrk="1" fontAlgn="auto" latinLnBrk="0" hangingPunct="1">
+              <a:lnSpc>
+                <a:spcPct val="90000"/>
+              </a:lnSpc>
+              <a:spcBef>
+                <a:spcPts val="0"/>
+              </a:spcBef>
+              <a:spcAft>
+                <a:spcPts val="400"/>
+              </a:spcAft>
+              <a:buClrTx/>
+              <a:buSzTx/>
+              <a:buFontTx/>
+              <a:buNone/>
+              <a:tabLst/>
+              <a:defRPr/>
+            </a:pPr>
+            <a:r>
+              <a:rPr lang="en-US" dirty="0" smtClean="0"/>
+              <a:t>		loop();</a:t>
+            </a:r>
+          </a:p>
+          <a:p>
+            <a:pPr marL="0" marR="0" indent="0" algn="l" defTabSz="914342" rtl="0" eaLnBrk="1" fontAlgn="auto" latinLnBrk="0" hangingPunct="1">
+              <a:lnSpc>
+                <a:spcPct val="90000"/>
+              </a:lnSpc>
+              <a:spcBef>
+                <a:spcPts val="0"/>
+              </a:spcBef>
+              <a:spcAft>
+                <a:spcPts val="400"/>
+              </a:spcAft>
+              <a:buClrTx/>
+              <a:buSzTx/>
+              <a:buFontTx/>
+              <a:buNone/>
+              <a:tabLst/>
+              <a:defRPr/>
+            </a:pPr>
+            <a:r>
+              <a:rPr lang="en-US" dirty="0" smtClean="0"/>
+              <a:t>		if (</a:t>
+            </a:r>
+            <a:r>
+              <a:rPr lang="en-US" dirty="0" err="1" smtClean="0"/>
+              <a:t>serialEventRun</a:t>
+            </a:r>
+            <a:r>
+              <a:rPr lang="en-US" dirty="0" smtClean="0"/>
+              <a:t>) </a:t>
+            </a:r>
+            <a:r>
+              <a:rPr lang="en-US" dirty="0" err="1" smtClean="0"/>
+              <a:t>serialEventRun</a:t>
+            </a:r>
+            <a:r>
+              <a:rPr lang="en-US" dirty="0" smtClean="0"/>
+              <a:t>();</a:t>
+            </a:r>
+          </a:p>
+          <a:p>
+            <a:pPr marL="0" marR="0" indent="0" algn="l" defTabSz="914342" rtl="0" eaLnBrk="1" fontAlgn="auto" latinLnBrk="0" hangingPunct="1">
+              <a:lnSpc>
+                <a:spcPct val="90000"/>
+              </a:lnSpc>
+              <a:spcBef>
+                <a:spcPts val="0"/>
+              </a:spcBef>
+              <a:spcAft>
+                <a:spcPts val="400"/>
+              </a:spcAft>
+              <a:buClrTx/>
+              <a:buSzTx/>
+              <a:buFontTx/>
+              <a:buNone/>
+              <a:tabLst/>
+              <a:defRPr/>
+            </a:pPr>
+            <a:r>
+              <a:rPr lang="en-US" dirty="0" smtClean="0"/>
+              <a:t>	}</a:t>
+            </a:r>
+          </a:p>
+          <a:p>
+            <a:pPr marL="0" marR="0" indent="0" algn="l" defTabSz="914342" rtl="0" eaLnBrk="1" fontAlgn="auto" latinLnBrk="0" hangingPunct="1">
+              <a:lnSpc>
+                <a:spcPct val="90000"/>
+              </a:lnSpc>
+              <a:spcBef>
+                <a:spcPts val="0"/>
+              </a:spcBef>
+              <a:spcAft>
+                <a:spcPts val="400"/>
+              </a:spcAft>
+              <a:buClrTx/>
+              <a:buSzTx/>
+              <a:buFontTx/>
+              <a:buNone/>
+              <a:tabLst/>
+              <a:defRPr/>
+            </a:pPr>
+            <a:r>
+              <a:rPr lang="en-US" dirty="0" smtClean="0"/>
+              <a:t>        </a:t>
+            </a:r>
+          </a:p>
+          <a:p>
+            <a:pPr marL="0" marR="0" indent="0" algn="l" defTabSz="914342" rtl="0" eaLnBrk="1" fontAlgn="auto" latinLnBrk="0" hangingPunct="1">
+              <a:lnSpc>
+                <a:spcPct val="90000"/>
+              </a:lnSpc>
+              <a:spcBef>
+                <a:spcPts val="0"/>
+              </a:spcBef>
+              <a:spcAft>
+                <a:spcPts val="400"/>
+              </a:spcAft>
+              <a:buClrTx/>
+              <a:buSzTx/>
+              <a:buFontTx/>
+              <a:buNone/>
+              <a:tabLst/>
+              <a:defRPr/>
+            </a:pPr>
+            <a:r>
+              <a:rPr lang="en-US" dirty="0" smtClean="0"/>
+              <a:t>	return 0;</a:t>
+            </a:r>
+          </a:p>
+          <a:p>
+            <a:pPr marL="0" marR="0" indent="0" algn="l" defTabSz="914342" rtl="0" eaLnBrk="1" fontAlgn="auto" latinLnBrk="0" hangingPunct="1">
+              <a:lnSpc>
+                <a:spcPct val="90000"/>
+              </a:lnSpc>
+              <a:spcBef>
+                <a:spcPts val="0"/>
+              </a:spcBef>
+              <a:spcAft>
+                <a:spcPts val="400"/>
+              </a:spcAft>
+              <a:buClrTx/>
+              <a:buSzTx/>
+              <a:buFontTx/>
+              <a:buNone/>
+              <a:tabLst/>
+              <a:defRPr/>
+            </a:pPr>
+            <a:r>
+              <a:rPr lang="en-US" dirty="0" smtClean="0"/>
+              <a:t>}</a:t>
+            </a:r>
           </a:p>
         </p:txBody>
       </p:sp>
@@ -6494,7 +6702,7 @@
           <a:p>
             <a:r>
               <a:rPr lang="de-DE" smtClean="0"/>
-              <a:t>A_03_arduino_ide.pptx</a:t>
+              <a:t>arduino_ide.pptx</a:t>
             </a:r>
             <a:endParaRPr lang="de-DE" dirty="0"/>
           </a:p>
@@ -6648,7 +6856,7 @@
           <a:p>
             <a:r>
               <a:rPr lang="de-DE" smtClean="0"/>
-              <a:t>A_03_arduino_ide.pptx</a:t>
+              <a:t>arduino_ide.pptx</a:t>
             </a:r>
             <a:endParaRPr lang="de-DE" dirty="0"/>
           </a:p>
@@ -6962,7 +7170,7 @@
           <a:p>
             <a:r>
               <a:rPr lang="de-DE" smtClean="0"/>
-              <a:t>A_03_arduino_ide.pptx</a:t>
+              <a:t>arduino_ide.pptx</a:t>
             </a:r>
             <a:endParaRPr lang="de-DE" dirty="0"/>
           </a:p>
@@ -7265,7 +7473,7 @@
           <a:p>
             <a:r>
               <a:rPr lang="de-DE" smtClean="0"/>
-              <a:t>A_03_arduino_ide.pptx</a:t>
+              <a:t>arduino_ide.pptx</a:t>
             </a:r>
             <a:endParaRPr lang="de-DE" dirty="0"/>
           </a:p>
@@ -7426,7 +7634,7 @@
           <a:p>
             <a:r>
               <a:rPr lang="de-DE" smtClean="0"/>
-              <a:t>A_03_arduino_ide.pptx</a:t>
+              <a:t>arduino_ide.pptx</a:t>
             </a:r>
             <a:endParaRPr lang="de-DE" dirty="0"/>
           </a:p>
@@ -7814,7 +8022,7 @@
           <a:p>
             <a:r>
               <a:rPr lang="de-DE" smtClean="0"/>
-              <a:t>A_03_arduino_ide.pptx</a:t>
+              <a:t>arduino_ide.pptx</a:t>
             </a:r>
             <a:endParaRPr lang="de-DE"/>
           </a:p>
@@ -8908,7 +9116,7 @@
         </p:xfrm>
         <a:graphic>
           <a:graphicData uri="http://schemas.openxmlformats.org/presentationml/2006/ole">
-            <p:oleObj spid="_x0000_s301058" name="think-cell Slide" r:id="rId5" imgW="360" imgH="360" progId="">
+            <p:oleObj spid="_x0000_s277506" name="think-cell Slide" r:id="rId5" imgW="360" imgH="360" progId="">
               <p:embed/>
             </p:oleObj>
           </a:graphicData>
@@ -8944,35 +9152,7 @@
                 <a:latin typeface="Arial" pitchFamily="34" charset="0"/>
                 <a:cs typeface="Arial" pitchFamily="34" charset="0"/>
               </a:rPr>
-              <a:t> – </a:t>
-            </a:r>
-            <a:r>
-              <a:rPr lang="pl-PL" dirty="0" err="1" smtClean="0">
-                <a:latin typeface="Arial" pitchFamily="34" charset="0"/>
-                <a:cs typeface="Arial" pitchFamily="34" charset="0"/>
-              </a:rPr>
-              <a:t>Pulse-width</a:t>
-            </a:r>
-            <a:r>
-              <a:rPr lang="pl-PL" dirty="0" smtClean="0">
-                <a:latin typeface="Arial" pitchFamily="34" charset="0"/>
-                <a:cs typeface="Arial" pitchFamily="34" charset="0"/>
-              </a:rPr>
-              <a:t> </a:t>
-            </a:r>
-            <a:r>
-              <a:rPr lang="pl-PL" dirty="0" err="1" smtClean="0">
-                <a:latin typeface="Arial" pitchFamily="34" charset="0"/>
-                <a:cs typeface="Arial" pitchFamily="34" charset="0"/>
-              </a:rPr>
-              <a:t>modulation</a:t>
-            </a:r>
-            <a:r>
-              <a:rPr lang="pl-PL" dirty="0" smtClean="0">
-                <a:latin typeface="Arial" pitchFamily="34" charset="0"/>
-                <a:cs typeface="Arial" pitchFamily="34" charset="0"/>
-              </a:rPr>
-              <a:t> (PWM)</a:t>
+              <a:t> – cyfrowe wyjście</a:t>
             </a:r>
             <a:endParaRPr lang="en-GB" dirty="0">
               <a:latin typeface="Arial" pitchFamily="34" charset="0"/>
@@ -9022,7 +9202,7 @@
           <a:p>
             <a:r>
               <a:rPr lang="en-GB" smtClean="0"/>
-              <a:t>A_03_arduino_ide.pptx</a:t>
+              <a:t>arduino_ide.pptx</a:t>
             </a:r>
             <a:endParaRPr lang="en-GB" dirty="0"/>
           </a:p>
@@ -9118,6 +9298,1676 @@
       </p:sp>
       <p:pic>
         <p:nvPicPr>
+          <p:cNvPr id="277507" name="Picture 3" descr="C:\git\RoboCap\arduino\wks\A_03_01_digital_output\digital_output_bb.png"/>
+          <p:cNvPicPr>
+            <a:picLocks noChangeAspect="1" noChangeArrowheads="1"/>
+          </p:cNvPicPr>
+          <p:nvPr/>
+        </p:nvPicPr>
+        <p:blipFill>
+          <a:blip r:embed="rId7"/>
+          <a:srcRect/>
+          <a:stretch>
+            <a:fillRect/>
+          </a:stretch>
+        </p:blipFill>
+        <p:spPr bwMode="auto">
+          <a:xfrm>
+            <a:off x="1136470" y="1412720"/>
+            <a:ext cx="7540355" cy="4680000"/>
+          </a:xfrm>
+          <a:prstGeom prst="rect">
+            <a:avLst/>
+          </a:prstGeom>
+          <a:noFill/>
+        </p:spPr>
+      </p:pic>
+      <p:sp>
+        <p:nvSpPr>
+          <p:cNvPr id="11" name="TextBox 10"/>
+          <p:cNvSpPr txBox="1"/>
+          <p:nvPr/>
+        </p:nvSpPr>
+        <p:spPr>
+          <a:xfrm>
+            <a:off x="5889130" y="4005080"/>
+            <a:ext cx="460382" cy="348557"/>
+          </a:xfrm>
+          <a:prstGeom prst="rect">
+            <a:avLst/>
+          </a:prstGeom>
+          <a:noFill/>
+        </p:spPr>
+        <p:txBody>
+          <a:bodyPr wrap="none" rtlCol="0">
+            <a:spAutoFit/>
+          </a:bodyPr>
+          <a:lstStyle/>
+          <a:p>
+            <a:pPr>
+              <a:lnSpc>
+                <a:spcPct val="90000"/>
+              </a:lnSpc>
+            </a:pPr>
+            <a:r>
+              <a:rPr lang="pl-PL" sz="1800" b="1" dirty="0" smtClean="0">
+                <a:latin typeface="Courier New" pitchFamily="49" charset="0"/>
+                <a:cs typeface="Courier New" pitchFamily="49" charset="0"/>
+              </a:rPr>
+              <a:t>13</a:t>
+            </a:r>
+            <a:endParaRPr lang="en-US" sz="1800" b="1" dirty="0" smtClean="0">
+              <a:latin typeface="Courier New" pitchFamily="49" charset="0"/>
+              <a:cs typeface="Courier New" pitchFamily="49" charset="0"/>
+            </a:endParaRPr>
+          </a:p>
+        </p:txBody>
+      </p:sp>
+      <p:sp>
+        <p:nvSpPr>
+          <p:cNvPr id="12" name="TextBox 11"/>
+          <p:cNvSpPr txBox="1"/>
+          <p:nvPr/>
+        </p:nvSpPr>
+        <p:spPr>
+          <a:xfrm>
+            <a:off x="8265460" y="4005080"/>
+            <a:ext cx="598241" cy="348557"/>
+          </a:xfrm>
+          <a:prstGeom prst="rect">
+            <a:avLst/>
+          </a:prstGeom>
+          <a:noFill/>
+        </p:spPr>
+        <p:txBody>
+          <a:bodyPr wrap="none" rtlCol="0">
+            <a:spAutoFit/>
+          </a:bodyPr>
+          <a:lstStyle/>
+          <a:p>
+            <a:pPr>
+              <a:lnSpc>
+                <a:spcPct val="90000"/>
+              </a:lnSpc>
+            </a:pPr>
+            <a:r>
+              <a:rPr lang="pl-PL" sz="1800" b="1" dirty="0" smtClean="0">
+                <a:latin typeface="Courier New" pitchFamily="49" charset="0"/>
+                <a:cs typeface="Courier New" pitchFamily="49" charset="0"/>
+              </a:rPr>
+              <a:t>GND</a:t>
+            </a:r>
+            <a:endParaRPr lang="en-US" sz="1800" b="1" dirty="0" smtClean="0">
+              <a:latin typeface="Courier New" pitchFamily="49" charset="0"/>
+              <a:cs typeface="Courier New" pitchFamily="49" charset="0"/>
+            </a:endParaRPr>
+          </a:p>
+        </p:txBody>
+      </p:sp>
+    </p:spTree>
+  </p:cSld>
+  <p:clrMapOvr>
+    <a:masterClrMapping/>
+  </p:clrMapOvr>
+  <p:timing>
+    <p:tnLst>
+      <p:par>
+        <p:cTn id="1" dur="indefinite" restart="never" nodeType="tmRoot"/>
+      </p:par>
+    </p:tnLst>
+  </p:timing>
+</p:sld>
+</file>
+
+<file path=ppt/slides/slide11.xml><?xml version="1.0" encoding="utf-8"?>
+<p:sld xmlns:a="http://schemas.openxmlformats.org/drawingml/2006/main" xmlns:r="http://schemas.openxmlformats.org/officeDocument/2006/relationships" xmlns:p="http://schemas.openxmlformats.org/presentationml/2006/main">
+  <p:cSld>
+    <p:spTree>
+      <p:nvGrpSpPr>
+        <p:cNvPr id="1" name=""/>
+        <p:cNvGrpSpPr/>
+        <p:nvPr/>
+      </p:nvGrpSpPr>
+      <p:grpSpPr>
+        <a:xfrm>
+          <a:off x="0" y="0"/>
+          <a:ext cx="0" cy="0"/>
+          <a:chOff x="0" y="0"/>
+          <a:chExt cx="0" cy="0"/>
+        </a:xfrm>
+      </p:grpSpPr>
+      <p:graphicFrame>
+        <p:nvGraphicFramePr>
+          <p:cNvPr id="4" name="Object 3" hidden="1"/>
+          <p:cNvGraphicFramePr>
+            <a:graphicFrameLocks noChangeAspect="1"/>
+          </p:cNvGraphicFramePr>
+          <p:nvPr/>
+        </p:nvGraphicFramePr>
+        <p:xfrm>
+          <a:off x="0" y="0"/>
+          <a:ext cx="158750" cy="158750"/>
+        </p:xfrm>
+        <a:graphic>
+          <a:graphicData uri="http://schemas.openxmlformats.org/presentationml/2006/ole">
+            <p:oleObj spid="_x0000_s282626" name="think-cell Slide" r:id="rId5" imgW="360" imgH="360" progId="">
+              <p:embed/>
+            </p:oleObj>
+          </a:graphicData>
+        </a:graphic>
+      </p:graphicFrame>
+      <p:sp>
+        <p:nvSpPr>
+          <p:cNvPr id="2" name="Titre 1"/>
+          <p:cNvSpPr>
+            <a:spLocks noGrp="1"/>
+          </p:cNvSpPr>
+          <p:nvPr>
+            <p:ph type="title"/>
+            <p:custDataLst>
+              <p:tags r:id="rId2"/>
+            </p:custDataLst>
+          </p:nvPr>
+        </p:nvSpPr>
+        <p:spPr/>
+        <p:txBody>
+          <a:bodyPr/>
+          <a:lstStyle/>
+          <a:p>
+            <a:r>
+              <a:rPr lang="pl-PL" dirty="0" err="1" smtClean="0">
+                <a:latin typeface="Arial" pitchFamily="34" charset="0"/>
+                <a:cs typeface="Arial" pitchFamily="34" charset="0"/>
+              </a:rPr>
+              <a:t>Arduino</a:t>
+            </a:r>
+            <a:r>
+              <a:rPr lang="pl-PL" dirty="0" smtClean="0">
+                <a:latin typeface="Arial" pitchFamily="34" charset="0"/>
+                <a:cs typeface="Arial" pitchFamily="34" charset="0"/>
+              </a:rPr>
+              <a:t> – cyfrowe wyjście</a:t>
+            </a:r>
+            <a:endParaRPr lang="en-GB" dirty="0">
+              <a:latin typeface="Arial" pitchFamily="34" charset="0"/>
+              <a:cs typeface="Arial" pitchFamily="34" charset="0"/>
+            </a:endParaRPr>
+          </a:p>
+        </p:txBody>
+      </p:sp>
+      <p:sp>
+        <p:nvSpPr>
+          <p:cNvPr id="8" name="Slide Number Placeholder 7"/>
+          <p:cNvSpPr>
+            <a:spLocks noGrp="1"/>
+          </p:cNvSpPr>
+          <p:nvPr>
+            <p:ph type="sldNum" sz="quarter" idx="11"/>
+          </p:nvPr>
+        </p:nvSpPr>
+        <p:spPr/>
+        <p:txBody>
+          <a:bodyPr/>
+          <a:lstStyle/>
+          <a:p>
+            <a:fld id="{880BADDE-CEDF-4108-ADCD-25C7E5D681A5}" type="slidenum">
+              <a:rPr lang="en-GB" smtClean="0"/>
+              <a:pPr/>
+              <a:t>11</a:t>
+            </a:fld>
+            <a:endParaRPr lang="en-GB" dirty="0"/>
+          </a:p>
+        </p:txBody>
+      </p:sp>
+      <p:sp>
+        <p:nvSpPr>
+          <p:cNvPr id="9" name="Footer Placeholder 8"/>
+          <p:cNvSpPr>
+            <a:spLocks noGrp="1"/>
+          </p:cNvSpPr>
+          <p:nvPr>
+            <p:ph type="ftr" sz="quarter" idx="12"/>
+          </p:nvPr>
+        </p:nvSpPr>
+        <p:spPr/>
+        <p:txBody>
+          <a:bodyPr/>
+          <a:lstStyle/>
+          <a:p>
+            <a:r>
+              <a:rPr lang="en-GB" smtClean="0"/>
+              <a:t>arduino_ide.pptx</a:t>
+            </a:r>
+            <a:endParaRPr lang="en-GB" dirty="0"/>
+          </a:p>
+        </p:txBody>
+      </p:sp>
+      <p:sp>
+        <p:nvSpPr>
+          <p:cNvPr id="28" name="Date Placeholder 27"/>
+          <p:cNvSpPr>
+            <a:spLocks noGrp="1"/>
+          </p:cNvSpPr>
+          <p:nvPr>
+            <p:ph type="dt" sz="half" idx="10"/>
+          </p:nvPr>
+        </p:nvSpPr>
+        <p:spPr/>
+        <p:txBody>
+          <a:bodyPr/>
+          <a:lstStyle/>
+          <a:p>
+            <a:pPr defTabSz="995445" eaLnBrk="0" hangingPunct="0">
+              <a:lnSpc>
+                <a:spcPct val="90000"/>
+              </a:lnSpc>
+              <a:spcBef>
+                <a:spcPct val="10000"/>
+              </a:spcBef>
+              <a:defRPr/>
+            </a:pPr>
+            <a:r>
+              <a:rPr lang="en-US" dirty="0" smtClean="0"/>
+              <a:t>Creative Commons 4.0 license</a:t>
+            </a:r>
+            <a:endParaRPr lang="de-DE" dirty="0"/>
+          </a:p>
+        </p:txBody>
+      </p:sp>
+      <p:pic>
+        <p:nvPicPr>
+          <p:cNvPr id="10" name="Picture 4" descr="https://encrypted-tbn2.gstatic.com/images?q=tbn:ANd9GcSS5XD-fwsa5DO096u7zP5Rxt8qfokZ36djp-u5skB0qeeazcwI"/>
+          <p:cNvPicPr>
+            <a:picLocks noChangeAspect="1" noChangeArrowheads="1"/>
+          </p:cNvPicPr>
+          <p:nvPr/>
+        </p:nvPicPr>
+        <p:blipFill>
+          <a:blip r:embed="rId6"/>
+          <a:srcRect/>
+          <a:stretch>
+            <a:fillRect/>
+          </a:stretch>
+        </p:blipFill>
+        <p:spPr bwMode="auto">
+          <a:xfrm>
+            <a:off x="7689380" y="0"/>
+            <a:ext cx="992450" cy="992450"/>
+          </a:xfrm>
+          <a:prstGeom prst="rect">
+            <a:avLst/>
+          </a:prstGeom>
+          <a:noFill/>
+        </p:spPr>
+      </p:pic>
+      <p:sp>
+        <p:nvSpPr>
+          <p:cNvPr id="137220" name="AutoShape 4" descr="https://s3.amazonaws.com/ksr/assets/000/839/277/ed8e45bf086a57a613e7e9194eeb1742_large.png"/>
+          <p:cNvSpPr>
+            <a:spLocks noChangeAspect="1" noChangeArrowheads="1"/>
+          </p:cNvSpPr>
+          <p:nvPr/>
+        </p:nvSpPr>
+        <p:spPr bwMode="auto">
+          <a:xfrm>
+            <a:off x="155575" y="-144463"/>
+            <a:ext cx="304800" cy="304801"/>
+          </a:xfrm>
+          <a:prstGeom prst="rect">
+            <a:avLst/>
+          </a:prstGeom>
+          <a:noFill/>
+        </p:spPr>
+        <p:txBody>
+          <a:bodyPr vert="horz" wrap="square" lIns="91440" tIns="45720" rIns="91440" bIns="45720" numCol="1" anchor="t" anchorCtr="0" compatLnSpc="1">
+            <a:prstTxWarp prst="textNoShape">
+              <a:avLst/>
+            </a:prstTxWarp>
+          </a:bodyPr>
+          <a:lstStyle/>
+          <a:p>
+            <a:endParaRPr lang="en-US"/>
+          </a:p>
+        </p:txBody>
+      </p:sp>
+      <p:sp>
+        <p:nvSpPr>
+          <p:cNvPr id="15" name="Content Placeholder 7"/>
+          <p:cNvSpPr>
+            <a:spLocks noGrp="1"/>
+          </p:cNvSpPr>
+          <p:nvPr>
+            <p:ph idx="4294967295"/>
+          </p:nvPr>
+        </p:nvSpPr>
+        <p:spPr>
+          <a:xfrm>
+            <a:off x="4016870" y="1196690"/>
+            <a:ext cx="5760800" cy="5040700"/>
+          </a:xfrm>
+          <a:prstGeom prst="rect">
+            <a:avLst/>
+          </a:prstGeom>
+          <a:solidFill>
+            <a:schemeClr val="bg1">
+              <a:lumMod val="95000"/>
+            </a:schemeClr>
+          </a:solidFill>
+        </p:spPr>
+        <p:txBody>
+          <a:bodyPr>
+            <a:noAutofit/>
+          </a:bodyPr>
+          <a:lstStyle/>
+          <a:p>
+            <a:pPr lvl="0">
+              <a:lnSpc>
+                <a:spcPct val="100000"/>
+              </a:lnSpc>
+              <a:spcAft>
+                <a:spcPts val="0"/>
+              </a:spcAft>
+              <a:buClr>
+                <a:srgbClr val="998C85"/>
+              </a:buClr>
+            </a:pPr>
+            <a:r>
+              <a:rPr lang="en-US" sz="1800" b="1" dirty="0" smtClean="0">
+                <a:solidFill>
+                  <a:srgbClr val="CC0000"/>
+                </a:solidFill>
+                <a:latin typeface="Courier New" pitchFamily="49" charset="0"/>
+                <a:cs typeface="Courier New" pitchFamily="49" charset="0"/>
+              </a:rPr>
+              <a:t>#include &lt;</a:t>
+            </a:r>
+            <a:r>
+              <a:rPr lang="en-US" sz="1800" b="1" dirty="0" err="1" smtClean="0">
+                <a:solidFill>
+                  <a:srgbClr val="CC0000"/>
+                </a:solidFill>
+                <a:latin typeface="Courier New" pitchFamily="49" charset="0"/>
+                <a:cs typeface="Courier New" pitchFamily="49" charset="0"/>
+              </a:rPr>
+              <a:t>Arduino.h</a:t>
+            </a:r>
+            <a:r>
+              <a:rPr lang="en-US" sz="1800" b="1" dirty="0" smtClean="0">
+                <a:solidFill>
+                  <a:srgbClr val="CC0000"/>
+                </a:solidFill>
+                <a:latin typeface="Courier New" pitchFamily="49" charset="0"/>
+                <a:cs typeface="Courier New" pitchFamily="49" charset="0"/>
+              </a:rPr>
+              <a:t>&gt;</a:t>
+            </a:r>
+            <a:endParaRPr lang="pl-PL" sz="1800" b="1" dirty="0" smtClean="0">
+              <a:solidFill>
+                <a:srgbClr val="CC0000"/>
+              </a:solidFill>
+              <a:latin typeface="Courier New" pitchFamily="49" charset="0"/>
+              <a:cs typeface="Courier New" pitchFamily="49" charset="0"/>
+            </a:endParaRPr>
+          </a:p>
+          <a:p>
+            <a:pPr lvl="0">
+              <a:lnSpc>
+                <a:spcPct val="100000"/>
+              </a:lnSpc>
+              <a:spcAft>
+                <a:spcPts val="0"/>
+              </a:spcAft>
+              <a:buClr>
+                <a:srgbClr val="998C85"/>
+              </a:buClr>
+            </a:pPr>
+            <a:endParaRPr lang="pl-PL" sz="1800" b="1" dirty="0" smtClean="0">
+              <a:solidFill>
+                <a:srgbClr val="888888"/>
+              </a:solidFill>
+              <a:latin typeface="Courier New" pitchFamily="49" charset="0"/>
+              <a:cs typeface="Courier New" pitchFamily="49" charset="0"/>
+            </a:endParaRPr>
+          </a:p>
+          <a:p>
+            <a:pPr lvl="0">
+              <a:lnSpc>
+                <a:spcPct val="100000"/>
+              </a:lnSpc>
+              <a:spcAft>
+                <a:spcPts val="0"/>
+              </a:spcAft>
+              <a:buClr>
+                <a:srgbClr val="998C85"/>
+              </a:buClr>
+            </a:pPr>
+            <a:r>
+              <a:rPr lang="en-US" sz="1800" b="1" dirty="0" smtClean="0">
+                <a:solidFill>
+                  <a:srgbClr val="888888"/>
+                </a:solidFill>
+                <a:latin typeface="Courier New" pitchFamily="49" charset="0"/>
+                <a:cs typeface="Courier New" pitchFamily="49" charset="0"/>
+              </a:rPr>
+              <a:t>void</a:t>
+            </a:r>
+            <a:r>
+              <a:rPr lang="en-US" sz="1800" dirty="0" smtClean="0">
+                <a:solidFill>
+                  <a:srgbClr val="000000"/>
+                </a:solidFill>
+                <a:latin typeface="Courier New" pitchFamily="49" charset="0"/>
+                <a:cs typeface="Courier New" pitchFamily="49" charset="0"/>
+              </a:rPr>
+              <a:t> </a:t>
+            </a:r>
+            <a:r>
+              <a:rPr lang="en-US" sz="1800" b="1" dirty="0" smtClean="0">
+                <a:solidFill>
+                  <a:srgbClr val="0066BB"/>
+                </a:solidFill>
+                <a:latin typeface="Courier New" pitchFamily="49" charset="0"/>
+                <a:cs typeface="Courier New" pitchFamily="49" charset="0"/>
+              </a:rPr>
+              <a:t>setup</a:t>
+            </a:r>
+            <a:r>
+              <a:rPr lang="en-US" sz="1800" dirty="0" smtClean="0">
+                <a:solidFill>
+                  <a:srgbClr val="000000"/>
+                </a:solidFill>
+                <a:latin typeface="Courier New" pitchFamily="49" charset="0"/>
+                <a:cs typeface="Courier New" pitchFamily="49" charset="0"/>
+              </a:rPr>
+              <a:t>() {</a:t>
+            </a:r>
+            <a:endParaRPr lang="pl-PL" sz="1800" dirty="0" smtClean="0">
+              <a:solidFill>
+                <a:srgbClr val="000000"/>
+              </a:solidFill>
+              <a:latin typeface="Courier New" pitchFamily="49" charset="0"/>
+              <a:cs typeface="Courier New" pitchFamily="49" charset="0"/>
+            </a:endParaRPr>
+          </a:p>
+          <a:p>
+            <a:pPr lvl="0">
+              <a:lnSpc>
+                <a:spcPct val="100000"/>
+              </a:lnSpc>
+              <a:spcAft>
+                <a:spcPts val="0"/>
+              </a:spcAft>
+              <a:buClr>
+                <a:srgbClr val="998C85"/>
+              </a:buClr>
+            </a:pPr>
+            <a:r>
+              <a:rPr lang="en-US" sz="1800" dirty="0" smtClean="0">
+                <a:solidFill>
+                  <a:srgbClr val="000000"/>
+                </a:solidFill>
+                <a:latin typeface="Courier New" pitchFamily="49" charset="0"/>
+                <a:cs typeface="Courier New" pitchFamily="49" charset="0"/>
+              </a:rPr>
+              <a:t>  </a:t>
+            </a:r>
+            <a:r>
+              <a:rPr lang="en-US" sz="1800" dirty="0" err="1" smtClean="0">
+                <a:solidFill>
+                  <a:srgbClr val="000000"/>
+                </a:solidFill>
+                <a:latin typeface="Courier New" pitchFamily="49" charset="0"/>
+                <a:cs typeface="Courier New" pitchFamily="49" charset="0"/>
+              </a:rPr>
+              <a:t>pinMode</a:t>
+            </a:r>
+            <a:r>
+              <a:rPr lang="en-US" sz="1800" dirty="0" smtClean="0">
+                <a:solidFill>
+                  <a:srgbClr val="000000"/>
+                </a:solidFill>
+                <a:latin typeface="Courier New" pitchFamily="49" charset="0"/>
+                <a:cs typeface="Courier New" pitchFamily="49" charset="0"/>
+              </a:rPr>
+              <a:t>(</a:t>
+            </a:r>
+            <a:r>
+              <a:rPr lang="en-US" sz="1800" b="1" dirty="0" smtClean="0">
+                <a:solidFill>
+                  <a:srgbClr val="0000DD"/>
+                </a:solidFill>
+                <a:latin typeface="Courier New" pitchFamily="49" charset="0"/>
+                <a:cs typeface="Courier New" pitchFamily="49" charset="0"/>
+              </a:rPr>
+              <a:t>13</a:t>
+            </a:r>
+            <a:r>
+              <a:rPr lang="en-US" sz="1800" dirty="0" smtClean="0">
+                <a:solidFill>
+                  <a:srgbClr val="000000"/>
+                </a:solidFill>
+                <a:latin typeface="Courier New" pitchFamily="49" charset="0"/>
+                <a:cs typeface="Courier New" pitchFamily="49" charset="0"/>
+              </a:rPr>
+              <a:t>, OUTPUT);</a:t>
+            </a:r>
+            <a:endParaRPr lang="pl-PL" sz="1800" dirty="0" smtClean="0">
+              <a:solidFill>
+                <a:srgbClr val="000000"/>
+              </a:solidFill>
+              <a:latin typeface="Courier New" pitchFamily="49" charset="0"/>
+              <a:cs typeface="Courier New" pitchFamily="49" charset="0"/>
+            </a:endParaRPr>
+          </a:p>
+          <a:p>
+            <a:pPr lvl="0">
+              <a:lnSpc>
+                <a:spcPct val="100000"/>
+              </a:lnSpc>
+              <a:spcAft>
+                <a:spcPts val="0"/>
+              </a:spcAft>
+              <a:buClr>
+                <a:srgbClr val="998C85"/>
+              </a:buClr>
+            </a:pPr>
+            <a:r>
+              <a:rPr lang="en-US" sz="1800" dirty="0" smtClean="0">
+                <a:solidFill>
+                  <a:srgbClr val="000000"/>
+                </a:solidFill>
+                <a:latin typeface="Courier New" pitchFamily="49" charset="0"/>
+                <a:cs typeface="Courier New" pitchFamily="49" charset="0"/>
+              </a:rPr>
+              <a:t>}</a:t>
+            </a:r>
+            <a:endParaRPr lang="pl-PL" sz="1800" dirty="0" smtClean="0">
+              <a:solidFill>
+                <a:srgbClr val="000000"/>
+              </a:solidFill>
+              <a:latin typeface="Courier New" pitchFamily="49" charset="0"/>
+              <a:cs typeface="Courier New" pitchFamily="49" charset="0"/>
+            </a:endParaRPr>
+          </a:p>
+          <a:p>
+            <a:pPr lvl="0">
+              <a:lnSpc>
+                <a:spcPct val="100000"/>
+              </a:lnSpc>
+              <a:spcAft>
+                <a:spcPts val="0"/>
+              </a:spcAft>
+              <a:buClr>
+                <a:srgbClr val="998C85"/>
+              </a:buClr>
+            </a:pPr>
+            <a:endParaRPr lang="pl-PL" sz="1800" b="1" dirty="0" smtClean="0">
+              <a:solidFill>
+                <a:srgbClr val="888888"/>
+              </a:solidFill>
+              <a:latin typeface="Courier New" pitchFamily="49" charset="0"/>
+              <a:cs typeface="Courier New" pitchFamily="49" charset="0"/>
+            </a:endParaRPr>
+          </a:p>
+          <a:p>
+            <a:pPr lvl="0">
+              <a:lnSpc>
+                <a:spcPct val="100000"/>
+              </a:lnSpc>
+              <a:spcAft>
+                <a:spcPts val="0"/>
+              </a:spcAft>
+              <a:buClr>
+                <a:srgbClr val="998C85"/>
+              </a:buClr>
+            </a:pPr>
+            <a:r>
+              <a:rPr lang="en-US" sz="1800" b="1" dirty="0" smtClean="0">
+                <a:solidFill>
+                  <a:srgbClr val="888888"/>
+                </a:solidFill>
+                <a:latin typeface="Courier New" pitchFamily="49" charset="0"/>
+                <a:cs typeface="Courier New" pitchFamily="49" charset="0"/>
+              </a:rPr>
+              <a:t>void</a:t>
+            </a:r>
+            <a:r>
+              <a:rPr lang="en-US" sz="1800" dirty="0" smtClean="0">
+                <a:solidFill>
+                  <a:srgbClr val="000000"/>
+                </a:solidFill>
+                <a:latin typeface="Courier New" pitchFamily="49" charset="0"/>
+                <a:cs typeface="Courier New" pitchFamily="49" charset="0"/>
+              </a:rPr>
+              <a:t> </a:t>
+            </a:r>
+            <a:r>
+              <a:rPr lang="en-US" sz="1800" b="1" dirty="0" smtClean="0">
+                <a:solidFill>
+                  <a:srgbClr val="0066BB"/>
+                </a:solidFill>
+                <a:latin typeface="Courier New" pitchFamily="49" charset="0"/>
+                <a:cs typeface="Courier New" pitchFamily="49" charset="0"/>
+              </a:rPr>
+              <a:t>loop</a:t>
+            </a:r>
+            <a:r>
+              <a:rPr lang="en-US" sz="1800" dirty="0" smtClean="0">
+                <a:solidFill>
+                  <a:srgbClr val="000000"/>
+                </a:solidFill>
+                <a:latin typeface="Courier New" pitchFamily="49" charset="0"/>
+                <a:cs typeface="Courier New" pitchFamily="49" charset="0"/>
+              </a:rPr>
+              <a:t>() {</a:t>
+            </a:r>
+            <a:endParaRPr lang="pl-PL" sz="1800" dirty="0" smtClean="0">
+              <a:solidFill>
+                <a:srgbClr val="000000"/>
+              </a:solidFill>
+              <a:latin typeface="Courier New" pitchFamily="49" charset="0"/>
+              <a:cs typeface="Courier New" pitchFamily="49" charset="0"/>
+            </a:endParaRPr>
+          </a:p>
+          <a:p>
+            <a:pPr lvl="0">
+              <a:lnSpc>
+                <a:spcPct val="100000"/>
+              </a:lnSpc>
+              <a:spcAft>
+                <a:spcPts val="0"/>
+              </a:spcAft>
+              <a:buClr>
+                <a:srgbClr val="998C85"/>
+              </a:buClr>
+            </a:pPr>
+            <a:r>
+              <a:rPr lang="en-US" sz="1800" dirty="0" smtClean="0">
+                <a:solidFill>
+                  <a:srgbClr val="000000"/>
+                </a:solidFill>
+                <a:latin typeface="Courier New" pitchFamily="49" charset="0"/>
+                <a:cs typeface="Courier New" pitchFamily="49" charset="0"/>
+              </a:rPr>
+              <a:t>  </a:t>
+            </a:r>
+            <a:r>
+              <a:rPr lang="en-US" sz="1800" dirty="0" err="1" smtClean="0">
+                <a:solidFill>
+                  <a:srgbClr val="000000"/>
+                </a:solidFill>
+                <a:latin typeface="Courier New" pitchFamily="49" charset="0"/>
+                <a:cs typeface="Courier New" pitchFamily="49" charset="0"/>
+              </a:rPr>
+              <a:t>digitalWrite</a:t>
+            </a:r>
+            <a:r>
+              <a:rPr lang="en-US" sz="1800" dirty="0" smtClean="0">
+                <a:solidFill>
+                  <a:srgbClr val="000000"/>
+                </a:solidFill>
+                <a:latin typeface="Courier New" pitchFamily="49" charset="0"/>
+                <a:cs typeface="Courier New" pitchFamily="49" charset="0"/>
+              </a:rPr>
+              <a:t>(</a:t>
+            </a:r>
+            <a:r>
+              <a:rPr lang="en-US" sz="1800" b="1" dirty="0" smtClean="0">
+                <a:solidFill>
+                  <a:srgbClr val="0000DD"/>
+                </a:solidFill>
+                <a:latin typeface="Courier New" pitchFamily="49" charset="0"/>
+                <a:cs typeface="Courier New" pitchFamily="49" charset="0"/>
+              </a:rPr>
+              <a:t>13</a:t>
+            </a:r>
+            <a:r>
+              <a:rPr lang="en-US" sz="1800" dirty="0" smtClean="0">
+                <a:solidFill>
+                  <a:srgbClr val="000000"/>
+                </a:solidFill>
+                <a:latin typeface="Courier New" pitchFamily="49" charset="0"/>
+                <a:cs typeface="Courier New" pitchFamily="49" charset="0"/>
+              </a:rPr>
+              <a:t>, HIGH);</a:t>
+            </a:r>
+            <a:endParaRPr lang="pl-PL" sz="1800" dirty="0" smtClean="0">
+              <a:solidFill>
+                <a:srgbClr val="000000"/>
+              </a:solidFill>
+              <a:latin typeface="Courier New" pitchFamily="49" charset="0"/>
+              <a:cs typeface="Courier New" pitchFamily="49" charset="0"/>
+            </a:endParaRPr>
+          </a:p>
+          <a:p>
+            <a:pPr lvl="0">
+              <a:lnSpc>
+                <a:spcPct val="100000"/>
+              </a:lnSpc>
+              <a:spcAft>
+                <a:spcPts val="0"/>
+              </a:spcAft>
+              <a:buClr>
+                <a:srgbClr val="998C85"/>
+              </a:buClr>
+            </a:pPr>
+            <a:r>
+              <a:rPr lang="en-US" sz="1800" dirty="0" smtClean="0">
+                <a:solidFill>
+                  <a:srgbClr val="000000"/>
+                </a:solidFill>
+                <a:latin typeface="Courier New" pitchFamily="49" charset="0"/>
+                <a:cs typeface="Courier New" pitchFamily="49" charset="0"/>
+              </a:rPr>
+              <a:t>  delay(</a:t>
+            </a:r>
+            <a:r>
+              <a:rPr lang="en-US" sz="1800" b="1" dirty="0" smtClean="0">
+                <a:solidFill>
+                  <a:srgbClr val="0000DD"/>
+                </a:solidFill>
+                <a:latin typeface="Courier New" pitchFamily="49" charset="0"/>
+                <a:cs typeface="Courier New" pitchFamily="49" charset="0"/>
+              </a:rPr>
+              <a:t>1000</a:t>
+            </a:r>
+            <a:r>
+              <a:rPr lang="en-US" sz="1800" dirty="0" smtClean="0">
+                <a:solidFill>
+                  <a:srgbClr val="000000"/>
+                </a:solidFill>
+                <a:latin typeface="Courier New" pitchFamily="49" charset="0"/>
+                <a:cs typeface="Courier New" pitchFamily="49" charset="0"/>
+              </a:rPr>
+              <a:t>);</a:t>
+            </a:r>
+            <a:endParaRPr lang="pl-PL" sz="1800" dirty="0" smtClean="0">
+              <a:solidFill>
+                <a:srgbClr val="000000"/>
+              </a:solidFill>
+              <a:latin typeface="Courier New" pitchFamily="49" charset="0"/>
+              <a:cs typeface="Courier New" pitchFamily="49" charset="0"/>
+            </a:endParaRPr>
+          </a:p>
+          <a:p>
+            <a:pPr lvl="0">
+              <a:lnSpc>
+                <a:spcPct val="100000"/>
+              </a:lnSpc>
+              <a:spcAft>
+                <a:spcPts val="0"/>
+              </a:spcAft>
+              <a:buClr>
+                <a:srgbClr val="998C85"/>
+              </a:buClr>
+            </a:pPr>
+            <a:r>
+              <a:rPr lang="en-US" sz="1800" dirty="0" smtClean="0">
+                <a:solidFill>
+                  <a:srgbClr val="000000"/>
+                </a:solidFill>
+                <a:latin typeface="Courier New" pitchFamily="49" charset="0"/>
+                <a:cs typeface="Courier New" pitchFamily="49" charset="0"/>
+              </a:rPr>
+              <a:t>  </a:t>
+            </a:r>
+            <a:r>
+              <a:rPr lang="en-US" sz="1800" dirty="0" err="1" smtClean="0">
+                <a:solidFill>
+                  <a:srgbClr val="000000"/>
+                </a:solidFill>
+                <a:latin typeface="Courier New" pitchFamily="49" charset="0"/>
+                <a:cs typeface="Courier New" pitchFamily="49" charset="0"/>
+              </a:rPr>
+              <a:t>digitalWrite</a:t>
+            </a:r>
+            <a:r>
+              <a:rPr lang="en-US" sz="1800" dirty="0" smtClean="0">
+                <a:solidFill>
+                  <a:srgbClr val="000000"/>
+                </a:solidFill>
+                <a:latin typeface="Courier New" pitchFamily="49" charset="0"/>
+                <a:cs typeface="Courier New" pitchFamily="49" charset="0"/>
+              </a:rPr>
+              <a:t>(</a:t>
+            </a:r>
+            <a:r>
+              <a:rPr lang="en-US" sz="1800" b="1" dirty="0" smtClean="0">
+                <a:solidFill>
+                  <a:srgbClr val="0000DD"/>
+                </a:solidFill>
+                <a:latin typeface="Courier New" pitchFamily="49" charset="0"/>
+                <a:cs typeface="Courier New" pitchFamily="49" charset="0"/>
+              </a:rPr>
+              <a:t>13</a:t>
+            </a:r>
+            <a:r>
+              <a:rPr lang="en-US" sz="1800" dirty="0" smtClean="0">
+                <a:solidFill>
+                  <a:srgbClr val="000000"/>
+                </a:solidFill>
+                <a:latin typeface="Courier New" pitchFamily="49" charset="0"/>
+                <a:cs typeface="Courier New" pitchFamily="49" charset="0"/>
+              </a:rPr>
+              <a:t>, LOW);</a:t>
+            </a:r>
+            <a:endParaRPr lang="pl-PL" sz="1800" dirty="0" smtClean="0">
+              <a:solidFill>
+                <a:srgbClr val="000000"/>
+              </a:solidFill>
+              <a:latin typeface="Courier New" pitchFamily="49" charset="0"/>
+              <a:cs typeface="Courier New" pitchFamily="49" charset="0"/>
+            </a:endParaRPr>
+          </a:p>
+          <a:p>
+            <a:pPr lvl="0">
+              <a:lnSpc>
+                <a:spcPct val="100000"/>
+              </a:lnSpc>
+              <a:spcAft>
+                <a:spcPts val="0"/>
+              </a:spcAft>
+              <a:buClr>
+                <a:srgbClr val="998C85"/>
+              </a:buClr>
+            </a:pPr>
+            <a:r>
+              <a:rPr lang="en-US" sz="1800" dirty="0" smtClean="0">
+                <a:solidFill>
+                  <a:srgbClr val="000000"/>
+                </a:solidFill>
+                <a:latin typeface="Courier New" pitchFamily="49" charset="0"/>
+                <a:cs typeface="Courier New" pitchFamily="49" charset="0"/>
+              </a:rPr>
+              <a:t>  delay(</a:t>
+            </a:r>
+            <a:r>
+              <a:rPr lang="en-US" sz="1800" b="1" dirty="0" smtClean="0">
+                <a:solidFill>
+                  <a:srgbClr val="0000DD"/>
+                </a:solidFill>
+                <a:latin typeface="Courier New" pitchFamily="49" charset="0"/>
+                <a:cs typeface="Courier New" pitchFamily="49" charset="0"/>
+              </a:rPr>
+              <a:t>1000</a:t>
+            </a:r>
+            <a:r>
+              <a:rPr lang="en-US" sz="1800" dirty="0" smtClean="0">
+                <a:solidFill>
+                  <a:srgbClr val="000000"/>
+                </a:solidFill>
+                <a:latin typeface="Courier New" pitchFamily="49" charset="0"/>
+                <a:cs typeface="Courier New" pitchFamily="49" charset="0"/>
+              </a:rPr>
+              <a:t>);</a:t>
+            </a:r>
+            <a:endParaRPr lang="pl-PL" sz="1800" dirty="0" smtClean="0">
+              <a:solidFill>
+                <a:srgbClr val="000000"/>
+              </a:solidFill>
+              <a:latin typeface="Courier New" pitchFamily="49" charset="0"/>
+              <a:cs typeface="Courier New" pitchFamily="49" charset="0"/>
+            </a:endParaRPr>
+          </a:p>
+          <a:p>
+            <a:pPr lvl="0">
+              <a:lnSpc>
+                <a:spcPct val="100000"/>
+              </a:lnSpc>
+              <a:spcAft>
+                <a:spcPts val="0"/>
+              </a:spcAft>
+              <a:buClr>
+                <a:srgbClr val="998C85"/>
+              </a:buClr>
+            </a:pPr>
+            <a:r>
+              <a:rPr lang="en-US" sz="1800" dirty="0" smtClean="0">
+                <a:solidFill>
+                  <a:srgbClr val="000000"/>
+                </a:solidFill>
+                <a:latin typeface="Courier New" pitchFamily="49" charset="0"/>
+                <a:cs typeface="Courier New" pitchFamily="49" charset="0"/>
+              </a:rPr>
+              <a:t>}</a:t>
+            </a:r>
+            <a:endParaRPr lang="pl-PL" sz="1800" dirty="0" smtClean="0">
+              <a:solidFill>
+                <a:sysClr val="windowText" lastClr="000000"/>
+              </a:solidFill>
+              <a:latin typeface="Courier New" pitchFamily="49" charset="0"/>
+              <a:cs typeface="Courier New" pitchFamily="49" charset="0"/>
+            </a:endParaRPr>
+          </a:p>
+          <a:p>
+            <a:pPr marL="342900" indent="-342900" defTabSz="457200">
+              <a:lnSpc>
+                <a:spcPct val="100000"/>
+              </a:lnSpc>
+              <a:spcBef>
+                <a:spcPct val="20000"/>
+              </a:spcBef>
+              <a:spcAft>
+                <a:spcPts val="0"/>
+              </a:spcAft>
+              <a:buClrTx/>
+            </a:pPr>
+            <a:endParaRPr lang="pl-PL" sz="1800" dirty="0" smtClean="0">
+              <a:solidFill>
+                <a:sysClr val="windowText" lastClr="000000"/>
+              </a:solidFill>
+              <a:latin typeface="Arial" pitchFamily="34" charset="0"/>
+              <a:cs typeface="Arial" pitchFamily="34" charset="0"/>
+            </a:endParaRPr>
+          </a:p>
+        </p:txBody>
+      </p:sp>
+      <p:sp>
+        <p:nvSpPr>
+          <p:cNvPr id="11" name="Content Placeholder 7"/>
+          <p:cNvSpPr>
+            <a:spLocks noGrp="1"/>
+          </p:cNvSpPr>
+          <p:nvPr>
+            <p:ph idx="4294967295"/>
+          </p:nvPr>
+        </p:nvSpPr>
+        <p:spPr>
+          <a:xfrm>
+            <a:off x="344360" y="1340710"/>
+            <a:ext cx="3600500" cy="4968690"/>
+          </a:xfrm>
+          <a:prstGeom prst="rect">
+            <a:avLst/>
+          </a:prstGeom>
+        </p:spPr>
+        <p:txBody>
+          <a:bodyPr>
+            <a:noAutofit/>
+          </a:bodyPr>
+          <a:lstStyle/>
+          <a:p>
+            <a:pPr marL="342900" indent="-342900" defTabSz="457200">
+              <a:lnSpc>
+                <a:spcPct val="100000"/>
+              </a:lnSpc>
+              <a:spcBef>
+                <a:spcPct val="20000"/>
+              </a:spcBef>
+              <a:spcAft>
+                <a:spcPts val="1200"/>
+              </a:spcAft>
+              <a:buClrTx/>
+              <a:buFont typeface="Arial" pitchFamily="34" charset="0"/>
+              <a:buChar char="•"/>
+            </a:pPr>
+            <a:r>
+              <a:rPr lang="pl-PL" sz="2000" b="1" dirty="0" err="1" smtClean="0">
+                <a:solidFill>
+                  <a:srgbClr val="0070C0"/>
+                </a:solidFill>
+                <a:latin typeface="Courier New" pitchFamily="49" charset="0"/>
+                <a:cs typeface="Courier New" pitchFamily="49" charset="0"/>
+              </a:rPr>
+              <a:t>pinMode</a:t>
+            </a:r>
+            <a:r>
+              <a:rPr lang="pl-PL" sz="2000" b="1" dirty="0" smtClean="0">
+                <a:solidFill>
+                  <a:srgbClr val="0070C0"/>
+                </a:solidFill>
+                <a:latin typeface="Courier New" pitchFamily="49" charset="0"/>
+                <a:cs typeface="Courier New" pitchFamily="49" charset="0"/>
+              </a:rPr>
+              <a:t>(pin, </a:t>
+            </a:r>
+            <a:r>
+              <a:rPr lang="pl-PL" sz="2000" b="1" dirty="0" err="1" smtClean="0">
+                <a:solidFill>
+                  <a:srgbClr val="0070C0"/>
+                </a:solidFill>
+                <a:latin typeface="Courier New" pitchFamily="49" charset="0"/>
+                <a:cs typeface="Courier New" pitchFamily="49" charset="0"/>
+              </a:rPr>
+              <a:t>mode</a:t>
+            </a:r>
+            <a:r>
+              <a:rPr lang="pl-PL" sz="2000" b="1" dirty="0" smtClean="0">
+                <a:solidFill>
+                  <a:srgbClr val="0070C0"/>
+                </a:solidFill>
+                <a:latin typeface="Courier New" pitchFamily="49" charset="0"/>
+                <a:cs typeface="Courier New" pitchFamily="49" charset="0"/>
+              </a:rPr>
+              <a:t>) </a:t>
+            </a:r>
+            <a:r>
+              <a:rPr lang="pl-PL" sz="2000" b="1" dirty="0" smtClean="0">
+                <a:solidFill>
+                  <a:sysClr val="windowText" lastClr="000000"/>
+                </a:solidFill>
+                <a:latin typeface="Courier New" pitchFamily="49" charset="0"/>
+                <a:cs typeface="Courier New" pitchFamily="49" charset="0"/>
+              </a:rPr>
+              <a:t/>
+            </a:r>
+            <a:br>
+              <a:rPr lang="pl-PL" sz="2000" b="1" dirty="0" smtClean="0">
+                <a:solidFill>
+                  <a:sysClr val="windowText" lastClr="000000"/>
+                </a:solidFill>
+                <a:latin typeface="Courier New" pitchFamily="49" charset="0"/>
+                <a:cs typeface="Courier New" pitchFamily="49" charset="0"/>
+              </a:rPr>
+            </a:br>
+            <a:r>
+              <a:rPr lang="pl-PL" sz="2000" b="1" dirty="0" err="1" smtClean="0">
+                <a:solidFill>
+                  <a:sysClr val="windowText" lastClr="000000"/>
+                </a:solidFill>
+                <a:latin typeface="Courier New" pitchFamily="49" charset="0"/>
+                <a:cs typeface="Courier New" pitchFamily="49" charset="0"/>
+              </a:rPr>
+              <a:t>mode</a:t>
+            </a:r>
+            <a:r>
+              <a:rPr lang="pl-PL" sz="2000" b="1" dirty="0" smtClean="0">
+                <a:solidFill>
+                  <a:sysClr val="windowText" lastClr="000000"/>
+                </a:solidFill>
+                <a:latin typeface="Courier New" pitchFamily="49" charset="0"/>
+                <a:cs typeface="Courier New" pitchFamily="49" charset="0"/>
+              </a:rPr>
+              <a:t>: </a:t>
+            </a:r>
+            <a:r>
+              <a:rPr lang="pl-PL" sz="2000" b="1" dirty="0" smtClean="0">
+                <a:solidFill>
+                  <a:srgbClr val="00B050"/>
+                </a:solidFill>
+                <a:latin typeface="Courier New" pitchFamily="49" charset="0"/>
+                <a:cs typeface="Courier New" pitchFamily="49" charset="0"/>
+              </a:rPr>
+              <a:t>INPUT</a:t>
+            </a:r>
+            <a:r>
+              <a:rPr lang="pl-PL" sz="2000" b="1" dirty="0" smtClean="0">
+                <a:solidFill>
+                  <a:sysClr val="windowText" lastClr="000000"/>
+                </a:solidFill>
+                <a:latin typeface="Courier New" pitchFamily="49" charset="0"/>
+                <a:cs typeface="Courier New" pitchFamily="49" charset="0"/>
+              </a:rPr>
+              <a:t>, </a:t>
+            </a:r>
+            <a:r>
+              <a:rPr lang="pl-PL" sz="2000" b="1" dirty="0" smtClean="0">
+                <a:solidFill>
+                  <a:srgbClr val="00B050"/>
+                </a:solidFill>
+                <a:latin typeface="Courier New" pitchFamily="49" charset="0"/>
+                <a:cs typeface="Courier New" pitchFamily="49" charset="0"/>
+              </a:rPr>
+              <a:t>OUTPUT</a:t>
+            </a:r>
+            <a:r>
+              <a:rPr lang="pl-PL" sz="2000" b="1" dirty="0" smtClean="0">
+                <a:solidFill>
+                  <a:sysClr val="windowText" lastClr="000000"/>
+                </a:solidFill>
+                <a:latin typeface="Courier New" pitchFamily="49" charset="0"/>
+                <a:cs typeface="Courier New" pitchFamily="49" charset="0"/>
+              </a:rPr>
+              <a:t>, </a:t>
+            </a:r>
+            <a:r>
+              <a:rPr lang="pl-PL" sz="2000" b="1" dirty="0" err="1" smtClean="0">
+                <a:solidFill>
+                  <a:srgbClr val="00B050"/>
+                </a:solidFill>
+                <a:latin typeface="Courier New" pitchFamily="49" charset="0"/>
+                <a:cs typeface="Courier New" pitchFamily="49" charset="0"/>
+              </a:rPr>
+              <a:t>INPUT_PULLUP</a:t>
+            </a:r>
+            <a:r>
+              <a:rPr lang="pl-PL" sz="2000" dirty="0" smtClean="0">
+                <a:solidFill>
+                  <a:sysClr val="windowText" lastClr="000000"/>
+                </a:solidFill>
+                <a:latin typeface="+mj-lt"/>
+                <a:cs typeface="Arial" pitchFamily="34" charset="0"/>
+              </a:rPr>
+              <a:t/>
+            </a:r>
+            <a:br>
+              <a:rPr lang="pl-PL" sz="2000" dirty="0" smtClean="0">
+                <a:solidFill>
+                  <a:sysClr val="windowText" lastClr="000000"/>
+                </a:solidFill>
+                <a:latin typeface="+mj-lt"/>
+                <a:cs typeface="Arial" pitchFamily="34" charset="0"/>
+              </a:rPr>
+            </a:br>
+            <a:r>
+              <a:rPr lang="pl-PL" sz="2000" dirty="0" smtClean="0">
+                <a:solidFill>
+                  <a:sysClr val="windowText" lastClr="000000"/>
+                </a:solidFill>
+                <a:latin typeface="Arial" pitchFamily="34" charset="0"/>
+                <a:cs typeface="Arial" pitchFamily="34" charset="0"/>
+              </a:rPr>
+              <a:t>konfiguracja cyfrowego wtyku</a:t>
+            </a:r>
+          </a:p>
+          <a:p>
+            <a:pPr marL="342900" indent="-342900" defTabSz="457200">
+              <a:lnSpc>
+                <a:spcPct val="100000"/>
+              </a:lnSpc>
+              <a:spcBef>
+                <a:spcPct val="20000"/>
+              </a:spcBef>
+              <a:spcAft>
+                <a:spcPts val="1200"/>
+              </a:spcAft>
+              <a:buClrTx/>
+              <a:buFont typeface="Arial" pitchFamily="34" charset="0"/>
+              <a:buChar char="•"/>
+            </a:pPr>
+            <a:r>
+              <a:rPr lang="pl-PL" sz="2000" b="1" dirty="0" err="1" smtClean="0">
+                <a:solidFill>
+                  <a:srgbClr val="0070C0"/>
+                </a:solidFill>
+                <a:latin typeface="Courier New" pitchFamily="49" charset="0"/>
+                <a:cs typeface="Courier New" pitchFamily="49" charset="0"/>
+              </a:rPr>
+              <a:t>digitalWrite</a:t>
+            </a:r>
+            <a:r>
+              <a:rPr lang="pl-PL" sz="2000" b="1" dirty="0" smtClean="0">
+                <a:solidFill>
+                  <a:srgbClr val="0070C0"/>
+                </a:solidFill>
+                <a:latin typeface="Courier New" pitchFamily="49" charset="0"/>
+                <a:cs typeface="Courier New" pitchFamily="49" charset="0"/>
+              </a:rPr>
+              <a:t>(pin, </a:t>
+            </a:r>
+            <a:r>
+              <a:rPr lang="pl-PL" sz="2000" b="1" dirty="0" err="1" smtClean="0">
+                <a:solidFill>
+                  <a:srgbClr val="0070C0"/>
+                </a:solidFill>
+                <a:latin typeface="Courier New" pitchFamily="49" charset="0"/>
+                <a:cs typeface="Courier New" pitchFamily="49" charset="0"/>
+              </a:rPr>
+              <a:t>value</a:t>
+            </a:r>
+            <a:r>
+              <a:rPr lang="pl-PL" sz="2000" b="1" dirty="0" smtClean="0">
+                <a:solidFill>
+                  <a:srgbClr val="0070C0"/>
+                </a:solidFill>
+                <a:latin typeface="Courier New" pitchFamily="49" charset="0"/>
+                <a:cs typeface="Courier New" pitchFamily="49" charset="0"/>
+              </a:rPr>
+              <a:t>)</a:t>
+            </a:r>
+            <a:br>
+              <a:rPr lang="pl-PL" sz="2000" b="1" dirty="0" smtClean="0">
+                <a:solidFill>
+                  <a:srgbClr val="0070C0"/>
+                </a:solidFill>
+                <a:latin typeface="Courier New" pitchFamily="49" charset="0"/>
+                <a:cs typeface="Courier New" pitchFamily="49" charset="0"/>
+              </a:rPr>
+            </a:br>
+            <a:r>
+              <a:rPr lang="pl-PL" sz="2000" b="1" dirty="0" err="1" smtClean="0">
+                <a:solidFill>
+                  <a:sysClr val="windowText" lastClr="000000"/>
+                </a:solidFill>
+                <a:latin typeface="Courier New" pitchFamily="49" charset="0"/>
+                <a:cs typeface="Courier New" pitchFamily="49" charset="0"/>
+              </a:rPr>
+              <a:t>value</a:t>
+            </a:r>
+            <a:r>
+              <a:rPr lang="pl-PL" sz="2000" b="1" dirty="0" smtClean="0">
+                <a:solidFill>
+                  <a:sysClr val="windowText" lastClr="000000"/>
+                </a:solidFill>
+                <a:latin typeface="Courier New" pitchFamily="49" charset="0"/>
+                <a:cs typeface="Courier New" pitchFamily="49" charset="0"/>
+              </a:rPr>
+              <a:t>: </a:t>
+            </a:r>
+            <a:r>
+              <a:rPr lang="pl-PL" sz="2000" b="1" dirty="0" smtClean="0">
+                <a:solidFill>
+                  <a:srgbClr val="00B050"/>
+                </a:solidFill>
+                <a:latin typeface="Courier New" pitchFamily="49" charset="0"/>
+                <a:cs typeface="Courier New" pitchFamily="49" charset="0"/>
+              </a:rPr>
+              <a:t>HIGH</a:t>
+            </a:r>
+            <a:r>
+              <a:rPr lang="pl-PL" sz="2000" b="1" dirty="0" smtClean="0">
+                <a:solidFill>
+                  <a:sysClr val="windowText" lastClr="000000"/>
+                </a:solidFill>
+                <a:latin typeface="Courier New" pitchFamily="49" charset="0"/>
+                <a:cs typeface="Courier New" pitchFamily="49" charset="0"/>
+              </a:rPr>
+              <a:t>, </a:t>
+            </a:r>
+            <a:r>
+              <a:rPr lang="pl-PL" sz="2000" b="1" dirty="0" smtClean="0">
+                <a:solidFill>
+                  <a:srgbClr val="00B050"/>
+                </a:solidFill>
+                <a:latin typeface="Courier New" pitchFamily="49" charset="0"/>
+                <a:cs typeface="Courier New" pitchFamily="49" charset="0"/>
+              </a:rPr>
+              <a:t>LOW</a:t>
+            </a:r>
+            <a:r>
+              <a:rPr lang="pl-PL" sz="2000" b="1" dirty="0" smtClean="0">
+                <a:solidFill>
+                  <a:sysClr val="windowText" lastClr="000000"/>
+                </a:solidFill>
+                <a:latin typeface="Courier New" pitchFamily="49" charset="0"/>
+                <a:cs typeface="Courier New" pitchFamily="49" charset="0"/>
+              </a:rPr>
+              <a:t> </a:t>
+            </a:r>
+            <a:br>
+              <a:rPr lang="pl-PL" sz="2000" b="1" dirty="0" smtClean="0">
+                <a:solidFill>
+                  <a:sysClr val="windowText" lastClr="000000"/>
+                </a:solidFill>
+                <a:latin typeface="Courier New" pitchFamily="49" charset="0"/>
+                <a:cs typeface="Courier New" pitchFamily="49" charset="0"/>
+              </a:rPr>
+            </a:br>
+            <a:r>
+              <a:rPr lang="pl-PL" sz="2000" dirty="0" smtClean="0">
+                <a:solidFill>
+                  <a:sysClr val="windowText" lastClr="000000"/>
+                </a:solidFill>
+                <a:latin typeface="Arial" pitchFamily="34" charset="0"/>
+                <a:cs typeface="Arial" pitchFamily="34" charset="0"/>
+              </a:rPr>
+              <a:t>ustawianie wartości cyfrowego wtyku</a:t>
+            </a:r>
+          </a:p>
+          <a:p>
+            <a:pPr marL="342900" indent="-342900" defTabSz="457200">
+              <a:lnSpc>
+                <a:spcPct val="100000"/>
+              </a:lnSpc>
+              <a:spcBef>
+                <a:spcPct val="20000"/>
+              </a:spcBef>
+              <a:spcAft>
+                <a:spcPts val="1200"/>
+              </a:spcAft>
+              <a:buClrTx/>
+              <a:buFont typeface="Arial" pitchFamily="34" charset="0"/>
+              <a:buChar char="•"/>
+            </a:pPr>
+            <a:r>
+              <a:rPr lang="pl-PL" sz="2000" b="1" dirty="0" err="1" smtClean="0">
+                <a:solidFill>
+                  <a:srgbClr val="0070C0"/>
+                </a:solidFill>
+                <a:latin typeface="Courier New" pitchFamily="49" charset="0"/>
+                <a:cs typeface="Courier New" pitchFamily="49" charset="0"/>
+              </a:rPr>
+              <a:t>delay</a:t>
+            </a:r>
+            <a:r>
+              <a:rPr lang="pl-PL" sz="2000" b="1" dirty="0" smtClean="0">
+                <a:solidFill>
+                  <a:srgbClr val="0070C0"/>
+                </a:solidFill>
+                <a:latin typeface="Courier New" pitchFamily="49" charset="0"/>
+                <a:cs typeface="Courier New" pitchFamily="49" charset="0"/>
+              </a:rPr>
+              <a:t>(</a:t>
+            </a:r>
+            <a:r>
+              <a:rPr lang="pl-PL" sz="2000" b="1" dirty="0" err="1" smtClean="0">
+                <a:solidFill>
+                  <a:srgbClr val="0070C0"/>
+                </a:solidFill>
+                <a:latin typeface="Courier New" pitchFamily="49" charset="0"/>
+                <a:cs typeface="Courier New" pitchFamily="49" charset="0"/>
+              </a:rPr>
+              <a:t>ms</a:t>
+            </a:r>
+            <a:r>
+              <a:rPr lang="pl-PL" sz="2000" b="1" dirty="0" smtClean="0">
+                <a:solidFill>
+                  <a:srgbClr val="0070C0"/>
+                </a:solidFill>
+                <a:latin typeface="Courier New" pitchFamily="49" charset="0"/>
+                <a:cs typeface="Courier New" pitchFamily="49" charset="0"/>
+              </a:rPr>
+              <a:t>) </a:t>
+            </a:r>
+            <a:r>
+              <a:rPr lang="pl-PL" sz="2000" b="1" dirty="0" smtClean="0">
+                <a:solidFill>
+                  <a:sysClr val="windowText" lastClr="000000"/>
+                </a:solidFill>
+                <a:latin typeface="Courier New" pitchFamily="49" charset="0"/>
+                <a:cs typeface="Courier New" pitchFamily="49" charset="0"/>
+              </a:rPr>
+              <a:t/>
+            </a:r>
+            <a:br>
+              <a:rPr lang="pl-PL" sz="2000" b="1" dirty="0" smtClean="0">
+                <a:solidFill>
+                  <a:sysClr val="windowText" lastClr="000000"/>
+                </a:solidFill>
+                <a:latin typeface="Courier New" pitchFamily="49" charset="0"/>
+                <a:cs typeface="Courier New" pitchFamily="49" charset="0"/>
+              </a:rPr>
+            </a:br>
+            <a:r>
+              <a:rPr lang="pl-PL" sz="2000" dirty="0" smtClean="0">
+                <a:solidFill>
+                  <a:sysClr val="windowText" lastClr="000000"/>
+                </a:solidFill>
+                <a:latin typeface="Arial" pitchFamily="34" charset="0"/>
+                <a:cs typeface="Arial" pitchFamily="34" charset="0"/>
+              </a:rPr>
+              <a:t>zatrzymanie programu na czas określony w parametrze (milisekundy)</a:t>
+            </a:r>
+          </a:p>
+          <a:p>
+            <a:pPr marL="342900" indent="-342900" defTabSz="457200">
+              <a:lnSpc>
+                <a:spcPct val="100000"/>
+              </a:lnSpc>
+              <a:spcBef>
+                <a:spcPct val="20000"/>
+              </a:spcBef>
+              <a:spcAft>
+                <a:spcPts val="1200"/>
+              </a:spcAft>
+              <a:buClrTx/>
+            </a:pPr>
+            <a:endParaRPr lang="pl-PL" sz="2000" dirty="0" smtClean="0">
+              <a:solidFill>
+                <a:sysClr val="windowText" lastClr="000000"/>
+              </a:solidFill>
+              <a:latin typeface="Arial" pitchFamily="34" charset="0"/>
+              <a:cs typeface="Arial" pitchFamily="34" charset="0"/>
+            </a:endParaRPr>
+          </a:p>
+        </p:txBody>
+      </p:sp>
+    </p:spTree>
+  </p:cSld>
+  <p:clrMapOvr>
+    <a:masterClrMapping/>
+  </p:clrMapOvr>
+  <p:timing>
+    <p:tnLst>
+      <p:par>
+        <p:cTn id="1" dur="indefinite" restart="never" nodeType="tmRoot"/>
+      </p:par>
+    </p:tnLst>
+  </p:timing>
+</p:sld>
+</file>
+
+<file path=ppt/slides/slide12.xml><?xml version="1.0" encoding="utf-8"?>
+<p:sld xmlns:a="http://schemas.openxmlformats.org/drawingml/2006/main" xmlns:r="http://schemas.openxmlformats.org/officeDocument/2006/relationships" xmlns:p="http://schemas.openxmlformats.org/presentationml/2006/main">
+  <p:cSld>
+    <p:spTree>
+      <p:nvGrpSpPr>
+        <p:cNvPr id="1" name=""/>
+        <p:cNvGrpSpPr/>
+        <p:nvPr/>
+      </p:nvGrpSpPr>
+      <p:grpSpPr>
+        <a:xfrm>
+          <a:off x="0" y="0"/>
+          <a:ext cx="0" cy="0"/>
+          <a:chOff x="0" y="0"/>
+          <a:chExt cx="0" cy="0"/>
+        </a:xfrm>
+      </p:grpSpPr>
+      <p:graphicFrame>
+        <p:nvGraphicFramePr>
+          <p:cNvPr id="4" name="Object 3" hidden="1"/>
+          <p:cNvGraphicFramePr>
+            <a:graphicFrameLocks noChangeAspect="1"/>
+          </p:cNvGraphicFramePr>
+          <p:nvPr/>
+        </p:nvGraphicFramePr>
+        <p:xfrm>
+          <a:off x="0" y="0"/>
+          <a:ext cx="158750" cy="158750"/>
+        </p:xfrm>
+        <a:graphic>
+          <a:graphicData uri="http://schemas.openxmlformats.org/presentationml/2006/ole">
+            <p:oleObj spid="_x0000_s301058" name="think-cell Slide" r:id="rId5" imgW="360" imgH="360" progId="">
+              <p:embed/>
+            </p:oleObj>
+          </a:graphicData>
+        </a:graphic>
+      </p:graphicFrame>
+      <p:sp>
+        <p:nvSpPr>
+          <p:cNvPr id="2" name="Titre 1"/>
+          <p:cNvSpPr>
+            <a:spLocks noGrp="1"/>
+          </p:cNvSpPr>
+          <p:nvPr>
+            <p:ph type="title"/>
+            <p:custDataLst>
+              <p:tags r:id="rId2"/>
+            </p:custDataLst>
+          </p:nvPr>
+        </p:nvSpPr>
+        <p:spPr/>
+        <p:txBody>
+          <a:bodyPr/>
+          <a:lstStyle/>
+          <a:p>
+            <a:r>
+              <a:rPr lang="pl-PL" dirty="0" err="1" smtClean="0">
+                <a:latin typeface="Arial" pitchFamily="34" charset="0"/>
+                <a:cs typeface="Arial" pitchFamily="34" charset="0"/>
+              </a:rPr>
+              <a:t>Arduino</a:t>
+            </a:r>
+            <a:r>
+              <a:rPr lang="pl-PL" dirty="0" smtClean="0">
+                <a:latin typeface="Arial" pitchFamily="34" charset="0"/>
+                <a:cs typeface="Arial" pitchFamily="34" charset="0"/>
+              </a:rPr>
+              <a:t> – </a:t>
+            </a:r>
+            <a:r>
+              <a:rPr lang="pl-PL" dirty="0" err="1" smtClean="0">
+                <a:latin typeface="Arial" pitchFamily="34" charset="0"/>
+                <a:cs typeface="Arial" pitchFamily="34" charset="0"/>
+              </a:rPr>
+              <a:t>Pulse-width</a:t>
+            </a:r>
+            <a:r>
+              <a:rPr lang="pl-PL" dirty="0" smtClean="0">
+                <a:latin typeface="Arial" pitchFamily="34" charset="0"/>
+                <a:cs typeface="Arial" pitchFamily="34" charset="0"/>
+              </a:rPr>
+              <a:t> </a:t>
+            </a:r>
+            <a:r>
+              <a:rPr lang="pl-PL" dirty="0" err="1" smtClean="0">
+                <a:latin typeface="Arial" pitchFamily="34" charset="0"/>
+                <a:cs typeface="Arial" pitchFamily="34" charset="0"/>
+              </a:rPr>
+              <a:t>modulation</a:t>
+            </a:r>
+            <a:r>
+              <a:rPr lang="pl-PL" dirty="0" smtClean="0">
+                <a:latin typeface="Arial" pitchFamily="34" charset="0"/>
+                <a:cs typeface="Arial" pitchFamily="34" charset="0"/>
+              </a:rPr>
+              <a:t> (PWM)</a:t>
+            </a:r>
+            <a:endParaRPr lang="en-GB" dirty="0">
+              <a:latin typeface="Arial" pitchFamily="34" charset="0"/>
+              <a:cs typeface="Arial" pitchFamily="34" charset="0"/>
+            </a:endParaRPr>
+          </a:p>
+        </p:txBody>
+      </p:sp>
+      <p:sp>
+        <p:nvSpPr>
+          <p:cNvPr id="8" name="Slide Number Placeholder 7"/>
+          <p:cNvSpPr>
+            <a:spLocks noGrp="1"/>
+          </p:cNvSpPr>
+          <p:nvPr>
+            <p:ph type="sldNum" sz="quarter" idx="11"/>
+          </p:nvPr>
+        </p:nvSpPr>
+        <p:spPr/>
+        <p:txBody>
+          <a:bodyPr/>
+          <a:lstStyle/>
+          <a:p>
+            <a:fld id="{880BADDE-CEDF-4108-ADCD-25C7E5D681A5}" type="slidenum">
+              <a:rPr lang="en-GB" smtClean="0"/>
+              <a:pPr/>
+              <a:t>12</a:t>
+            </a:fld>
+            <a:endParaRPr lang="en-GB" dirty="0"/>
+          </a:p>
+        </p:txBody>
+      </p:sp>
+      <p:sp>
+        <p:nvSpPr>
+          <p:cNvPr id="9" name="Footer Placeholder 8"/>
+          <p:cNvSpPr>
+            <a:spLocks noGrp="1"/>
+          </p:cNvSpPr>
+          <p:nvPr>
+            <p:ph type="ftr" sz="quarter" idx="12"/>
+          </p:nvPr>
+        </p:nvSpPr>
+        <p:spPr/>
+        <p:txBody>
+          <a:bodyPr/>
+          <a:lstStyle/>
+          <a:p>
+            <a:r>
+              <a:rPr lang="en-GB" smtClean="0"/>
+              <a:t>arduino_ide.pptx</a:t>
+            </a:r>
+            <a:endParaRPr lang="en-GB" dirty="0"/>
+          </a:p>
+        </p:txBody>
+      </p:sp>
+      <p:sp>
+        <p:nvSpPr>
+          <p:cNvPr id="28" name="Date Placeholder 27"/>
+          <p:cNvSpPr>
+            <a:spLocks noGrp="1"/>
+          </p:cNvSpPr>
+          <p:nvPr>
+            <p:ph type="dt" sz="half" idx="10"/>
+          </p:nvPr>
+        </p:nvSpPr>
+        <p:spPr/>
+        <p:txBody>
+          <a:bodyPr/>
+          <a:lstStyle/>
+          <a:p>
+            <a:pPr defTabSz="995445" eaLnBrk="0" hangingPunct="0">
+              <a:lnSpc>
+                <a:spcPct val="90000"/>
+              </a:lnSpc>
+              <a:spcBef>
+                <a:spcPct val="10000"/>
+              </a:spcBef>
+              <a:defRPr/>
+            </a:pPr>
+            <a:r>
+              <a:rPr lang="en-US" dirty="0" smtClean="0"/>
+              <a:t>Creative Commons 4.0 license</a:t>
+            </a:r>
+            <a:endParaRPr lang="de-DE" dirty="0"/>
+          </a:p>
+        </p:txBody>
+      </p:sp>
+      <p:pic>
+        <p:nvPicPr>
+          <p:cNvPr id="10" name="Picture 4" descr="https://encrypted-tbn2.gstatic.com/images?q=tbn:ANd9GcSS5XD-fwsa5DO096u7zP5Rxt8qfokZ36djp-u5skB0qeeazcwI"/>
+          <p:cNvPicPr>
+            <a:picLocks noChangeAspect="1" noChangeArrowheads="1"/>
+          </p:cNvPicPr>
+          <p:nvPr/>
+        </p:nvPicPr>
+        <p:blipFill>
+          <a:blip r:embed="rId6"/>
+          <a:srcRect/>
+          <a:stretch>
+            <a:fillRect/>
+          </a:stretch>
+        </p:blipFill>
+        <p:spPr bwMode="auto">
+          <a:xfrm>
+            <a:off x="7689380" y="0"/>
+            <a:ext cx="992450" cy="992450"/>
+          </a:xfrm>
+          <a:prstGeom prst="rect">
+            <a:avLst/>
+          </a:prstGeom>
+          <a:noFill/>
+        </p:spPr>
+      </p:pic>
+      <p:sp>
+        <p:nvSpPr>
+          <p:cNvPr id="137220" name="AutoShape 4" descr="https://s3.amazonaws.com/ksr/assets/000/839/277/ed8e45bf086a57a613e7e9194eeb1742_large.png"/>
+          <p:cNvSpPr>
+            <a:spLocks noChangeAspect="1" noChangeArrowheads="1"/>
+          </p:cNvSpPr>
+          <p:nvPr/>
+        </p:nvSpPr>
+        <p:spPr bwMode="auto">
+          <a:xfrm>
+            <a:off x="155575" y="-144463"/>
+            <a:ext cx="304800" cy="304801"/>
+          </a:xfrm>
+          <a:prstGeom prst="rect">
+            <a:avLst/>
+          </a:prstGeom>
+          <a:noFill/>
+        </p:spPr>
+        <p:txBody>
+          <a:bodyPr vert="horz" wrap="square" lIns="91440" tIns="45720" rIns="91440" bIns="45720" numCol="1" anchor="t" anchorCtr="0" compatLnSpc="1">
+            <a:prstTxWarp prst="textNoShape">
+              <a:avLst/>
+            </a:prstTxWarp>
+          </a:bodyPr>
+          <a:lstStyle/>
+          <a:p>
+            <a:endParaRPr lang="en-US"/>
+          </a:p>
+        </p:txBody>
+      </p:sp>
+      <p:pic>
+        <p:nvPicPr>
           <p:cNvPr id="301060" name="Picture 4" descr="http://www.arduino.cc/en/uploads/Tutorial/pwm.gif"/>
           <p:cNvPicPr>
             <a:picLocks noChangeAspect="1" noChangeArrowheads="1"/>
@@ -9250,7 +11100,7 @@
 </p:sld>
 </file>
 
-<file path=ppt/slides/slide11.xml><?xml version="1.0" encoding="utf-8"?>
+<file path=ppt/slides/slide13.xml><?xml version="1.0" encoding="utf-8"?>
 <p:sld xmlns:a="http://schemas.openxmlformats.org/drawingml/2006/main" xmlns:r="http://schemas.openxmlformats.org/officeDocument/2006/relationships" xmlns:p="http://schemas.openxmlformats.org/presentationml/2006/main">
   <p:cSld>
     <p:spTree>
@@ -9370,7 +11220,7 @@
             <a:fld id="{880BADDE-CEDF-4108-ADCD-25C7E5D681A5}" type="slidenum">
               <a:rPr lang="en-GB" smtClean="0"/>
               <a:pPr/>
-              <a:t>11</a:t>
+              <a:t>13</a:t>
             </a:fld>
             <a:endParaRPr lang="en-GB" dirty="0"/>
           </a:p>
@@ -9393,7 +11243,7 @@
           <a:p>
             <a:r>
               <a:rPr lang="en-GB" smtClean="0"/>
-              <a:t>A_03_arduino_ide.pptx</a:t>
+              <a:t>arduino_ide.pptx</a:t>
             </a:r>
             <a:endParaRPr lang="en-GB" dirty="0"/>
           </a:p>
@@ -9584,7 +11434,7 @@
 </p:sld>
 </file>
 
-<file path=ppt/slides/slide12.xml><?xml version="1.0" encoding="utf-8"?>
+<file path=ppt/slides/slide14.xml><?xml version="1.0" encoding="utf-8"?>
 <p:sld xmlns:a="http://schemas.openxmlformats.org/drawingml/2006/main" xmlns:r="http://schemas.openxmlformats.org/officeDocument/2006/relationships" xmlns:p="http://schemas.openxmlformats.org/presentationml/2006/main">
   <p:cSld>
     <p:spTree>
@@ -9651,14 +11501,7 @@
                 <a:latin typeface="Arial" pitchFamily="34" charset="0"/>
                 <a:cs typeface="Arial" pitchFamily="34" charset="0"/>
               </a:rPr>
-              <a:t> </a:t>
-            </a:r>
-            <a:r>
-              <a:rPr lang="pl-PL" dirty="0" smtClean="0">
-                <a:latin typeface="Arial" pitchFamily="34" charset="0"/>
-                <a:cs typeface="Arial" pitchFamily="34" charset="0"/>
-              </a:rPr>
-              <a:t>– PWM</a:t>
+              <a:t> – PWM</a:t>
             </a:r>
             <a:endParaRPr lang="en-GB" dirty="0">
               <a:latin typeface="Arial" pitchFamily="34" charset="0"/>
@@ -9685,7 +11528,7 @@
             <a:fld id="{880BADDE-CEDF-4108-ADCD-25C7E5D681A5}" type="slidenum">
               <a:rPr lang="en-GB" smtClean="0"/>
               <a:pPr/>
-              <a:t>12</a:t>
+              <a:t>14</a:t>
             </a:fld>
             <a:endParaRPr lang="en-GB" dirty="0"/>
           </a:p>
@@ -9708,7 +11551,7 @@
           <a:p>
             <a:r>
               <a:rPr lang="en-GB" smtClean="0"/>
-              <a:t>A_03_arduino_ide.pptx</a:t>
+              <a:t>arduino_ide.pptx</a:t>
             </a:r>
             <a:endParaRPr lang="en-GB" dirty="0"/>
           </a:p>
@@ -10335,18 +12178,7 @@
                 <a:ea typeface="Times New Roman"/>
                 <a:cs typeface="Times New Roman"/>
               </a:rPr>
-              <a:t>String </a:t>
-            </a:r>
-            <a:r>
-              <a:rPr lang="en-US" sz="1800" dirty="0" smtClean="0">
-                <a:solidFill>
-                  <a:srgbClr val="000000"/>
-                </a:solidFill>
-                <a:latin typeface="Courier New"/>
-                <a:ea typeface="Times New Roman"/>
-                <a:cs typeface="Times New Roman"/>
-              </a:rPr>
-              <a:t>s</a:t>
+              <a:t>String s</a:t>
             </a:r>
             <a:r>
               <a:rPr lang="en-US" sz="1800" b="1" dirty="0" smtClean="0">
@@ -10644,18 +12476,7 @@
                 <a:ea typeface="Times New Roman"/>
                 <a:cs typeface="Times New Roman"/>
               </a:rPr>
-              <a:t> </a:t>
-            </a:r>
-            <a:r>
-              <a:rPr lang="en-US" sz="1800" dirty="0" smtClean="0">
-                <a:solidFill>
-                  <a:srgbClr val="000000"/>
-                </a:solidFill>
-                <a:latin typeface="Courier New"/>
-                <a:ea typeface="Times New Roman"/>
-                <a:cs typeface="Times New Roman"/>
-              </a:rPr>
-              <a:t>s </a:t>
+              <a:t> s </a:t>
             </a:r>
             <a:r>
               <a:rPr lang="en-US" sz="1800" b="1" dirty="0" smtClean="0">
@@ -11398,16 +13219,6 @@
               </a:rPr>
               <a:t>()</a:t>
             </a:r>
-            <a:r>
-              <a:rPr lang="pl-PL" sz="2000" b="1" dirty="0" smtClean="0">
-                <a:solidFill>
-                  <a:srgbClr val="0070C0"/>
-                </a:solidFill>
-                <a:latin typeface="Courier New" pitchFamily="49" charset="0"/>
-                <a:cs typeface="Courier New" pitchFamily="49" charset="0"/>
-              </a:rPr>
-              <a:t/>
-            </a:r>
             <a:br>
               <a:rPr lang="pl-PL" sz="2000" b="1" dirty="0" smtClean="0">
                 <a:solidFill>
@@ -11538,16 +13349,6 @@
               </a:rPr>
               <a:t>()</a:t>
             </a:r>
-            <a:r>
-              <a:rPr lang="pl-PL" sz="2000" b="1" dirty="0" smtClean="0">
-                <a:solidFill>
-                  <a:srgbClr val="0070C0"/>
-                </a:solidFill>
-                <a:latin typeface="Courier New" pitchFamily="49" charset="0"/>
-                <a:cs typeface="Courier New" pitchFamily="49" charset="0"/>
-              </a:rPr>
-              <a:t/>
-            </a:r>
             <a:br>
               <a:rPr lang="pl-PL" sz="2000" b="1" dirty="0" smtClean="0">
                 <a:solidFill>
@@ -11642,13 +13443,6 @@
               </a:rPr>
               <a:t>ustala wypełnienie cyfrowego wtyku z PWM, 0=0%, 255=100%</a:t>
             </a:r>
-            <a:endParaRPr lang="pl-PL" sz="2000" dirty="0" smtClean="0">
-              <a:solidFill>
-                <a:sysClr val="windowText" lastClr="000000"/>
-              </a:solidFill>
-              <a:latin typeface="Arial" pitchFamily="34" charset="0"/>
-              <a:cs typeface="Arial" pitchFamily="34" charset="0"/>
-            </a:endParaRPr>
           </a:p>
         </p:txBody>
       </p:sp>
@@ -11784,7 +13578,7 @@
           <a:p>
             <a:r>
               <a:rPr lang="en-GB" smtClean="0"/>
-              <a:t>A_03_arduino_ide.pptx</a:t>
+              <a:t>arduino_ide.pptx</a:t>
             </a:r>
             <a:endParaRPr lang="en-GB" dirty="0"/>
           </a:p>
@@ -12036,7 +13830,7 @@
           <a:p>
             <a:r>
               <a:rPr lang="en-GB" smtClean="0"/>
-              <a:t>A_03_arduino_ide.pptx</a:t>
+              <a:t>arduino_ide.pptx</a:t>
             </a:r>
             <a:endParaRPr lang="en-GB" dirty="0"/>
           </a:p>
@@ -12492,7 +14286,7 @@
         </p:xfrm>
         <a:graphic>
           <a:graphicData uri="http://schemas.openxmlformats.org/presentationml/2006/ole">
-            <p:oleObj spid="_x0000_s262146" name="think-cell Slide" r:id="rId5" imgW="360" imgH="360" progId="">
+            <p:oleObj spid="_x0000_s329730" name="think-cell Slide" r:id="rId5" imgW="360" imgH="360" progId="">
               <p:embed/>
             </p:oleObj>
           </a:graphicData>
@@ -12517,6 +14311,20 @@
           <a:lstStyle/>
           <a:p>
             <a:r>
+              <a:rPr lang="de-DE" dirty="0" err="1" smtClean="0">
+                <a:latin typeface="Arial" pitchFamily="34" charset="0"/>
+                <a:cs typeface="Arial" pitchFamily="34" charset="0"/>
+              </a:rPr>
+              <a:t>Eclipse</a:t>
+            </a:r>
+            <a:r>
+              <a:rPr lang="de-DE" dirty="0" smtClean="0">
+                <a:latin typeface="Arial" pitchFamily="34" charset="0"/>
+                <a:cs typeface="Arial" pitchFamily="34" charset="0"/>
+              </a:rPr>
+              <a:t> </a:t>
+            </a:r>
+            <a:r>
               <a:rPr lang="pl-PL" dirty="0" err="1" smtClean="0">
                 <a:latin typeface="Arial" pitchFamily="34" charset="0"/>
                 <a:cs typeface="Arial" pitchFamily="34" charset="0"/>
@@ -12528,21 +14336,14 @@
                 <a:latin typeface="Arial" pitchFamily="34" charset="0"/>
                 <a:cs typeface="Arial" pitchFamily="34" charset="0"/>
               </a:rPr>
-              <a:t> – struktura „</a:t>
-            </a:r>
-            <a:r>
-              <a:rPr lang="pl-PL" dirty="0" err="1" smtClean="0">
-                <a:latin typeface="Arial" pitchFamily="34" charset="0"/>
-                <a:cs typeface="Arial" pitchFamily="34" charset="0"/>
-              </a:rPr>
-              <a:t>main</a:t>
+              <a:t> </a:t>
             </a:r>
             <a:r>
               <a:rPr lang="pl-PL" dirty="0" smtClean="0">
                 <a:latin typeface="Arial" pitchFamily="34" charset="0"/>
                 <a:cs typeface="Arial" pitchFamily="34" charset="0"/>
               </a:rPr>
-              <a:t>”</a:t>
+              <a:t>IDE</a:t>
             </a:r>
             <a:endParaRPr lang="en-GB" dirty="0">
               <a:latin typeface="Arial" pitchFamily="34" charset="0"/>
@@ -12592,7 +14393,7 @@
           <a:p>
             <a:r>
               <a:rPr lang="en-GB" smtClean="0"/>
-              <a:t>A_03_arduino_ide.pptx</a:t>
+              <a:t>arduino_ide.pptx</a:t>
             </a:r>
             <a:endParaRPr lang="en-GB" dirty="0"/>
           </a:p>
@@ -12642,8 +14443,8 @@
         </p:nvSpPr>
         <p:spPr>
           <a:xfrm>
-            <a:off x="344360" y="1340710"/>
-            <a:ext cx="3672510" cy="4896680"/>
+            <a:off x="344360" y="4653170"/>
+            <a:ext cx="9289290" cy="1872260"/>
           </a:xfrm>
           <a:prstGeom prst="rect">
             <a:avLst/>
@@ -12670,34 +14471,34 @@
               <a:buChar char="•"/>
             </a:pPr>
             <a:r>
-              <a:rPr lang="pl-PL" sz="2000" dirty="0" smtClean="0">
+              <a:rPr lang="de-DE" sz="2000" b="1" dirty="0" err="1" smtClean="0">
                 <a:solidFill>
                   <a:sysClr val="windowText" lastClr="000000"/>
                 </a:solidFill>
                 <a:latin typeface="Arial" pitchFamily="34" charset="0"/>
                 <a:cs typeface="Arial" pitchFamily="34" charset="0"/>
               </a:rPr>
-              <a:t>Program dla </a:t>
-            </a:r>
-            <a:r>
-              <a:rPr lang="pl-PL" sz="2000" b="1" dirty="0" err="1" smtClean="0">
+              <a:t>Eclipse</a:t>
+            </a:r>
+            <a:r>
+              <a:rPr lang="de-DE" sz="2000" b="1" dirty="0" smtClean="0">
                 <a:solidFill>
                   <a:sysClr val="windowText" lastClr="000000"/>
                 </a:solidFill>
                 <a:latin typeface="Arial" pitchFamily="34" charset="0"/>
                 <a:cs typeface="Arial" pitchFamily="34" charset="0"/>
               </a:rPr>
-              <a:t>Arduino</a:t>
-            </a:r>
-            <a:r>
-              <a:rPr lang="pl-PL" sz="2000" dirty="0" smtClean="0">
+              <a:t> </a:t>
+            </a:r>
+            <a:r>
+              <a:rPr lang="pl-PL" sz="2000" b="1" dirty="0" err="1" smtClean="0">
                 <a:solidFill>
                   <a:sysClr val="windowText" lastClr="000000"/>
                 </a:solidFill>
                 <a:latin typeface="Arial" pitchFamily="34" charset="0"/>
                 <a:cs typeface="Arial" pitchFamily="34" charset="0"/>
               </a:rPr>
-              <a:t> importuje bibliotekę </a:t>
+              <a:t>Arduino</a:t>
             </a:r>
             <a:r>
               <a:rPr lang="pl-PL" sz="2000" b="1" dirty="0" smtClean="0">
@@ -12707,136 +14508,45 @@
                 <a:latin typeface="Arial" pitchFamily="34" charset="0"/>
                 <a:cs typeface="Arial" pitchFamily="34" charset="0"/>
               </a:rPr>
-              <a:t>&lt;</a:t>
-            </a:r>
-            <a:r>
-              <a:rPr lang="pl-PL" sz="2000" b="1" dirty="0" err="1" smtClean="0">
+              <a:t> </a:t>
+            </a:r>
+            <a:r>
+              <a:rPr lang="pl-PL" sz="2000" b="1" dirty="0" smtClean="0">
                 <a:solidFill>
                   <a:sysClr val="windowText" lastClr="000000"/>
                 </a:solidFill>
                 <a:latin typeface="Arial" pitchFamily="34" charset="0"/>
                 <a:cs typeface="Arial" pitchFamily="34" charset="0"/>
               </a:rPr>
-              <a:t>Arduino.h</a:t>
-            </a:r>
-            <a:r>
-              <a:rPr lang="pl-PL" sz="2000" b="1" dirty="0" smtClean="0">
+              <a:t>IDE </a:t>
+            </a:r>
+            <a:r>
+              <a:rPr lang="pl-PL" sz="2000" dirty="0" smtClean="0">
                 <a:solidFill>
                   <a:sysClr val="windowText" lastClr="000000"/>
                 </a:solidFill>
                 <a:latin typeface="Arial" pitchFamily="34" charset="0"/>
                 <a:cs typeface="Arial" pitchFamily="34" charset="0"/>
               </a:rPr>
-              <a:t>&gt;</a:t>
-            </a:r>
-            <a:r>
-              <a:rPr lang="pl-PL" sz="2000" dirty="0" smtClean="0">
+              <a:t>jest dostępne na </a:t>
+            </a:r>
+            <a:r>
+              <a:rPr lang="pl-PL" sz="2000" dirty="0" err="1" smtClean="0">
                 <a:solidFill>
                   <a:sysClr val="windowText" lastClr="000000"/>
                 </a:solidFill>
                 <a:latin typeface="Arial" pitchFamily="34" charset="0"/>
                 <a:cs typeface="Arial" pitchFamily="34" charset="0"/>
               </a:rPr>
-              <a:t> i składa </a:t>
-            </a:r>
-            <a:br>
-              <a:rPr lang="pl-PL" sz="2000" dirty="0" smtClean="0">
-                <a:solidFill>
-                  <a:sysClr val="windowText" lastClr="000000"/>
-                </a:solidFill>
-                <a:latin typeface="Arial" pitchFamily="34" charset="0"/>
-                <a:cs typeface="Arial" pitchFamily="34" charset="0"/>
-              </a:rPr>
-            </a:br>
-            <a:r>
-              <a:rPr lang="pl-PL" sz="2000" dirty="0" smtClean="0">
-                <a:solidFill>
-                  <a:sysClr val="windowText" lastClr="000000"/>
-                </a:solidFill>
-                <a:latin typeface="Arial" pitchFamily="34" charset="0"/>
-                <a:cs typeface="Arial" pitchFamily="34" charset="0"/>
-              </a:rPr>
-              <a:t>się z dwóch funkcji: </a:t>
-            </a:r>
-            <a:br>
-              <a:rPr lang="pl-PL" sz="2000" dirty="0" smtClean="0">
-                <a:solidFill>
-                  <a:sysClr val="windowText" lastClr="000000"/>
-                </a:solidFill>
-                <a:latin typeface="Arial" pitchFamily="34" charset="0"/>
-                <a:cs typeface="Arial" pitchFamily="34" charset="0"/>
-              </a:rPr>
-            </a:br>
-            <a:r>
-              <a:rPr lang="pl-PL" sz="2000" b="1" dirty="0" smtClean="0">
-                <a:solidFill>
-                  <a:srgbClr val="0070C0"/>
-                </a:solidFill>
-                <a:latin typeface="Courier New" pitchFamily="49" charset="0"/>
-                <a:cs typeface="Courier New" pitchFamily="49" charset="0"/>
-              </a:rPr>
-              <a:t>setup</a:t>
-            </a:r>
-            <a:r>
-              <a:rPr lang="pl-PL" sz="2000" b="1" dirty="0" smtClean="0">
-                <a:solidFill>
-                  <a:sysClr val="windowText" lastClr="000000"/>
-                </a:solidFill>
-                <a:latin typeface="Courier New" pitchFamily="49" charset="0"/>
-                <a:cs typeface="Courier New" pitchFamily="49" charset="0"/>
-              </a:rPr>
-              <a:t>()</a:t>
-            </a:r>
-            <a:r>
-              <a:rPr lang="pl-PL" sz="2000" b="1" dirty="0" smtClean="0">
-                <a:solidFill>
-                  <a:sysClr val="windowText" lastClr="000000"/>
-                </a:solidFill>
-                <a:latin typeface="Arial" pitchFamily="34" charset="0"/>
-                <a:cs typeface="Arial" pitchFamily="34" charset="0"/>
-              </a:rPr>
-              <a:t> </a:t>
-            </a:r>
-            <a:r>
-              <a:rPr lang="pl-PL" sz="2000" dirty="0" smtClean="0">
-                <a:solidFill>
-                  <a:sysClr val="windowText" lastClr="000000"/>
-                </a:solidFill>
-                <a:latin typeface="Arial" pitchFamily="34" charset="0"/>
-                <a:cs typeface="Arial" pitchFamily="34" charset="0"/>
-              </a:rPr>
-              <a:t>i </a:t>
-            </a:r>
-            <a:r>
-              <a:rPr lang="pl-PL" sz="2000" b="1" dirty="0" err="1" smtClean="0">
-                <a:solidFill>
-                  <a:srgbClr val="0070C0"/>
-                </a:solidFill>
-                <a:latin typeface="Courier New" pitchFamily="49" charset="0"/>
-                <a:cs typeface="Courier New" pitchFamily="49" charset="0"/>
-              </a:rPr>
-              <a:t>loop</a:t>
-            </a:r>
-            <a:r>
-              <a:rPr lang="pl-PL" sz="2000" b="1" dirty="0" smtClean="0">
-                <a:solidFill>
-                  <a:sysClr val="windowText" lastClr="000000"/>
-                </a:solidFill>
-                <a:latin typeface="Courier New" pitchFamily="49" charset="0"/>
-                <a:cs typeface="Courier New" pitchFamily="49" charset="0"/>
-              </a:rPr>
-              <a:t>()</a:t>
-            </a:r>
-            <a:r>
-              <a:rPr lang="pl-PL" sz="2000" dirty="0" smtClean="0">
-                <a:solidFill>
-                  <a:sysClr val="windowText" lastClr="000000"/>
-                </a:solidFill>
-                <a:latin typeface="Courier New" pitchFamily="49" charset="0"/>
-                <a:cs typeface="Courier New" pitchFamily="49" charset="0"/>
-              </a:rPr>
-              <a:t>.</a:t>
-            </a:r>
+              <a:t>eclipse.baeyens.it</a:t>
+            </a:r>
+            <a:endParaRPr lang="pl-PL" sz="2000" dirty="0" smtClean="0">
+              <a:solidFill>
+                <a:sysClr val="windowText" lastClr="000000"/>
+              </a:solidFill>
+              <a:latin typeface="Arial" pitchFamily="34" charset="0"/>
+              <a:cs typeface="Arial" pitchFamily="34" charset="0"/>
+            </a:endParaRPr>
           </a:p>
           <a:p>
             <a:pPr marL="342900" indent="-342900" defTabSz="457200">
@@ -12854,34 +14564,14 @@
               <a:buChar char="•"/>
             </a:pPr>
             <a:r>
-              <a:rPr lang="pl-PL" sz="2000" dirty="0" smtClean="0">
+              <a:rPr lang="pl-PL" sz="2000" b="1" dirty="0" err="1" smtClean="0">
                 <a:solidFill>
                   <a:sysClr val="windowText" lastClr="000000"/>
                 </a:solidFill>
                 <a:latin typeface="Arial" pitchFamily="34" charset="0"/>
                 <a:cs typeface="Arial" pitchFamily="34" charset="0"/>
               </a:rPr>
-              <a:t>Funkcja </a:t>
-            </a:r>
-            <a:r>
-              <a:rPr lang="pl-PL" sz="2000" b="1" dirty="0" smtClean="0">
-                <a:solidFill>
-                  <a:srgbClr val="0070C0"/>
-                </a:solidFill>
-                <a:latin typeface="Courier New" pitchFamily="49" charset="0"/>
-                <a:cs typeface="Courier New" pitchFamily="49" charset="0"/>
-              </a:rPr>
-              <a:t>setup</a:t>
-            </a:r>
-            <a:r>
-              <a:rPr lang="pl-PL" sz="2000" b="1" dirty="0" smtClean="0">
-                <a:solidFill>
-                  <a:sysClr val="windowText" lastClr="000000"/>
-                </a:solidFill>
-                <a:latin typeface="Courier New" pitchFamily="49" charset="0"/>
-                <a:cs typeface="Courier New" pitchFamily="49" charset="0"/>
-              </a:rPr>
-              <a:t>()</a:t>
+              <a:t>Eclipse</a:t>
             </a:r>
             <a:r>
               <a:rPr lang="pl-PL" sz="2000" b="1" dirty="0" smtClean="0">
@@ -12894,53 +14584,84 @@
               <a:t> </a:t>
             </a:r>
             <a:r>
-              <a:rPr lang="pl-PL" sz="2000" dirty="0" smtClean="0">
+              <a:rPr lang="pl-PL" sz="2000" b="1" dirty="0" err="1" smtClean="0">
                 <a:solidFill>
                   <a:sysClr val="windowText" lastClr="000000"/>
                 </a:solidFill>
                 <a:latin typeface="Arial" pitchFamily="34" charset="0"/>
                 <a:cs typeface="Arial" pitchFamily="34" charset="0"/>
               </a:rPr>
-              <a:t>uruchamiana jest raz </a:t>
-            </a:r>
-            <a:br>
-              <a:rPr lang="pl-PL" sz="2000" dirty="0" smtClean="0">
+              <a:t>Arduino</a:t>
+            </a:r>
+            <a:r>
+              <a:rPr lang="pl-PL" sz="2000" b="1" dirty="0" smtClean="0">
                 <a:solidFill>
                   <a:sysClr val="windowText" lastClr="000000"/>
                 </a:solidFill>
                 <a:latin typeface="Arial" pitchFamily="34" charset="0"/>
                 <a:cs typeface="Arial" pitchFamily="34" charset="0"/>
               </a:rPr>
-            </a:br>
-            <a:r>
-              <a:rPr lang="pl-PL" sz="2000" dirty="0" smtClean="0">
+              <a:t> </a:t>
+            </a:r>
+            <a:r>
+              <a:rPr lang="pl-PL" sz="2000" b="1" dirty="0" smtClean="0">
                 <a:solidFill>
                   <a:sysClr val="windowText" lastClr="000000"/>
                 </a:solidFill>
                 <a:latin typeface="Arial" pitchFamily="34" charset="0"/>
                 <a:cs typeface="Arial" pitchFamily="34" charset="0"/>
               </a:rPr>
-              <a:t>po starcie lub resecie </a:t>
-            </a:r>
-            <a:r>
-              <a:rPr lang="pl-PL" sz="2000" b="1" dirty="0" err="1" smtClean="0">
+              <a:t>IDE </a:t>
+            </a:r>
+            <a:r>
+              <a:rPr lang="pl-PL" sz="2000" dirty="0" smtClean="0">
                 <a:solidFill>
                   <a:sysClr val="windowText" lastClr="000000"/>
                 </a:solidFill>
                 <a:latin typeface="Arial" pitchFamily="34" charset="0"/>
                 <a:cs typeface="Arial" pitchFamily="34" charset="0"/>
               </a:rPr>
-              <a:t>Arduino</a:t>
-            </a:r>
-            <a:r>
-              <a:rPr lang="pl-PL" sz="2000" dirty="0" smtClean="0">
+              <a:t>zawiera kompilator, programator, </a:t>
+            </a:r>
+            <a:r>
+              <a:rPr lang="pl-PL" sz="2000" dirty="0" err="1" smtClean="0">
                 <a:solidFill>
                   <a:sysClr val="windowText" lastClr="000000"/>
                 </a:solidFill>
                 <a:latin typeface="Arial" pitchFamily="34" charset="0"/>
                 <a:cs typeface="Arial" pitchFamily="34" charset="0"/>
               </a:rPr>
-              <a:t>.</a:t>
+              <a:t>biblioteke</a:t>
+            </a:r>
+            <a:r>
+              <a:rPr lang="pl-PL" sz="2000" dirty="0" smtClean="0">
+                <a:solidFill>
+                  <a:sysClr val="windowText" lastClr="000000"/>
+                </a:solidFill>
+                <a:latin typeface="Arial" pitchFamily="34" charset="0"/>
+                <a:cs typeface="Arial" pitchFamily="34" charset="0"/>
+              </a:rPr>
+              <a:t> </a:t>
+            </a:r>
+            <a:r>
+              <a:rPr lang="pl-PL" sz="2000" dirty="0" err="1" smtClean="0">
+                <a:solidFill>
+                  <a:sysClr val="windowText" lastClr="000000"/>
+                </a:solidFill>
+                <a:latin typeface="Arial" pitchFamily="34" charset="0"/>
+                <a:cs typeface="Arial" pitchFamily="34" charset="0"/>
+              </a:rPr>
+              <a:t>Arduino.h</a:t>
+            </a:r>
+            <a:r>
+              <a:rPr lang="pl-PL" sz="2000" dirty="0" smtClean="0">
+                <a:solidFill>
+                  <a:sysClr val="windowText" lastClr="000000"/>
+                </a:solidFill>
+                <a:latin typeface="Arial" pitchFamily="34" charset="0"/>
+                <a:cs typeface="Arial" pitchFamily="34" charset="0"/>
+              </a:rPr>
+              <a:t> i sporo bibliotek dla popularnych podzespołów i przykładów.</a:t>
             </a:r>
           </a:p>
           <a:p>
@@ -12959,45 +14680,132 @@
               <a:buChar char="•"/>
             </a:pPr>
             <a:r>
-              <a:rPr lang="pl-PL" sz="2000" dirty="0" smtClean="0">
+              <a:rPr lang="de-DE" sz="2000" b="1" dirty="0" err="1" smtClean="0">
                 <a:solidFill>
                   <a:sysClr val="windowText" lastClr="000000"/>
                 </a:solidFill>
                 <a:latin typeface="Arial" pitchFamily="34" charset="0"/>
                 <a:cs typeface="Arial" pitchFamily="34" charset="0"/>
               </a:rPr>
-              <a:t>Funkcja </a:t>
-            </a:r>
-            <a:r>
-              <a:rPr lang="pl-PL" sz="2000" b="1" dirty="0" err="1" smtClean="0">
-                <a:solidFill>
-                  <a:srgbClr val="0070C0"/>
-                </a:solidFill>
-                <a:latin typeface="Courier New" pitchFamily="49" charset="0"/>
-                <a:cs typeface="Courier New" pitchFamily="49" charset="0"/>
-              </a:rPr>
-              <a:t>loop</a:t>
-            </a:r>
-            <a:r>
-              <a:rPr lang="pl-PL" sz="2000" b="1" dirty="0" smtClean="0">
-                <a:solidFill>
-                  <a:sysClr val="windowText" lastClr="000000"/>
-                </a:solidFill>
-                <a:latin typeface="Courier New" pitchFamily="49" charset="0"/>
-                <a:cs typeface="Courier New" pitchFamily="49" charset="0"/>
-              </a:rPr>
-              <a:t>()</a:t>
-            </a:r>
-            <a:r>
-              <a:rPr lang="pl-PL" sz="2000" dirty="0" smtClean="0">
+              <a:t>Eclipse</a:t>
+            </a:r>
+            <a:r>
+              <a:rPr lang="de-DE" sz="2000" b="1" dirty="0" smtClean="0">
                 <a:solidFill>
                   <a:sysClr val="windowText" lastClr="000000"/>
                 </a:solidFill>
                 <a:latin typeface="Arial" pitchFamily="34" charset="0"/>
                 <a:cs typeface="Arial" pitchFamily="34" charset="0"/>
               </a:rPr>
-              <a:t> uruchamiana jest w nieskończonej pętli.</a:t>
-            </a:r>
+              <a:t> </a:t>
+            </a:r>
+            <a:r>
+              <a:rPr lang="pl-PL" sz="2000" b="1" dirty="0" err="1" smtClean="0">
+                <a:solidFill>
+                  <a:sysClr val="windowText" lastClr="000000"/>
+                </a:solidFill>
+                <a:latin typeface="Arial" pitchFamily="34" charset="0"/>
+                <a:cs typeface="Arial" pitchFamily="34" charset="0"/>
+              </a:rPr>
+              <a:t>Arduino</a:t>
+            </a:r>
+            <a:r>
+              <a:rPr lang="pl-PL" sz="2000" b="1" dirty="0" smtClean="0">
+                <a:solidFill>
+                  <a:sysClr val="windowText" lastClr="000000"/>
+                </a:solidFill>
+                <a:latin typeface="Arial" pitchFamily="34" charset="0"/>
+                <a:cs typeface="Arial" pitchFamily="34" charset="0"/>
+              </a:rPr>
+              <a:t> </a:t>
+            </a:r>
+            <a:r>
+              <a:rPr lang="pl-PL" sz="2000" b="1" dirty="0" smtClean="0">
+                <a:solidFill>
+                  <a:sysClr val="windowText" lastClr="000000"/>
+                </a:solidFill>
+                <a:latin typeface="Arial" pitchFamily="34" charset="0"/>
+                <a:cs typeface="Arial" pitchFamily="34" charset="0"/>
+              </a:rPr>
+              <a:t>IDE </a:t>
+            </a:r>
+            <a:r>
+              <a:rPr lang="pl-PL" sz="2000" dirty="0" smtClean="0">
+                <a:solidFill>
+                  <a:sysClr val="windowText" lastClr="000000"/>
+                </a:solidFill>
+                <a:latin typeface="Arial" pitchFamily="34" charset="0"/>
+                <a:cs typeface="Arial" pitchFamily="34" charset="0"/>
+              </a:rPr>
+              <a:t>ma </a:t>
+            </a:r>
+            <a:r>
+              <a:rPr lang="pl-PL" sz="2000" dirty="0" smtClean="0">
+                <a:solidFill>
+                  <a:sysClr val="windowText" lastClr="000000"/>
+                </a:solidFill>
+                <a:latin typeface="Arial" pitchFamily="34" charset="0"/>
+                <a:cs typeface="Arial" pitchFamily="34" charset="0"/>
+              </a:rPr>
+              <a:t>kolorowanie</a:t>
+            </a:r>
+            <a:r>
+              <a:rPr lang="de-DE" sz="2000" dirty="0" smtClean="0">
+                <a:solidFill>
+                  <a:sysClr val="windowText" lastClr="000000"/>
+                </a:solidFill>
+                <a:latin typeface="Arial" pitchFamily="34" charset="0"/>
+                <a:cs typeface="Arial" pitchFamily="34" charset="0"/>
+              </a:rPr>
+              <a:t> i </a:t>
+            </a:r>
+            <a:r>
+              <a:rPr lang="pl-PL" sz="2000" dirty="0" smtClean="0">
+                <a:solidFill>
+                  <a:sysClr val="windowText" lastClr="000000"/>
+                </a:solidFill>
+                <a:latin typeface="Arial" pitchFamily="34" charset="0"/>
+                <a:cs typeface="Arial" pitchFamily="34" charset="0"/>
+              </a:rPr>
+              <a:t>uzupełniani</a:t>
+            </a:r>
+            <a:r>
+              <a:rPr lang="de-DE" sz="2000" dirty="0" smtClean="0">
+                <a:solidFill>
+                  <a:sysClr val="windowText" lastClr="000000"/>
+                </a:solidFill>
+                <a:latin typeface="Arial" pitchFamily="34" charset="0"/>
+                <a:cs typeface="Arial" pitchFamily="34" charset="0"/>
+              </a:rPr>
+              <a:t>e </a:t>
+            </a:r>
+            <a:r>
+              <a:rPr lang="pl-PL" sz="2000" dirty="0" smtClean="0">
+                <a:solidFill>
+                  <a:sysClr val="windowText" lastClr="000000"/>
+                </a:solidFill>
+                <a:latin typeface="Arial" pitchFamily="34" charset="0"/>
+                <a:cs typeface="Arial" pitchFamily="34" charset="0"/>
+              </a:rPr>
+              <a:t>składni</a:t>
+            </a:r>
+            <a:r>
+              <a:rPr lang="pl-PL" sz="2000" dirty="0" smtClean="0">
+                <a:solidFill>
+                  <a:sysClr val="windowText" lastClr="000000"/>
+                </a:solidFill>
+                <a:latin typeface="Arial" pitchFamily="34" charset="0"/>
+                <a:cs typeface="Arial" pitchFamily="34" charset="0"/>
+              </a:rPr>
+              <a:t>.</a:t>
+            </a:r>
+            <a:endParaRPr lang="pl-PL" sz="2000" dirty="0" smtClean="0">
+              <a:solidFill>
+                <a:sysClr val="windowText" lastClr="000000"/>
+              </a:solidFill>
+              <a:latin typeface="Arial" pitchFamily="34" charset="0"/>
+              <a:cs typeface="Arial" pitchFamily="34" charset="0"/>
+            </a:endParaRPr>
           </a:p>
         </p:txBody>
       </p:sp>
@@ -13057,6 +14865,649 @@
           </a:p>
         </p:txBody>
       </p:sp>
+      <p:pic>
+        <p:nvPicPr>
+          <p:cNvPr id="329731" name="Picture 3"/>
+          <p:cNvPicPr>
+            <a:picLocks noChangeAspect="1" noChangeArrowheads="1"/>
+          </p:cNvPicPr>
+          <p:nvPr/>
+        </p:nvPicPr>
+        <p:blipFill>
+          <a:blip r:embed="rId7"/>
+          <a:srcRect/>
+          <a:stretch>
+            <a:fillRect/>
+          </a:stretch>
+        </p:blipFill>
+        <p:spPr bwMode="auto">
+          <a:xfrm>
+            <a:off x="1064460" y="1183544"/>
+            <a:ext cx="7561050" cy="3469626"/>
+          </a:xfrm>
+          <a:prstGeom prst="rect">
+            <a:avLst/>
+          </a:prstGeom>
+          <a:noFill/>
+          <a:ln w="9525">
+            <a:noFill/>
+            <a:miter lim="800000"/>
+            <a:headEnd/>
+            <a:tailEnd/>
+          </a:ln>
+        </p:spPr>
+      </p:pic>
+    </p:spTree>
+  </p:cSld>
+  <p:clrMapOvr>
+    <a:masterClrMapping/>
+  </p:clrMapOvr>
+  <p:timing>
+    <p:tnLst>
+      <p:par>
+        <p:cTn id="1" dur="indefinite" restart="never" nodeType="tmRoot"/>
+      </p:par>
+    </p:tnLst>
+  </p:timing>
+</p:sld>
+</file>
+
+<file path=ppt/slides/slide5.xml><?xml version="1.0" encoding="utf-8"?>
+<p:sld xmlns:a="http://schemas.openxmlformats.org/drawingml/2006/main" xmlns:r="http://schemas.openxmlformats.org/officeDocument/2006/relationships" xmlns:p="http://schemas.openxmlformats.org/presentationml/2006/main">
+  <p:cSld>
+    <p:spTree>
+      <p:nvGrpSpPr>
+        <p:cNvPr id="1" name=""/>
+        <p:cNvGrpSpPr/>
+        <p:nvPr/>
+      </p:nvGrpSpPr>
+      <p:grpSpPr>
+        <a:xfrm>
+          <a:off x="0" y="0"/>
+          <a:ext cx="0" cy="0"/>
+          <a:chOff x="0" y="0"/>
+          <a:chExt cx="0" cy="0"/>
+        </a:xfrm>
+      </p:grpSpPr>
+      <p:graphicFrame>
+        <p:nvGraphicFramePr>
+          <p:cNvPr id="4" name="Object 3" hidden="1"/>
+          <p:cNvGraphicFramePr>
+            <a:graphicFrameLocks noChangeAspect="1"/>
+          </p:cNvGraphicFramePr>
+          <p:nvPr/>
+        </p:nvGraphicFramePr>
+        <p:xfrm>
+          <a:off x="0" y="0"/>
+          <a:ext cx="158750" cy="158750"/>
+        </p:xfrm>
+        <a:graphic>
+          <a:graphicData uri="http://schemas.openxmlformats.org/presentationml/2006/ole">
+            <p:oleObj spid="_x0000_s262146" name="think-cell Slide" r:id="rId5" imgW="360" imgH="360" progId="">
+              <p:embed/>
+            </p:oleObj>
+          </a:graphicData>
+        </a:graphic>
+      </p:graphicFrame>
+      <p:sp>
+        <p:nvSpPr>
+          <p:cNvPr id="2" name="Titre 1"/>
+          <p:cNvSpPr>
+            <a:spLocks noGrp="1"/>
+          </p:cNvSpPr>
+          <p:nvPr>
+            <p:ph type="title"/>
+            <p:custDataLst>
+              <p:tags r:id="rId2"/>
+            </p:custDataLst>
+          </p:nvPr>
+        </p:nvSpPr>
+        <p:spPr/>
+        <p:txBody>
+          <a:bodyPr/>
+          <a:lstStyle/>
+          <a:p>
+            <a:r>
+              <a:rPr lang="pl-PL" dirty="0" err="1" smtClean="0">
+                <a:latin typeface="Arial" pitchFamily="34" charset="0"/>
+                <a:cs typeface="Arial" pitchFamily="34" charset="0"/>
+              </a:rPr>
+              <a:t>Arduino</a:t>
+            </a:r>
+            <a:r>
+              <a:rPr lang="pl-PL" dirty="0" smtClean="0">
+                <a:latin typeface="Arial" pitchFamily="34" charset="0"/>
+                <a:cs typeface="Arial" pitchFamily="34" charset="0"/>
+              </a:rPr>
+              <a:t> – struktura „</a:t>
+            </a:r>
+            <a:r>
+              <a:rPr lang="pl-PL" dirty="0" err="1" smtClean="0">
+                <a:latin typeface="Arial" pitchFamily="34" charset="0"/>
+                <a:cs typeface="Arial" pitchFamily="34" charset="0"/>
+              </a:rPr>
+              <a:t>main</a:t>
+            </a:r>
+            <a:r>
+              <a:rPr lang="pl-PL" dirty="0" smtClean="0">
+                <a:latin typeface="Arial" pitchFamily="34" charset="0"/>
+                <a:cs typeface="Arial" pitchFamily="34" charset="0"/>
+              </a:rPr>
+              <a:t>”</a:t>
+            </a:r>
+            <a:endParaRPr lang="en-GB" dirty="0">
+              <a:latin typeface="Arial" pitchFamily="34" charset="0"/>
+              <a:cs typeface="Arial" pitchFamily="34" charset="0"/>
+            </a:endParaRPr>
+          </a:p>
+        </p:txBody>
+      </p:sp>
+      <p:sp>
+        <p:nvSpPr>
+          <p:cNvPr id="8" name="Slide Number Placeholder 7"/>
+          <p:cNvSpPr>
+            <a:spLocks noGrp="1"/>
+          </p:cNvSpPr>
+          <p:nvPr>
+            <p:ph type="sldNum" sz="quarter" idx="11"/>
+          </p:nvPr>
+        </p:nvSpPr>
+        <p:spPr/>
+        <p:txBody>
+          <a:bodyPr/>
+          <a:lstStyle/>
+          <a:p>
+            <a:fld id="{880BADDE-CEDF-4108-ADCD-25C7E5D681A5}" type="slidenum">
+              <a:rPr lang="en-GB" smtClean="0"/>
+              <a:pPr/>
+              <a:t>5</a:t>
+            </a:fld>
+            <a:endParaRPr lang="en-GB" dirty="0"/>
+          </a:p>
+        </p:txBody>
+      </p:sp>
+      <p:sp>
+        <p:nvSpPr>
+          <p:cNvPr id="9" name="Footer Placeholder 8"/>
+          <p:cNvSpPr>
+            <a:spLocks noGrp="1"/>
+          </p:cNvSpPr>
+          <p:nvPr>
+            <p:ph type="ftr" sz="quarter" idx="12"/>
+          </p:nvPr>
+        </p:nvSpPr>
+        <p:spPr/>
+        <p:txBody>
+          <a:bodyPr/>
+          <a:lstStyle/>
+          <a:p>
+            <a:r>
+              <a:rPr lang="en-GB" smtClean="0"/>
+              <a:t>arduino_ide.pptx</a:t>
+            </a:r>
+            <a:endParaRPr lang="en-GB" dirty="0"/>
+          </a:p>
+        </p:txBody>
+      </p:sp>
+      <p:sp>
+        <p:nvSpPr>
+          <p:cNvPr id="28" name="Date Placeholder 27"/>
+          <p:cNvSpPr>
+            <a:spLocks noGrp="1"/>
+          </p:cNvSpPr>
+          <p:nvPr>
+            <p:ph type="dt" sz="half" idx="10"/>
+          </p:nvPr>
+        </p:nvSpPr>
+        <p:spPr/>
+        <p:txBody>
+          <a:bodyPr/>
+          <a:lstStyle/>
+          <a:p>
+            <a:pPr defTabSz="995445" eaLnBrk="0" hangingPunct="0">
+              <a:lnSpc>
+                <a:spcPct val="90000"/>
+              </a:lnSpc>
+              <a:spcBef>
+                <a:spcPct val="10000"/>
+              </a:spcBef>
+              <a:defRPr/>
+            </a:pPr>
+            <a:r>
+              <a:rPr lang="en-US" dirty="0" smtClean="0"/>
+              <a:t>Creative Commons 4.0 license</a:t>
+            </a:r>
+            <a:endParaRPr lang="de-DE" dirty="0"/>
+          </a:p>
+        </p:txBody>
+      </p:sp>
+      <p:sp>
+        <p:nvSpPr>
+          <p:cNvPr id="14" name="Content Placeholder 7"/>
+          <p:cNvSpPr>
+            <a:spLocks noGrp="1"/>
+          </p:cNvSpPr>
+          <p:nvPr>
+            <p:ph idx="4294967295"/>
+          </p:nvPr>
+        </p:nvSpPr>
+        <p:spPr>
+          <a:xfrm>
+            <a:off x="344360" y="1340710"/>
+            <a:ext cx="3672510" cy="4896680"/>
+          </a:xfrm>
+          <a:prstGeom prst="rect">
+            <a:avLst/>
+          </a:prstGeom>
+        </p:spPr>
+        <p:txBody>
+          <a:bodyPr>
+            <a:noAutofit/>
+          </a:bodyPr>
+          <a:lstStyle/>
+          <a:p>
+            <a:pPr marL="342900" indent="-342900" defTabSz="457200">
+              <a:lnSpc>
+                <a:spcPct val="100000"/>
+              </a:lnSpc>
+              <a:spcBef>
+                <a:spcPct val="20000"/>
+              </a:spcBef>
+              <a:spcAft>
+                <a:spcPts val="1200"/>
+              </a:spcAft>
+              <a:buClrTx/>
+              <a:buFont typeface="Arial" pitchFamily="34" charset="0"/>
+              <a:buChar char="•"/>
+            </a:pPr>
+            <a:r>
+              <a:rPr lang="pl-PL" sz="2000" dirty="0" smtClean="0">
+                <a:solidFill>
+                  <a:sysClr val="windowText" lastClr="000000"/>
+                </a:solidFill>
+                <a:latin typeface="Arial" pitchFamily="34" charset="0"/>
+                <a:cs typeface="Arial" pitchFamily="34" charset="0"/>
+              </a:rPr>
+              <a:t>Program dla </a:t>
+            </a:r>
+            <a:r>
+              <a:rPr lang="pl-PL" sz="2000" b="1" dirty="0" err="1" smtClean="0">
+                <a:solidFill>
+                  <a:sysClr val="windowText" lastClr="000000"/>
+                </a:solidFill>
+                <a:latin typeface="Arial" pitchFamily="34" charset="0"/>
+                <a:cs typeface="Arial" pitchFamily="34" charset="0"/>
+              </a:rPr>
+              <a:t>Arduino</a:t>
+            </a:r>
+            <a:r>
+              <a:rPr lang="pl-PL" sz="2000" dirty="0" smtClean="0">
+                <a:solidFill>
+                  <a:sysClr val="windowText" lastClr="000000"/>
+                </a:solidFill>
+                <a:latin typeface="Arial" pitchFamily="34" charset="0"/>
+                <a:cs typeface="Arial" pitchFamily="34" charset="0"/>
+              </a:rPr>
+              <a:t> importuje bibliotekę </a:t>
+            </a:r>
+            <a:r>
+              <a:rPr lang="pl-PL" sz="2000" b="1" dirty="0" smtClean="0">
+                <a:solidFill>
+                  <a:sysClr val="windowText" lastClr="000000"/>
+                </a:solidFill>
+                <a:latin typeface="Arial" pitchFamily="34" charset="0"/>
+                <a:cs typeface="Arial" pitchFamily="34" charset="0"/>
+              </a:rPr>
+              <a:t>&lt;</a:t>
+            </a:r>
+            <a:r>
+              <a:rPr lang="pl-PL" sz="2000" b="1" dirty="0" err="1" smtClean="0">
+                <a:solidFill>
+                  <a:sysClr val="windowText" lastClr="000000"/>
+                </a:solidFill>
+                <a:latin typeface="Arial" pitchFamily="34" charset="0"/>
+                <a:cs typeface="Arial" pitchFamily="34" charset="0"/>
+              </a:rPr>
+              <a:t>Arduino.h</a:t>
+            </a:r>
+            <a:r>
+              <a:rPr lang="pl-PL" sz="2000" b="1" dirty="0" smtClean="0">
+                <a:solidFill>
+                  <a:sysClr val="windowText" lastClr="000000"/>
+                </a:solidFill>
+                <a:latin typeface="Arial" pitchFamily="34" charset="0"/>
+                <a:cs typeface="Arial" pitchFamily="34" charset="0"/>
+              </a:rPr>
+              <a:t>&gt;</a:t>
+            </a:r>
+            <a:r>
+              <a:rPr lang="pl-PL" sz="2000" dirty="0" smtClean="0">
+                <a:solidFill>
+                  <a:sysClr val="windowText" lastClr="000000"/>
+                </a:solidFill>
+                <a:latin typeface="Arial" pitchFamily="34" charset="0"/>
+                <a:cs typeface="Arial" pitchFamily="34" charset="0"/>
+              </a:rPr>
+              <a:t> i składa </a:t>
+            </a:r>
+            <a:br>
+              <a:rPr lang="pl-PL" sz="2000" dirty="0" smtClean="0">
+                <a:solidFill>
+                  <a:sysClr val="windowText" lastClr="000000"/>
+                </a:solidFill>
+                <a:latin typeface="Arial" pitchFamily="34" charset="0"/>
+                <a:cs typeface="Arial" pitchFamily="34" charset="0"/>
+              </a:rPr>
+            </a:br>
+            <a:r>
+              <a:rPr lang="pl-PL" sz="2000" dirty="0" smtClean="0">
+                <a:solidFill>
+                  <a:sysClr val="windowText" lastClr="000000"/>
+                </a:solidFill>
+                <a:latin typeface="Arial" pitchFamily="34" charset="0"/>
+                <a:cs typeface="Arial" pitchFamily="34" charset="0"/>
+              </a:rPr>
+              <a:t>się z dwóch funkcji: </a:t>
+            </a:r>
+            <a:br>
+              <a:rPr lang="pl-PL" sz="2000" dirty="0" smtClean="0">
+                <a:solidFill>
+                  <a:sysClr val="windowText" lastClr="000000"/>
+                </a:solidFill>
+                <a:latin typeface="Arial" pitchFamily="34" charset="0"/>
+                <a:cs typeface="Arial" pitchFamily="34" charset="0"/>
+              </a:rPr>
+            </a:br>
+            <a:r>
+              <a:rPr lang="pl-PL" sz="2000" b="1" dirty="0" smtClean="0">
+                <a:solidFill>
+                  <a:srgbClr val="0070C0"/>
+                </a:solidFill>
+                <a:latin typeface="Courier New" pitchFamily="49" charset="0"/>
+                <a:cs typeface="Courier New" pitchFamily="49" charset="0"/>
+              </a:rPr>
+              <a:t>setup</a:t>
+            </a:r>
+            <a:r>
+              <a:rPr lang="pl-PL" sz="2000" b="1" dirty="0" smtClean="0">
+                <a:solidFill>
+                  <a:sysClr val="windowText" lastClr="000000"/>
+                </a:solidFill>
+                <a:latin typeface="Courier New" pitchFamily="49" charset="0"/>
+                <a:cs typeface="Courier New" pitchFamily="49" charset="0"/>
+              </a:rPr>
+              <a:t>()</a:t>
+            </a:r>
+            <a:r>
+              <a:rPr lang="pl-PL" sz="2000" b="1" dirty="0" smtClean="0">
+                <a:solidFill>
+                  <a:sysClr val="windowText" lastClr="000000"/>
+                </a:solidFill>
+                <a:latin typeface="Arial" pitchFamily="34" charset="0"/>
+                <a:cs typeface="Arial" pitchFamily="34" charset="0"/>
+              </a:rPr>
+              <a:t> </a:t>
+            </a:r>
+            <a:r>
+              <a:rPr lang="pl-PL" sz="2000" dirty="0" smtClean="0">
+                <a:solidFill>
+                  <a:sysClr val="windowText" lastClr="000000"/>
+                </a:solidFill>
+                <a:latin typeface="Arial" pitchFamily="34" charset="0"/>
+                <a:cs typeface="Arial" pitchFamily="34" charset="0"/>
+              </a:rPr>
+              <a:t>i </a:t>
+            </a:r>
+            <a:r>
+              <a:rPr lang="pl-PL" sz="2000" b="1" dirty="0" err="1" smtClean="0">
+                <a:solidFill>
+                  <a:srgbClr val="0070C0"/>
+                </a:solidFill>
+                <a:latin typeface="Courier New" pitchFamily="49" charset="0"/>
+                <a:cs typeface="Courier New" pitchFamily="49" charset="0"/>
+              </a:rPr>
+              <a:t>loop</a:t>
+            </a:r>
+            <a:r>
+              <a:rPr lang="pl-PL" sz="2000" b="1" dirty="0" smtClean="0">
+                <a:solidFill>
+                  <a:sysClr val="windowText" lastClr="000000"/>
+                </a:solidFill>
+                <a:latin typeface="Courier New" pitchFamily="49" charset="0"/>
+                <a:cs typeface="Courier New" pitchFamily="49" charset="0"/>
+              </a:rPr>
+              <a:t>()</a:t>
+            </a:r>
+            <a:r>
+              <a:rPr lang="pl-PL" sz="2000" dirty="0" smtClean="0">
+                <a:solidFill>
+                  <a:sysClr val="windowText" lastClr="000000"/>
+                </a:solidFill>
+                <a:latin typeface="Courier New" pitchFamily="49" charset="0"/>
+                <a:cs typeface="Courier New" pitchFamily="49" charset="0"/>
+              </a:rPr>
+              <a:t>.</a:t>
+            </a:r>
+          </a:p>
+          <a:p>
+            <a:pPr marL="342900" indent="-342900" defTabSz="457200">
+              <a:lnSpc>
+                <a:spcPct val="100000"/>
+              </a:lnSpc>
+              <a:spcBef>
+                <a:spcPct val="20000"/>
+              </a:spcBef>
+              <a:spcAft>
+                <a:spcPts val="1200"/>
+              </a:spcAft>
+              <a:buClrTx/>
+              <a:buFont typeface="Arial" pitchFamily="34" charset="0"/>
+              <a:buChar char="•"/>
+            </a:pPr>
+            <a:r>
+              <a:rPr lang="pl-PL" sz="2000" dirty="0" smtClean="0">
+                <a:solidFill>
+                  <a:sysClr val="windowText" lastClr="000000"/>
+                </a:solidFill>
+                <a:latin typeface="Arial" pitchFamily="34" charset="0"/>
+                <a:cs typeface="Arial" pitchFamily="34" charset="0"/>
+              </a:rPr>
+              <a:t>Funkcja </a:t>
+            </a:r>
+            <a:r>
+              <a:rPr lang="pl-PL" sz="2000" b="1" dirty="0" smtClean="0">
+                <a:solidFill>
+                  <a:srgbClr val="0070C0"/>
+                </a:solidFill>
+                <a:latin typeface="Courier New" pitchFamily="49" charset="0"/>
+                <a:cs typeface="Courier New" pitchFamily="49" charset="0"/>
+              </a:rPr>
+              <a:t>setup</a:t>
+            </a:r>
+            <a:r>
+              <a:rPr lang="pl-PL" sz="2000" b="1" dirty="0" smtClean="0">
+                <a:solidFill>
+                  <a:sysClr val="windowText" lastClr="000000"/>
+                </a:solidFill>
+                <a:latin typeface="Courier New" pitchFamily="49" charset="0"/>
+                <a:cs typeface="Courier New" pitchFamily="49" charset="0"/>
+              </a:rPr>
+              <a:t>()</a:t>
+            </a:r>
+            <a:r>
+              <a:rPr lang="pl-PL" sz="2000" b="1" dirty="0" smtClean="0">
+                <a:solidFill>
+                  <a:sysClr val="windowText" lastClr="000000"/>
+                </a:solidFill>
+                <a:latin typeface="Arial" pitchFamily="34" charset="0"/>
+                <a:cs typeface="Arial" pitchFamily="34" charset="0"/>
+              </a:rPr>
+              <a:t> </a:t>
+            </a:r>
+            <a:r>
+              <a:rPr lang="pl-PL" sz="2000" dirty="0" smtClean="0">
+                <a:solidFill>
+                  <a:sysClr val="windowText" lastClr="000000"/>
+                </a:solidFill>
+                <a:latin typeface="Arial" pitchFamily="34" charset="0"/>
+                <a:cs typeface="Arial" pitchFamily="34" charset="0"/>
+              </a:rPr>
+              <a:t>uruchamiana jest raz </a:t>
+            </a:r>
+            <a:br>
+              <a:rPr lang="pl-PL" sz="2000" dirty="0" smtClean="0">
+                <a:solidFill>
+                  <a:sysClr val="windowText" lastClr="000000"/>
+                </a:solidFill>
+                <a:latin typeface="Arial" pitchFamily="34" charset="0"/>
+                <a:cs typeface="Arial" pitchFamily="34" charset="0"/>
+              </a:rPr>
+            </a:br>
+            <a:r>
+              <a:rPr lang="pl-PL" sz="2000" dirty="0" smtClean="0">
+                <a:solidFill>
+                  <a:sysClr val="windowText" lastClr="000000"/>
+                </a:solidFill>
+                <a:latin typeface="Arial" pitchFamily="34" charset="0"/>
+                <a:cs typeface="Arial" pitchFamily="34" charset="0"/>
+              </a:rPr>
+              <a:t>po starcie lub resecie </a:t>
+            </a:r>
+            <a:r>
+              <a:rPr lang="pl-PL" sz="2000" b="1" dirty="0" err="1" smtClean="0">
+                <a:solidFill>
+                  <a:sysClr val="windowText" lastClr="000000"/>
+                </a:solidFill>
+                <a:latin typeface="Arial" pitchFamily="34" charset="0"/>
+                <a:cs typeface="Arial" pitchFamily="34" charset="0"/>
+              </a:rPr>
+              <a:t>Arduino</a:t>
+            </a:r>
+            <a:r>
+              <a:rPr lang="pl-PL" sz="2000" dirty="0" smtClean="0">
+                <a:solidFill>
+                  <a:sysClr val="windowText" lastClr="000000"/>
+                </a:solidFill>
+                <a:latin typeface="Arial" pitchFamily="34" charset="0"/>
+                <a:cs typeface="Arial" pitchFamily="34" charset="0"/>
+              </a:rPr>
+              <a:t>.</a:t>
+            </a:r>
+          </a:p>
+          <a:p>
+            <a:pPr marL="342900" indent="-342900" defTabSz="457200">
+              <a:lnSpc>
+                <a:spcPct val="100000"/>
+              </a:lnSpc>
+              <a:spcBef>
+                <a:spcPct val="20000"/>
+              </a:spcBef>
+              <a:spcAft>
+                <a:spcPts val="1200"/>
+              </a:spcAft>
+              <a:buClrTx/>
+              <a:buFont typeface="Arial" pitchFamily="34" charset="0"/>
+              <a:buChar char="•"/>
+            </a:pPr>
+            <a:r>
+              <a:rPr lang="pl-PL" sz="2000" dirty="0" smtClean="0">
+                <a:solidFill>
+                  <a:sysClr val="windowText" lastClr="000000"/>
+                </a:solidFill>
+                <a:latin typeface="Arial" pitchFamily="34" charset="0"/>
+                <a:cs typeface="Arial" pitchFamily="34" charset="0"/>
+              </a:rPr>
+              <a:t>Funkcja </a:t>
+            </a:r>
+            <a:r>
+              <a:rPr lang="pl-PL" sz="2000" b="1" dirty="0" err="1" smtClean="0">
+                <a:solidFill>
+                  <a:srgbClr val="0070C0"/>
+                </a:solidFill>
+                <a:latin typeface="Courier New" pitchFamily="49" charset="0"/>
+                <a:cs typeface="Courier New" pitchFamily="49" charset="0"/>
+              </a:rPr>
+              <a:t>loop</a:t>
+            </a:r>
+            <a:r>
+              <a:rPr lang="pl-PL" sz="2000" b="1" dirty="0" smtClean="0">
+                <a:solidFill>
+                  <a:sysClr val="windowText" lastClr="000000"/>
+                </a:solidFill>
+                <a:latin typeface="Courier New" pitchFamily="49" charset="0"/>
+                <a:cs typeface="Courier New" pitchFamily="49" charset="0"/>
+              </a:rPr>
+              <a:t>()</a:t>
+            </a:r>
+            <a:r>
+              <a:rPr lang="pl-PL" sz="2000" dirty="0" smtClean="0">
+                <a:solidFill>
+                  <a:sysClr val="windowText" lastClr="000000"/>
+                </a:solidFill>
+                <a:latin typeface="Arial" pitchFamily="34" charset="0"/>
+                <a:cs typeface="Arial" pitchFamily="34" charset="0"/>
+              </a:rPr>
+              <a:t> uruchamiana jest w nieskończonej pętli.</a:t>
+            </a:r>
+          </a:p>
+        </p:txBody>
+      </p:sp>
+      <p:pic>
+        <p:nvPicPr>
+          <p:cNvPr id="10" name="Picture 4" descr="https://encrypted-tbn2.gstatic.com/images?q=tbn:ANd9GcSS5XD-fwsa5DO096u7zP5Rxt8qfokZ36djp-u5skB0qeeazcwI"/>
+          <p:cNvPicPr>
+            <a:picLocks noChangeAspect="1" noChangeArrowheads="1"/>
+          </p:cNvPicPr>
+          <p:nvPr/>
+        </p:nvPicPr>
+        <p:blipFill>
+          <a:blip r:embed="rId6"/>
+          <a:srcRect/>
+          <a:stretch>
+            <a:fillRect/>
+          </a:stretch>
+        </p:blipFill>
+        <p:spPr bwMode="auto">
+          <a:xfrm>
+            <a:off x="7689380" y="0"/>
+            <a:ext cx="992450" cy="992450"/>
+          </a:xfrm>
+          <a:prstGeom prst="rect">
+            <a:avLst/>
+          </a:prstGeom>
+          <a:noFill/>
+        </p:spPr>
+      </p:pic>
+      <p:sp>
+        <p:nvSpPr>
+          <p:cNvPr id="137220" name="AutoShape 4" descr="https://s3.amazonaws.com/ksr/assets/000/839/277/ed8e45bf086a57a613e7e9194eeb1742_large.png"/>
+          <p:cNvSpPr>
+            <a:spLocks noChangeAspect="1" noChangeArrowheads="1"/>
+          </p:cNvSpPr>
+          <p:nvPr/>
+        </p:nvSpPr>
+        <p:spPr bwMode="auto">
+          <a:xfrm>
+            <a:off x="155575" y="-144463"/>
+            <a:ext cx="304800" cy="304801"/>
+          </a:xfrm>
+          <a:prstGeom prst="rect">
+            <a:avLst/>
+          </a:prstGeom>
+          <a:noFill/>
+        </p:spPr>
+        <p:txBody>
+          <a:bodyPr vert="horz" wrap="square" lIns="91440" tIns="45720" rIns="91440" bIns="45720" numCol="1" anchor="t" anchorCtr="0" compatLnSpc="1">
+            <a:prstTxWarp prst="textNoShape">
+              <a:avLst/>
+            </a:prstTxWarp>
+          </a:bodyPr>
+          <a:lstStyle/>
+          <a:p>
+            <a:endParaRPr lang="en-US"/>
+          </a:p>
+        </p:txBody>
+      </p:sp>
       <p:sp>
         <p:nvSpPr>
           <p:cNvPr id="15" name="Content Placeholder 7"/>
@@ -13629,7 +16080,7 @@
 </p:sld>
 </file>
 
-<file path=ppt/slides/slide5.xml><?xml version="1.0" encoding="utf-8"?>
+<file path=ppt/slides/slide6.xml><?xml version="1.0" encoding="utf-8"?>
 <p:sld xmlns:a="http://schemas.openxmlformats.org/drawingml/2006/main" xmlns:r="http://schemas.openxmlformats.org/officeDocument/2006/relationships" xmlns:p="http://schemas.openxmlformats.org/presentationml/2006/main">
   <p:cSld>
     <p:spTree>
@@ -13723,7 +16174,7 @@
             <a:fld id="{880BADDE-CEDF-4108-ADCD-25C7E5D681A5}" type="slidenum">
               <a:rPr lang="en-GB" smtClean="0"/>
               <a:pPr/>
-              <a:t>5</a:t>
+              <a:t>6</a:t>
             </a:fld>
             <a:endParaRPr lang="en-GB" dirty="0"/>
           </a:p>
@@ -13746,7 +16197,7 @@
           <a:p>
             <a:r>
               <a:rPr lang="en-GB" smtClean="0"/>
-              <a:t>A_03_arduino_ide.pptx</a:t>
+              <a:t>arduino_ide.pptx</a:t>
             </a:r>
             <a:endParaRPr lang="en-GB" dirty="0"/>
           </a:p>
@@ -13796,8 +16247,8 @@
         </p:nvSpPr>
         <p:spPr>
           <a:xfrm>
-            <a:off x="344360" y="4221110"/>
-            <a:ext cx="5904820" cy="2088290"/>
+            <a:off x="344360" y="4797190"/>
+            <a:ext cx="9217280" cy="1440200"/>
           </a:xfrm>
           <a:prstGeom prst="rect">
             <a:avLst/>
@@ -14099,7 +16550,7 @@
         </p:blipFill>
         <p:spPr bwMode="auto">
           <a:xfrm>
-            <a:off x="1064460" y="1268700"/>
+            <a:off x="344360" y="1628750"/>
             <a:ext cx="3571875" cy="2857500"/>
           </a:xfrm>
           <a:prstGeom prst="rect">
@@ -14125,8 +16576,8 @@
         </p:blipFill>
         <p:spPr bwMode="auto">
           <a:xfrm>
-            <a:off x="6105160" y="1916790"/>
-            <a:ext cx="3028950" cy="3533776"/>
+            <a:off x="4160890" y="1628750"/>
+            <a:ext cx="2468913" cy="2880400"/>
           </a:xfrm>
           <a:prstGeom prst="rect">
             <a:avLst/>
@@ -14194,6 +16645,32 @@
           </a:p>
         </p:txBody>
       </p:sp>
+      <p:pic>
+        <p:nvPicPr>
+          <p:cNvPr id="19" name="Picture 20" descr="https://gm1.ggpht.com/y3d0y1PJUZ5ZIvXJAUwLSUBJb3UvkxT0n_7u9qahXamKd2gDcVKcfu8jU0LQy2acj5rCXQHs2vHn9THKoOimSEkYT-hTa7-88bcw1wjjDuf35Gqly3NjX2yTv6H6Abl2pt30bo3z8JkKi59ojZE2JKSViEFlCfwBgqqWWQxVMLLEGjI4-DOiqL2CpZDe6yrMkknwx3PKFb6fP54TKTbdP4njx41jcPKrl9v4vlySA0lOW0U4VlNnIKksjd8DXahoQHLDflvRitecCVOWjFfeGXF11icTC_OicHJfPKsgsgK-Coctpz8kn_IsEf5LZ9_YOA1kpXs1MeC9vPLWh3pg_jksZ3etgm1QbAJz6CgGbFj1IKFtFNoXCBfJ6xXhFuC6BEfW8ZSMJjRM9KI21ETQK6Lj3Y4A1YOngwaGXyTwuviIGNVkgfBIXHXT9ogwWbQbjxhmWbP7_D89HPQteBZatFoLYXL-W2sdjfzWgeyC4c4wJuAr4JcUtmZV7lBUrkShofZjwegPpXhcRiWtuPJPlrePLvxXo_heGKQOpCcp7jNo6TY3OdMBe2fzz5-2bli6eJAczwNfzWK0M8AYrQT8EpQjzrYxgP7NaSyPVA=w1406-h656-l75-ft"/>
+          <p:cNvPicPr>
+            <a:picLocks noChangeAspect="1" noChangeArrowheads="1"/>
+          </p:cNvPicPr>
+          <p:nvPr/>
+        </p:nvPicPr>
+        <p:blipFill>
+          <a:blip r:embed="rId10"/>
+          <a:srcRect/>
+          <a:stretch>
+            <a:fillRect/>
+          </a:stretch>
+        </p:blipFill>
+        <p:spPr bwMode="auto">
+          <a:xfrm>
+            <a:off x="6816524" y="1628750"/>
+            <a:ext cx="2817126" cy="2880399"/>
+          </a:xfrm>
+          <a:prstGeom prst="rect">
+            <a:avLst/>
+          </a:prstGeom>
+          <a:noFill/>
+        </p:spPr>
+      </p:pic>
     </p:spTree>
   </p:cSld>
   <p:clrMapOvr>
@@ -14209,7 +16686,7 @@
 </p:sld>
 </file>
 
-<file path=ppt/slides/slide6.xml><?xml version="1.0" encoding="utf-8"?>
+<file path=ppt/slides/slide7.xml><?xml version="1.0" encoding="utf-8"?>
 <p:sld xmlns:a="http://schemas.openxmlformats.org/drawingml/2006/main" xmlns:r="http://schemas.openxmlformats.org/officeDocument/2006/relationships" xmlns:p="http://schemas.openxmlformats.org/presentationml/2006/main">
   <p:cSld>
     <p:spTree>
@@ -14303,7 +16780,7 @@
             <a:fld id="{880BADDE-CEDF-4108-ADCD-25C7E5D681A5}" type="slidenum">
               <a:rPr lang="en-GB" smtClean="0"/>
               <a:pPr/>
-              <a:t>6</a:t>
+              <a:t>7</a:t>
             </a:fld>
             <a:endParaRPr lang="en-GB" dirty="0"/>
           </a:p>
@@ -14326,7 +16803,7 @@
           <a:p>
             <a:r>
               <a:rPr lang="en-GB" smtClean="0"/>
-              <a:t>A_03_arduino_ide.pptx</a:t>
+              <a:t>arduino_ide.pptx</a:t>
             </a:r>
             <a:endParaRPr lang="en-GB" dirty="0"/>
           </a:p>
@@ -14889,7 +17366,7 @@
         </p:blipFill>
         <p:spPr bwMode="auto">
           <a:xfrm>
-            <a:off x="5817120" y="4797190"/>
+            <a:off x="5817120" y="4443255"/>
             <a:ext cx="3019425" cy="1362075"/>
           </a:xfrm>
           <a:prstGeom prst="rect">
@@ -14906,7 +17383,7 @@
       </p:pic>
       <p:pic>
         <p:nvPicPr>
-          <p:cNvPr id="15" name="Picture 20" descr="https://gm1.ggpht.com/y3d0y1PJUZ5ZIvXJAUwLSUBJb3UvkxT0n_7u9qahXamKd2gDcVKcfu8jU0LQy2acj5rCXQHs2vHn9THKoOimSEkYT-hTa7-88bcw1wjjDuf35Gqly3NjX2yTv6H6Abl2pt30bo3z8JkKi59ojZE2JKSViEFlCfwBgqqWWQxVMLLEGjI4-DOiqL2CpZDe6yrMkknwx3PKFb6fP54TKTbdP4njx41jcPKrl9v4vlySA0lOW0U4VlNnIKksjd8DXahoQHLDflvRitecCVOWjFfeGXF11icTC_OicHJfPKsgsgK-Coctpz8kn_IsEf5LZ9_YOA1kpXs1MeC9vPLWh3pg_jksZ3etgm1QbAJz6CgGbFj1IKFtFNoXCBfJ6xXhFuC6BEfW8ZSMJjRM9KI21ETQK6Lj3Y4A1YOngwaGXyTwuviIGNVkgfBIXHXT9ogwWbQbjxhmWbP7_D89HPQteBZatFoLYXL-W2sdjfzWgeyC4c4wJuAr4JcUtmZV7lBUrkShofZjwegPpXhcRiWtuPJPlrePLvxXo_heGKQOpCcp7jNo6TY3OdMBe2fzz5-2bli6eJAczwNfzWK0M8AYrQT8EpQjzrYxgP7NaSyPVA=w1406-h656-l75-ft"/>
+          <p:cNvPr id="306179" name="Picture 3"/>
           <p:cNvPicPr>
             <a:picLocks noChangeAspect="1" noChangeArrowheads="1"/>
           </p:cNvPicPr>
@@ -14921,13 +17398,20 @@
         </p:blipFill>
         <p:spPr bwMode="auto">
           <a:xfrm>
-            <a:off x="5817120" y="1484730"/>
-            <a:ext cx="2990850" cy="2905125"/>
+            <a:off x="5097020" y="1412720"/>
+            <a:ext cx="4177978" cy="2592360"/>
           </a:xfrm>
           <a:prstGeom prst="rect">
             <a:avLst/>
           </a:prstGeom>
           <a:noFill/>
+          <a:ln w="9525">
+            <a:noFill/>
+            <a:miter lim="800000"/>
+            <a:headEnd/>
+            <a:tailEnd/>
+          </a:ln>
+          <a:effectLst/>
         </p:spPr>
       </p:pic>
     </p:spTree>
@@ -14945,7 +17429,929 @@
 </p:sld>
 </file>
 
-<file path=ppt/slides/slide7.xml><?xml version="1.0" encoding="utf-8"?>
+<file path=ppt/slides/slide8.xml><?xml version="1.0" encoding="utf-8"?>
+<p:sld xmlns:a="http://schemas.openxmlformats.org/drawingml/2006/main" xmlns:r="http://schemas.openxmlformats.org/officeDocument/2006/relationships" xmlns:p="http://schemas.openxmlformats.org/presentationml/2006/main">
+  <p:cSld>
+    <p:spTree>
+      <p:nvGrpSpPr>
+        <p:cNvPr id="1" name=""/>
+        <p:cNvGrpSpPr/>
+        <p:nvPr/>
+      </p:nvGrpSpPr>
+      <p:grpSpPr>
+        <a:xfrm>
+          <a:off x="0" y="0"/>
+          <a:ext cx="0" cy="0"/>
+          <a:chOff x="0" y="0"/>
+          <a:chExt cx="0" cy="0"/>
+        </a:xfrm>
+      </p:grpSpPr>
+      <p:graphicFrame>
+        <p:nvGraphicFramePr>
+          <p:cNvPr id="4" name="Object 3" hidden="1"/>
+          <p:cNvGraphicFramePr>
+            <a:graphicFrameLocks noChangeAspect="1"/>
+          </p:cNvGraphicFramePr>
+          <p:nvPr/>
+        </p:nvGraphicFramePr>
+        <p:xfrm>
+          <a:off x="0" y="0"/>
+          <a:ext cx="158750" cy="158750"/>
+        </p:xfrm>
+        <a:graphic>
+          <a:graphicData uri="http://schemas.openxmlformats.org/presentationml/2006/ole">
+            <p:oleObj spid="_x0000_s330754" name="think-cell Slide" r:id="rId5" imgW="360" imgH="360" progId="">
+              <p:embed/>
+            </p:oleObj>
+          </a:graphicData>
+        </a:graphic>
+      </p:graphicFrame>
+      <p:sp>
+        <p:nvSpPr>
+          <p:cNvPr id="2" name="Titre 1"/>
+          <p:cNvSpPr>
+            <a:spLocks noGrp="1"/>
+          </p:cNvSpPr>
+          <p:nvPr>
+            <p:ph type="title"/>
+            <p:custDataLst>
+              <p:tags r:id="rId2"/>
+            </p:custDataLst>
+          </p:nvPr>
+        </p:nvSpPr>
+        <p:spPr/>
+        <p:txBody>
+          <a:bodyPr/>
+          <a:lstStyle/>
+          <a:p>
+            <a:r>
+              <a:rPr lang="de-DE" dirty="0" err="1" smtClean="0">
+                <a:latin typeface="Arial" pitchFamily="34" charset="0"/>
+                <a:cs typeface="Arial" pitchFamily="34" charset="0"/>
+              </a:rPr>
+              <a:t>Eclipse</a:t>
+            </a:r>
+            <a:r>
+              <a:rPr lang="de-DE" dirty="0" smtClean="0">
+                <a:latin typeface="Arial" pitchFamily="34" charset="0"/>
+                <a:cs typeface="Arial" pitchFamily="34" charset="0"/>
+              </a:rPr>
+              <a:t> </a:t>
+            </a:r>
+            <a:r>
+              <a:rPr lang="pl-PL" dirty="0" err="1" smtClean="0">
+                <a:latin typeface="Arial" pitchFamily="34" charset="0"/>
+                <a:cs typeface="Arial" pitchFamily="34" charset="0"/>
+              </a:rPr>
+              <a:t>Arduino</a:t>
+            </a:r>
+            <a:r>
+              <a:rPr lang="pl-PL" dirty="0" smtClean="0">
+                <a:latin typeface="Arial" pitchFamily="34" charset="0"/>
+                <a:cs typeface="Arial" pitchFamily="34" charset="0"/>
+              </a:rPr>
+              <a:t> </a:t>
+            </a:r>
+            <a:r>
+              <a:rPr lang="pl-PL" dirty="0" smtClean="0">
+                <a:latin typeface="Arial" pitchFamily="34" charset="0"/>
+                <a:cs typeface="Arial" pitchFamily="34" charset="0"/>
+              </a:rPr>
+              <a:t>IDE – kompilacja i wgrywanie</a:t>
+            </a:r>
+            <a:endParaRPr lang="en-GB" dirty="0">
+              <a:latin typeface="Arial" pitchFamily="34" charset="0"/>
+              <a:cs typeface="Arial" pitchFamily="34" charset="0"/>
+            </a:endParaRPr>
+          </a:p>
+        </p:txBody>
+      </p:sp>
+      <p:sp>
+        <p:nvSpPr>
+          <p:cNvPr id="8" name="Slide Number Placeholder 7"/>
+          <p:cNvSpPr>
+            <a:spLocks noGrp="1"/>
+          </p:cNvSpPr>
+          <p:nvPr>
+            <p:ph type="sldNum" sz="quarter" idx="11"/>
+          </p:nvPr>
+        </p:nvSpPr>
+        <p:spPr/>
+        <p:txBody>
+          <a:bodyPr/>
+          <a:lstStyle/>
+          <a:p>
+            <a:fld id="{880BADDE-CEDF-4108-ADCD-25C7E5D681A5}" type="slidenum">
+              <a:rPr lang="en-GB" smtClean="0"/>
+              <a:pPr/>
+              <a:t>8</a:t>
+            </a:fld>
+            <a:endParaRPr lang="en-GB" dirty="0"/>
+          </a:p>
+        </p:txBody>
+      </p:sp>
+      <p:sp>
+        <p:nvSpPr>
+          <p:cNvPr id="9" name="Footer Placeholder 8"/>
+          <p:cNvSpPr>
+            <a:spLocks noGrp="1"/>
+          </p:cNvSpPr>
+          <p:nvPr>
+            <p:ph type="ftr" sz="quarter" idx="12"/>
+          </p:nvPr>
+        </p:nvSpPr>
+        <p:spPr/>
+        <p:txBody>
+          <a:bodyPr/>
+          <a:lstStyle/>
+          <a:p>
+            <a:r>
+              <a:rPr lang="en-GB" smtClean="0"/>
+              <a:t>arduino_ide.pptx</a:t>
+            </a:r>
+            <a:endParaRPr lang="en-GB" dirty="0"/>
+          </a:p>
+        </p:txBody>
+      </p:sp>
+      <p:sp>
+        <p:nvSpPr>
+          <p:cNvPr id="28" name="Date Placeholder 27"/>
+          <p:cNvSpPr>
+            <a:spLocks noGrp="1"/>
+          </p:cNvSpPr>
+          <p:nvPr>
+            <p:ph type="dt" sz="half" idx="10"/>
+          </p:nvPr>
+        </p:nvSpPr>
+        <p:spPr/>
+        <p:txBody>
+          <a:bodyPr/>
+          <a:lstStyle/>
+          <a:p>
+            <a:pPr defTabSz="995445" eaLnBrk="0" hangingPunct="0">
+              <a:lnSpc>
+                <a:spcPct val="90000"/>
+              </a:lnSpc>
+              <a:spcBef>
+                <a:spcPct val="10000"/>
+              </a:spcBef>
+              <a:defRPr/>
+            </a:pPr>
+            <a:r>
+              <a:rPr lang="en-US" dirty="0" smtClean="0"/>
+              <a:t>Creative Commons 4.0 license</a:t>
+            </a:r>
+            <a:endParaRPr lang="de-DE" dirty="0"/>
+          </a:p>
+        </p:txBody>
+      </p:sp>
+      <p:sp>
+        <p:nvSpPr>
+          <p:cNvPr id="14" name="Content Placeholder 7"/>
+          <p:cNvSpPr>
+            <a:spLocks noGrp="1"/>
+          </p:cNvSpPr>
+          <p:nvPr>
+            <p:ph idx="4294967295"/>
+          </p:nvPr>
+        </p:nvSpPr>
+        <p:spPr>
+          <a:xfrm>
+            <a:off x="56320" y="1628750"/>
+            <a:ext cx="6048840" cy="4464620"/>
+          </a:xfrm>
+          <a:prstGeom prst="rect">
+            <a:avLst/>
+          </a:prstGeom>
+        </p:spPr>
+        <p:txBody>
+          <a:bodyPr>
+            <a:noAutofit/>
+          </a:bodyPr>
+          <a:lstStyle/>
+          <a:p>
+            <a:pPr marL="342900" indent="-342900" defTabSz="457200">
+              <a:lnSpc>
+                <a:spcPct val="100000"/>
+              </a:lnSpc>
+              <a:spcBef>
+                <a:spcPct val="20000"/>
+              </a:spcBef>
+              <a:spcAft>
+                <a:spcPts val="1200"/>
+              </a:spcAft>
+              <a:buClrTx/>
+              <a:buFont typeface="Arial" pitchFamily="34" charset="0"/>
+              <a:buChar char="•"/>
+            </a:pPr>
+            <a:r>
+              <a:rPr lang="pl-PL" sz="2000" dirty="0" smtClean="0">
+                <a:solidFill>
+                  <a:sysClr val="windowText" lastClr="000000"/>
+                </a:solidFill>
+                <a:latin typeface="Arial" pitchFamily="34" charset="0"/>
+                <a:cs typeface="Arial" pitchFamily="34" charset="0"/>
+              </a:rPr>
+              <a:t>Wybieramy rodzaj </a:t>
+            </a:r>
+            <a:r>
+              <a:rPr lang="pl-PL" sz="2000" dirty="0" smtClean="0">
+                <a:solidFill>
+                  <a:sysClr val="windowText" lastClr="000000"/>
+                </a:solidFill>
+                <a:latin typeface="Arial" pitchFamily="34" charset="0"/>
+                <a:cs typeface="Arial" pitchFamily="34" charset="0"/>
+              </a:rPr>
+              <a:t>płyty</a:t>
+            </a:r>
+            <a:r>
+              <a:rPr lang="pl-PL" sz="2000" dirty="0" smtClean="0">
+                <a:solidFill>
+                  <a:sysClr val="windowText" lastClr="000000"/>
+                </a:solidFill>
+                <a:latin typeface="Arial" pitchFamily="34" charset="0"/>
+                <a:cs typeface="Arial" pitchFamily="34" charset="0"/>
+              </a:rPr>
+              <a:t/>
+            </a:r>
+            <a:br>
+              <a:rPr lang="pl-PL" sz="2000" dirty="0" smtClean="0">
+                <a:solidFill>
+                  <a:sysClr val="windowText" lastClr="000000"/>
+                </a:solidFill>
+                <a:latin typeface="Arial" pitchFamily="34" charset="0"/>
+                <a:cs typeface="Arial" pitchFamily="34" charset="0"/>
+              </a:rPr>
+            </a:br>
+            <a:r>
+              <a:rPr lang="de-DE" sz="2000" b="1" dirty="0" smtClean="0">
+                <a:solidFill>
+                  <a:sysClr val="windowText" lastClr="000000"/>
+                </a:solidFill>
+                <a:latin typeface="Courier New" pitchFamily="49" charset="0"/>
+                <a:cs typeface="Courier New" pitchFamily="49" charset="0"/>
+              </a:rPr>
+              <a:t>Project&gt;Properties&gt;</a:t>
+            </a:r>
+            <a:r>
+              <a:rPr lang="de-DE" sz="2000" b="1" dirty="0" err="1" smtClean="0">
+                <a:solidFill>
+                  <a:sysClr val="windowText" lastClr="000000"/>
+                </a:solidFill>
+                <a:latin typeface="Courier New" pitchFamily="49" charset="0"/>
+                <a:cs typeface="Courier New" pitchFamily="49" charset="0"/>
+              </a:rPr>
+              <a:t>Arduino</a:t>
+            </a:r>
+            <a:r>
+              <a:rPr lang="de-DE" sz="2000" b="1" dirty="0" smtClean="0">
+                <a:solidFill>
+                  <a:sysClr val="windowText" lastClr="000000"/>
+                </a:solidFill>
+                <a:latin typeface="Courier New" pitchFamily="49" charset="0"/>
+                <a:cs typeface="Courier New" pitchFamily="49" charset="0"/>
+              </a:rPr>
+              <a:t>&gt;</a:t>
+            </a:r>
+            <a:r>
+              <a:rPr lang="de-DE" sz="2000" b="1" dirty="0" err="1" smtClean="0">
+                <a:solidFill>
+                  <a:sysClr val="windowText" lastClr="000000"/>
+                </a:solidFill>
+                <a:latin typeface="Courier New" pitchFamily="49" charset="0"/>
+                <a:cs typeface="Courier New" pitchFamily="49" charset="0"/>
+              </a:rPr>
+              <a:t>Arduino</a:t>
+            </a:r>
+            <a:r>
+              <a:rPr lang="de-DE" sz="2000" b="1" dirty="0" smtClean="0">
+                <a:solidFill>
+                  <a:sysClr val="windowText" lastClr="000000"/>
+                </a:solidFill>
+                <a:latin typeface="Courier New" pitchFamily="49" charset="0"/>
+                <a:cs typeface="Courier New" pitchFamily="49" charset="0"/>
+              </a:rPr>
+              <a:t> Nano</a:t>
+            </a:r>
+            <a:endParaRPr lang="pl-PL" sz="2000" b="1" dirty="0" smtClean="0">
+              <a:solidFill>
+                <a:sysClr val="windowText" lastClr="000000"/>
+              </a:solidFill>
+              <a:latin typeface="Courier New" pitchFamily="49" charset="0"/>
+              <a:cs typeface="Courier New" pitchFamily="49" charset="0"/>
+            </a:endParaRPr>
+          </a:p>
+          <a:p>
+            <a:pPr marL="342900" indent="-342900" defTabSz="457200">
+              <a:lnSpc>
+                <a:spcPct val="100000"/>
+              </a:lnSpc>
+              <a:spcBef>
+                <a:spcPct val="20000"/>
+              </a:spcBef>
+              <a:spcAft>
+                <a:spcPts val="1200"/>
+              </a:spcAft>
+              <a:buClrTx/>
+              <a:buFont typeface="Arial" pitchFamily="34" charset="0"/>
+              <a:buChar char="•"/>
+            </a:pPr>
+            <a:r>
+              <a:rPr lang="pl-PL" sz="2000" dirty="0" smtClean="0">
+                <a:solidFill>
+                  <a:sysClr val="windowText" lastClr="000000"/>
+                </a:solidFill>
+                <a:latin typeface="Arial" pitchFamily="34" charset="0"/>
+                <a:cs typeface="Arial" pitchFamily="34" charset="0"/>
+              </a:rPr>
+              <a:t>Wybieramy </a:t>
+            </a:r>
+            <a:r>
+              <a:rPr lang="de-DE" sz="2000" dirty="0" err="1" smtClean="0">
+                <a:solidFill>
+                  <a:sysClr val="windowText" lastClr="000000"/>
+                </a:solidFill>
+                <a:latin typeface="Arial" pitchFamily="34" charset="0"/>
+                <a:cs typeface="Arial" pitchFamily="34" charset="0"/>
+              </a:rPr>
+              <a:t>port</a:t>
+            </a:r>
+            <a:r>
+              <a:rPr lang="pl-PL" sz="2000" dirty="0" smtClean="0">
+                <a:solidFill>
+                  <a:sysClr val="windowText" lastClr="000000"/>
+                </a:solidFill>
+                <a:latin typeface="Arial" pitchFamily="34" charset="0"/>
+                <a:cs typeface="Arial" pitchFamily="34" charset="0"/>
+              </a:rPr>
+              <a:t/>
+            </a:r>
+            <a:br>
+              <a:rPr lang="pl-PL" sz="2000" dirty="0" smtClean="0">
+                <a:solidFill>
+                  <a:sysClr val="windowText" lastClr="000000"/>
+                </a:solidFill>
+                <a:latin typeface="Arial" pitchFamily="34" charset="0"/>
+                <a:cs typeface="Arial" pitchFamily="34" charset="0"/>
+              </a:rPr>
+            </a:br>
+            <a:r>
+              <a:rPr lang="pl-PL" sz="2000" b="1" dirty="0" err="1" smtClean="0">
+                <a:solidFill>
+                  <a:sysClr val="windowText" lastClr="000000"/>
+                </a:solidFill>
+                <a:latin typeface="Courier New" pitchFamily="49" charset="0"/>
+                <a:cs typeface="Courier New" pitchFamily="49" charset="0"/>
+              </a:rPr>
+              <a:t>Project&gt;Properties&gt;Arduino</a:t>
+            </a:r>
+            <a:r>
+              <a:rPr lang="pl-PL" sz="2000" b="1" dirty="0" smtClean="0">
+                <a:solidFill>
+                  <a:sysClr val="windowText" lastClr="000000"/>
+                </a:solidFill>
+                <a:latin typeface="Courier New" pitchFamily="49" charset="0"/>
+                <a:cs typeface="Courier New" pitchFamily="49" charset="0"/>
+              </a:rPr>
+              <a:t>&gt;</a:t>
+            </a:r>
+            <a:r>
+              <a:rPr lang="de-DE" sz="2000" b="1" dirty="0" smtClean="0">
+                <a:solidFill>
+                  <a:sysClr val="windowText" lastClr="000000"/>
+                </a:solidFill>
+                <a:latin typeface="Courier New" pitchFamily="49" charset="0"/>
+                <a:cs typeface="Courier New" pitchFamily="49" charset="0"/>
+              </a:rPr>
+              <a:t>COM</a:t>
+            </a:r>
+            <a:r>
+              <a:rPr lang="de-DE" sz="2000" b="1" dirty="0" smtClean="0">
+                <a:solidFill>
+                  <a:srgbClr val="FF0000"/>
+                </a:solidFill>
+                <a:latin typeface="Courier New" pitchFamily="49" charset="0"/>
+                <a:cs typeface="Courier New" pitchFamily="49" charset="0"/>
+              </a:rPr>
+              <a:t>X</a:t>
+            </a:r>
+          </a:p>
+          <a:p>
+            <a:pPr marL="342900" indent="-342900" defTabSz="457200">
+              <a:lnSpc>
+                <a:spcPct val="100000"/>
+              </a:lnSpc>
+              <a:spcBef>
+                <a:spcPct val="20000"/>
+              </a:spcBef>
+              <a:spcAft>
+                <a:spcPts val="1200"/>
+              </a:spcAft>
+              <a:buClrTx/>
+              <a:buFont typeface="Arial" pitchFamily="34" charset="0"/>
+              <a:buChar char="•"/>
+            </a:pPr>
+            <a:r>
+              <a:rPr lang="pl-PL" sz="2000" dirty="0" smtClean="0">
+                <a:solidFill>
+                  <a:sysClr val="windowText" lastClr="000000"/>
+                </a:solidFill>
+                <a:latin typeface="Arial" pitchFamily="34" charset="0"/>
+                <a:cs typeface="Arial" pitchFamily="34" charset="0"/>
+              </a:rPr>
+              <a:t>Wybieramy </a:t>
+            </a:r>
+            <a:r>
+              <a:rPr lang="de-DE" sz="2000" dirty="0" smtClean="0">
+                <a:solidFill>
+                  <a:sysClr val="windowText" lastClr="000000"/>
+                </a:solidFill>
+                <a:latin typeface="Arial" pitchFamily="34" charset="0"/>
+                <a:cs typeface="Arial" pitchFamily="34" charset="0"/>
+              </a:rPr>
+              <a:t>typ</a:t>
+            </a:r>
+            <a:r>
+              <a:rPr lang="pl-PL" sz="2000" dirty="0" smtClean="0">
+                <a:solidFill>
+                  <a:sysClr val="windowText" lastClr="000000"/>
+                </a:solidFill>
+                <a:latin typeface="Arial" pitchFamily="34" charset="0"/>
+                <a:cs typeface="Arial" pitchFamily="34" charset="0"/>
+              </a:rPr>
+              <a:t> </a:t>
+            </a:r>
+            <a:r>
+              <a:rPr lang="de-DE" sz="2000" dirty="0" err="1" smtClean="0">
+                <a:solidFill>
+                  <a:sysClr val="windowText" lastClr="000000"/>
+                </a:solidFill>
+                <a:latin typeface="Arial" pitchFamily="34" charset="0"/>
+                <a:cs typeface="Arial" pitchFamily="34" charset="0"/>
+              </a:rPr>
+              <a:t>procesora</a:t>
+            </a:r>
+            <a:r>
+              <a:rPr lang="pl-PL" sz="2000" dirty="0" smtClean="0">
+                <a:solidFill>
+                  <a:sysClr val="windowText" lastClr="000000"/>
+                </a:solidFill>
+                <a:latin typeface="Arial" pitchFamily="34" charset="0"/>
+                <a:cs typeface="Arial" pitchFamily="34" charset="0"/>
+              </a:rPr>
+              <a:t/>
+            </a:r>
+            <a:br>
+              <a:rPr lang="pl-PL" sz="2000" dirty="0" smtClean="0">
+                <a:solidFill>
+                  <a:sysClr val="windowText" lastClr="000000"/>
+                </a:solidFill>
+                <a:latin typeface="Arial" pitchFamily="34" charset="0"/>
+                <a:cs typeface="Arial" pitchFamily="34" charset="0"/>
+              </a:rPr>
+            </a:br>
+            <a:r>
+              <a:rPr lang="pl-PL" sz="2000" b="1" dirty="0" err="1" smtClean="0">
+                <a:solidFill>
+                  <a:sysClr val="windowText" lastClr="000000"/>
+                </a:solidFill>
+                <a:latin typeface="Courier New" pitchFamily="49" charset="0"/>
+                <a:cs typeface="Courier New" pitchFamily="49" charset="0"/>
+              </a:rPr>
+              <a:t>Project&gt;Properties&gt;Arduino</a:t>
+            </a:r>
+            <a:r>
+              <a:rPr lang="pl-PL" sz="2000" b="1" dirty="0" smtClean="0">
+                <a:solidFill>
+                  <a:sysClr val="windowText" lastClr="000000"/>
+                </a:solidFill>
+                <a:latin typeface="Courier New" pitchFamily="49" charset="0"/>
+                <a:cs typeface="Courier New" pitchFamily="49" charset="0"/>
+              </a:rPr>
+              <a:t>&gt;</a:t>
+            </a:r>
+            <a:r>
+              <a:rPr lang="de-DE" sz="2000" b="1" dirty="0" smtClean="0">
+                <a:solidFill>
+                  <a:sysClr val="windowText" lastClr="000000"/>
+                </a:solidFill>
+                <a:latin typeface="Courier New" pitchFamily="49" charset="0"/>
+                <a:cs typeface="Courier New" pitchFamily="49" charset="0"/>
+              </a:rPr>
+              <a:t>ATmega168</a:t>
+            </a:r>
+            <a:endParaRPr lang="pl-PL" sz="2000" b="1" dirty="0" smtClean="0">
+              <a:solidFill>
+                <a:sysClr val="windowText" lastClr="000000"/>
+              </a:solidFill>
+              <a:latin typeface="Courier New" pitchFamily="49" charset="0"/>
+              <a:cs typeface="Courier New" pitchFamily="49" charset="0"/>
+            </a:endParaRPr>
+          </a:p>
+          <a:p>
+            <a:pPr marL="342900" indent="-342900" defTabSz="457200">
+              <a:lnSpc>
+                <a:spcPct val="100000"/>
+              </a:lnSpc>
+              <a:spcBef>
+                <a:spcPct val="20000"/>
+              </a:spcBef>
+              <a:spcAft>
+                <a:spcPts val="1200"/>
+              </a:spcAft>
+              <a:buClrTx/>
+              <a:buFont typeface="Arial" pitchFamily="34" charset="0"/>
+              <a:buChar char="•"/>
+            </a:pPr>
+            <a:r>
+              <a:rPr lang="pl-PL" sz="2000" dirty="0" smtClean="0">
+                <a:solidFill>
+                  <a:sysClr val="windowText" lastClr="000000"/>
+                </a:solidFill>
+                <a:latin typeface="Arial" pitchFamily="34" charset="0"/>
+                <a:cs typeface="Arial" pitchFamily="34" charset="0"/>
+              </a:rPr>
+              <a:t>Kompilacja</a:t>
+            </a:r>
+            <a:r>
+              <a:rPr lang="pl-PL" sz="2000" dirty="0" smtClean="0">
+                <a:solidFill>
+                  <a:sysClr val="windowText" lastClr="000000"/>
+                </a:solidFill>
+                <a:latin typeface="Arial" pitchFamily="34" charset="0"/>
+                <a:cs typeface="Arial" pitchFamily="34" charset="0"/>
+              </a:rPr>
+              <a:t/>
+            </a:r>
+            <a:br>
+              <a:rPr lang="pl-PL" sz="2000" dirty="0" smtClean="0">
+                <a:solidFill>
+                  <a:sysClr val="windowText" lastClr="000000"/>
+                </a:solidFill>
+                <a:latin typeface="Arial" pitchFamily="34" charset="0"/>
+                <a:cs typeface="Arial" pitchFamily="34" charset="0"/>
+              </a:rPr>
+            </a:br>
+            <a:r>
+              <a:rPr lang="de-DE" sz="2000" b="1" dirty="0" err="1" smtClean="0">
+                <a:solidFill>
+                  <a:sysClr val="windowText" lastClr="000000"/>
+                </a:solidFill>
+                <a:latin typeface="Courier New" pitchFamily="49" charset="0"/>
+                <a:cs typeface="Courier New" pitchFamily="49" charset="0"/>
+              </a:rPr>
+              <a:t>Arduino</a:t>
+            </a:r>
+            <a:r>
+              <a:rPr lang="pl-PL" sz="2000" b="1" dirty="0" smtClean="0">
+                <a:solidFill>
+                  <a:sysClr val="windowText" lastClr="000000"/>
+                </a:solidFill>
+                <a:latin typeface="Courier New" pitchFamily="49" charset="0"/>
+                <a:cs typeface="Courier New" pitchFamily="49" charset="0"/>
+              </a:rPr>
+              <a:t>&gt;</a:t>
+            </a:r>
+            <a:r>
+              <a:rPr lang="pl-PL" sz="2000" b="1" dirty="0" err="1" smtClean="0">
+                <a:solidFill>
+                  <a:sysClr val="windowText" lastClr="000000"/>
+                </a:solidFill>
+                <a:latin typeface="Courier New" pitchFamily="49" charset="0"/>
+                <a:cs typeface="Courier New" pitchFamily="49" charset="0"/>
+              </a:rPr>
+              <a:t>Verify</a:t>
+            </a:r>
+            <a:endParaRPr lang="pl-PL" sz="2000" b="1" dirty="0" smtClean="0">
+              <a:solidFill>
+                <a:sysClr val="windowText" lastClr="000000"/>
+              </a:solidFill>
+              <a:latin typeface="Courier New" pitchFamily="49" charset="0"/>
+              <a:cs typeface="Courier New" pitchFamily="49" charset="0"/>
+            </a:endParaRPr>
+          </a:p>
+          <a:p>
+            <a:pPr marL="342900" indent="-342900" defTabSz="457200">
+              <a:lnSpc>
+                <a:spcPct val="100000"/>
+              </a:lnSpc>
+              <a:spcBef>
+                <a:spcPct val="20000"/>
+              </a:spcBef>
+              <a:spcAft>
+                <a:spcPts val="1200"/>
+              </a:spcAft>
+              <a:buClrTx/>
+              <a:buFont typeface="Arial" pitchFamily="34" charset="0"/>
+              <a:buChar char="•"/>
+            </a:pPr>
+            <a:r>
+              <a:rPr lang="pl-PL" sz="2000" dirty="0" smtClean="0">
+                <a:solidFill>
+                  <a:sysClr val="windowText" lastClr="000000"/>
+                </a:solidFill>
+                <a:latin typeface="Arial" pitchFamily="34" charset="0"/>
+                <a:cs typeface="Arial" pitchFamily="34" charset="0"/>
+              </a:rPr>
+              <a:t>Wgranie</a:t>
+            </a:r>
+            <a:br>
+              <a:rPr lang="pl-PL" sz="2000" dirty="0" smtClean="0">
+                <a:solidFill>
+                  <a:sysClr val="windowText" lastClr="000000"/>
+                </a:solidFill>
+                <a:latin typeface="Arial" pitchFamily="34" charset="0"/>
+                <a:cs typeface="Arial" pitchFamily="34" charset="0"/>
+              </a:rPr>
+            </a:br>
+            <a:r>
+              <a:rPr lang="de-DE" sz="2000" b="1" dirty="0" err="1" smtClean="0">
+                <a:solidFill>
+                  <a:sysClr val="windowText" lastClr="000000"/>
+                </a:solidFill>
+                <a:latin typeface="Courier New" pitchFamily="49" charset="0"/>
+                <a:cs typeface="Courier New" pitchFamily="49" charset="0"/>
+              </a:rPr>
+              <a:t>Arduino</a:t>
+            </a:r>
+            <a:r>
+              <a:rPr lang="pl-PL" sz="2000" b="1" dirty="0" smtClean="0">
+                <a:solidFill>
+                  <a:sysClr val="windowText" lastClr="000000"/>
+                </a:solidFill>
+                <a:latin typeface="Courier New" pitchFamily="49" charset="0"/>
+                <a:cs typeface="Courier New" pitchFamily="49" charset="0"/>
+              </a:rPr>
+              <a:t>&gt;</a:t>
+            </a:r>
+            <a:r>
+              <a:rPr lang="pl-PL" sz="2000" b="1" dirty="0" err="1" smtClean="0">
+                <a:solidFill>
+                  <a:sysClr val="windowText" lastClr="000000"/>
+                </a:solidFill>
+                <a:latin typeface="Courier New" pitchFamily="49" charset="0"/>
+                <a:cs typeface="Courier New" pitchFamily="49" charset="0"/>
+              </a:rPr>
+              <a:t>Upload</a:t>
+            </a:r>
+            <a:r>
+              <a:rPr lang="de-DE" sz="2000" b="1" dirty="0" smtClean="0">
+                <a:solidFill>
+                  <a:sysClr val="windowText" lastClr="000000"/>
+                </a:solidFill>
+                <a:latin typeface="Courier New" pitchFamily="49" charset="0"/>
+                <a:cs typeface="Courier New" pitchFamily="49" charset="0"/>
+              </a:rPr>
+              <a:t> Sketch</a:t>
+            </a:r>
+            <a:r>
+              <a:rPr lang="pl-PL" sz="2000" dirty="0" smtClean="0">
+                <a:solidFill>
+                  <a:sysClr val="windowText" lastClr="000000"/>
+                </a:solidFill>
+                <a:latin typeface="Arial" pitchFamily="34" charset="0"/>
+                <a:cs typeface="Arial" pitchFamily="34" charset="0"/>
+              </a:rPr>
+              <a:t/>
+            </a:r>
+            <a:br>
+              <a:rPr lang="pl-PL" sz="2000" dirty="0" smtClean="0">
+                <a:solidFill>
+                  <a:sysClr val="windowText" lastClr="000000"/>
+                </a:solidFill>
+                <a:latin typeface="Arial" pitchFamily="34" charset="0"/>
+                <a:cs typeface="Arial" pitchFamily="34" charset="0"/>
+              </a:rPr>
+            </a:br>
+            <a:r>
+              <a:rPr lang="pl-PL" sz="2000" dirty="0" smtClean="0">
+                <a:solidFill>
+                  <a:sysClr val="windowText" lastClr="000000"/>
+                </a:solidFill>
+                <a:latin typeface="Arial" pitchFamily="34" charset="0"/>
+                <a:cs typeface="Arial" pitchFamily="34" charset="0"/>
+              </a:rPr>
+              <a:t/>
+            </a:r>
+            <a:br>
+              <a:rPr lang="pl-PL" sz="2000" dirty="0" smtClean="0">
+                <a:solidFill>
+                  <a:sysClr val="windowText" lastClr="000000"/>
+                </a:solidFill>
+                <a:latin typeface="Arial" pitchFamily="34" charset="0"/>
+                <a:cs typeface="Arial" pitchFamily="34" charset="0"/>
+              </a:rPr>
+            </a:br>
+            <a:endParaRPr lang="pl-PL" sz="2000" dirty="0" smtClean="0">
+              <a:solidFill>
+                <a:sysClr val="windowText" lastClr="000000"/>
+              </a:solidFill>
+              <a:latin typeface="Arial" pitchFamily="34" charset="0"/>
+              <a:cs typeface="Arial" pitchFamily="34" charset="0"/>
+            </a:endParaRPr>
+          </a:p>
+        </p:txBody>
+      </p:sp>
+      <p:pic>
+        <p:nvPicPr>
+          <p:cNvPr id="10" name="Picture 4" descr="https://encrypted-tbn2.gstatic.com/images?q=tbn:ANd9GcSS5XD-fwsa5DO096u7zP5Rxt8qfokZ36djp-u5skB0qeeazcwI"/>
+          <p:cNvPicPr>
+            <a:picLocks noChangeAspect="1" noChangeArrowheads="1"/>
+          </p:cNvPicPr>
+          <p:nvPr/>
+        </p:nvPicPr>
+        <p:blipFill>
+          <a:blip r:embed="rId6"/>
+          <a:srcRect/>
+          <a:stretch>
+            <a:fillRect/>
+          </a:stretch>
+        </p:blipFill>
+        <p:spPr bwMode="auto">
+          <a:xfrm>
+            <a:off x="7689380" y="0"/>
+            <a:ext cx="992450" cy="992450"/>
+          </a:xfrm>
+          <a:prstGeom prst="rect">
+            <a:avLst/>
+          </a:prstGeom>
+          <a:noFill/>
+        </p:spPr>
+      </p:pic>
+      <p:sp>
+        <p:nvSpPr>
+          <p:cNvPr id="137220" name="AutoShape 4" descr="https://s3.amazonaws.com/ksr/assets/000/839/277/ed8e45bf086a57a613e7e9194eeb1742_large.png"/>
+          <p:cNvSpPr>
+            <a:spLocks noChangeAspect="1" noChangeArrowheads="1"/>
+          </p:cNvSpPr>
+          <p:nvPr/>
+        </p:nvSpPr>
+        <p:spPr bwMode="auto">
+          <a:xfrm>
+            <a:off x="155575" y="-144463"/>
+            <a:ext cx="304800" cy="304801"/>
+          </a:xfrm>
+          <a:prstGeom prst="rect">
+            <a:avLst/>
+          </a:prstGeom>
+          <a:noFill/>
+        </p:spPr>
+        <p:txBody>
+          <a:bodyPr vert="horz" wrap="square" lIns="91440" tIns="45720" rIns="91440" bIns="45720" numCol="1" anchor="t" anchorCtr="0" compatLnSpc="1">
+            <a:prstTxWarp prst="textNoShape">
+              <a:avLst/>
+            </a:prstTxWarp>
+          </a:bodyPr>
+          <a:lstStyle/>
+          <a:p>
+            <a:endParaRPr lang="en-US"/>
+          </a:p>
+        </p:txBody>
+      </p:sp>
+      <p:pic>
+        <p:nvPicPr>
+          <p:cNvPr id="291844" name="Picture 4"/>
+          <p:cNvPicPr>
+            <a:picLocks noChangeAspect="1" noChangeArrowheads="1"/>
+          </p:cNvPicPr>
+          <p:nvPr/>
+        </p:nvPicPr>
+        <p:blipFill>
+          <a:blip r:embed="rId7"/>
+          <a:srcRect/>
+          <a:stretch>
+            <a:fillRect/>
+          </a:stretch>
+        </p:blipFill>
+        <p:spPr bwMode="auto">
+          <a:xfrm>
+            <a:off x="1784560" y="4468005"/>
+            <a:ext cx="257175" cy="257175"/>
+          </a:xfrm>
+          <a:prstGeom prst="rect">
+            <a:avLst/>
+          </a:prstGeom>
+          <a:noFill/>
+          <a:ln w="9525">
+            <a:noFill/>
+            <a:miter lim="800000"/>
+            <a:headEnd/>
+            <a:tailEnd/>
+          </a:ln>
+        </p:spPr>
+      </p:pic>
+      <p:pic>
+        <p:nvPicPr>
+          <p:cNvPr id="291845" name="Picture 5"/>
+          <p:cNvPicPr>
+            <a:picLocks noChangeAspect="1" noChangeArrowheads="1"/>
+          </p:cNvPicPr>
+          <p:nvPr/>
+        </p:nvPicPr>
+        <p:blipFill>
+          <a:blip r:embed="rId8"/>
+          <a:srcRect/>
+          <a:stretch>
+            <a:fillRect/>
+          </a:stretch>
+        </p:blipFill>
+        <p:spPr bwMode="auto">
+          <a:xfrm>
+            <a:off x="1496520" y="5322600"/>
+            <a:ext cx="257175" cy="266700"/>
+          </a:xfrm>
+          <a:prstGeom prst="rect">
+            <a:avLst/>
+          </a:prstGeom>
+          <a:noFill/>
+          <a:ln w="9525">
+            <a:noFill/>
+            <a:miter lim="800000"/>
+            <a:headEnd/>
+            <a:tailEnd/>
+          </a:ln>
+        </p:spPr>
+      </p:pic>
+      <p:pic>
+        <p:nvPicPr>
+          <p:cNvPr id="330755" name="Picture 3"/>
+          <p:cNvPicPr>
+            <a:picLocks noChangeAspect="1" noChangeArrowheads="1"/>
+          </p:cNvPicPr>
+          <p:nvPr/>
+        </p:nvPicPr>
+        <p:blipFill>
+          <a:blip r:embed="rId9"/>
+          <a:srcRect/>
+          <a:stretch>
+            <a:fillRect/>
+          </a:stretch>
+        </p:blipFill>
+        <p:spPr bwMode="auto">
+          <a:xfrm>
+            <a:off x="5745110" y="1124680"/>
+            <a:ext cx="4066025" cy="2592360"/>
+          </a:xfrm>
+          <a:prstGeom prst="rect">
+            <a:avLst/>
+          </a:prstGeom>
+          <a:noFill/>
+          <a:ln w="9525">
+            <a:noFill/>
+            <a:miter lim="800000"/>
+            <a:headEnd/>
+            <a:tailEnd/>
+          </a:ln>
+        </p:spPr>
+      </p:pic>
+      <p:pic>
+        <p:nvPicPr>
+          <p:cNvPr id="330756" name="Picture 4"/>
+          <p:cNvPicPr>
+            <a:picLocks noChangeAspect="1" noChangeArrowheads="1"/>
+          </p:cNvPicPr>
+          <p:nvPr/>
+        </p:nvPicPr>
+        <p:blipFill>
+          <a:blip r:embed="rId10"/>
+          <a:srcRect/>
+          <a:stretch>
+            <a:fillRect/>
+          </a:stretch>
+        </p:blipFill>
+        <p:spPr bwMode="auto">
+          <a:xfrm>
+            <a:off x="6321190" y="4653170"/>
+            <a:ext cx="2819400" cy="1028700"/>
+          </a:xfrm>
+          <a:prstGeom prst="rect">
+            <a:avLst/>
+          </a:prstGeom>
+          <a:noFill/>
+          <a:ln w="9525">
+            <a:noFill/>
+            <a:miter lim="800000"/>
+            <a:headEnd/>
+            <a:tailEnd/>
+          </a:ln>
+        </p:spPr>
+      </p:pic>
+    </p:spTree>
+  </p:cSld>
+  <p:clrMapOvr>
+    <a:masterClrMapping/>
+  </p:clrMapOvr>
+  <p:timing>
+    <p:tnLst>
+      <p:par>
+        <p:cTn id="1" dur="indefinite" restart="never" nodeType="tmRoot"/>
+      </p:par>
+    </p:tnLst>
+  </p:timing>
+</p:sld>
+</file>
+
+<file path=ppt/slides/slide9.xml><?xml version="1.0" encoding="utf-8"?>
 <p:sld xmlns:a="http://schemas.openxmlformats.org/drawingml/2006/main" xmlns:r="http://schemas.openxmlformats.org/officeDocument/2006/relationships" xmlns:p="http://schemas.openxmlformats.org/presentationml/2006/main">
   <p:cSld>
     <p:spTree>
@@ -15039,7 +18445,7 @@
             <a:fld id="{880BADDE-CEDF-4108-ADCD-25C7E5D681A5}" type="slidenum">
               <a:rPr lang="en-GB" smtClean="0"/>
               <a:pPr/>
-              <a:t>7</a:t>
+              <a:t>9</a:t>
             </a:fld>
             <a:endParaRPr lang="en-GB" dirty="0"/>
           </a:p>
@@ -15062,7 +18468,7 @@
           <a:p>
             <a:r>
               <a:rPr lang="en-GB" smtClean="0"/>
-              <a:t>A_03_arduino_ide.pptx</a:t>
+              <a:t>arduino_ide.pptx</a:t>
             </a:r>
             <a:endParaRPr lang="en-GB" dirty="0"/>
           </a:p>
@@ -15466,1648 +18872,6 @@
           </a:fontRef>
         </p:style>
       </p:cxnSp>
-    </p:spTree>
-  </p:cSld>
-  <p:clrMapOvr>
-    <a:masterClrMapping/>
-  </p:clrMapOvr>
-  <p:timing>
-    <p:tnLst>
-      <p:par>
-        <p:cTn id="1" dur="indefinite" restart="never" nodeType="tmRoot"/>
-      </p:par>
-    </p:tnLst>
-  </p:timing>
-</p:sld>
-</file>
-
-<file path=ppt/slides/slide8.xml><?xml version="1.0" encoding="utf-8"?>
-<p:sld xmlns:a="http://schemas.openxmlformats.org/drawingml/2006/main" xmlns:r="http://schemas.openxmlformats.org/officeDocument/2006/relationships" xmlns:p="http://schemas.openxmlformats.org/presentationml/2006/main">
-  <p:cSld>
-    <p:spTree>
-      <p:nvGrpSpPr>
-        <p:cNvPr id="1" name=""/>
-        <p:cNvGrpSpPr/>
-        <p:nvPr/>
-      </p:nvGrpSpPr>
-      <p:grpSpPr>
-        <a:xfrm>
-          <a:off x="0" y="0"/>
-          <a:ext cx="0" cy="0"/>
-          <a:chOff x="0" y="0"/>
-          <a:chExt cx="0" cy="0"/>
-        </a:xfrm>
-      </p:grpSpPr>
-      <p:graphicFrame>
-        <p:nvGraphicFramePr>
-          <p:cNvPr id="4" name="Object 3" hidden="1"/>
-          <p:cNvGraphicFramePr>
-            <a:graphicFrameLocks noChangeAspect="1"/>
-          </p:cNvGraphicFramePr>
-          <p:nvPr/>
-        </p:nvGraphicFramePr>
-        <p:xfrm>
-          <a:off x="0" y="0"/>
-          <a:ext cx="158750" cy="158750"/>
-        </p:xfrm>
-        <a:graphic>
-          <a:graphicData uri="http://schemas.openxmlformats.org/presentationml/2006/ole">
-            <p:oleObj spid="_x0000_s277506" name="think-cell Slide" r:id="rId5" imgW="360" imgH="360" progId="">
-              <p:embed/>
-            </p:oleObj>
-          </a:graphicData>
-        </a:graphic>
-      </p:graphicFrame>
-      <p:sp>
-        <p:nvSpPr>
-          <p:cNvPr id="2" name="Titre 1"/>
-          <p:cNvSpPr>
-            <a:spLocks noGrp="1"/>
-          </p:cNvSpPr>
-          <p:nvPr>
-            <p:ph type="title"/>
-            <p:custDataLst>
-              <p:tags r:id="rId2"/>
-            </p:custDataLst>
-          </p:nvPr>
-        </p:nvSpPr>
-        <p:spPr/>
-        <p:txBody>
-          <a:bodyPr/>
-          <a:lstStyle/>
-          <a:p>
-            <a:r>
-              <a:rPr lang="pl-PL" dirty="0" err="1" smtClean="0">
-                <a:latin typeface="Arial" pitchFamily="34" charset="0"/>
-                <a:cs typeface="Arial" pitchFamily="34" charset="0"/>
-              </a:rPr>
-              <a:t>Arduino</a:t>
-            </a:r>
-            <a:r>
-              <a:rPr lang="pl-PL" dirty="0" smtClean="0">
-                <a:latin typeface="Arial" pitchFamily="34" charset="0"/>
-                <a:cs typeface="Arial" pitchFamily="34" charset="0"/>
-              </a:rPr>
-              <a:t> – cyfrowe wyjście</a:t>
-            </a:r>
-            <a:endParaRPr lang="en-GB" dirty="0">
-              <a:latin typeface="Arial" pitchFamily="34" charset="0"/>
-              <a:cs typeface="Arial" pitchFamily="34" charset="0"/>
-            </a:endParaRPr>
-          </a:p>
-        </p:txBody>
-      </p:sp>
-      <p:sp>
-        <p:nvSpPr>
-          <p:cNvPr id="8" name="Slide Number Placeholder 7"/>
-          <p:cNvSpPr>
-            <a:spLocks noGrp="1"/>
-          </p:cNvSpPr>
-          <p:nvPr>
-            <p:ph type="sldNum" sz="quarter" idx="11"/>
-          </p:nvPr>
-        </p:nvSpPr>
-        <p:spPr/>
-        <p:txBody>
-          <a:bodyPr/>
-          <a:lstStyle/>
-          <a:p>
-            <a:fld id="{880BADDE-CEDF-4108-ADCD-25C7E5D681A5}" type="slidenum">
-              <a:rPr lang="en-GB" smtClean="0"/>
-              <a:pPr/>
-              <a:t>8</a:t>
-            </a:fld>
-            <a:endParaRPr lang="en-GB" dirty="0"/>
-          </a:p>
-        </p:txBody>
-      </p:sp>
-      <p:sp>
-        <p:nvSpPr>
-          <p:cNvPr id="9" name="Footer Placeholder 8"/>
-          <p:cNvSpPr>
-            <a:spLocks noGrp="1"/>
-          </p:cNvSpPr>
-          <p:nvPr>
-            <p:ph type="ftr" sz="quarter" idx="12"/>
-          </p:nvPr>
-        </p:nvSpPr>
-        <p:spPr/>
-        <p:txBody>
-          <a:bodyPr/>
-          <a:lstStyle/>
-          <a:p>
-            <a:r>
-              <a:rPr lang="en-GB" smtClean="0"/>
-              <a:t>A_03_arduino_ide.pptx</a:t>
-            </a:r>
-            <a:endParaRPr lang="en-GB" dirty="0"/>
-          </a:p>
-        </p:txBody>
-      </p:sp>
-      <p:sp>
-        <p:nvSpPr>
-          <p:cNvPr id="28" name="Date Placeholder 27"/>
-          <p:cNvSpPr>
-            <a:spLocks noGrp="1"/>
-          </p:cNvSpPr>
-          <p:nvPr>
-            <p:ph type="dt" sz="half" idx="10"/>
-          </p:nvPr>
-        </p:nvSpPr>
-        <p:spPr/>
-        <p:txBody>
-          <a:bodyPr/>
-          <a:lstStyle/>
-          <a:p>
-            <a:pPr defTabSz="995445" eaLnBrk="0" hangingPunct="0">
-              <a:lnSpc>
-                <a:spcPct val="90000"/>
-              </a:lnSpc>
-              <a:spcBef>
-                <a:spcPct val="10000"/>
-              </a:spcBef>
-              <a:defRPr/>
-            </a:pPr>
-            <a:r>
-              <a:rPr lang="en-US" dirty="0" smtClean="0"/>
-              <a:t>Creative Commons 4.0 license</a:t>
-            </a:r>
-            <a:endParaRPr lang="de-DE" dirty="0"/>
-          </a:p>
-        </p:txBody>
-      </p:sp>
-      <p:pic>
-        <p:nvPicPr>
-          <p:cNvPr id="10" name="Picture 4" descr="https://encrypted-tbn2.gstatic.com/images?q=tbn:ANd9GcSS5XD-fwsa5DO096u7zP5Rxt8qfokZ36djp-u5skB0qeeazcwI"/>
-          <p:cNvPicPr>
-            <a:picLocks noChangeAspect="1" noChangeArrowheads="1"/>
-          </p:cNvPicPr>
-          <p:nvPr/>
-        </p:nvPicPr>
-        <p:blipFill>
-          <a:blip r:embed="rId6"/>
-          <a:srcRect/>
-          <a:stretch>
-            <a:fillRect/>
-          </a:stretch>
-        </p:blipFill>
-        <p:spPr bwMode="auto">
-          <a:xfrm>
-            <a:off x="7689380" y="0"/>
-            <a:ext cx="992450" cy="992450"/>
-          </a:xfrm>
-          <a:prstGeom prst="rect">
-            <a:avLst/>
-          </a:prstGeom>
-          <a:noFill/>
-        </p:spPr>
-      </p:pic>
-      <p:sp>
-        <p:nvSpPr>
-          <p:cNvPr id="137220" name="AutoShape 4" descr="https://s3.amazonaws.com/ksr/assets/000/839/277/ed8e45bf086a57a613e7e9194eeb1742_large.png"/>
-          <p:cNvSpPr>
-            <a:spLocks noChangeAspect="1" noChangeArrowheads="1"/>
-          </p:cNvSpPr>
-          <p:nvPr/>
-        </p:nvSpPr>
-        <p:spPr bwMode="auto">
-          <a:xfrm>
-            <a:off x="155575" y="-144463"/>
-            <a:ext cx="304800" cy="304801"/>
-          </a:xfrm>
-          <a:prstGeom prst="rect">
-            <a:avLst/>
-          </a:prstGeom>
-          <a:noFill/>
-        </p:spPr>
-        <p:txBody>
-          <a:bodyPr vert="horz" wrap="square" lIns="91440" tIns="45720" rIns="91440" bIns="45720" numCol="1" anchor="t" anchorCtr="0" compatLnSpc="1">
-            <a:prstTxWarp prst="textNoShape">
-              <a:avLst/>
-            </a:prstTxWarp>
-          </a:bodyPr>
-          <a:lstStyle/>
-          <a:p>
-            <a:endParaRPr lang="en-US"/>
-          </a:p>
-        </p:txBody>
-      </p:sp>
-      <p:pic>
-        <p:nvPicPr>
-          <p:cNvPr id="277507" name="Picture 3" descr="C:\git\RoboCap\arduino\wks\A_03_01_digital_output\digital_output_bb.png"/>
-          <p:cNvPicPr>
-            <a:picLocks noChangeAspect="1" noChangeArrowheads="1"/>
-          </p:cNvPicPr>
-          <p:nvPr/>
-        </p:nvPicPr>
-        <p:blipFill>
-          <a:blip r:embed="rId7"/>
-          <a:srcRect/>
-          <a:stretch>
-            <a:fillRect/>
-          </a:stretch>
-        </p:blipFill>
-        <p:spPr bwMode="auto">
-          <a:xfrm>
-            <a:off x="1136470" y="1412720"/>
-            <a:ext cx="7540355" cy="4680000"/>
-          </a:xfrm>
-          <a:prstGeom prst="rect">
-            <a:avLst/>
-          </a:prstGeom>
-          <a:noFill/>
-        </p:spPr>
-      </p:pic>
-      <p:sp>
-        <p:nvSpPr>
-          <p:cNvPr id="11" name="TextBox 10"/>
-          <p:cNvSpPr txBox="1"/>
-          <p:nvPr/>
-        </p:nvSpPr>
-        <p:spPr>
-          <a:xfrm>
-            <a:off x="5889130" y="4005080"/>
-            <a:ext cx="460382" cy="348557"/>
-          </a:xfrm>
-          <a:prstGeom prst="rect">
-            <a:avLst/>
-          </a:prstGeom>
-          <a:noFill/>
-        </p:spPr>
-        <p:txBody>
-          <a:bodyPr wrap="none" rtlCol="0">
-            <a:spAutoFit/>
-          </a:bodyPr>
-          <a:lstStyle/>
-          <a:p>
-            <a:pPr>
-              <a:lnSpc>
-                <a:spcPct val="90000"/>
-              </a:lnSpc>
-            </a:pPr>
-            <a:r>
-              <a:rPr lang="pl-PL" sz="1800" b="1" dirty="0" smtClean="0">
-                <a:latin typeface="Courier New" pitchFamily="49" charset="0"/>
-                <a:cs typeface="Courier New" pitchFamily="49" charset="0"/>
-              </a:rPr>
-              <a:t>13</a:t>
-            </a:r>
-            <a:endParaRPr lang="en-US" sz="1800" b="1" dirty="0" smtClean="0">
-              <a:latin typeface="Courier New" pitchFamily="49" charset="0"/>
-              <a:cs typeface="Courier New" pitchFamily="49" charset="0"/>
-            </a:endParaRPr>
-          </a:p>
-        </p:txBody>
-      </p:sp>
-      <p:sp>
-        <p:nvSpPr>
-          <p:cNvPr id="12" name="TextBox 11"/>
-          <p:cNvSpPr txBox="1"/>
-          <p:nvPr/>
-        </p:nvSpPr>
-        <p:spPr>
-          <a:xfrm>
-            <a:off x="8265460" y="4005080"/>
-            <a:ext cx="598241" cy="348557"/>
-          </a:xfrm>
-          <a:prstGeom prst="rect">
-            <a:avLst/>
-          </a:prstGeom>
-          <a:noFill/>
-        </p:spPr>
-        <p:txBody>
-          <a:bodyPr wrap="none" rtlCol="0">
-            <a:spAutoFit/>
-          </a:bodyPr>
-          <a:lstStyle/>
-          <a:p>
-            <a:pPr>
-              <a:lnSpc>
-                <a:spcPct val="90000"/>
-              </a:lnSpc>
-            </a:pPr>
-            <a:r>
-              <a:rPr lang="pl-PL" sz="1800" b="1" dirty="0" smtClean="0">
-                <a:latin typeface="Courier New" pitchFamily="49" charset="0"/>
-                <a:cs typeface="Courier New" pitchFamily="49" charset="0"/>
-              </a:rPr>
-              <a:t>GND</a:t>
-            </a:r>
-            <a:endParaRPr lang="en-US" sz="1800" b="1" dirty="0" smtClean="0">
-              <a:latin typeface="Courier New" pitchFamily="49" charset="0"/>
-              <a:cs typeface="Courier New" pitchFamily="49" charset="0"/>
-            </a:endParaRPr>
-          </a:p>
-        </p:txBody>
-      </p:sp>
-    </p:spTree>
-  </p:cSld>
-  <p:clrMapOvr>
-    <a:masterClrMapping/>
-  </p:clrMapOvr>
-  <p:timing>
-    <p:tnLst>
-      <p:par>
-        <p:cTn id="1" dur="indefinite" restart="never" nodeType="tmRoot"/>
-      </p:par>
-    </p:tnLst>
-  </p:timing>
-</p:sld>
-</file>
-
-<file path=ppt/slides/slide9.xml><?xml version="1.0" encoding="utf-8"?>
-<p:sld xmlns:a="http://schemas.openxmlformats.org/drawingml/2006/main" xmlns:r="http://schemas.openxmlformats.org/officeDocument/2006/relationships" xmlns:p="http://schemas.openxmlformats.org/presentationml/2006/main">
-  <p:cSld>
-    <p:spTree>
-      <p:nvGrpSpPr>
-        <p:cNvPr id="1" name=""/>
-        <p:cNvGrpSpPr/>
-        <p:nvPr/>
-      </p:nvGrpSpPr>
-      <p:grpSpPr>
-        <a:xfrm>
-          <a:off x="0" y="0"/>
-          <a:ext cx="0" cy="0"/>
-          <a:chOff x="0" y="0"/>
-          <a:chExt cx="0" cy="0"/>
-        </a:xfrm>
-      </p:grpSpPr>
-      <p:graphicFrame>
-        <p:nvGraphicFramePr>
-          <p:cNvPr id="4" name="Object 3" hidden="1"/>
-          <p:cNvGraphicFramePr>
-            <a:graphicFrameLocks noChangeAspect="1"/>
-          </p:cNvGraphicFramePr>
-          <p:nvPr/>
-        </p:nvGraphicFramePr>
-        <p:xfrm>
-          <a:off x="0" y="0"/>
-          <a:ext cx="158750" cy="158750"/>
-        </p:xfrm>
-        <a:graphic>
-          <a:graphicData uri="http://schemas.openxmlformats.org/presentationml/2006/ole">
-            <p:oleObj spid="_x0000_s282626" name="think-cell Slide" r:id="rId5" imgW="360" imgH="360" progId="">
-              <p:embed/>
-            </p:oleObj>
-          </a:graphicData>
-        </a:graphic>
-      </p:graphicFrame>
-      <p:sp>
-        <p:nvSpPr>
-          <p:cNvPr id="2" name="Titre 1"/>
-          <p:cNvSpPr>
-            <a:spLocks noGrp="1"/>
-          </p:cNvSpPr>
-          <p:nvPr>
-            <p:ph type="title"/>
-            <p:custDataLst>
-              <p:tags r:id="rId2"/>
-            </p:custDataLst>
-          </p:nvPr>
-        </p:nvSpPr>
-        <p:spPr/>
-        <p:txBody>
-          <a:bodyPr/>
-          <a:lstStyle/>
-          <a:p>
-            <a:r>
-              <a:rPr lang="pl-PL" dirty="0" err="1" smtClean="0">
-                <a:latin typeface="Arial" pitchFamily="34" charset="0"/>
-                <a:cs typeface="Arial" pitchFamily="34" charset="0"/>
-              </a:rPr>
-              <a:t>Arduino</a:t>
-            </a:r>
-            <a:r>
-              <a:rPr lang="pl-PL" dirty="0" smtClean="0">
-                <a:latin typeface="Arial" pitchFamily="34" charset="0"/>
-                <a:cs typeface="Arial" pitchFamily="34" charset="0"/>
-              </a:rPr>
-              <a:t> – cyfrowe wyjście</a:t>
-            </a:r>
-            <a:endParaRPr lang="en-GB" dirty="0">
-              <a:latin typeface="Arial" pitchFamily="34" charset="0"/>
-              <a:cs typeface="Arial" pitchFamily="34" charset="0"/>
-            </a:endParaRPr>
-          </a:p>
-        </p:txBody>
-      </p:sp>
-      <p:sp>
-        <p:nvSpPr>
-          <p:cNvPr id="8" name="Slide Number Placeholder 7"/>
-          <p:cNvSpPr>
-            <a:spLocks noGrp="1"/>
-          </p:cNvSpPr>
-          <p:nvPr>
-            <p:ph type="sldNum" sz="quarter" idx="11"/>
-          </p:nvPr>
-        </p:nvSpPr>
-        <p:spPr/>
-        <p:txBody>
-          <a:bodyPr/>
-          <a:lstStyle/>
-          <a:p>
-            <a:fld id="{880BADDE-CEDF-4108-ADCD-25C7E5D681A5}" type="slidenum">
-              <a:rPr lang="en-GB" smtClean="0"/>
-              <a:pPr/>
-              <a:t>9</a:t>
-            </a:fld>
-            <a:endParaRPr lang="en-GB" dirty="0"/>
-          </a:p>
-        </p:txBody>
-      </p:sp>
-      <p:sp>
-        <p:nvSpPr>
-          <p:cNvPr id="9" name="Footer Placeholder 8"/>
-          <p:cNvSpPr>
-            <a:spLocks noGrp="1"/>
-          </p:cNvSpPr>
-          <p:nvPr>
-            <p:ph type="ftr" sz="quarter" idx="12"/>
-          </p:nvPr>
-        </p:nvSpPr>
-        <p:spPr/>
-        <p:txBody>
-          <a:bodyPr/>
-          <a:lstStyle/>
-          <a:p>
-            <a:r>
-              <a:rPr lang="en-GB" smtClean="0"/>
-              <a:t>A_03_arduino_ide.pptx</a:t>
-            </a:r>
-            <a:endParaRPr lang="en-GB" dirty="0"/>
-          </a:p>
-        </p:txBody>
-      </p:sp>
-      <p:sp>
-        <p:nvSpPr>
-          <p:cNvPr id="28" name="Date Placeholder 27"/>
-          <p:cNvSpPr>
-            <a:spLocks noGrp="1"/>
-          </p:cNvSpPr>
-          <p:nvPr>
-            <p:ph type="dt" sz="half" idx="10"/>
-          </p:nvPr>
-        </p:nvSpPr>
-        <p:spPr/>
-        <p:txBody>
-          <a:bodyPr/>
-          <a:lstStyle/>
-          <a:p>
-            <a:pPr defTabSz="995445" eaLnBrk="0" hangingPunct="0">
-              <a:lnSpc>
-                <a:spcPct val="90000"/>
-              </a:lnSpc>
-              <a:spcBef>
-                <a:spcPct val="10000"/>
-              </a:spcBef>
-              <a:defRPr/>
-            </a:pPr>
-            <a:r>
-              <a:rPr lang="en-US" dirty="0" smtClean="0"/>
-              <a:t>Creative Commons 4.0 license</a:t>
-            </a:r>
-            <a:endParaRPr lang="de-DE" dirty="0"/>
-          </a:p>
-        </p:txBody>
-      </p:sp>
-      <p:pic>
-        <p:nvPicPr>
-          <p:cNvPr id="10" name="Picture 4" descr="https://encrypted-tbn2.gstatic.com/images?q=tbn:ANd9GcSS5XD-fwsa5DO096u7zP5Rxt8qfokZ36djp-u5skB0qeeazcwI"/>
-          <p:cNvPicPr>
-            <a:picLocks noChangeAspect="1" noChangeArrowheads="1"/>
-          </p:cNvPicPr>
-          <p:nvPr/>
-        </p:nvPicPr>
-        <p:blipFill>
-          <a:blip r:embed="rId6"/>
-          <a:srcRect/>
-          <a:stretch>
-            <a:fillRect/>
-          </a:stretch>
-        </p:blipFill>
-        <p:spPr bwMode="auto">
-          <a:xfrm>
-            <a:off x="7689380" y="0"/>
-            <a:ext cx="992450" cy="992450"/>
-          </a:xfrm>
-          <a:prstGeom prst="rect">
-            <a:avLst/>
-          </a:prstGeom>
-          <a:noFill/>
-        </p:spPr>
-      </p:pic>
-      <p:sp>
-        <p:nvSpPr>
-          <p:cNvPr id="137220" name="AutoShape 4" descr="https://s3.amazonaws.com/ksr/assets/000/839/277/ed8e45bf086a57a613e7e9194eeb1742_large.png"/>
-          <p:cNvSpPr>
-            <a:spLocks noChangeAspect="1" noChangeArrowheads="1"/>
-          </p:cNvSpPr>
-          <p:nvPr/>
-        </p:nvSpPr>
-        <p:spPr bwMode="auto">
-          <a:xfrm>
-            <a:off x="155575" y="-144463"/>
-            <a:ext cx="304800" cy="304801"/>
-          </a:xfrm>
-          <a:prstGeom prst="rect">
-            <a:avLst/>
-          </a:prstGeom>
-          <a:noFill/>
-        </p:spPr>
-        <p:txBody>
-          <a:bodyPr vert="horz" wrap="square" lIns="91440" tIns="45720" rIns="91440" bIns="45720" numCol="1" anchor="t" anchorCtr="0" compatLnSpc="1">
-            <a:prstTxWarp prst="textNoShape">
-              <a:avLst/>
-            </a:prstTxWarp>
-          </a:bodyPr>
-          <a:lstStyle/>
-          <a:p>
-            <a:endParaRPr lang="en-US"/>
-          </a:p>
-        </p:txBody>
-      </p:sp>
-      <p:sp>
-        <p:nvSpPr>
-          <p:cNvPr id="15" name="Content Placeholder 7"/>
-          <p:cNvSpPr>
-            <a:spLocks noGrp="1"/>
-          </p:cNvSpPr>
-          <p:nvPr>
-            <p:ph idx="4294967295"/>
-          </p:nvPr>
-        </p:nvSpPr>
-        <p:spPr>
-          <a:xfrm>
-            <a:off x="4016870" y="1196690"/>
-            <a:ext cx="5760800" cy="5040700"/>
-          </a:xfrm>
-          <a:prstGeom prst="rect">
-            <a:avLst/>
-          </a:prstGeom>
-          <a:solidFill>
-            <a:schemeClr val="bg1">
-              <a:lumMod val="95000"/>
-            </a:schemeClr>
-          </a:solidFill>
-        </p:spPr>
-        <p:txBody>
-          <a:bodyPr>
-            <a:noAutofit/>
-          </a:bodyPr>
-          <a:lstStyle/>
-          <a:p>
-            <a:pPr lvl="0">
-              <a:lnSpc>
-                <a:spcPct val="100000"/>
-              </a:lnSpc>
-              <a:spcAft>
-                <a:spcPts val="0"/>
-              </a:spcAft>
-              <a:buClr>
-                <a:srgbClr val="998C85"/>
-              </a:buClr>
-            </a:pPr>
-            <a:r>
-              <a:rPr lang="en-US" sz="1800" b="1" dirty="0" smtClean="0">
-                <a:solidFill>
-                  <a:srgbClr val="CC0000"/>
-                </a:solidFill>
-                <a:latin typeface="Courier New" pitchFamily="49" charset="0"/>
-                <a:cs typeface="Courier New" pitchFamily="49" charset="0"/>
-              </a:rPr>
-              <a:t>#include &lt;</a:t>
-            </a:r>
-            <a:r>
-              <a:rPr lang="en-US" sz="1800" b="1" dirty="0" err="1" smtClean="0">
-                <a:solidFill>
-                  <a:srgbClr val="CC0000"/>
-                </a:solidFill>
-                <a:latin typeface="Courier New" pitchFamily="49" charset="0"/>
-                <a:cs typeface="Courier New" pitchFamily="49" charset="0"/>
-              </a:rPr>
-              <a:t>Arduino.h</a:t>
-            </a:r>
-            <a:r>
-              <a:rPr lang="en-US" sz="1800" b="1" dirty="0" smtClean="0">
-                <a:solidFill>
-                  <a:srgbClr val="CC0000"/>
-                </a:solidFill>
-                <a:latin typeface="Courier New" pitchFamily="49" charset="0"/>
-                <a:cs typeface="Courier New" pitchFamily="49" charset="0"/>
-              </a:rPr>
-              <a:t>&gt;</a:t>
-            </a:r>
-            <a:endParaRPr lang="pl-PL" sz="1800" b="1" dirty="0" smtClean="0">
-              <a:solidFill>
-                <a:srgbClr val="CC0000"/>
-              </a:solidFill>
-              <a:latin typeface="Courier New" pitchFamily="49" charset="0"/>
-              <a:cs typeface="Courier New" pitchFamily="49" charset="0"/>
-            </a:endParaRPr>
-          </a:p>
-          <a:p>
-            <a:pPr lvl="0">
-              <a:lnSpc>
-                <a:spcPct val="100000"/>
-              </a:lnSpc>
-              <a:spcAft>
-                <a:spcPts val="0"/>
-              </a:spcAft>
-              <a:buClr>
-                <a:srgbClr val="998C85"/>
-              </a:buClr>
-            </a:pPr>
-            <a:endParaRPr lang="pl-PL" sz="1800" b="1" dirty="0" smtClean="0">
-              <a:solidFill>
-                <a:srgbClr val="888888"/>
-              </a:solidFill>
-              <a:latin typeface="Courier New" pitchFamily="49" charset="0"/>
-              <a:cs typeface="Courier New" pitchFamily="49" charset="0"/>
-            </a:endParaRPr>
-          </a:p>
-          <a:p>
-            <a:pPr lvl="0">
-              <a:lnSpc>
-                <a:spcPct val="100000"/>
-              </a:lnSpc>
-              <a:spcAft>
-                <a:spcPts val="0"/>
-              </a:spcAft>
-              <a:buClr>
-                <a:srgbClr val="998C85"/>
-              </a:buClr>
-            </a:pPr>
-            <a:r>
-              <a:rPr lang="en-US" sz="1800" b="1" dirty="0" smtClean="0">
-                <a:solidFill>
-                  <a:srgbClr val="888888"/>
-                </a:solidFill>
-                <a:latin typeface="Courier New" pitchFamily="49" charset="0"/>
-                <a:cs typeface="Courier New" pitchFamily="49" charset="0"/>
-              </a:rPr>
-              <a:t>void</a:t>
-            </a:r>
-            <a:r>
-              <a:rPr lang="en-US" sz="1800" dirty="0" smtClean="0">
-                <a:solidFill>
-                  <a:srgbClr val="000000"/>
-                </a:solidFill>
-                <a:latin typeface="Courier New" pitchFamily="49" charset="0"/>
-                <a:cs typeface="Courier New" pitchFamily="49" charset="0"/>
-              </a:rPr>
-              <a:t> </a:t>
-            </a:r>
-            <a:r>
-              <a:rPr lang="en-US" sz="1800" b="1" dirty="0" smtClean="0">
-                <a:solidFill>
-                  <a:srgbClr val="0066BB"/>
-                </a:solidFill>
-                <a:latin typeface="Courier New" pitchFamily="49" charset="0"/>
-                <a:cs typeface="Courier New" pitchFamily="49" charset="0"/>
-              </a:rPr>
-              <a:t>setup</a:t>
-            </a:r>
-            <a:r>
-              <a:rPr lang="en-US" sz="1800" dirty="0" smtClean="0">
-                <a:solidFill>
-                  <a:srgbClr val="000000"/>
-                </a:solidFill>
-                <a:latin typeface="Courier New" pitchFamily="49" charset="0"/>
-                <a:cs typeface="Courier New" pitchFamily="49" charset="0"/>
-              </a:rPr>
-              <a:t>() {</a:t>
-            </a:r>
-            <a:endParaRPr lang="pl-PL" sz="1800" dirty="0" smtClean="0">
-              <a:solidFill>
-                <a:srgbClr val="000000"/>
-              </a:solidFill>
-              <a:latin typeface="Courier New" pitchFamily="49" charset="0"/>
-              <a:cs typeface="Courier New" pitchFamily="49" charset="0"/>
-            </a:endParaRPr>
-          </a:p>
-          <a:p>
-            <a:pPr lvl="0">
-              <a:lnSpc>
-                <a:spcPct val="100000"/>
-              </a:lnSpc>
-              <a:spcAft>
-                <a:spcPts val="0"/>
-              </a:spcAft>
-              <a:buClr>
-                <a:srgbClr val="998C85"/>
-              </a:buClr>
-            </a:pPr>
-            <a:r>
-              <a:rPr lang="en-US" sz="1800" dirty="0" smtClean="0">
-                <a:solidFill>
-                  <a:srgbClr val="000000"/>
-                </a:solidFill>
-                <a:latin typeface="Courier New" pitchFamily="49" charset="0"/>
-                <a:cs typeface="Courier New" pitchFamily="49" charset="0"/>
-              </a:rPr>
-              <a:t>  </a:t>
-            </a:r>
-            <a:r>
-              <a:rPr lang="en-US" sz="1800" dirty="0" err="1" smtClean="0">
-                <a:solidFill>
-                  <a:srgbClr val="000000"/>
-                </a:solidFill>
-                <a:latin typeface="Courier New" pitchFamily="49" charset="0"/>
-                <a:cs typeface="Courier New" pitchFamily="49" charset="0"/>
-              </a:rPr>
-              <a:t>pinMode</a:t>
-            </a:r>
-            <a:r>
-              <a:rPr lang="en-US" sz="1800" dirty="0" smtClean="0">
-                <a:solidFill>
-                  <a:srgbClr val="000000"/>
-                </a:solidFill>
-                <a:latin typeface="Courier New" pitchFamily="49" charset="0"/>
-                <a:cs typeface="Courier New" pitchFamily="49" charset="0"/>
-              </a:rPr>
-              <a:t>(</a:t>
-            </a:r>
-            <a:r>
-              <a:rPr lang="en-US" sz="1800" b="1" dirty="0" smtClean="0">
-                <a:solidFill>
-                  <a:srgbClr val="0000DD"/>
-                </a:solidFill>
-                <a:latin typeface="Courier New" pitchFamily="49" charset="0"/>
-                <a:cs typeface="Courier New" pitchFamily="49" charset="0"/>
-              </a:rPr>
-              <a:t>13</a:t>
-            </a:r>
-            <a:r>
-              <a:rPr lang="en-US" sz="1800" dirty="0" smtClean="0">
-                <a:solidFill>
-                  <a:srgbClr val="000000"/>
-                </a:solidFill>
-                <a:latin typeface="Courier New" pitchFamily="49" charset="0"/>
-                <a:cs typeface="Courier New" pitchFamily="49" charset="0"/>
-              </a:rPr>
-              <a:t>, OUTPUT);</a:t>
-            </a:r>
-            <a:endParaRPr lang="pl-PL" sz="1800" dirty="0" smtClean="0">
-              <a:solidFill>
-                <a:srgbClr val="000000"/>
-              </a:solidFill>
-              <a:latin typeface="Courier New" pitchFamily="49" charset="0"/>
-              <a:cs typeface="Courier New" pitchFamily="49" charset="0"/>
-            </a:endParaRPr>
-          </a:p>
-          <a:p>
-            <a:pPr lvl="0">
-              <a:lnSpc>
-                <a:spcPct val="100000"/>
-              </a:lnSpc>
-              <a:spcAft>
-                <a:spcPts val="0"/>
-              </a:spcAft>
-              <a:buClr>
-                <a:srgbClr val="998C85"/>
-              </a:buClr>
-            </a:pPr>
-            <a:r>
-              <a:rPr lang="en-US" sz="1800" dirty="0" smtClean="0">
-                <a:solidFill>
-                  <a:srgbClr val="000000"/>
-                </a:solidFill>
-                <a:latin typeface="Courier New" pitchFamily="49" charset="0"/>
-                <a:cs typeface="Courier New" pitchFamily="49" charset="0"/>
-              </a:rPr>
-              <a:t>}</a:t>
-            </a:r>
-            <a:endParaRPr lang="pl-PL" sz="1800" dirty="0" smtClean="0">
-              <a:solidFill>
-                <a:srgbClr val="000000"/>
-              </a:solidFill>
-              <a:latin typeface="Courier New" pitchFamily="49" charset="0"/>
-              <a:cs typeface="Courier New" pitchFamily="49" charset="0"/>
-            </a:endParaRPr>
-          </a:p>
-          <a:p>
-            <a:pPr lvl="0">
-              <a:lnSpc>
-                <a:spcPct val="100000"/>
-              </a:lnSpc>
-              <a:spcAft>
-                <a:spcPts val="0"/>
-              </a:spcAft>
-              <a:buClr>
-                <a:srgbClr val="998C85"/>
-              </a:buClr>
-            </a:pPr>
-            <a:endParaRPr lang="pl-PL" sz="1800" b="1" dirty="0" smtClean="0">
-              <a:solidFill>
-                <a:srgbClr val="888888"/>
-              </a:solidFill>
-              <a:latin typeface="Courier New" pitchFamily="49" charset="0"/>
-              <a:cs typeface="Courier New" pitchFamily="49" charset="0"/>
-            </a:endParaRPr>
-          </a:p>
-          <a:p>
-            <a:pPr lvl="0">
-              <a:lnSpc>
-                <a:spcPct val="100000"/>
-              </a:lnSpc>
-              <a:spcAft>
-                <a:spcPts val="0"/>
-              </a:spcAft>
-              <a:buClr>
-                <a:srgbClr val="998C85"/>
-              </a:buClr>
-            </a:pPr>
-            <a:r>
-              <a:rPr lang="en-US" sz="1800" b="1" dirty="0" smtClean="0">
-                <a:solidFill>
-                  <a:srgbClr val="888888"/>
-                </a:solidFill>
-                <a:latin typeface="Courier New" pitchFamily="49" charset="0"/>
-                <a:cs typeface="Courier New" pitchFamily="49" charset="0"/>
-              </a:rPr>
-              <a:t>void</a:t>
-            </a:r>
-            <a:r>
-              <a:rPr lang="en-US" sz="1800" dirty="0" smtClean="0">
-                <a:solidFill>
-                  <a:srgbClr val="000000"/>
-                </a:solidFill>
-                <a:latin typeface="Courier New" pitchFamily="49" charset="0"/>
-                <a:cs typeface="Courier New" pitchFamily="49" charset="0"/>
-              </a:rPr>
-              <a:t> </a:t>
-            </a:r>
-            <a:r>
-              <a:rPr lang="en-US" sz="1800" b="1" dirty="0" smtClean="0">
-                <a:solidFill>
-                  <a:srgbClr val="0066BB"/>
-                </a:solidFill>
-                <a:latin typeface="Courier New" pitchFamily="49" charset="0"/>
-                <a:cs typeface="Courier New" pitchFamily="49" charset="0"/>
-              </a:rPr>
-              <a:t>loop</a:t>
-            </a:r>
-            <a:r>
-              <a:rPr lang="en-US" sz="1800" dirty="0" smtClean="0">
-                <a:solidFill>
-                  <a:srgbClr val="000000"/>
-                </a:solidFill>
-                <a:latin typeface="Courier New" pitchFamily="49" charset="0"/>
-                <a:cs typeface="Courier New" pitchFamily="49" charset="0"/>
-              </a:rPr>
-              <a:t>() {</a:t>
-            </a:r>
-            <a:endParaRPr lang="pl-PL" sz="1800" dirty="0" smtClean="0">
-              <a:solidFill>
-                <a:srgbClr val="000000"/>
-              </a:solidFill>
-              <a:latin typeface="Courier New" pitchFamily="49" charset="0"/>
-              <a:cs typeface="Courier New" pitchFamily="49" charset="0"/>
-            </a:endParaRPr>
-          </a:p>
-          <a:p>
-            <a:pPr lvl="0">
-              <a:lnSpc>
-                <a:spcPct val="100000"/>
-              </a:lnSpc>
-              <a:spcAft>
-                <a:spcPts val="0"/>
-              </a:spcAft>
-              <a:buClr>
-                <a:srgbClr val="998C85"/>
-              </a:buClr>
-            </a:pPr>
-            <a:r>
-              <a:rPr lang="en-US" sz="1800" dirty="0" smtClean="0">
-                <a:solidFill>
-                  <a:srgbClr val="000000"/>
-                </a:solidFill>
-                <a:latin typeface="Courier New" pitchFamily="49" charset="0"/>
-                <a:cs typeface="Courier New" pitchFamily="49" charset="0"/>
-              </a:rPr>
-              <a:t>  </a:t>
-            </a:r>
-            <a:r>
-              <a:rPr lang="en-US" sz="1800" dirty="0" err="1" smtClean="0">
-                <a:solidFill>
-                  <a:srgbClr val="000000"/>
-                </a:solidFill>
-                <a:latin typeface="Courier New" pitchFamily="49" charset="0"/>
-                <a:cs typeface="Courier New" pitchFamily="49" charset="0"/>
-              </a:rPr>
-              <a:t>digitalWrite</a:t>
-            </a:r>
-            <a:r>
-              <a:rPr lang="en-US" sz="1800" dirty="0" smtClean="0">
-                <a:solidFill>
-                  <a:srgbClr val="000000"/>
-                </a:solidFill>
-                <a:latin typeface="Courier New" pitchFamily="49" charset="0"/>
-                <a:cs typeface="Courier New" pitchFamily="49" charset="0"/>
-              </a:rPr>
-              <a:t>(</a:t>
-            </a:r>
-            <a:r>
-              <a:rPr lang="en-US" sz="1800" b="1" dirty="0" smtClean="0">
-                <a:solidFill>
-                  <a:srgbClr val="0000DD"/>
-                </a:solidFill>
-                <a:latin typeface="Courier New" pitchFamily="49" charset="0"/>
-                <a:cs typeface="Courier New" pitchFamily="49" charset="0"/>
-              </a:rPr>
-              <a:t>13</a:t>
-            </a:r>
-            <a:r>
-              <a:rPr lang="en-US" sz="1800" dirty="0" smtClean="0">
-                <a:solidFill>
-                  <a:srgbClr val="000000"/>
-                </a:solidFill>
-                <a:latin typeface="Courier New" pitchFamily="49" charset="0"/>
-                <a:cs typeface="Courier New" pitchFamily="49" charset="0"/>
-              </a:rPr>
-              <a:t>, HIGH);</a:t>
-            </a:r>
-            <a:endParaRPr lang="pl-PL" sz="1800" dirty="0" smtClean="0">
-              <a:solidFill>
-                <a:srgbClr val="000000"/>
-              </a:solidFill>
-              <a:latin typeface="Courier New" pitchFamily="49" charset="0"/>
-              <a:cs typeface="Courier New" pitchFamily="49" charset="0"/>
-            </a:endParaRPr>
-          </a:p>
-          <a:p>
-            <a:pPr lvl="0">
-              <a:lnSpc>
-                <a:spcPct val="100000"/>
-              </a:lnSpc>
-              <a:spcAft>
-                <a:spcPts val="0"/>
-              </a:spcAft>
-              <a:buClr>
-                <a:srgbClr val="998C85"/>
-              </a:buClr>
-            </a:pPr>
-            <a:r>
-              <a:rPr lang="en-US" sz="1800" dirty="0" smtClean="0">
-                <a:solidFill>
-                  <a:srgbClr val="000000"/>
-                </a:solidFill>
-                <a:latin typeface="Courier New" pitchFamily="49" charset="0"/>
-                <a:cs typeface="Courier New" pitchFamily="49" charset="0"/>
-              </a:rPr>
-              <a:t>  delay(</a:t>
-            </a:r>
-            <a:r>
-              <a:rPr lang="en-US" sz="1800" b="1" dirty="0" smtClean="0">
-                <a:solidFill>
-                  <a:srgbClr val="0000DD"/>
-                </a:solidFill>
-                <a:latin typeface="Courier New" pitchFamily="49" charset="0"/>
-                <a:cs typeface="Courier New" pitchFamily="49" charset="0"/>
-              </a:rPr>
-              <a:t>1000</a:t>
-            </a:r>
-            <a:r>
-              <a:rPr lang="en-US" sz="1800" dirty="0" smtClean="0">
-                <a:solidFill>
-                  <a:srgbClr val="000000"/>
-                </a:solidFill>
-                <a:latin typeface="Courier New" pitchFamily="49" charset="0"/>
-                <a:cs typeface="Courier New" pitchFamily="49" charset="0"/>
-              </a:rPr>
-              <a:t>);</a:t>
-            </a:r>
-            <a:endParaRPr lang="pl-PL" sz="1800" dirty="0" smtClean="0">
-              <a:solidFill>
-                <a:srgbClr val="000000"/>
-              </a:solidFill>
-              <a:latin typeface="Courier New" pitchFamily="49" charset="0"/>
-              <a:cs typeface="Courier New" pitchFamily="49" charset="0"/>
-            </a:endParaRPr>
-          </a:p>
-          <a:p>
-            <a:pPr lvl="0">
-              <a:lnSpc>
-                <a:spcPct val="100000"/>
-              </a:lnSpc>
-              <a:spcAft>
-                <a:spcPts val="0"/>
-              </a:spcAft>
-              <a:buClr>
-                <a:srgbClr val="998C85"/>
-              </a:buClr>
-            </a:pPr>
-            <a:r>
-              <a:rPr lang="en-US" sz="1800" dirty="0" smtClean="0">
-                <a:solidFill>
-                  <a:srgbClr val="000000"/>
-                </a:solidFill>
-                <a:latin typeface="Courier New" pitchFamily="49" charset="0"/>
-                <a:cs typeface="Courier New" pitchFamily="49" charset="0"/>
-              </a:rPr>
-              <a:t>  </a:t>
-            </a:r>
-            <a:r>
-              <a:rPr lang="en-US" sz="1800" dirty="0" err="1" smtClean="0">
-                <a:solidFill>
-                  <a:srgbClr val="000000"/>
-                </a:solidFill>
-                <a:latin typeface="Courier New" pitchFamily="49" charset="0"/>
-                <a:cs typeface="Courier New" pitchFamily="49" charset="0"/>
-              </a:rPr>
-              <a:t>digitalWrite</a:t>
-            </a:r>
-            <a:r>
-              <a:rPr lang="en-US" sz="1800" dirty="0" smtClean="0">
-                <a:solidFill>
-                  <a:srgbClr val="000000"/>
-                </a:solidFill>
-                <a:latin typeface="Courier New" pitchFamily="49" charset="0"/>
-                <a:cs typeface="Courier New" pitchFamily="49" charset="0"/>
-              </a:rPr>
-              <a:t>(</a:t>
-            </a:r>
-            <a:r>
-              <a:rPr lang="en-US" sz="1800" b="1" dirty="0" smtClean="0">
-                <a:solidFill>
-                  <a:srgbClr val="0000DD"/>
-                </a:solidFill>
-                <a:latin typeface="Courier New" pitchFamily="49" charset="0"/>
-                <a:cs typeface="Courier New" pitchFamily="49" charset="0"/>
-              </a:rPr>
-              <a:t>13</a:t>
-            </a:r>
-            <a:r>
-              <a:rPr lang="en-US" sz="1800" dirty="0" smtClean="0">
-                <a:solidFill>
-                  <a:srgbClr val="000000"/>
-                </a:solidFill>
-                <a:latin typeface="Courier New" pitchFamily="49" charset="0"/>
-                <a:cs typeface="Courier New" pitchFamily="49" charset="0"/>
-              </a:rPr>
-              <a:t>, LOW);</a:t>
-            </a:r>
-            <a:endParaRPr lang="pl-PL" sz="1800" dirty="0" smtClean="0">
-              <a:solidFill>
-                <a:srgbClr val="000000"/>
-              </a:solidFill>
-              <a:latin typeface="Courier New" pitchFamily="49" charset="0"/>
-              <a:cs typeface="Courier New" pitchFamily="49" charset="0"/>
-            </a:endParaRPr>
-          </a:p>
-          <a:p>
-            <a:pPr lvl="0">
-              <a:lnSpc>
-                <a:spcPct val="100000"/>
-              </a:lnSpc>
-              <a:spcAft>
-                <a:spcPts val="0"/>
-              </a:spcAft>
-              <a:buClr>
-                <a:srgbClr val="998C85"/>
-              </a:buClr>
-            </a:pPr>
-            <a:r>
-              <a:rPr lang="en-US" sz="1800" dirty="0" smtClean="0">
-                <a:solidFill>
-                  <a:srgbClr val="000000"/>
-                </a:solidFill>
-                <a:latin typeface="Courier New" pitchFamily="49" charset="0"/>
-                <a:cs typeface="Courier New" pitchFamily="49" charset="0"/>
-              </a:rPr>
-              <a:t>  delay(</a:t>
-            </a:r>
-            <a:r>
-              <a:rPr lang="en-US" sz="1800" b="1" dirty="0" smtClean="0">
-                <a:solidFill>
-                  <a:srgbClr val="0000DD"/>
-                </a:solidFill>
-                <a:latin typeface="Courier New" pitchFamily="49" charset="0"/>
-                <a:cs typeface="Courier New" pitchFamily="49" charset="0"/>
-              </a:rPr>
-              <a:t>1000</a:t>
-            </a:r>
-            <a:r>
-              <a:rPr lang="en-US" sz="1800" dirty="0" smtClean="0">
-                <a:solidFill>
-                  <a:srgbClr val="000000"/>
-                </a:solidFill>
-                <a:latin typeface="Courier New" pitchFamily="49" charset="0"/>
-                <a:cs typeface="Courier New" pitchFamily="49" charset="0"/>
-              </a:rPr>
-              <a:t>);</a:t>
-            </a:r>
-            <a:endParaRPr lang="pl-PL" sz="1800" dirty="0" smtClean="0">
-              <a:solidFill>
-                <a:srgbClr val="000000"/>
-              </a:solidFill>
-              <a:latin typeface="Courier New" pitchFamily="49" charset="0"/>
-              <a:cs typeface="Courier New" pitchFamily="49" charset="0"/>
-            </a:endParaRPr>
-          </a:p>
-          <a:p>
-            <a:pPr lvl="0">
-              <a:lnSpc>
-                <a:spcPct val="100000"/>
-              </a:lnSpc>
-              <a:spcAft>
-                <a:spcPts val="0"/>
-              </a:spcAft>
-              <a:buClr>
-                <a:srgbClr val="998C85"/>
-              </a:buClr>
-            </a:pPr>
-            <a:r>
-              <a:rPr lang="en-US" sz="1800" dirty="0" smtClean="0">
-                <a:solidFill>
-                  <a:srgbClr val="000000"/>
-                </a:solidFill>
-                <a:latin typeface="Courier New" pitchFamily="49" charset="0"/>
-                <a:cs typeface="Courier New" pitchFamily="49" charset="0"/>
-              </a:rPr>
-              <a:t>}</a:t>
-            </a:r>
-            <a:endParaRPr lang="pl-PL" sz="1800" dirty="0" smtClean="0">
-              <a:solidFill>
-                <a:sysClr val="windowText" lastClr="000000"/>
-              </a:solidFill>
-              <a:latin typeface="Courier New" pitchFamily="49" charset="0"/>
-              <a:cs typeface="Courier New" pitchFamily="49" charset="0"/>
-            </a:endParaRPr>
-          </a:p>
-          <a:p>
-            <a:pPr marL="342900" indent="-342900" defTabSz="457200">
-              <a:lnSpc>
-                <a:spcPct val="100000"/>
-              </a:lnSpc>
-              <a:spcBef>
-                <a:spcPct val="20000"/>
-              </a:spcBef>
-              <a:spcAft>
-                <a:spcPts val="0"/>
-              </a:spcAft>
-              <a:buClrTx/>
-            </a:pPr>
-            <a:endParaRPr lang="pl-PL" sz="1800" dirty="0" smtClean="0">
-              <a:solidFill>
-                <a:sysClr val="windowText" lastClr="000000"/>
-              </a:solidFill>
-              <a:latin typeface="Arial" pitchFamily="34" charset="0"/>
-              <a:cs typeface="Arial" pitchFamily="34" charset="0"/>
-            </a:endParaRPr>
-          </a:p>
-        </p:txBody>
-      </p:sp>
-      <p:sp>
-        <p:nvSpPr>
-          <p:cNvPr id="11" name="Content Placeholder 7"/>
-          <p:cNvSpPr>
-            <a:spLocks noGrp="1"/>
-          </p:cNvSpPr>
-          <p:nvPr>
-            <p:ph idx="4294967295"/>
-          </p:nvPr>
-        </p:nvSpPr>
-        <p:spPr>
-          <a:xfrm>
-            <a:off x="344360" y="1340710"/>
-            <a:ext cx="3600500" cy="4968690"/>
-          </a:xfrm>
-          <a:prstGeom prst="rect">
-            <a:avLst/>
-          </a:prstGeom>
-        </p:spPr>
-        <p:txBody>
-          <a:bodyPr>
-            <a:noAutofit/>
-          </a:bodyPr>
-          <a:lstStyle/>
-          <a:p>
-            <a:pPr marL="342900" indent="-342900" defTabSz="457200">
-              <a:lnSpc>
-                <a:spcPct val="100000"/>
-              </a:lnSpc>
-              <a:spcBef>
-                <a:spcPct val="20000"/>
-              </a:spcBef>
-              <a:spcAft>
-                <a:spcPts val="1200"/>
-              </a:spcAft>
-              <a:buClrTx/>
-              <a:buFont typeface="Arial" pitchFamily="34" charset="0"/>
-              <a:buChar char="•"/>
-            </a:pPr>
-            <a:r>
-              <a:rPr lang="pl-PL" sz="2000" b="1" dirty="0" err="1" smtClean="0">
-                <a:solidFill>
-                  <a:srgbClr val="0070C0"/>
-                </a:solidFill>
-                <a:latin typeface="Courier New" pitchFamily="49" charset="0"/>
-                <a:cs typeface="Courier New" pitchFamily="49" charset="0"/>
-              </a:rPr>
-              <a:t>pinMode</a:t>
-            </a:r>
-            <a:r>
-              <a:rPr lang="pl-PL" sz="2000" b="1" dirty="0" smtClean="0">
-                <a:solidFill>
-                  <a:srgbClr val="0070C0"/>
-                </a:solidFill>
-                <a:latin typeface="Courier New" pitchFamily="49" charset="0"/>
-                <a:cs typeface="Courier New" pitchFamily="49" charset="0"/>
-              </a:rPr>
-              <a:t>(pin, </a:t>
-            </a:r>
-            <a:r>
-              <a:rPr lang="pl-PL" sz="2000" b="1" dirty="0" err="1" smtClean="0">
-                <a:solidFill>
-                  <a:srgbClr val="0070C0"/>
-                </a:solidFill>
-                <a:latin typeface="Courier New" pitchFamily="49" charset="0"/>
-                <a:cs typeface="Courier New" pitchFamily="49" charset="0"/>
-              </a:rPr>
-              <a:t>mode</a:t>
-            </a:r>
-            <a:r>
-              <a:rPr lang="pl-PL" sz="2000" b="1" dirty="0" smtClean="0">
-                <a:solidFill>
-                  <a:srgbClr val="0070C0"/>
-                </a:solidFill>
-                <a:latin typeface="Courier New" pitchFamily="49" charset="0"/>
-                <a:cs typeface="Courier New" pitchFamily="49" charset="0"/>
-              </a:rPr>
-              <a:t>) </a:t>
-            </a:r>
-            <a:r>
-              <a:rPr lang="pl-PL" sz="2000" b="1" dirty="0" smtClean="0">
-                <a:solidFill>
-                  <a:sysClr val="windowText" lastClr="000000"/>
-                </a:solidFill>
-                <a:latin typeface="Courier New" pitchFamily="49" charset="0"/>
-                <a:cs typeface="Courier New" pitchFamily="49" charset="0"/>
-              </a:rPr>
-              <a:t/>
-            </a:r>
-            <a:br>
-              <a:rPr lang="pl-PL" sz="2000" b="1" dirty="0" smtClean="0">
-                <a:solidFill>
-                  <a:sysClr val="windowText" lastClr="000000"/>
-                </a:solidFill>
-                <a:latin typeface="Courier New" pitchFamily="49" charset="0"/>
-                <a:cs typeface="Courier New" pitchFamily="49" charset="0"/>
-              </a:rPr>
-            </a:br>
-            <a:r>
-              <a:rPr lang="pl-PL" sz="2000" b="1" dirty="0" err="1" smtClean="0">
-                <a:solidFill>
-                  <a:sysClr val="windowText" lastClr="000000"/>
-                </a:solidFill>
-                <a:latin typeface="Courier New" pitchFamily="49" charset="0"/>
-                <a:cs typeface="Courier New" pitchFamily="49" charset="0"/>
-              </a:rPr>
-              <a:t>mode</a:t>
-            </a:r>
-            <a:r>
-              <a:rPr lang="pl-PL" sz="2000" b="1" dirty="0" smtClean="0">
-                <a:solidFill>
-                  <a:sysClr val="windowText" lastClr="000000"/>
-                </a:solidFill>
-                <a:latin typeface="Courier New" pitchFamily="49" charset="0"/>
-                <a:cs typeface="Courier New" pitchFamily="49" charset="0"/>
-              </a:rPr>
-              <a:t>: </a:t>
-            </a:r>
-            <a:r>
-              <a:rPr lang="pl-PL" sz="2000" b="1" dirty="0" smtClean="0">
-                <a:solidFill>
-                  <a:srgbClr val="00B050"/>
-                </a:solidFill>
-                <a:latin typeface="Courier New" pitchFamily="49" charset="0"/>
-                <a:cs typeface="Courier New" pitchFamily="49" charset="0"/>
-              </a:rPr>
-              <a:t>INPUT</a:t>
-            </a:r>
-            <a:r>
-              <a:rPr lang="pl-PL" sz="2000" b="1" dirty="0" smtClean="0">
-                <a:solidFill>
-                  <a:sysClr val="windowText" lastClr="000000"/>
-                </a:solidFill>
-                <a:latin typeface="Courier New" pitchFamily="49" charset="0"/>
-                <a:cs typeface="Courier New" pitchFamily="49" charset="0"/>
-              </a:rPr>
-              <a:t>, </a:t>
-            </a:r>
-            <a:r>
-              <a:rPr lang="pl-PL" sz="2000" b="1" dirty="0" smtClean="0">
-                <a:solidFill>
-                  <a:srgbClr val="00B050"/>
-                </a:solidFill>
-                <a:latin typeface="Courier New" pitchFamily="49" charset="0"/>
-                <a:cs typeface="Courier New" pitchFamily="49" charset="0"/>
-              </a:rPr>
-              <a:t>OUTPUT</a:t>
-            </a:r>
-            <a:r>
-              <a:rPr lang="pl-PL" sz="2000" b="1" dirty="0" smtClean="0">
-                <a:solidFill>
-                  <a:sysClr val="windowText" lastClr="000000"/>
-                </a:solidFill>
-                <a:latin typeface="Courier New" pitchFamily="49" charset="0"/>
-                <a:cs typeface="Courier New" pitchFamily="49" charset="0"/>
-              </a:rPr>
-              <a:t>, </a:t>
-            </a:r>
-            <a:r>
-              <a:rPr lang="pl-PL" sz="2000" b="1" dirty="0" err="1" smtClean="0">
-                <a:solidFill>
-                  <a:srgbClr val="00B050"/>
-                </a:solidFill>
-                <a:latin typeface="Courier New" pitchFamily="49" charset="0"/>
-                <a:cs typeface="Courier New" pitchFamily="49" charset="0"/>
-              </a:rPr>
-              <a:t>INPUT_PULLUP</a:t>
-            </a:r>
-            <a:r>
-              <a:rPr lang="pl-PL" sz="2000" dirty="0" smtClean="0">
-                <a:solidFill>
-                  <a:sysClr val="windowText" lastClr="000000"/>
-                </a:solidFill>
-                <a:latin typeface="+mj-lt"/>
-                <a:cs typeface="Arial" pitchFamily="34" charset="0"/>
-              </a:rPr>
-              <a:t/>
-            </a:r>
-            <a:br>
-              <a:rPr lang="pl-PL" sz="2000" dirty="0" smtClean="0">
-                <a:solidFill>
-                  <a:sysClr val="windowText" lastClr="000000"/>
-                </a:solidFill>
-                <a:latin typeface="+mj-lt"/>
-                <a:cs typeface="Arial" pitchFamily="34" charset="0"/>
-              </a:rPr>
-            </a:br>
-            <a:r>
-              <a:rPr lang="pl-PL" sz="2000" dirty="0" smtClean="0">
-                <a:solidFill>
-                  <a:sysClr val="windowText" lastClr="000000"/>
-                </a:solidFill>
-                <a:latin typeface="Arial" pitchFamily="34" charset="0"/>
-                <a:cs typeface="Arial" pitchFamily="34" charset="0"/>
-              </a:rPr>
-              <a:t>konfiguracja cyfrowego wtyku</a:t>
-            </a:r>
-          </a:p>
-          <a:p>
-            <a:pPr marL="342900" indent="-342900" defTabSz="457200">
-              <a:lnSpc>
-                <a:spcPct val="100000"/>
-              </a:lnSpc>
-              <a:spcBef>
-                <a:spcPct val="20000"/>
-              </a:spcBef>
-              <a:spcAft>
-                <a:spcPts val="1200"/>
-              </a:spcAft>
-              <a:buClrTx/>
-              <a:buFont typeface="Arial" pitchFamily="34" charset="0"/>
-              <a:buChar char="•"/>
-            </a:pPr>
-            <a:r>
-              <a:rPr lang="pl-PL" sz="2000" b="1" dirty="0" err="1" smtClean="0">
-                <a:solidFill>
-                  <a:srgbClr val="0070C0"/>
-                </a:solidFill>
-                <a:latin typeface="Courier New" pitchFamily="49" charset="0"/>
-                <a:cs typeface="Courier New" pitchFamily="49" charset="0"/>
-              </a:rPr>
-              <a:t>digitalWrite</a:t>
-            </a:r>
-            <a:r>
-              <a:rPr lang="pl-PL" sz="2000" b="1" dirty="0" smtClean="0">
-                <a:solidFill>
-                  <a:srgbClr val="0070C0"/>
-                </a:solidFill>
-                <a:latin typeface="Courier New" pitchFamily="49" charset="0"/>
-                <a:cs typeface="Courier New" pitchFamily="49" charset="0"/>
-              </a:rPr>
-              <a:t>(pin, </a:t>
-            </a:r>
-            <a:r>
-              <a:rPr lang="pl-PL" sz="2000" b="1" dirty="0" err="1" smtClean="0">
-                <a:solidFill>
-                  <a:srgbClr val="0070C0"/>
-                </a:solidFill>
-                <a:latin typeface="Courier New" pitchFamily="49" charset="0"/>
-                <a:cs typeface="Courier New" pitchFamily="49" charset="0"/>
-              </a:rPr>
-              <a:t>value</a:t>
-            </a:r>
-            <a:r>
-              <a:rPr lang="pl-PL" sz="2000" b="1" dirty="0" smtClean="0">
-                <a:solidFill>
-                  <a:srgbClr val="0070C0"/>
-                </a:solidFill>
-                <a:latin typeface="Courier New" pitchFamily="49" charset="0"/>
-                <a:cs typeface="Courier New" pitchFamily="49" charset="0"/>
-              </a:rPr>
-              <a:t>)</a:t>
-            </a:r>
-            <a:br>
-              <a:rPr lang="pl-PL" sz="2000" b="1" dirty="0" smtClean="0">
-                <a:solidFill>
-                  <a:srgbClr val="0070C0"/>
-                </a:solidFill>
-                <a:latin typeface="Courier New" pitchFamily="49" charset="0"/>
-                <a:cs typeface="Courier New" pitchFamily="49" charset="0"/>
-              </a:rPr>
-            </a:br>
-            <a:r>
-              <a:rPr lang="pl-PL" sz="2000" b="1" dirty="0" err="1" smtClean="0">
-                <a:solidFill>
-                  <a:sysClr val="windowText" lastClr="000000"/>
-                </a:solidFill>
-                <a:latin typeface="Courier New" pitchFamily="49" charset="0"/>
-                <a:cs typeface="Courier New" pitchFamily="49" charset="0"/>
-              </a:rPr>
-              <a:t>value</a:t>
-            </a:r>
-            <a:r>
-              <a:rPr lang="pl-PL" sz="2000" b="1" dirty="0" smtClean="0">
-                <a:solidFill>
-                  <a:sysClr val="windowText" lastClr="000000"/>
-                </a:solidFill>
-                <a:latin typeface="Courier New" pitchFamily="49" charset="0"/>
-                <a:cs typeface="Courier New" pitchFamily="49" charset="0"/>
-              </a:rPr>
-              <a:t>: </a:t>
-            </a:r>
-            <a:r>
-              <a:rPr lang="pl-PL" sz="2000" b="1" dirty="0" smtClean="0">
-                <a:solidFill>
-                  <a:srgbClr val="00B050"/>
-                </a:solidFill>
-                <a:latin typeface="Courier New" pitchFamily="49" charset="0"/>
-                <a:cs typeface="Courier New" pitchFamily="49" charset="0"/>
-              </a:rPr>
-              <a:t>HIGH</a:t>
-            </a:r>
-            <a:r>
-              <a:rPr lang="pl-PL" sz="2000" b="1" dirty="0" smtClean="0">
-                <a:solidFill>
-                  <a:sysClr val="windowText" lastClr="000000"/>
-                </a:solidFill>
-                <a:latin typeface="Courier New" pitchFamily="49" charset="0"/>
-                <a:cs typeface="Courier New" pitchFamily="49" charset="0"/>
-              </a:rPr>
-              <a:t>, </a:t>
-            </a:r>
-            <a:r>
-              <a:rPr lang="pl-PL" sz="2000" b="1" dirty="0" smtClean="0">
-                <a:solidFill>
-                  <a:srgbClr val="00B050"/>
-                </a:solidFill>
-                <a:latin typeface="Courier New" pitchFamily="49" charset="0"/>
-                <a:cs typeface="Courier New" pitchFamily="49" charset="0"/>
-              </a:rPr>
-              <a:t>LOW</a:t>
-            </a:r>
-            <a:r>
-              <a:rPr lang="pl-PL" sz="2000" b="1" dirty="0" smtClean="0">
-                <a:solidFill>
-                  <a:sysClr val="windowText" lastClr="000000"/>
-                </a:solidFill>
-                <a:latin typeface="Courier New" pitchFamily="49" charset="0"/>
-                <a:cs typeface="Courier New" pitchFamily="49" charset="0"/>
-              </a:rPr>
-              <a:t> </a:t>
-            </a:r>
-            <a:br>
-              <a:rPr lang="pl-PL" sz="2000" b="1" dirty="0" smtClean="0">
-                <a:solidFill>
-                  <a:sysClr val="windowText" lastClr="000000"/>
-                </a:solidFill>
-                <a:latin typeface="Courier New" pitchFamily="49" charset="0"/>
-                <a:cs typeface="Courier New" pitchFamily="49" charset="0"/>
-              </a:rPr>
-            </a:br>
-            <a:r>
-              <a:rPr lang="pl-PL" sz="2000" dirty="0" smtClean="0">
-                <a:solidFill>
-                  <a:sysClr val="windowText" lastClr="000000"/>
-                </a:solidFill>
-                <a:latin typeface="Arial" pitchFamily="34" charset="0"/>
-                <a:cs typeface="Arial" pitchFamily="34" charset="0"/>
-              </a:rPr>
-              <a:t>ustawianie wartości cyfrowego wtyku</a:t>
-            </a:r>
-          </a:p>
-          <a:p>
-            <a:pPr marL="342900" indent="-342900" defTabSz="457200">
-              <a:lnSpc>
-                <a:spcPct val="100000"/>
-              </a:lnSpc>
-              <a:spcBef>
-                <a:spcPct val="20000"/>
-              </a:spcBef>
-              <a:spcAft>
-                <a:spcPts val="1200"/>
-              </a:spcAft>
-              <a:buClrTx/>
-              <a:buFont typeface="Arial" pitchFamily="34" charset="0"/>
-              <a:buChar char="•"/>
-            </a:pPr>
-            <a:r>
-              <a:rPr lang="pl-PL" sz="2000" b="1" dirty="0" err="1" smtClean="0">
-                <a:solidFill>
-                  <a:srgbClr val="0070C0"/>
-                </a:solidFill>
-                <a:latin typeface="Courier New" pitchFamily="49" charset="0"/>
-                <a:cs typeface="Courier New" pitchFamily="49" charset="0"/>
-              </a:rPr>
-              <a:t>delay</a:t>
-            </a:r>
-            <a:r>
-              <a:rPr lang="pl-PL" sz="2000" b="1" dirty="0" smtClean="0">
-                <a:solidFill>
-                  <a:srgbClr val="0070C0"/>
-                </a:solidFill>
-                <a:latin typeface="Courier New" pitchFamily="49" charset="0"/>
-                <a:cs typeface="Courier New" pitchFamily="49" charset="0"/>
-              </a:rPr>
-              <a:t>(</a:t>
-            </a:r>
-            <a:r>
-              <a:rPr lang="pl-PL" sz="2000" b="1" dirty="0" err="1" smtClean="0">
-                <a:solidFill>
-                  <a:srgbClr val="0070C0"/>
-                </a:solidFill>
-                <a:latin typeface="Courier New" pitchFamily="49" charset="0"/>
-                <a:cs typeface="Courier New" pitchFamily="49" charset="0"/>
-              </a:rPr>
-              <a:t>ms</a:t>
-            </a:r>
-            <a:r>
-              <a:rPr lang="pl-PL" sz="2000" b="1" dirty="0" smtClean="0">
-                <a:solidFill>
-                  <a:srgbClr val="0070C0"/>
-                </a:solidFill>
-                <a:latin typeface="Courier New" pitchFamily="49" charset="0"/>
-                <a:cs typeface="Courier New" pitchFamily="49" charset="0"/>
-              </a:rPr>
-              <a:t>) </a:t>
-            </a:r>
-            <a:r>
-              <a:rPr lang="pl-PL" sz="2000" b="1" dirty="0" smtClean="0">
-                <a:solidFill>
-                  <a:sysClr val="windowText" lastClr="000000"/>
-                </a:solidFill>
-                <a:latin typeface="Courier New" pitchFamily="49" charset="0"/>
-                <a:cs typeface="Courier New" pitchFamily="49" charset="0"/>
-              </a:rPr>
-              <a:t/>
-            </a:r>
-            <a:br>
-              <a:rPr lang="pl-PL" sz="2000" b="1" dirty="0" smtClean="0">
-                <a:solidFill>
-                  <a:sysClr val="windowText" lastClr="000000"/>
-                </a:solidFill>
-                <a:latin typeface="Courier New" pitchFamily="49" charset="0"/>
-                <a:cs typeface="Courier New" pitchFamily="49" charset="0"/>
-              </a:rPr>
-            </a:br>
-            <a:r>
-              <a:rPr lang="pl-PL" sz="2000" dirty="0" smtClean="0">
-                <a:solidFill>
-                  <a:sysClr val="windowText" lastClr="000000"/>
-                </a:solidFill>
-                <a:latin typeface="Arial" pitchFamily="34" charset="0"/>
-                <a:cs typeface="Arial" pitchFamily="34" charset="0"/>
-              </a:rPr>
-              <a:t>zatrzymanie programu na czas określony w parametrze (milisekundy)</a:t>
-            </a:r>
-          </a:p>
-          <a:p>
-            <a:pPr marL="342900" indent="-342900" defTabSz="457200">
-              <a:lnSpc>
-                <a:spcPct val="100000"/>
-              </a:lnSpc>
-              <a:spcBef>
-                <a:spcPct val="20000"/>
-              </a:spcBef>
-              <a:spcAft>
-                <a:spcPts val="1200"/>
-              </a:spcAft>
-              <a:buClrTx/>
-            </a:pPr>
-            <a:endParaRPr lang="pl-PL" sz="2000" dirty="0" smtClean="0">
-              <a:solidFill>
-                <a:sysClr val="windowText" lastClr="000000"/>
-              </a:solidFill>
-              <a:latin typeface="Arial" pitchFamily="34" charset="0"/>
-              <a:cs typeface="Arial" pitchFamily="34" charset="0"/>
-            </a:endParaRPr>
-          </a:p>
-        </p:txBody>
-      </p:sp>
     </p:spTree>
   </p:cSld>
   <p:clrMapOvr>
@@ -17263,6 +19027,18 @@
 </file>
 
 <file path=ppt/tags/tag30.xml><?xml version="1.0" encoding="utf-8"?>
+<p:tagLst xmlns:a="http://schemas.openxmlformats.org/drawingml/2006/main" xmlns:r="http://schemas.openxmlformats.org/officeDocument/2006/relationships" xmlns:p="http://schemas.openxmlformats.org/presentationml/2006/main">
+  <p:tag name="THINKCELLSHAPEDONOTDELETE" val="prQEede2w9UymXTZvuecCog"/>
+</p:tagLst>
+</file>
+
+<file path=ppt/tags/tag31.xml><?xml version="1.0" encoding="utf-8"?>
+<p:tagLst xmlns:a="http://schemas.openxmlformats.org/drawingml/2006/main" xmlns:r="http://schemas.openxmlformats.org/officeDocument/2006/relationships" xmlns:p="http://schemas.openxmlformats.org/presentationml/2006/main">
+  <p:tag name="THINKCELLSHAPEDONOTDELETE" val="prQEede2w9UymXTZvuecCog"/>
+</p:tagLst>
+</file>
+
+<file path=ppt/tags/tag32.xml><?xml version="1.0" encoding="utf-8"?>
 <p:tagLst xmlns:a="http://schemas.openxmlformats.org/drawingml/2006/main" xmlns:r="http://schemas.openxmlformats.org/officeDocument/2006/relationships" xmlns:p="http://schemas.openxmlformats.org/presentationml/2006/main">
   <p:tag name="THINKCELLSHAPEDONOTDELETE" val="prQEede2w9UymXTZvuecCog"/>
 </p:tagLst>

--- a/prezentacje/arduino_ide.pptx
+++ b/prezentacje/arduino_ide.pptx
@@ -5,10 +5,10 @@
     <p:sldMasterId id="2147483927" r:id="rId1"/>
   </p:sldMasterIdLst>
   <p:notesMasterIdLst>
-    <p:notesMasterId r:id="rId16"/>
+    <p:notesMasterId r:id="rId13"/>
   </p:notesMasterIdLst>
   <p:handoutMasterIdLst>
-    <p:handoutMasterId r:id="rId17"/>
+    <p:handoutMasterId r:id="rId14"/>
   </p:handoutMasterIdLst>
   <p:sldIdLst>
     <p:sldId id="311" r:id="rId2"/>
@@ -22,14 +22,11 @@
     <p:sldId id="364" r:id="rId10"/>
     <p:sldId id="351" r:id="rId11"/>
     <p:sldId id="356" r:id="rId12"/>
-    <p:sldId id="361" r:id="rId13"/>
-    <p:sldId id="365" r:id="rId14"/>
-    <p:sldId id="360" r:id="rId15"/>
   </p:sldIdLst>
   <p:sldSz cx="9906000" cy="6858000" type="A4"/>
   <p:notesSz cx="6896100" cy="10033000"/>
   <p:custDataLst>
-    <p:tags r:id="rId18"/>
+    <p:tags r:id="rId15"/>
   </p:custDataLst>
   <p:defaultTextStyle>
     <a:defPPr>
@@ -358,7 +355,7 @@
             <a:fld id="{2FB4FF29-EE9A-4D47-9F1A-289A80693C0F}" type="datetimeFigureOut">
               <a:rPr lang="en-US" smtClean="0"/>
               <a:pPr/>
-              <a:t>6/29/2016</a:t>
+              <a:t>7/1/2016</a:t>
             </a:fld>
             <a:endParaRPr lang="en-US" dirty="0"/>
           </a:p>
@@ -950,303 +947,6 @@
               <a:rPr lang="en-US" smtClean="0"/>
               <a:pPr/>
               <a:t>11</a:t>
-            </a:fld>
-            <a:endParaRPr lang="en-US" dirty="0"/>
-          </a:p>
-        </p:txBody>
-      </p:sp>
-    </p:spTree>
-  </p:cSld>
-  <p:clrMapOvr>
-    <a:masterClrMapping/>
-  </p:clrMapOvr>
-</p:notes>
-</file>
-
-<file path=ppt/notesSlides/notesSlide12.xml><?xml version="1.0" encoding="utf-8"?>
-<p:notes xmlns:a="http://schemas.openxmlformats.org/drawingml/2006/main" xmlns:r="http://schemas.openxmlformats.org/officeDocument/2006/relationships" xmlns:p="http://schemas.openxmlformats.org/presentationml/2006/main">
-  <p:cSld>
-    <p:spTree>
-      <p:nvGrpSpPr>
-        <p:cNvPr id="1" name=""/>
-        <p:cNvGrpSpPr/>
-        <p:nvPr/>
-      </p:nvGrpSpPr>
-      <p:grpSpPr>
-        <a:xfrm>
-          <a:off x="0" y="0"/>
-          <a:ext cx="0" cy="0"/>
-          <a:chOff x="0" y="0"/>
-          <a:chExt cx="0" cy="0"/>
-        </a:xfrm>
-      </p:grpSpPr>
-      <p:sp>
-        <p:nvSpPr>
-          <p:cNvPr id="2" name="Slide Image Placeholder 1"/>
-          <p:cNvSpPr>
-            <a:spLocks noGrp="1" noRot="1" noChangeAspect="1"/>
-          </p:cNvSpPr>
-          <p:nvPr>
-            <p:ph type="sldImg"/>
-          </p:nvPr>
-        </p:nvSpPr>
-        <p:spPr/>
-      </p:sp>
-      <p:sp>
-        <p:nvSpPr>
-          <p:cNvPr id="3" name="Notes Placeholder 2"/>
-          <p:cNvSpPr>
-            <a:spLocks noGrp="1"/>
-          </p:cNvSpPr>
-          <p:nvPr>
-            <p:ph type="body" idx="1"/>
-          </p:nvPr>
-        </p:nvSpPr>
-        <p:spPr/>
-        <p:txBody>
-          <a:bodyPr>
-            <a:normAutofit/>
-          </a:bodyPr>
-          <a:lstStyle/>
-          <a:p>
-            <a:pPr marL="0" marR="0" indent="0" algn="l" defTabSz="914342" rtl="0" eaLnBrk="1" fontAlgn="auto" latinLnBrk="0" hangingPunct="1">
-              <a:lnSpc>
-                <a:spcPct val="90000"/>
-              </a:lnSpc>
-              <a:spcBef>
-                <a:spcPts val="0"/>
-              </a:spcBef>
-              <a:spcAft>
-                <a:spcPts val="400"/>
-              </a:spcAft>
-              <a:buClrTx/>
-              <a:buSzTx/>
-              <a:buFontTx/>
-              <a:buNone/>
-              <a:tabLst/>
-              <a:defRPr/>
-            </a:pPr>
-            <a:endParaRPr lang="en-US" dirty="0" smtClean="0"/>
-          </a:p>
-        </p:txBody>
-      </p:sp>
-      <p:sp>
-        <p:nvSpPr>
-          <p:cNvPr id="4" name="Slide Number Placeholder 3"/>
-          <p:cNvSpPr>
-            <a:spLocks noGrp="1"/>
-          </p:cNvSpPr>
-          <p:nvPr>
-            <p:ph type="sldNum" sz="quarter" idx="10"/>
-          </p:nvPr>
-        </p:nvSpPr>
-        <p:spPr/>
-        <p:txBody>
-          <a:bodyPr/>
-          <a:lstStyle/>
-          <a:p>
-            <a:fld id="{71E7D22E-2FCF-4181-8686-08BDCDF94062}" type="slidenum">
-              <a:rPr lang="en-US" smtClean="0"/>
-              <a:pPr/>
-              <a:t>12</a:t>
-            </a:fld>
-            <a:endParaRPr lang="en-US" dirty="0"/>
-          </a:p>
-        </p:txBody>
-      </p:sp>
-    </p:spTree>
-  </p:cSld>
-  <p:clrMapOvr>
-    <a:masterClrMapping/>
-  </p:clrMapOvr>
-</p:notes>
-</file>
-
-<file path=ppt/notesSlides/notesSlide13.xml><?xml version="1.0" encoding="utf-8"?>
-<p:notes xmlns:a="http://schemas.openxmlformats.org/drawingml/2006/main" xmlns:r="http://schemas.openxmlformats.org/officeDocument/2006/relationships" xmlns:p="http://schemas.openxmlformats.org/presentationml/2006/main">
-  <p:cSld>
-    <p:spTree>
-      <p:nvGrpSpPr>
-        <p:cNvPr id="1" name=""/>
-        <p:cNvGrpSpPr/>
-        <p:nvPr/>
-      </p:nvGrpSpPr>
-      <p:grpSpPr>
-        <a:xfrm>
-          <a:off x="0" y="0"/>
-          <a:ext cx="0" cy="0"/>
-          <a:chOff x="0" y="0"/>
-          <a:chExt cx="0" cy="0"/>
-        </a:xfrm>
-      </p:grpSpPr>
-      <p:sp>
-        <p:nvSpPr>
-          <p:cNvPr id="2" name="Slide Image Placeholder 1"/>
-          <p:cNvSpPr>
-            <a:spLocks noGrp="1" noRot="1" noChangeAspect="1"/>
-          </p:cNvSpPr>
-          <p:nvPr>
-            <p:ph type="sldImg"/>
-          </p:nvPr>
-        </p:nvSpPr>
-        <p:spPr/>
-      </p:sp>
-      <p:sp>
-        <p:nvSpPr>
-          <p:cNvPr id="3" name="Notes Placeholder 2"/>
-          <p:cNvSpPr>
-            <a:spLocks noGrp="1"/>
-          </p:cNvSpPr>
-          <p:nvPr>
-            <p:ph type="body" idx="1"/>
-          </p:nvPr>
-        </p:nvSpPr>
-        <p:spPr/>
-        <p:txBody>
-          <a:bodyPr>
-            <a:normAutofit/>
-          </a:bodyPr>
-          <a:lstStyle/>
-          <a:p>
-            <a:pPr marL="0" marR="0" indent="0" algn="l" defTabSz="914342" rtl="0" eaLnBrk="1" fontAlgn="auto" latinLnBrk="0" hangingPunct="1">
-              <a:lnSpc>
-                <a:spcPct val="90000"/>
-              </a:lnSpc>
-              <a:spcBef>
-                <a:spcPts val="0"/>
-              </a:spcBef>
-              <a:spcAft>
-                <a:spcPts val="400"/>
-              </a:spcAft>
-              <a:buClrTx/>
-              <a:buSzTx/>
-              <a:buFontTx/>
-              <a:buNone/>
-              <a:tabLst/>
-              <a:defRPr/>
-            </a:pPr>
-            <a:endParaRPr lang="en-US" dirty="0" smtClean="0"/>
-          </a:p>
-        </p:txBody>
-      </p:sp>
-      <p:sp>
-        <p:nvSpPr>
-          <p:cNvPr id="4" name="Slide Number Placeholder 3"/>
-          <p:cNvSpPr>
-            <a:spLocks noGrp="1"/>
-          </p:cNvSpPr>
-          <p:nvPr>
-            <p:ph type="sldNum" sz="quarter" idx="10"/>
-          </p:nvPr>
-        </p:nvSpPr>
-        <p:spPr/>
-        <p:txBody>
-          <a:bodyPr/>
-          <a:lstStyle/>
-          <a:p>
-            <a:fld id="{71E7D22E-2FCF-4181-8686-08BDCDF94062}" type="slidenum">
-              <a:rPr lang="en-US" smtClean="0"/>
-              <a:pPr/>
-              <a:t>13</a:t>
-            </a:fld>
-            <a:endParaRPr lang="en-US" dirty="0"/>
-          </a:p>
-        </p:txBody>
-      </p:sp>
-    </p:spTree>
-  </p:cSld>
-  <p:clrMapOvr>
-    <a:masterClrMapping/>
-  </p:clrMapOvr>
-</p:notes>
-</file>
-
-<file path=ppt/notesSlides/notesSlide14.xml><?xml version="1.0" encoding="utf-8"?>
-<p:notes xmlns:a="http://schemas.openxmlformats.org/drawingml/2006/main" xmlns:r="http://schemas.openxmlformats.org/officeDocument/2006/relationships" xmlns:p="http://schemas.openxmlformats.org/presentationml/2006/main">
-  <p:cSld>
-    <p:spTree>
-      <p:nvGrpSpPr>
-        <p:cNvPr id="1" name=""/>
-        <p:cNvGrpSpPr/>
-        <p:nvPr/>
-      </p:nvGrpSpPr>
-      <p:grpSpPr>
-        <a:xfrm>
-          <a:off x="0" y="0"/>
-          <a:ext cx="0" cy="0"/>
-          <a:chOff x="0" y="0"/>
-          <a:chExt cx="0" cy="0"/>
-        </a:xfrm>
-      </p:grpSpPr>
-      <p:sp>
-        <p:nvSpPr>
-          <p:cNvPr id="2" name="Slide Image Placeholder 1"/>
-          <p:cNvSpPr>
-            <a:spLocks noGrp="1" noRot="1" noChangeAspect="1"/>
-          </p:cNvSpPr>
-          <p:nvPr>
-            <p:ph type="sldImg"/>
-          </p:nvPr>
-        </p:nvSpPr>
-        <p:spPr/>
-      </p:sp>
-      <p:sp>
-        <p:nvSpPr>
-          <p:cNvPr id="3" name="Notes Placeholder 2"/>
-          <p:cNvSpPr>
-            <a:spLocks noGrp="1"/>
-          </p:cNvSpPr>
-          <p:nvPr>
-            <p:ph type="body" idx="1"/>
-          </p:nvPr>
-        </p:nvSpPr>
-        <p:spPr/>
-        <p:txBody>
-          <a:bodyPr>
-            <a:normAutofit/>
-          </a:bodyPr>
-          <a:lstStyle/>
-          <a:p>
-            <a:pPr marL="0" marR="0" indent="0" algn="l" defTabSz="914342" rtl="0" eaLnBrk="1" fontAlgn="auto" latinLnBrk="0" hangingPunct="1">
-              <a:lnSpc>
-                <a:spcPct val="90000"/>
-              </a:lnSpc>
-              <a:spcBef>
-                <a:spcPts val="0"/>
-              </a:spcBef>
-              <a:spcAft>
-                <a:spcPts val="400"/>
-              </a:spcAft>
-              <a:buClrTx/>
-              <a:buSzTx/>
-              <a:buFontTx/>
-              <a:buNone/>
-              <a:tabLst/>
-              <a:defRPr/>
-            </a:pPr>
-            <a:endParaRPr lang="en-US" dirty="0" smtClean="0"/>
-          </a:p>
-        </p:txBody>
-      </p:sp>
-      <p:sp>
-        <p:nvSpPr>
-          <p:cNvPr id="4" name="Slide Number Placeholder 3"/>
-          <p:cNvSpPr>
-            <a:spLocks noGrp="1"/>
-          </p:cNvSpPr>
-          <p:nvPr>
-            <p:ph type="sldNum" sz="quarter" idx="10"/>
-          </p:nvPr>
-        </p:nvSpPr>
-        <p:spPr/>
-        <p:txBody>
-          <a:bodyPr/>
-          <a:lstStyle/>
-          <a:p>
-            <a:fld id="{71E7D22E-2FCF-4181-8686-08BDCDF94062}" type="slidenum">
-              <a:rPr lang="en-US" smtClean="0"/>
-              <a:pPr/>
-              <a:t>14</a:t>
             </a:fld>
             <a:endParaRPr lang="en-US" dirty="0"/>
           </a:p>
@@ -10727,2740 +10427,6 @@
 </p:sld>
 </file>
 
-<file path=ppt/slides/slide12.xml><?xml version="1.0" encoding="utf-8"?>
-<p:sld xmlns:a="http://schemas.openxmlformats.org/drawingml/2006/main" xmlns:r="http://schemas.openxmlformats.org/officeDocument/2006/relationships" xmlns:p="http://schemas.openxmlformats.org/presentationml/2006/main">
-  <p:cSld>
-    <p:spTree>
-      <p:nvGrpSpPr>
-        <p:cNvPr id="1" name=""/>
-        <p:cNvGrpSpPr/>
-        <p:nvPr/>
-      </p:nvGrpSpPr>
-      <p:grpSpPr>
-        <a:xfrm>
-          <a:off x="0" y="0"/>
-          <a:ext cx="0" cy="0"/>
-          <a:chOff x="0" y="0"/>
-          <a:chExt cx="0" cy="0"/>
-        </a:xfrm>
-      </p:grpSpPr>
-      <p:graphicFrame>
-        <p:nvGraphicFramePr>
-          <p:cNvPr id="4" name="Object 3" hidden="1"/>
-          <p:cNvGraphicFramePr>
-            <a:graphicFrameLocks noChangeAspect="1"/>
-          </p:cNvGraphicFramePr>
-          <p:nvPr/>
-        </p:nvGraphicFramePr>
-        <p:xfrm>
-          <a:off x="0" y="0"/>
-          <a:ext cx="158750" cy="158750"/>
-        </p:xfrm>
-        <a:graphic>
-          <a:graphicData uri="http://schemas.openxmlformats.org/presentationml/2006/ole">
-            <p:oleObj spid="_x0000_s301058" name="think-cell Slide" r:id="rId5" imgW="360" imgH="360" progId="">
-              <p:embed/>
-            </p:oleObj>
-          </a:graphicData>
-        </a:graphic>
-      </p:graphicFrame>
-      <p:sp>
-        <p:nvSpPr>
-          <p:cNvPr id="2" name="Titre 1"/>
-          <p:cNvSpPr>
-            <a:spLocks noGrp="1"/>
-          </p:cNvSpPr>
-          <p:nvPr>
-            <p:ph type="title"/>
-            <p:custDataLst>
-              <p:tags r:id="rId2"/>
-            </p:custDataLst>
-          </p:nvPr>
-        </p:nvSpPr>
-        <p:spPr/>
-        <p:txBody>
-          <a:bodyPr/>
-          <a:lstStyle/>
-          <a:p>
-            <a:r>
-              <a:rPr lang="pl-PL" dirty="0" err="1" smtClean="0">
-                <a:latin typeface="Arial" pitchFamily="34" charset="0"/>
-                <a:cs typeface="Arial" pitchFamily="34" charset="0"/>
-              </a:rPr>
-              <a:t>Arduino</a:t>
-            </a:r>
-            <a:r>
-              <a:rPr lang="pl-PL" dirty="0" smtClean="0">
-                <a:latin typeface="Arial" pitchFamily="34" charset="0"/>
-                <a:cs typeface="Arial" pitchFamily="34" charset="0"/>
-              </a:rPr>
-              <a:t> – </a:t>
-            </a:r>
-            <a:r>
-              <a:rPr lang="pl-PL" dirty="0" err="1" smtClean="0">
-                <a:latin typeface="Arial" pitchFamily="34" charset="0"/>
-                <a:cs typeface="Arial" pitchFamily="34" charset="0"/>
-              </a:rPr>
-              <a:t>Pulse-width</a:t>
-            </a:r>
-            <a:r>
-              <a:rPr lang="pl-PL" dirty="0" smtClean="0">
-                <a:latin typeface="Arial" pitchFamily="34" charset="0"/>
-                <a:cs typeface="Arial" pitchFamily="34" charset="0"/>
-              </a:rPr>
-              <a:t> </a:t>
-            </a:r>
-            <a:r>
-              <a:rPr lang="pl-PL" dirty="0" err="1" smtClean="0">
-                <a:latin typeface="Arial" pitchFamily="34" charset="0"/>
-                <a:cs typeface="Arial" pitchFamily="34" charset="0"/>
-              </a:rPr>
-              <a:t>modulation</a:t>
-            </a:r>
-            <a:r>
-              <a:rPr lang="pl-PL" dirty="0" smtClean="0">
-                <a:latin typeface="Arial" pitchFamily="34" charset="0"/>
-                <a:cs typeface="Arial" pitchFamily="34" charset="0"/>
-              </a:rPr>
-              <a:t> (PWM)</a:t>
-            </a:r>
-            <a:endParaRPr lang="en-GB" dirty="0">
-              <a:latin typeface="Arial" pitchFamily="34" charset="0"/>
-              <a:cs typeface="Arial" pitchFamily="34" charset="0"/>
-            </a:endParaRPr>
-          </a:p>
-        </p:txBody>
-      </p:sp>
-      <p:sp>
-        <p:nvSpPr>
-          <p:cNvPr id="8" name="Slide Number Placeholder 7"/>
-          <p:cNvSpPr>
-            <a:spLocks noGrp="1"/>
-          </p:cNvSpPr>
-          <p:nvPr>
-            <p:ph type="sldNum" sz="quarter" idx="11"/>
-          </p:nvPr>
-        </p:nvSpPr>
-        <p:spPr/>
-        <p:txBody>
-          <a:bodyPr/>
-          <a:lstStyle/>
-          <a:p>
-            <a:fld id="{880BADDE-CEDF-4108-ADCD-25C7E5D681A5}" type="slidenum">
-              <a:rPr lang="en-GB" smtClean="0"/>
-              <a:pPr/>
-              <a:t>12</a:t>
-            </a:fld>
-            <a:endParaRPr lang="en-GB" dirty="0"/>
-          </a:p>
-        </p:txBody>
-      </p:sp>
-      <p:sp>
-        <p:nvSpPr>
-          <p:cNvPr id="9" name="Footer Placeholder 8"/>
-          <p:cNvSpPr>
-            <a:spLocks noGrp="1"/>
-          </p:cNvSpPr>
-          <p:nvPr>
-            <p:ph type="ftr" sz="quarter" idx="12"/>
-          </p:nvPr>
-        </p:nvSpPr>
-        <p:spPr/>
-        <p:txBody>
-          <a:bodyPr/>
-          <a:lstStyle/>
-          <a:p>
-            <a:r>
-              <a:rPr lang="en-GB" smtClean="0"/>
-              <a:t>arduino_ide.pptx</a:t>
-            </a:r>
-            <a:endParaRPr lang="en-GB" dirty="0"/>
-          </a:p>
-        </p:txBody>
-      </p:sp>
-      <p:sp>
-        <p:nvSpPr>
-          <p:cNvPr id="28" name="Date Placeholder 27"/>
-          <p:cNvSpPr>
-            <a:spLocks noGrp="1"/>
-          </p:cNvSpPr>
-          <p:nvPr>
-            <p:ph type="dt" sz="half" idx="10"/>
-          </p:nvPr>
-        </p:nvSpPr>
-        <p:spPr/>
-        <p:txBody>
-          <a:bodyPr/>
-          <a:lstStyle/>
-          <a:p>
-            <a:pPr defTabSz="995445" eaLnBrk="0" hangingPunct="0">
-              <a:lnSpc>
-                <a:spcPct val="90000"/>
-              </a:lnSpc>
-              <a:spcBef>
-                <a:spcPct val="10000"/>
-              </a:spcBef>
-              <a:defRPr/>
-            </a:pPr>
-            <a:r>
-              <a:rPr lang="en-US" dirty="0" smtClean="0"/>
-              <a:t>Creative Commons 4.0 license</a:t>
-            </a:r>
-            <a:endParaRPr lang="de-DE" dirty="0"/>
-          </a:p>
-        </p:txBody>
-      </p:sp>
-      <p:pic>
-        <p:nvPicPr>
-          <p:cNvPr id="10" name="Picture 4" descr="https://encrypted-tbn2.gstatic.com/images?q=tbn:ANd9GcSS5XD-fwsa5DO096u7zP5Rxt8qfokZ36djp-u5skB0qeeazcwI"/>
-          <p:cNvPicPr>
-            <a:picLocks noChangeAspect="1" noChangeArrowheads="1"/>
-          </p:cNvPicPr>
-          <p:nvPr/>
-        </p:nvPicPr>
-        <p:blipFill>
-          <a:blip r:embed="rId6"/>
-          <a:srcRect/>
-          <a:stretch>
-            <a:fillRect/>
-          </a:stretch>
-        </p:blipFill>
-        <p:spPr bwMode="auto">
-          <a:xfrm>
-            <a:off x="7689380" y="0"/>
-            <a:ext cx="992450" cy="992450"/>
-          </a:xfrm>
-          <a:prstGeom prst="rect">
-            <a:avLst/>
-          </a:prstGeom>
-          <a:noFill/>
-        </p:spPr>
-      </p:pic>
-      <p:sp>
-        <p:nvSpPr>
-          <p:cNvPr id="137220" name="AutoShape 4" descr="https://s3.amazonaws.com/ksr/assets/000/839/277/ed8e45bf086a57a613e7e9194eeb1742_large.png"/>
-          <p:cNvSpPr>
-            <a:spLocks noChangeAspect="1" noChangeArrowheads="1"/>
-          </p:cNvSpPr>
-          <p:nvPr/>
-        </p:nvSpPr>
-        <p:spPr bwMode="auto">
-          <a:xfrm>
-            <a:off x="155575" y="-144463"/>
-            <a:ext cx="304800" cy="304801"/>
-          </a:xfrm>
-          <a:prstGeom prst="rect">
-            <a:avLst/>
-          </a:prstGeom>
-          <a:noFill/>
-        </p:spPr>
-        <p:txBody>
-          <a:bodyPr vert="horz" wrap="square" lIns="91440" tIns="45720" rIns="91440" bIns="45720" numCol="1" anchor="t" anchorCtr="0" compatLnSpc="1">
-            <a:prstTxWarp prst="textNoShape">
-              <a:avLst/>
-            </a:prstTxWarp>
-          </a:bodyPr>
-          <a:lstStyle/>
-          <a:p>
-            <a:endParaRPr lang="en-US"/>
-          </a:p>
-        </p:txBody>
-      </p:sp>
-      <p:pic>
-        <p:nvPicPr>
-          <p:cNvPr id="301060" name="Picture 4" descr="http://www.arduino.cc/en/uploads/Tutorial/pwm.gif"/>
-          <p:cNvPicPr>
-            <a:picLocks noChangeAspect="1" noChangeArrowheads="1"/>
-          </p:cNvPicPr>
-          <p:nvPr/>
-        </p:nvPicPr>
-        <p:blipFill>
-          <a:blip r:embed="rId7"/>
-          <a:srcRect/>
-          <a:stretch>
-            <a:fillRect/>
-          </a:stretch>
-        </p:blipFill>
-        <p:spPr bwMode="auto">
-          <a:xfrm>
-            <a:off x="5889130" y="1196690"/>
-            <a:ext cx="3810000" cy="4171951"/>
-          </a:xfrm>
-          <a:prstGeom prst="rect">
-            <a:avLst/>
-          </a:prstGeom>
-          <a:noFill/>
-        </p:spPr>
-      </p:pic>
-      <p:sp>
-        <p:nvSpPr>
-          <p:cNvPr id="11" name="Content Placeholder 7"/>
-          <p:cNvSpPr>
-            <a:spLocks noGrp="1"/>
-          </p:cNvSpPr>
-          <p:nvPr>
-            <p:ph idx="4294967295"/>
-          </p:nvPr>
-        </p:nvSpPr>
-        <p:spPr>
-          <a:xfrm>
-            <a:off x="344360" y="1340710"/>
-            <a:ext cx="4968690" cy="1368190"/>
-          </a:xfrm>
-          <a:prstGeom prst="rect">
-            <a:avLst/>
-          </a:prstGeom>
-        </p:spPr>
-        <p:txBody>
-          <a:bodyPr>
-            <a:noAutofit/>
-          </a:bodyPr>
-          <a:lstStyle/>
-          <a:p>
-            <a:pPr marL="342900" indent="-342900" defTabSz="457200">
-              <a:lnSpc>
-                <a:spcPct val="100000"/>
-              </a:lnSpc>
-              <a:spcBef>
-                <a:spcPct val="20000"/>
-              </a:spcBef>
-              <a:spcAft>
-                <a:spcPts val="1200"/>
-              </a:spcAft>
-              <a:buClrTx/>
-              <a:buFont typeface="Arial" pitchFamily="34" charset="0"/>
-              <a:buChar char="•"/>
-            </a:pPr>
-            <a:r>
-              <a:rPr lang="pl-PL" sz="2000" dirty="0" smtClean="0">
-                <a:latin typeface="+mj-lt"/>
-                <a:cs typeface="Courier New" pitchFamily="49" charset="0"/>
-              </a:rPr>
-              <a:t>Częstotliwość sygnału PWM na </a:t>
-            </a:r>
-            <a:r>
-              <a:rPr lang="pl-PL" sz="2000" dirty="0" err="1" smtClean="0">
-                <a:latin typeface="+mj-lt"/>
-                <a:cs typeface="Courier New" pitchFamily="49" charset="0"/>
-              </a:rPr>
-              <a:t>Arduino</a:t>
-            </a:r>
-            <a:r>
-              <a:rPr lang="pl-PL" sz="2000" dirty="0" smtClean="0">
-                <a:latin typeface="+mj-lt"/>
-                <a:cs typeface="Courier New" pitchFamily="49" charset="0"/>
-              </a:rPr>
-              <a:t> to najczęściej około 490 Hz.</a:t>
-            </a:r>
-            <a:endParaRPr lang="pl-PL" sz="2000" dirty="0" smtClean="0">
-              <a:latin typeface="+mj-lt"/>
-              <a:cs typeface="Arial" pitchFamily="34" charset="0"/>
-            </a:endParaRPr>
-          </a:p>
-        </p:txBody>
-      </p:sp>
-      <p:pic>
-        <p:nvPicPr>
-          <p:cNvPr id="301062" name="Picture 6" descr="http://garretlab.web.fc2.com/en/arduino/inside/arduino/wiring_analog.c/fast_pwm1.png"/>
-          <p:cNvPicPr>
-            <a:picLocks noChangeAspect="1" noChangeArrowheads="1"/>
-          </p:cNvPicPr>
-          <p:nvPr/>
-        </p:nvPicPr>
-        <p:blipFill>
-          <a:blip r:embed="rId8"/>
-          <a:srcRect/>
-          <a:stretch>
-            <a:fillRect/>
-          </a:stretch>
-        </p:blipFill>
-        <p:spPr bwMode="auto">
-          <a:xfrm>
-            <a:off x="272350" y="2564880"/>
-            <a:ext cx="5169030" cy="3571875"/>
-          </a:xfrm>
-          <a:prstGeom prst="rect">
-            <a:avLst/>
-          </a:prstGeom>
-          <a:noFill/>
-        </p:spPr>
-      </p:pic>
-    </p:spTree>
-  </p:cSld>
-  <p:clrMapOvr>
-    <a:masterClrMapping/>
-  </p:clrMapOvr>
-  <p:timing>
-    <p:tnLst>
-      <p:par>
-        <p:cTn id="1" dur="indefinite" restart="never" nodeType="tmRoot"/>
-      </p:par>
-    </p:tnLst>
-  </p:timing>
-</p:sld>
-</file>
-
-<file path=ppt/slides/slide13.xml><?xml version="1.0" encoding="utf-8"?>
-<p:sld xmlns:a="http://schemas.openxmlformats.org/drawingml/2006/main" xmlns:r="http://schemas.openxmlformats.org/officeDocument/2006/relationships" xmlns:p="http://schemas.openxmlformats.org/presentationml/2006/main">
-  <p:cSld>
-    <p:spTree>
-      <p:nvGrpSpPr>
-        <p:cNvPr id="1" name=""/>
-        <p:cNvGrpSpPr/>
-        <p:nvPr/>
-      </p:nvGrpSpPr>
-      <p:grpSpPr>
-        <a:xfrm>
-          <a:off x="0" y="0"/>
-          <a:ext cx="0" cy="0"/>
-          <a:chOff x="0" y="0"/>
-          <a:chExt cx="0" cy="0"/>
-        </a:xfrm>
-      </p:grpSpPr>
-      <p:pic>
-        <p:nvPicPr>
-          <p:cNvPr id="326659" name="Picture 3" descr="C:\git\robocap\arduino\wks2016\pwm_bb.png"/>
-          <p:cNvPicPr>
-            <a:picLocks noChangeAspect="1" noChangeArrowheads="1"/>
-          </p:cNvPicPr>
-          <p:nvPr/>
-        </p:nvPicPr>
-        <p:blipFill>
-          <a:blip r:embed="rId5"/>
-          <a:srcRect/>
-          <a:stretch>
-            <a:fillRect/>
-          </a:stretch>
-        </p:blipFill>
-        <p:spPr bwMode="auto">
-          <a:xfrm>
-            <a:off x="1352500" y="1399622"/>
-            <a:ext cx="7388539" cy="4477718"/>
-          </a:xfrm>
-          <a:prstGeom prst="rect">
-            <a:avLst/>
-          </a:prstGeom>
-          <a:noFill/>
-        </p:spPr>
-      </p:pic>
-      <p:graphicFrame>
-        <p:nvGraphicFramePr>
-          <p:cNvPr id="4" name="Object 3" hidden="1"/>
-          <p:cNvGraphicFramePr>
-            <a:graphicFrameLocks noChangeAspect="1"/>
-          </p:cNvGraphicFramePr>
-          <p:nvPr/>
-        </p:nvGraphicFramePr>
-        <p:xfrm>
-          <a:off x="0" y="0"/>
-          <a:ext cx="158750" cy="158750"/>
-        </p:xfrm>
-        <a:graphic>
-          <a:graphicData uri="http://schemas.openxmlformats.org/presentationml/2006/ole">
-            <p:oleObj spid="_x0000_s326658" name="think-cell Slide" r:id="rId6" imgW="360" imgH="360" progId="">
-              <p:embed/>
-            </p:oleObj>
-          </a:graphicData>
-        </a:graphic>
-      </p:graphicFrame>
-      <p:sp>
-        <p:nvSpPr>
-          <p:cNvPr id="2" name="Titre 1"/>
-          <p:cNvSpPr>
-            <a:spLocks noGrp="1"/>
-          </p:cNvSpPr>
-          <p:nvPr>
-            <p:ph type="title"/>
-            <p:custDataLst>
-              <p:tags r:id="rId2"/>
-            </p:custDataLst>
-          </p:nvPr>
-        </p:nvSpPr>
-        <p:spPr/>
-        <p:txBody>
-          <a:bodyPr/>
-          <a:lstStyle/>
-          <a:p>
-            <a:r>
-              <a:rPr lang="pl-PL" dirty="0" err="1" smtClean="0">
-                <a:latin typeface="Arial" pitchFamily="34" charset="0"/>
-                <a:cs typeface="Arial" pitchFamily="34" charset="0"/>
-              </a:rPr>
-              <a:t>Arduino</a:t>
-            </a:r>
-            <a:r>
-              <a:rPr lang="pl-PL" dirty="0" smtClean="0">
-                <a:latin typeface="Arial" pitchFamily="34" charset="0"/>
-                <a:cs typeface="Arial" pitchFamily="34" charset="0"/>
-              </a:rPr>
-              <a:t> – PWM</a:t>
-            </a:r>
-            <a:endParaRPr lang="en-GB" dirty="0">
-              <a:latin typeface="Arial" pitchFamily="34" charset="0"/>
-              <a:cs typeface="Arial" pitchFamily="34" charset="0"/>
-            </a:endParaRPr>
-          </a:p>
-        </p:txBody>
-      </p:sp>
-      <p:sp>
-        <p:nvSpPr>
-          <p:cNvPr id="8" name="Slide Number Placeholder 7"/>
-          <p:cNvSpPr>
-            <a:spLocks noGrp="1"/>
-          </p:cNvSpPr>
-          <p:nvPr>
-            <p:ph type="sldNum" sz="quarter" idx="11"/>
-          </p:nvPr>
-        </p:nvSpPr>
-        <p:spPr/>
-        <p:txBody>
-          <a:bodyPr/>
-          <a:lstStyle/>
-          <a:p>
-            <a:fld id="{880BADDE-CEDF-4108-ADCD-25C7E5D681A5}" type="slidenum">
-              <a:rPr lang="en-GB" smtClean="0"/>
-              <a:pPr/>
-              <a:t>13</a:t>
-            </a:fld>
-            <a:endParaRPr lang="en-GB" dirty="0"/>
-          </a:p>
-        </p:txBody>
-      </p:sp>
-      <p:sp>
-        <p:nvSpPr>
-          <p:cNvPr id="9" name="Footer Placeholder 8"/>
-          <p:cNvSpPr>
-            <a:spLocks noGrp="1"/>
-          </p:cNvSpPr>
-          <p:nvPr>
-            <p:ph type="ftr" sz="quarter" idx="12"/>
-          </p:nvPr>
-        </p:nvSpPr>
-        <p:spPr/>
-        <p:txBody>
-          <a:bodyPr/>
-          <a:lstStyle/>
-          <a:p>
-            <a:r>
-              <a:rPr lang="en-GB" smtClean="0"/>
-              <a:t>arduino_ide.pptx</a:t>
-            </a:r>
-            <a:endParaRPr lang="en-GB" dirty="0"/>
-          </a:p>
-        </p:txBody>
-      </p:sp>
-      <p:sp>
-        <p:nvSpPr>
-          <p:cNvPr id="28" name="Date Placeholder 27"/>
-          <p:cNvSpPr>
-            <a:spLocks noGrp="1"/>
-          </p:cNvSpPr>
-          <p:nvPr>
-            <p:ph type="dt" sz="half" idx="10"/>
-          </p:nvPr>
-        </p:nvSpPr>
-        <p:spPr/>
-        <p:txBody>
-          <a:bodyPr/>
-          <a:lstStyle/>
-          <a:p>
-            <a:pPr defTabSz="995445" eaLnBrk="0" hangingPunct="0">
-              <a:lnSpc>
-                <a:spcPct val="90000"/>
-              </a:lnSpc>
-              <a:spcBef>
-                <a:spcPct val="10000"/>
-              </a:spcBef>
-              <a:defRPr/>
-            </a:pPr>
-            <a:r>
-              <a:rPr lang="en-US" dirty="0" smtClean="0"/>
-              <a:t>Creative Commons 4.0 license</a:t>
-            </a:r>
-            <a:endParaRPr lang="de-DE" dirty="0"/>
-          </a:p>
-        </p:txBody>
-      </p:sp>
-      <p:pic>
-        <p:nvPicPr>
-          <p:cNvPr id="10" name="Picture 4" descr="https://encrypted-tbn2.gstatic.com/images?q=tbn:ANd9GcSS5XD-fwsa5DO096u7zP5Rxt8qfokZ36djp-u5skB0qeeazcwI"/>
-          <p:cNvPicPr>
-            <a:picLocks noChangeAspect="1" noChangeArrowheads="1"/>
-          </p:cNvPicPr>
-          <p:nvPr/>
-        </p:nvPicPr>
-        <p:blipFill>
-          <a:blip r:embed="rId7"/>
-          <a:srcRect/>
-          <a:stretch>
-            <a:fillRect/>
-          </a:stretch>
-        </p:blipFill>
-        <p:spPr bwMode="auto">
-          <a:xfrm>
-            <a:off x="7689380" y="0"/>
-            <a:ext cx="992450" cy="992450"/>
-          </a:xfrm>
-          <a:prstGeom prst="rect">
-            <a:avLst/>
-          </a:prstGeom>
-          <a:noFill/>
-        </p:spPr>
-      </p:pic>
-      <p:sp>
-        <p:nvSpPr>
-          <p:cNvPr id="137220" name="AutoShape 4" descr="https://s3.amazonaws.com/ksr/assets/000/839/277/ed8e45bf086a57a613e7e9194eeb1742_large.png"/>
-          <p:cNvSpPr>
-            <a:spLocks noChangeAspect="1" noChangeArrowheads="1"/>
-          </p:cNvSpPr>
-          <p:nvPr/>
-        </p:nvSpPr>
-        <p:spPr bwMode="auto">
-          <a:xfrm>
-            <a:off x="155575" y="-144463"/>
-            <a:ext cx="304800" cy="304801"/>
-          </a:xfrm>
-          <a:prstGeom prst="rect">
-            <a:avLst/>
-          </a:prstGeom>
-          <a:noFill/>
-        </p:spPr>
-        <p:txBody>
-          <a:bodyPr vert="horz" wrap="square" lIns="91440" tIns="45720" rIns="91440" bIns="45720" numCol="1" anchor="t" anchorCtr="0" compatLnSpc="1">
-            <a:prstTxWarp prst="textNoShape">
-              <a:avLst/>
-            </a:prstTxWarp>
-          </a:bodyPr>
-          <a:lstStyle/>
-          <a:p>
-            <a:endParaRPr lang="en-US"/>
-          </a:p>
-        </p:txBody>
-      </p:sp>
-      <p:sp>
-        <p:nvSpPr>
-          <p:cNvPr id="12" name="TextBox 11"/>
-          <p:cNvSpPr txBox="1"/>
-          <p:nvPr/>
-        </p:nvSpPr>
-        <p:spPr>
-          <a:xfrm>
-            <a:off x="8265460" y="3861060"/>
-            <a:ext cx="598241" cy="348557"/>
-          </a:xfrm>
-          <a:prstGeom prst="rect">
-            <a:avLst/>
-          </a:prstGeom>
-          <a:noFill/>
-        </p:spPr>
-        <p:txBody>
-          <a:bodyPr wrap="none" rtlCol="0">
-            <a:spAutoFit/>
-          </a:bodyPr>
-          <a:lstStyle/>
-          <a:p>
-            <a:pPr>
-              <a:lnSpc>
-                <a:spcPct val="90000"/>
-              </a:lnSpc>
-            </a:pPr>
-            <a:r>
-              <a:rPr lang="pl-PL" sz="1800" b="1" dirty="0" smtClean="0">
-                <a:latin typeface="Courier New" pitchFamily="49" charset="0"/>
-                <a:cs typeface="Courier New" pitchFamily="49" charset="0"/>
-              </a:rPr>
-              <a:t>GND</a:t>
-            </a:r>
-            <a:endParaRPr lang="en-US" sz="1800" b="1" dirty="0" smtClean="0">
-              <a:latin typeface="Courier New" pitchFamily="49" charset="0"/>
-              <a:cs typeface="Courier New" pitchFamily="49" charset="0"/>
-            </a:endParaRPr>
-          </a:p>
-        </p:txBody>
-      </p:sp>
-      <p:sp>
-        <p:nvSpPr>
-          <p:cNvPr id="14" name="TextBox 13"/>
-          <p:cNvSpPr txBox="1"/>
-          <p:nvPr/>
-        </p:nvSpPr>
-        <p:spPr>
-          <a:xfrm>
-            <a:off x="6393200" y="2348850"/>
-            <a:ext cx="460382" cy="348557"/>
-          </a:xfrm>
-          <a:prstGeom prst="rect">
-            <a:avLst/>
-          </a:prstGeom>
-          <a:noFill/>
-        </p:spPr>
-        <p:txBody>
-          <a:bodyPr wrap="none" rtlCol="0">
-            <a:spAutoFit/>
-          </a:bodyPr>
-          <a:lstStyle/>
-          <a:p>
-            <a:pPr>
-              <a:lnSpc>
-                <a:spcPct val="90000"/>
-              </a:lnSpc>
-            </a:pPr>
-            <a:r>
-              <a:rPr lang="pl-PL" sz="1800" b="1" dirty="0" smtClean="0">
-                <a:latin typeface="Courier New" pitchFamily="49" charset="0"/>
-                <a:cs typeface="Courier New" pitchFamily="49" charset="0"/>
-              </a:rPr>
-              <a:t>10</a:t>
-            </a:r>
-            <a:endParaRPr lang="en-US" sz="1800" b="1" dirty="0" smtClean="0">
-              <a:latin typeface="Courier New" pitchFamily="49" charset="0"/>
-              <a:cs typeface="Courier New" pitchFamily="49" charset="0"/>
-            </a:endParaRPr>
-          </a:p>
-        </p:txBody>
-      </p:sp>
-    </p:spTree>
-  </p:cSld>
-  <p:clrMapOvr>
-    <a:masterClrMapping/>
-  </p:clrMapOvr>
-  <p:timing>
-    <p:tnLst>
-      <p:par>
-        <p:cTn id="1" dur="indefinite" restart="never" nodeType="tmRoot"/>
-      </p:par>
-    </p:tnLst>
-  </p:timing>
-</p:sld>
-</file>
-
-<file path=ppt/slides/slide14.xml><?xml version="1.0" encoding="utf-8"?>
-<p:sld xmlns:a="http://schemas.openxmlformats.org/drawingml/2006/main" xmlns:r="http://schemas.openxmlformats.org/officeDocument/2006/relationships" xmlns:p="http://schemas.openxmlformats.org/presentationml/2006/main">
-  <p:cSld>
-    <p:spTree>
-      <p:nvGrpSpPr>
-        <p:cNvPr id="1" name=""/>
-        <p:cNvGrpSpPr/>
-        <p:nvPr/>
-      </p:nvGrpSpPr>
-      <p:grpSpPr>
-        <a:xfrm>
-          <a:off x="0" y="0"/>
-          <a:ext cx="0" cy="0"/>
-          <a:chOff x="0" y="0"/>
-          <a:chExt cx="0" cy="0"/>
-        </a:xfrm>
-      </p:grpSpPr>
-      <p:graphicFrame>
-        <p:nvGraphicFramePr>
-          <p:cNvPr id="4" name="Object 3" hidden="1"/>
-          <p:cNvGraphicFramePr>
-            <a:graphicFrameLocks noChangeAspect="1"/>
-          </p:cNvGraphicFramePr>
-          <p:nvPr/>
-        </p:nvGraphicFramePr>
-        <p:xfrm>
-          <a:off x="0" y="0"/>
-          <a:ext cx="158750" cy="158750"/>
-        </p:xfrm>
-        <a:graphic>
-          <a:graphicData uri="http://schemas.openxmlformats.org/presentationml/2006/ole">
-            <p:oleObj spid="_x0000_s300034" name="think-cell Slide" r:id="rId5" imgW="360" imgH="360" progId="">
-              <p:embed/>
-            </p:oleObj>
-          </a:graphicData>
-        </a:graphic>
-      </p:graphicFrame>
-      <p:sp>
-        <p:nvSpPr>
-          <p:cNvPr id="2" name="Titre 1"/>
-          <p:cNvSpPr>
-            <a:spLocks noGrp="1"/>
-          </p:cNvSpPr>
-          <p:nvPr>
-            <p:ph type="title"/>
-            <p:custDataLst>
-              <p:tags r:id="rId2"/>
-            </p:custDataLst>
-          </p:nvPr>
-        </p:nvSpPr>
-        <p:spPr/>
-        <p:txBody>
-          <a:bodyPr/>
-          <a:lstStyle/>
-          <a:p>
-            <a:r>
-              <a:rPr lang="pl-PL" dirty="0" err="1" smtClean="0">
-                <a:latin typeface="Arial" pitchFamily="34" charset="0"/>
-                <a:cs typeface="Arial" pitchFamily="34" charset="0"/>
-              </a:rPr>
-              <a:t>Arduino</a:t>
-            </a:r>
-            <a:r>
-              <a:rPr lang="pl-PL" dirty="0" smtClean="0">
-                <a:latin typeface="Arial" pitchFamily="34" charset="0"/>
-                <a:cs typeface="Arial" pitchFamily="34" charset="0"/>
-              </a:rPr>
-              <a:t> – PWM</a:t>
-            </a:r>
-            <a:endParaRPr lang="en-GB" dirty="0">
-              <a:latin typeface="Arial" pitchFamily="34" charset="0"/>
-              <a:cs typeface="Arial" pitchFamily="34" charset="0"/>
-            </a:endParaRPr>
-          </a:p>
-        </p:txBody>
-      </p:sp>
-      <p:sp>
-        <p:nvSpPr>
-          <p:cNvPr id="8" name="Slide Number Placeholder 7"/>
-          <p:cNvSpPr>
-            <a:spLocks noGrp="1"/>
-          </p:cNvSpPr>
-          <p:nvPr>
-            <p:ph type="sldNum" sz="quarter" idx="11"/>
-          </p:nvPr>
-        </p:nvSpPr>
-        <p:spPr/>
-        <p:txBody>
-          <a:bodyPr/>
-          <a:lstStyle/>
-          <a:p>
-            <a:fld id="{880BADDE-CEDF-4108-ADCD-25C7E5D681A5}" type="slidenum">
-              <a:rPr lang="en-GB" smtClean="0"/>
-              <a:pPr/>
-              <a:t>14</a:t>
-            </a:fld>
-            <a:endParaRPr lang="en-GB" dirty="0"/>
-          </a:p>
-        </p:txBody>
-      </p:sp>
-      <p:sp>
-        <p:nvSpPr>
-          <p:cNvPr id="9" name="Footer Placeholder 8"/>
-          <p:cNvSpPr>
-            <a:spLocks noGrp="1"/>
-          </p:cNvSpPr>
-          <p:nvPr>
-            <p:ph type="ftr" sz="quarter" idx="12"/>
-          </p:nvPr>
-        </p:nvSpPr>
-        <p:spPr/>
-        <p:txBody>
-          <a:bodyPr/>
-          <a:lstStyle/>
-          <a:p>
-            <a:r>
-              <a:rPr lang="en-GB" smtClean="0"/>
-              <a:t>arduino_ide.pptx</a:t>
-            </a:r>
-            <a:endParaRPr lang="en-GB" dirty="0"/>
-          </a:p>
-        </p:txBody>
-      </p:sp>
-      <p:sp>
-        <p:nvSpPr>
-          <p:cNvPr id="28" name="Date Placeholder 27"/>
-          <p:cNvSpPr>
-            <a:spLocks noGrp="1"/>
-          </p:cNvSpPr>
-          <p:nvPr>
-            <p:ph type="dt" sz="half" idx="10"/>
-          </p:nvPr>
-        </p:nvSpPr>
-        <p:spPr/>
-        <p:txBody>
-          <a:bodyPr/>
-          <a:lstStyle/>
-          <a:p>
-            <a:pPr defTabSz="995445" eaLnBrk="0" hangingPunct="0">
-              <a:lnSpc>
-                <a:spcPct val="90000"/>
-              </a:lnSpc>
-              <a:spcBef>
-                <a:spcPct val="10000"/>
-              </a:spcBef>
-              <a:defRPr/>
-            </a:pPr>
-            <a:r>
-              <a:rPr lang="en-US" dirty="0" smtClean="0"/>
-              <a:t>Creative Commons 4.0 license</a:t>
-            </a:r>
-            <a:endParaRPr lang="de-DE" dirty="0"/>
-          </a:p>
-        </p:txBody>
-      </p:sp>
-      <p:pic>
-        <p:nvPicPr>
-          <p:cNvPr id="10" name="Picture 4" descr="https://encrypted-tbn2.gstatic.com/images?q=tbn:ANd9GcSS5XD-fwsa5DO096u7zP5Rxt8qfokZ36djp-u5skB0qeeazcwI"/>
-          <p:cNvPicPr>
-            <a:picLocks noChangeAspect="1" noChangeArrowheads="1"/>
-          </p:cNvPicPr>
-          <p:nvPr/>
-        </p:nvPicPr>
-        <p:blipFill>
-          <a:blip r:embed="rId6"/>
-          <a:srcRect/>
-          <a:stretch>
-            <a:fillRect/>
-          </a:stretch>
-        </p:blipFill>
-        <p:spPr bwMode="auto">
-          <a:xfrm>
-            <a:off x="7689380" y="0"/>
-            <a:ext cx="992450" cy="992450"/>
-          </a:xfrm>
-          <a:prstGeom prst="rect">
-            <a:avLst/>
-          </a:prstGeom>
-          <a:noFill/>
-        </p:spPr>
-      </p:pic>
-      <p:sp>
-        <p:nvSpPr>
-          <p:cNvPr id="137220" name="AutoShape 4" descr="https://s3.amazonaws.com/ksr/assets/000/839/277/ed8e45bf086a57a613e7e9194eeb1742_large.png"/>
-          <p:cNvSpPr>
-            <a:spLocks noChangeAspect="1" noChangeArrowheads="1"/>
-          </p:cNvSpPr>
-          <p:nvPr/>
-        </p:nvSpPr>
-        <p:spPr bwMode="auto">
-          <a:xfrm>
-            <a:off x="155575" y="-144463"/>
-            <a:ext cx="304800" cy="304801"/>
-          </a:xfrm>
-          <a:prstGeom prst="rect">
-            <a:avLst/>
-          </a:prstGeom>
-          <a:noFill/>
-        </p:spPr>
-        <p:txBody>
-          <a:bodyPr vert="horz" wrap="square" lIns="91440" tIns="45720" rIns="91440" bIns="45720" numCol="1" anchor="t" anchorCtr="0" compatLnSpc="1">
-            <a:prstTxWarp prst="textNoShape">
-              <a:avLst/>
-            </a:prstTxWarp>
-          </a:bodyPr>
-          <a:lstStyle/>
-          <a:p>
-            <a:endParaRPr lang="en-US"/>
-          </a:p>
-        </p:txBody>
-      </p:sp>
-      <p:sp>
-        <p:nvSpPr>
-          <p:cNvPr id="15" name="Content Placeholder 7"/>
-          <p:cNvSpPr>
-            <a:spLocks noGrp="1"/>
-          </p:cNvSpPr>
-          <p:nvPr>
-            <p:ph idx="4294967295"/>
-          </p:nvPr>
-        </p:nvSpPr>
-        <p:spPr>
-          <a:xfrm>
-            <a:off x="4664960" y="1196690"/>
-            <a:ext cx="5112710" cy="5040700"/>
-          </a:xfrm>
-          <a:prstGeom prst="rect">
-            <a:avLst/>
-          </a:prstGeom>
-          <a:solidFill>
-            <a:schemeClr val="bg1">
-              <a:lumMod val="95000"/>
-            </a:schemeClr>
-          </a:solidFill>
-        </p:spPr>
-        <p:txBody>
-          <a:bodyPr>
-            <a:noAutofit/>
-          </a:bodyPr>
-          <a:lstStyle/>
-          <a:p>
-            <a:pPr>
-              <a:lnSpc>
-                <a:spcPct val="115000"/>
-              </a:lnSpc>
-              <a:spcAft>
-                <a:spcPts val="0"/>
-              </a:spcAft>
-            </a:pPr>
-            <a:r>
-              <a:rPr lang="en-US" sz="1800" dirty="0" smtClean="0">
-                <a:solidFill>
-                  <a:srgbClr val="804000"/>
-                </a:solidFill>
-                <a:latin typeface="Courier New"/>
-                <a:ea typeface="Times New Roman"/>
-                <a:cs typeface="Times New Roman"/>
-              </a:rPr>
-              <a:t>#include &lt;</a:t>
-            </a:r>
-            <a:r>
-              <a:rPr lang="en-US" sz="1800" dirty="0" err="1" smtClean="0">
-                <a:solidFill>
-                  <a:srgbClr val="804000"/>
-                </a:solidFill>
-                <a:latin typeface="Courier New"/>
-                <a:ea typeface="Times New Roman"/>
-                <a:cs typeface="Times New Roman"/>
-              </a:rPr>
-              <a:t>Arduino.h</a:t>
-            </a:r>
-            <a:r>
-              <a:rPr lang="en-US" sz="1800" dirty="0" smtClean="0">
-                <a:solidFill>
-                  <a:srgbClr val="804000"/>
-                </a:solidFill>
-                <a:latin typeface="Courier New"/>
-                <a:ea typeface="Times New Roman"/>
-                <a:cs typeface="Times New Roman"/>
-              </a:rPr>
-              <a:t>&gt; </a:t>
-            </a:r>
-            <a:endParaRPr lang="en-US" sz="2400" dirty="0" smtClean="0">
-              <a:latin typeface="Calibri"/>
-              <a:ea typeface="Calibri"/>
-              <a:cs typeface="Times New Roman"/>
-            </a:endParaRPr>
-          </a:p>
-          <a:p>
-            <a:pPr>
-              <a:lnSpc>
-                <a:spcPct val="115000"/>
-              </a:lnSpc>
-              <a:spcAft>
-                <a:spcPts val="0"/>
-              </a:spcAft>
-            </a:pPr>
-            <a:r>
-              <a:rPr lang="en-US" sz="1800" dirty="0" smtClean="0">
-                <a:solidFill>
-                  <a:srgbClr val="8000FF"/>
-                </a:solidFill>
-                <a:latin typeface="Courier New"/>
-                <a:ea typeface="Times New Roman"/>
-                <a:cs typeface="Times New Roman"/>
-              </a:rPr>
-              <a:t>void</a:t>
-            </a:r>
-            <a:r>
-              <a:rPr lang="en-US" sz="1800" dirty="0" smtClean="0">
-                <a:solidFill>
-                  <a:srgbClr val="000000"/>
-                </a:solidFill>
-                <a:latin typeface="Courier New"/>
-                <a:ea typeface="Times New Roman"/>
-                <a:cs typeface="Times New Roman"/>
-              </a:rPr>
-              <a:t> setup</a:t>
-            </a:r>
-            <a:r>
-              <a:rPr lang="en-US" sz="1800" b="1" dirty="0" smtClean="0">
-                <a:solidFill>
-                  <a:srgbClr val="000080"/>
-                </a:solidFill>
-                <a:latin typeface="Courier New"/>
-                <a:ea typeface="Times New Roman"/>
-                <a:cs typeface="Times New Roman"/>
-              </a:rPr>
-              <a:t>()</a:t>
-            </a:r>
-            <a:r>
-              <a:rPr lang="en-US" sz="1800" dirty="0" smtClean="0">
-                <a:solidFill>
-                  <a:srgbClr val="000000"/>
-                </a:solidFill>
-                <a:latin typeface="Courier New"/>
-                <a:ea typeface="Times New Roman"/>
-                <a:cs typeface="Times New Roman"/>
-              </a:rPr>
-              <a:t> </a:t>
-            </a:r>
-            <a:r>
-              <a:rPr lang="en-US" sz="1800" b="1" dirty="0" smtClean="0">
-                <a:solidFill>
-                  <a:srgbClr val="000080"/>
-                </a:solidFill>
-                <a:latin typeface="Courier New"/>
-                <a:ea typeface="Times New Roman"/>
-                <a:cs typeface="Times New Roman"/>
-              </a:rPr>
-              <a:t>{</a:t>
-            </a:r>
-            <a:endParaRPr lang="en-US" sz="2400" dirty="0" smtClean="0">
-              <a:latin typeface="Calibri"/>
-              <a:ea typeface="Calibri"/>
-              <a:cs typeface="Times New Roman"/>
-            </a:endParaRPr>
-          </a:p>
-          <a:p>
-            <a:pPr>
-              <a:lnSpc>
-                <a:spcPct val="115000"/>
-              </a:lnSpc>
-              <a:spcAft>
-                <a:spcPts val="0"/>
-              </a:spcAft>
-            </a:pPr>
-            <a:r>
-              <a:rPr lang="en-US" sz="1800" dirty="0" smtClean="0">
-                <a:solidFill>
-                  <a:srgbClr val="000000"/>
-                </a:solidFill>
-                <a:latin typeface="Courier New"/>
-                <a:ea typeface="Times New Roman"/>
-                <a:cs typeface="Times New Roman"/>
-              </a:rPr>
-              <a:t>  </a:t>
-            </a:r>
-            <a:r>
-              <a:rPr lang="en-US" sz="1800" dirty="0" err="1" smtClean="0">
-                <a:solidFill>
-                  <a:srgbClr val="000000"/>
-                </a:solidFill>
-                <a:latin typeface="Courier New"/>
-                <a:ea typeface="Times New Roman"/>
-                <a:cs typeface="Times New Roman"/>
-              </a:rPr>
-              <a:t>pinMode</a:t>
-            </a:r>
-            <a:r>
-              <a:rPr lang="en-US" sz="1800" b="1" dirty="0" smtClean="0">
-                <a:solidFill>
-                  <a:srgbClr val="000080"/>
-                </a:solidFill>
-                <a:latin typeface="Courier New"/>
-                <a:ea typeface="Times New Roman"/>
-                <a:cs typeface="Times New Roman"/>
-              </a:rPr>
-              <a:t>(</a:t>
-            </a:r>
-            <a:r>
-              <a:rPr lang="en-US" sz="1800" dirty="0" smtClean="0">
-                <a:solidFill>
-                  <a:srgbClr val="FF8000"/>
-                </a:solidFill>
-                <a:latin typeface="Courier New"/>
-                <a:ea typeface="Times New Roman"/>
-                <a:cs typeface="Times New Roman"/>
-              </a:rPr>
-              <a:t>10</a:t>
-            </a:r>
-            <a:r>
-              <a:rPr lang="en-US" sz="1800" b="1" dirty="0" smtClean="0">
-                <a:solidFill>
-                  <a:srgbClr val="000080"/>
-                </a:solidFill>
-                <a:latin typeface="Courier New"/>
-                <a:ea typeface="Times New Roman"/>
-                <a:cs typeface="Times New Roman"/>
-              </a:rPr>
-              <a:t>,</a:t>
-            </a:r>
-            <a:r>
-              <a:rPr lang="en-US" sz="1800" dirty="0" smtClean="0">
-                <a:solidFill>
-                  <a:srgbClr val="000000"/>
-                </a:solidFill>
-                <a:latin typeface="Courier New"/>
-                <a:ea typeface="Times New Roman"/>
-                <a:cs typeface="Times New Roman"/>
-              </a:rPr>
-              <a:t> OUTPUT</a:t>
-            </a:r>
-            <a:r>
-              <a:rPr lang="en-US" sz="1800" b="1" dirty="0" smtClean="0">
-                <a:solidFill>
-                  <a:srgbClr val="000080"/>
-                </a:solidFill>
-                <a:latin typeface="Courier New"/>
-                <a:ea typeface="Times New Roman"/>
-                <a:cs typeface="Times New Roman"/>
-              </a:rPr>
-              <a:t>);</a:t>
-            </a:r>
-            <a:endParaRPr lang="en-US" sz="2400" dirty="0" smtClean="0">
-              <a:latin typeface="Calibri"/>
-              <a:ea typeface="Calibri"/>
-              <a:cs typeface="Times New Roman"/>
-            </a:endParaRPr>
-          </a:p>
-          <a:p>
-            <a:pPr>
-              <a:lnSpc>
-                <a:spcPct val="115000"/>
-              </a:lnSpc>
-              <a:spcAft>
-                <a:spcPts val="0"/>
-              </a:spcAft>
-            </a:pPr>
-            <a:r>
-              <a:rPr lang="en-US" sz="1800" dirty="0" smtClean="0">
-                <a:solidFill>
-                  <a:srgbClr val="000000"/>
-                </a:solidFill>
-                <a:latin typeface="Courier New"/>
-                <a:ea typeface="Times New Roman"/>
-                <a:cs typeface="Times New Roman"/>
-              </a:rPr>
-              <a:t>  </a:t>
-            </a:r>
-            <a:r>
-              <a:rPr lang="en-US" sz="1800" dirty="0" err="1" smtClean="0">
-                <a:solidFill>
-                  <a:srgbClr val="000000"/>
-                </a:solidFill>
-                <a:latin typeface="Courier New"/>
-                <a:ea typeface="Times New Roman"/>
-                <a:cs typeface="Times New Roman"/>
-              </a:rPr>
-              <a:t>Serial</a:t>
-            </a:r>
-            <a:r>
-              <a:rPr lang="en-US" sz="1800" b="1" dirty="0" err="1" smtClean="0">
-                <a:solidFill>
-                  <a:srgbClr val="000080"/>
-                </a:solidFill>
-                <a:latin typeface="Courier New"/>
-                <a:ea typeface="Times New Roman"/>
-                <a:cs typeface="Times New Roman"/>
-              </a:rPr>
-              <a:t>.</a:t>
-            </a:r>
-            <a:r>
-              <a:rPr lang="en-US" sz="1800" dirty="0" err="1" smtClean="0">
-                <a:solidFill>
-                  <a:srgbClr val="000000"/>
-                </a:solidFill>
-                <a:latin typeface="Courier New"/>
-                <a:ea typeface="Times New Roman"/>
-                <a:cs typeface="Times New Roman"/>
-              </a:rPr>
-              <a:t>begin</a:t>
-            </a:r>
-            <a:r>
-              <a:rPr lang="en-US" sz="1800" b="1" dirty="0" smtClean="0">
-                <a:solidFill>
-                  <a:srgbClr val="000080"/>
-                </a:solidFill>
-                <a:latin typeface="Courier New"/>
-                <a:ea typeface="Times New Roman"/>
-                <a:cs typeface="Times New Roman"/>
-              </a:rPr>
-              <a:t>(</a:t>
-            </a:r>
-            <a:r>
-              <a:rPr lang="en-US" sz="1800" dirty="0" smtClean="0">
-                <a:solidFill>
-                  <a:srgbClr val="FF8000"/>
-                </a:solidFill>
-                <a:latin typeface="Courier New"/>
-                <a:ea typeface="Times New Roman"/>
-                <a:cs typeface="Times New Roman"/>
-              </a:rPr>
-              <a:t>9600</a:t>
-            </a:r>
-            <a:r>
-              <a:rPr lang="en-US" sz="1800" b="1" dirty="0" smtClean="0">
-                <a:solidFill>
-                  <a:srgbClr val="000080"/>
-                </a:solidFill>
-                <a:latin typeface="Courier New"/>
-                <a:ea typeface="Times New Roman"/>
-                <a:cs typeface="Times New Roman"/>
-              </a:rPr>
-              <a:t>);</a:t>
-            </a:r>
-            <a:endParaRPr lang="en-US" sz="2400" dirty="0" smtClean="0">
-              <a:latin typeface="Calibri"/>
-              <a:ea typeface="Calibri"/>
-              <a:cs typeface="Times New Roman"/>
-            </a:endParaRPr>
-          </a:p>
-          <a:p>
-            <a:pPr>
-              <a:lnSpc>
-                <a:spcPct val="115000"/>
-              </a:lnSpc>
-              <a:spcAft>
-                <a:spcPts val="0"/>
-              </a:spcAft>
-            </a:pPr>
-            <a:r>
-              <a:rPr lang="en-US" sz="1800" b="1" dirty="0" smtClean="0">
-                <a:solidFill>
-                  <a:srgbClr val="000080"/>
-                </a:solidFill>
-                <a:latin typeface="Courier New"/>
-                <a:ea typeface="Times New Roman"/>
-                <a:cs typeface="Times New Roman"/>
-              </a:rPr>
-              <a:t>}</a:t>
-            </a:r>
-            <a:endParaRPr lang="en-US" sz="2400" dirty="0" smtClean="0">
-              <a:latin typeface="Calibri"/>
-              <a:ea typeface="Calibri"/>
-              <a:cs typeface="Times New Roman"/>
-            </a:endParaRPr>
-          </a:p>
-          <a:p>
-            <a:pPr>
-              <a:lnSpc>
-                <a:spcPct val="115000"/>
-              </a:lnSpc>
-              <a:spcAft>
-                <a:spcPts val="0"/>
-              </a:spcAft>
-            </a:pPr>
-            <a:r>
-              <a:rPr lang="en-US" sz="1800" dirty="0" smtClean="0">
-                <a:solidFill>
-                  <a:srgbClr val="8000FF"/>
-                </a:solidFill>
-                <a:latin typeface="Courier New"/>
-                <a:ea typeface="Times New Roman"/>
-                <a:cs typeface="Times New Roman"/>
-              </a:rPr>
-              <a:t>void</a:t>
-            </a:r>
-            <a:r>
-              <a:rPr lang="en-US" sz="1800" dirty="0" smtClean="0">
-                <a:solidFill>
-                  <a:srgbClr val="000000"/>
-                </a:solidFill>
-                <a:latin typeface="Courier New"/>
-                <a:ea typeface="Times New Roman"/>
-                <a:cs typeface="Times New Roman"/>
-              </a:rPr>
-              <a:t> loop</a:t>
-            </a:r>
-            <a:r>
-              <a:rPr lang="en-US" sz="1800" b="1" dirty="0" smtClean="0">
-                <a:solidFill>
-                  <a:srgbClr val="000080"/>
-                </a:solidFill>
-                <a:latin typeface="Courier New"/>
-                <a:ea typeface="Times New Roman"/>
-                <a:cs typeface="Times New Roman"/>
-              </a:rPr>
-              <a:t>()</a:t>
-            </a:r>
-            <a:r>
-              <a:rPr lang="en-US" sz="1800" dirty="0" smtClean="0">
-                <a:solidFill>
-                  <a:srgbClr val="000000"/>
-                </a:solidFill>
-                <a:latin typeface="Courier New"/>
-                <a:ea typeface="Times New Roman"/>
-                <a:cs typeface="Times New Roman"/>
-              </a:rPr>
-              <a:t> </a:t>
-            </a:r>
-            <a:r>
-              <a:rPr lang="en-US" sz="1800" b="1" dirty="0" smtClean="0">
-                <a:solidFill>
-                  <a:srgbClr val="000080"/>
-                </a:solidFill>
-                <a:latin typeface="Courier New"/>
-                <a:ea typeface="Times New Roman"/>
-                <a:cs typeface="Times New Roman"/>
-              </a:rPr>
-              <a:t>{</a:t>
-            </a:r>
-            <a:endParaRPr lang="en-US" sz="2400" dirty="0" smtClean="0">
-              <a:latin typeface="Calibri"/>
-              <a:ea typeface="Calibri"/>
-              <a:cs typeface="Times New Roman"/>
-            </a:endParaRPr>
-          </a:p>
-          <a:p>
-            <a:pPr>
-              <a:lnSpc>
-                <a:spcPct val="115000"/>
-              </a:lnSpc>
-              <a:spcAft>
-                <a:spcPts val="0"/>
-              </a:spcAft>
-            </a:pPr>
-            <a:r>
-              <a:rPr lang="en-US" sz="1800" dirty="0" smtClean="0">
-                <a:solidFill>
-                  <a:srgbClr val="000000"/>
-                </a:solidFill>
-                <a:latin typeface="Courier New"/>
-                <a:ea typeface="Times New Roman"/>
-                <a:cs typeface="Times New Roman"/>
-              </a:rPr>
-              <a:t>  </a:t>
-            </a:r>
-            <a:r>
-              <a:rPr lang="en-US" sz="1800" dirty="0" smtClean="0">
-                <a:solidFill>
-                  <a:srgbClr val="8000FF"/>
-                </a:solidFill>
-                <a:latin typeface="Courier New"/>
-                <a:ea typeface="Times New Roman"/>
-                <a:cs typeface="Times New Roman"/>
-              </a:rPr>
-              <a:t>char</a:t>
-            </a:r>
-            <a:r>
-              <a:rPr lang="en-US" sz="1800" dirty="0" smtClean="0">
-                <a:solidFill>
-                  <a:srgbClr val="000000"/>
-                </a:solidFill>
-                <a:latin typeface="Courier New"/>
-                <a:ea typeface="Times New Roman"/>
-                <a:cs typeface="Times New Roman"/>
-              </a:rPr>
-              <a:t> c </a:t>
-            </a:r>
-            <a:r>
-              <a:rPr lang="en-US" sz="1800" b="1" dirty="0" smtClean="0">
-                <a:solidFill>
-                  <a:srgbClr val="000080"/>
-                </a:solidFill>
-                <a:latin typeface="Courier New"/>
-                <a:ea typeface="Times New Roman"/>
-                <a:cs typeface="Times New Roman"/>
-              </a:rPr>
-              <a:t>=</a:t>
-            </a:r>
-            <a:r>
-              <a:rPr lang="en-US" sz="1800" dirty="0" smtClean="0">
-                <a:solidFill>
-                  <a:srgbClr val="000000"/>
-                </a:solidFill>
-                <a:latin typeface="Courier New"/>
-                <a:ea typeface="Times New Roman"/>
-                <a:cs typeface="Times New Roman"/>
-              </a:rPr>
-              <a:t> </a:t>
-            </a:r>
-            <a:r>
-              <a:rPr lang="en-US" sz="1800" dirty="0" smtClean="0">
-                <a:solidFill>
-                  <a:srgbClr val="FF8000"/>
-                </a:solidFill>
-                <a:latin typeface="Courier New"/>
-                <a:ea typeface="Times New Roman"/>
-                <a:cs typeface="Times New Roman"/>
-              </a:rPr>
-              <a:t>0</a:t>
-            </a:r>
-            <a:r>
-              <a:rPr lang="en-US" sz="1800" b="1" dirty="0" smtClean="0">
-                <a:solidFill>
-                  <a:srgbClr val="000080"/>
-                </a:solidFill>
-                <a:latin typeface="Courier New"/>
-                <a:ea typeface="Times New Roman"/>
-                <a:cs typeface="Times New Roman"/>
-              </a:rPr>
-              <a:t>;</a:t>
-            </a:r>
-            <a:r>
-              <a:rPr lang="pl-PL" sz="1800" b="1" dirty="0" smtClean="0">
-                <a:solidFill>
-                  <a:srgbClr val="000080"/>
-                </a:solidFill>
-                <a:latin typeface="Courier New"/>
-                <a:ea typeface="Times New Roman"/>
-                <a:cs typeface="Times New Roman"/>
-              </a:rPr>
-              <a:t> </a:t>
-            </a:r>
-            <a:r>
-              <a:rPr lang="en-US" sz="1800" dirty="0" smtClean="0">
-                <a:solidFill>
-                  <a:srgbClr val="000000"/>
-                </a:solidFill>
-                <a:latin typeface="Courier New"/>
-                <a:ea typeface="Times New Roman"/>
-                <a:cs typeface="Times New Roman"/>
-              </a:rPr>
-              <a:t>String s</a:t>
-            </a:r>
-            <a:r>
-              <a:rPr lang="en-US" sz="1800" b="1" dirty="0" smtClean="0">
-                <a:solidFill>
-                  <a:srgbClr val="000080"/>
-                </a:solidFill>
-                <a:latin typeface="Courier New"/>
-                <a:ea typeface="Times New Roman"/>
-                <a:cs typeface="Times New Roman"/>
-              </a:rPr>
-              <a:t>;</a:t>
-            </a:r>
-            <a:endParaRPr lang="en-US" sz="2400" dirty="0" smtClean="0">
-              <a:latin typeface="Calibri"/>
-              <a:ea typeface="Calibri"/>
-              <a:cs typeface="Times New Roman"/>
-            </a:endParaRPr>
-          </a:p>
-          <a:p>
-            <a:pPr>
-              <a:lnSpc>
-                <a:spcPct val="115000"/>
-              </a:lnSpc>
-              <a:spcAft>
-                <a:spcPts val="0"/>
-              </a:spcAft>
-            </a:pPr>
-            <a:r>
-              <a:rPr lang="en-US" sz="1800" dirty="0" smtClean="0">
-                <a:solidFill>
-                  <a:srgbClr val="000000"/>
-                </a:solidFill>
-                <a:latin typeface="Courier New"/>
-                <a:ea typeface="Times New Roman"/>
-                <a:cs typeface="Times New Roman"/>
-              </a:rPr>
-              <a:t>  </a:t>
-            </a:r>
-            <a:r>
-              <a:rPr lang="en-US" sz="1800" b="1" dirty="0" smtClean="0">
-                <a:solidFill>
-                  <a:srgbClr val="0000FF"/>
-                </a:solidFill>
-                <a:latin typeface="Courier New"/>
-                <a:ea typeface="Times New Roman"/>
-                <a:cs typeface="Times New Roman"/>
-              </a:rPr>
-              <a:t>do</a:t>
-            </a:r>
-            <a:r>
-              <a:rPr lang="en-US" sz="1800" dirty="0" smtClean="0">
-                <a:solidFill>
-                  <a:srgbClr val="000000"/>
-                </a:solidFill>
-                <a:latin typeface="Courier New"/>
-                <a:ea typeface="Times New Roman"/>
-                <a:cs typeface="Times New Roman"/>
-              </a:rPr>
-              <a:t> </a:t>
-            </a:r>
-            <a:r>
-              <a:rPr lang="en-US" sz="1800" b="1" dirty="0" smtClean="0">
-                <a:solidFill>
-                  <a:srgbClr val="000080"/>
-                </a:solidFill>
-                <a:latin typeface="Courier New"/>
-                <a:ea typeface="Times New Roman"/>
-                <a:cs typeface="Times New Roman"/>
-              </a:rPr>
-              <a:t>{</a:t>
-            </a:r>
-            <a:endParaRPr lang="en-US" sz="2400" dirty="0" smtClean="0">
-              <a:latin typeface="Calibri"/>
-              <a:ea typeface="Calibri"/>
-              <a:cs typeface="Times New Roman"/>
-            </a:endParaRPr>
-          </a:p>
-          <a:p>
-            <a:pPr>
-              <a:lnSpc>
-                <a:spcPct val="115000"/>
-              </a:lnSpc>
-              <a:spcAft>
-                <a:spcPts val="0"/>
-              </a:spcAft>
-            </a:pPr>
-            <a:r>
-              <a:rPr lang="en-US" sz="1800" dirty="0" smtClean="0">
-                <a:solidFill>
-                  <a:srgbClr val="000000"/>
-                </a:solidFill>
-                <a:latin typeface="Courier New"/>
-                <a:ea typeface="Times New Roman"/>
-                <a:cs typeface="Times New Roman"/>
-              </a:rPr>
-              <a:t>    </a:t>
-            </a:r>
-            <a:r>
-              <a:rPr lang="en-US" sz="1800" b="1" dirty="0" smtClean="0">
-                <a:solidFill>
-                  <a:srgbClr val="0000FF"/>
-                </a:solidFill>
-                <a:latin typeface="Courier New"/>
-                <a:ea typeface="Times New Roman"/>
-                <a:cs typeface="Times New Roman"/>
-              </a:rPr>
-              <a:t>if</a:t>
-            </a:r>
-            <a:r>
-              <a:rPr lang="en-US" sz="1800" dirty="0" smtClean="0">
-                <a:solidFill>
-                  <a:srgbClr val="000000"/>
-                </a:solidFill>
-                <a:latin typeface="Courier New"/>
-                <a:ea typeface="Times New Roman"/>
-                <a:cs typeface="Times New Roman"/>
-              </a:rPr>
-              <a:t> </a:t>
-            </a:r>
-            <a:r>
-              <a:rPr lang="en-US" sz="1800" b="1" dirty="0" smtClean="0">
-                <a:solidFill>
-                  <a:srgbClr val="000080"/>
-                </a:solidFill>
-                <a:latin typeface="Courier New"/>
-                <a:ea typeface="Times New Roman"/>
-                <a:cs typeface="Times New Roman"/>
-              </a:rPr>
-              <a:t>(</a:t>
-            </a:r>
-            <a:r>
-              <a:rPr lang="en-US" sz="1800" dirty="0" err="1" smtClean="0">
-                <a:solidFill>
-                  <a:srgbClr val="000000"/>
-                </a:solidFill>
-                <a:latin typeface="Courier New"/>
-                <a:ea typeface="Times New Roman"/>
-                <a:cs typeface="Times New Roman"/>
-              </a:rPr>
-              <a:t>Serial</a:t>
-            </a:r>
-            <a:r>
-              <a:rPr lang="en-US" sz="1800" b="1" dirty="0" err="1" smtClean="0">
-                <a:solidFill>
-                  <a:srgbClr val="000080"/>
-                </a:solidFill>
-                <a:latin typeface="Courier New"/>
-                <a:ea typeface="Times New Roman"/>
-                <a:cs typeface="Times New Roman"/>
-              </a:rPr>
-              <a:t>.</a:t>
-            </a:r>
-            <a:r>
-              <a:rPr lang="en-US" sz="1800" dirty="0" err="1" smtClean="0">
-                <a:solidFill>
-                  <a:srgbClr val="000000"/>
-                </a:solidFill>
-                <a:latin typeface="Courier New"/>
-                <a:ea typeface="Times New Roman"/>
-                <a:cs typeface="Times New Roman"/>
-              </a:rPr>
-              <a:t>available</a:t>
-            </a:r>
-            <a:r>
-              <a:rPr lang="en-US" sz="1800" b="1" dirty="0" smtClean="0">
-                <a:solidFill>
-                  <a:srgbClr val="000080"/>
-                </a:solidFill>
-                <a:latin typeface="Courier New"/>
-                <a:ea typeface="Times New Roman"/>
-                <a:cs typeface="Times New Roman"/>
-              </a:rPr>
-              <a:t>())</a:t>
-            </a:r>
-            <a:r>
-              <a:rPr lang="en-US" sz="1800" dirty="0" smtClean="0">
-                <a:solidFill>
-                  <a:srgbClr val="000000"/>
-                </a:solidFill>
-                <a:latin typeface="Courier New"/>
-                <a:ea typeface="Times New Roman"/>
-                <a:cs typeface="Times New Roman"/>
-              </a:rPr>
-              <a:t> </a:t>
-            </a:r>
-            <a:r>
-              <a:rPr lang="en-US" sz="1800" b="1" dirty="0" smtClean="0">
-                <a:solidFill>
-                  <a:srgbClr val="000080"/>
-                </a:solidFill>
-                <a:latin typeface="Courier New"/>
-                <a:ea typeface="Times New Roman"/>
-                <a:cs typeface="Times New Roman"/>
-              </a:rPr>
-              <a:t>{</a:t>
-            </a:r>
-            <a:endParaRPr lang="en-US" sz="2400" dirty="0" smtClean="0">
-              <a:latin typeface="Calibri"/>
-              <a:ea typeface="Calibri"/>
-              <a:cs typeface="Times New Roman"/>
-            </a:endParaRPr>
-          </a:p>
-          <a:p>
-            <a:pPr>
-              <a:lnSpc>
-                <a:spcPct val="115000"/>
-              </a:lnSpc>
-              <a:spcAft>
-                <a:spcPts val="0"/>
-              </a:spcAft>
-            </a:pPr>
-            <a:r>
-              <a:rPr lang="en-US" sz="1800" dirty="0" smtClean="0">
-                <a:solidFill>
-                  <a:srgbClr val="000000"/>
-                </a:solidFill>
-                <a:latin typeface="Courier New"/>
-                <a:ea typeface="Times New Roman"/>
-                <a:cs typeface="Times New Roman"/>
-              </a:rPr>
-              <a:t>      c </a:t>
-            </a:r>
-            <a:r>
-              <a:rPr lang="en-US" sz="1800" b="1" dirty="0" smtClean="0">
-                <a:solidFill>
-                  <a:srgbClr val="000080"/>
-                </a:solidFill>
-                <a:latin typeface="Courier New"/>
-                <a:ea typeface="Times New Roman"/>
-                <a:cs typeface="Times New Roman"/>
-              </a:rPr>
-              <a:t>=</a:t>
-            </a:r>
-            <a:r>
-              <a:rPr lang="en-US" sz="1800" dirty="0" smtClean="0">
-                <a:solidFill>
-                  <a:srgbClr val="000000"/>
-                </a:solidFill>
-                <a:latin typeface="Courier New"/>
-                <a:ea typeface="Times New Roman"/>
-                <a:cs typeface="Times New Roman"/>
-              </a:rPr>
-              <a:t> </a:t>
-            </a:r>
-            <a:r>
-              <a:rPr lang="en-US" sz="1800" dirty="0" err="1" smtClean="0">
-                <a:solidFill>
-                  <a:srgbClr val="000000"/>
-                </a:solidFill>
-                <a:latin typeface="Courier New"/>
-                <a:ea typeface="Times New Roman"/>
-                <a:cs typeface="Times New Roman"/>
-              </a:rPr>
-              <a:t>Serial</a:t>
-            </a:r>
-            <a:r>
-              <a:rPr lang="en-US" sz="1800" b="1" dirty="0" err="1" smtClean="0">
-                <a:solidFill>
-                  <a:srgbClr val="000080"/>
-                </a:solidFill>
-                <a:latin typeface="Courier New"/>
-                <a:ea typeface="Times New Roman"/>
-                <a:cs typeface="Times New Roman"/>
-              </a:rPr>
-              <a:t>.</a:t>
-            </a:r>
-            <a:r>
-              <a:rPr lang="en-US" sz="1800" dirty="0" err="1" smtClean="0">
-                <a:solidFill>
-                  <a:srgbClr val="000000"/>
-                </a:solidFill>
-                <a:latin typeface="Courier New"/>
-                <a:ea typeface="Times New Roman"/>
-                <a:cs typeface="Times New Roman"/>
-              </a:rPr>
-              <a:t>read</a:t>
-            </a:r>
-            <a:r>
-              <a:rPr lang="en-US" sz="1800" b="1" dirty="0" smtClean="0">
-                <a:solidFill>
-                  <a:srgbClr val="000080"/>
-                </a:solidFill>
-                <a:latin typeface="Courier New"/>
-                <a:ea typeface="Times New Roman"/>
-                <a:cs typeface="Times New Roman"/>
-              </a:rPr>
-              <a:t>();</a:t>
-            </a:r>
-            <a:r>
-              <a:rPr lang="en-US" sz="1800" dirty="0" smtClean="0">
-                <a:solidFill>
-                  <a:srgbClr val="000000"/>
-                </a:solidFill>
-                <a:latin typeface="Courier New"/>
-                <a:ea typeface="Times New Roman"/>
-                <a:cs typeface="Times New Roman"/>
-              </a:rPr>
-              <a:t> s </a:t>
-            </a:r>
-            <a:r>
-              <a:rPr lang="en-US" sz="1800" b="1" dirty="0" smtClean="0">
-                <a:solidFill>
-                  <a:srgbClr val="000080"/>
-                </a:solidFill>
-                <a:latin typeface="Courier New"/>
-                <a:ea typeface="Times New Roman"/>
-                <a:cs typeface="Times New Roman"/>
-              </a:rPr>
-              <a:t>+=</a:t>
-            </a:r>
-            <a:r>
-              <a:rPr lang="en-US" sz="1800" dirty="0" smtClean="0">
-                <a:solidFill>
-                  <a:srgbClr val="000000"/>
-                </a:solidFill>
-                <a:latin typeface="Courier New"/>
-                <a:ea typeface="Times New Roman"/>
-                <a:cs typeface="Times New Roman"/>
-              </a:rPr>
-              <a:t> c</a:t>
-            </a:r>
-            <a:r>
-              <a:rPr lang="en-US" sz="1800" b="1" dirty="0" smtClean="0">
-                <a:solidFill>
-                  <a:srgbClr val="000080"/>
-                </a:solidFill>
-                <a:latin typeface="Courier New"/>
-                <a:ea typeface="Times New Roman"/>
-                <a:cs typeface="Times New Roman"/>
-              </a:rPr>
-              <a:t>;</a:t>
-            </a:r>
-            <a:r>
-              <a:rPr lang="en-US" sz="1800" dirty="0" smtClean="0">
-                <a:solidFill>
-                  <a:srgbClr val="000000"/>
-                </a:solidFill>
-                <a:latin typeface="Courier New"/>
-                <a:ea typeface="Times New Roman"/>
-                <a:cs typeface="Times New Roman"/>
-              </a:rPr>
-              <a:t>      </a:t>
-            </a:r>
-            <a:endParaRPr lang="en-US" sz="2400" dirty="0" smtClean="0">
-              <a:latin typeface="Calibri"/>
-              <a:ea typeface="Calibri"/>
-              <a:cs typeface="Times New Roman"/>
-            </a:endParaRPr>
-          </a:p>
-          <a:p>
-            <a:pPr>
-              <a:lnSpc>
-                <a:spcPct val="115000"/>
-              </a:lnSpc>
-              <a:spcAft>
-                <a:spcPts val="0"/>
-              </a:spcAft>
-            </a:pPr>
-            <a:r>
-              <a:rPr lang="en-US" sz="1800" dirty="0" smtClean="0">
-                <a:solidFill>
-                  <a:srgbClr val="000000"/>
-                </a:solidFill>
-                <a:latin typeface="Courier New"/>
-                <a:ea typeface="Times New Roman"/>
-                <a:cs typeface="Times New Roman"/>
-              </a:rPr>
-              <a:t>    </a:t>
-            </a:r>
-            <a:r>
-              <a:rPr lang="en-US" sz="1800" b="1" dirty="0" smtClean="0">
-                <a:solidFill>
-                  <a:srgbClr val="000080"/>
-                </a:solidFill>
-                <a:latin typeface="Courier New"/>
-                <a:ea typeface="Times New Roman"/>
-                <a:cs typeface="Times New Roman"/>
-              </a:rPr>
-              <a:t>}</a:t>
-            </a:r>
-            <a:endParaRPr lang="en-US" sz="2400" dirty="0" smtClean="0">
-              <a:latin typeface="Calibri"/>
-              <a:ea typeface="Calibri"/>
-              <a:cs typeface="Times New Roman"/>
-            </a:endParaRPr>
-          </a:p>
-          <a:p>
-            <a:pPr>
-              <a:lnSpc>
-                <a:spcPct val="115000"/>
-              </a:lnSpc>
-              <a:spcAft>
-                <a:spcPts val="0"/>
-              </a:spcAft>
-            </a:pPr>
-            <a:r>
-              <a:rPr lang="en-US" sz="1800" dirty="0" smtClean="0">
-                <a:solidFill>
-                  <a:srgbClr val="000000"/>
-                </a:solidFill>
-                <a:latin typeface="Courier New"/>
-                <a:ea typeface="Times New Roman"/>
-                <a:cs typeface="Times New Roman"/>
-              </a:rPr>
-              <a:t>  </a:t>
-            </a:r>
-            <a:r>
-              <a:rPr lang="en-US" sz="1800" b="1" dirty="0" smtClean="0">
-                <a:solidFill>
-                  <a:srgbClr val="000080"/>
-                </a:solidFill>
-                <a:latin typeface="Courier New"/>
-                <a:ea typeface="Times New Roman"/>
-                <a:cs typeface="Times New Roman"/>
-              </a:rPr>
-              <a:t>}</a:t>
-            </a:r>
-            <a:r>
-              <a:rPr lang="en-US" sz="1800" dirty="0" smtClean="0">
-                <a:solidFill>
-                  <a:srgbClr val="000000"/>
-                </a:solidFill>
-                <a:latin typeface="Courier New"/>
-                <a:ea typeface="Times New Roman"/>
-                <a:cs typeface="Times New Roman"/>
-              </a:rPr>
-              <a:t> </a:t>
-            </a:r>
-            <a:r>
-              <a:rPr lang="en-US" sz="1800" b="1" dirty="0" smtClean="0">
-                <a:solidFill>
-                  <a:srgbClr val="0000FF"/>
-                </a:solidFill>
-                <a:latin typeface="Courier New"/>
-                <a:ea typeface="Times New Roman"/>
-                <a:cs typeface="Times New Roman"/>
-              </a:rPr>
-              <a:t>while</a:t>
-            </a:r>
-            <a:r>
-              <a:rPr lang="en-US" sz="1800" b="1" dirty="0" smtClean="0">
-                <a:solidFill>
-                  <a:srgbClr val="000080"/>
-                </a:solidFill>
-                <a:latin typeface="Courier New"/>
-                <a:ea typeface="Times New Roman"/>
-                <a:cs typeface="Times New Roman"/>
-              </a:rPr>
-              <a:t>(</a:t>
-            </a:r>
-            <a:r>
-              <a:rPr lang="en-US" sz="1800" dirty="0" smtClean="0">
-                <a:solidFill>
-                  <a:srgbClr val="000000"/>
-                </a:solidFill>
-                <a:latin typeface="Courier New"/>
-                <a:ea typeface="Times New Roman"/>
-                <a:cs typeface="Times New Roman"/>
-              </a:rPr>
-              <a:t>c </a:t>
-            </a:r>
-            <a:r>
-              <a:rPr lang="en-US" sz="1800" b="1" dirty="0" smtClean="0">
-                <a:solidFill>
-                  <a:srgbClr val="000080"/>
-                </a:solidFill>
-                <a:latin typeface="Courier New"/>
-                <a:ea typeface="Times New Roman"/>
-                <a:cs typeface="Times New Roman"/>
-              </a:rPr>
-              <a:t>!=</a:t>
-            </a:r>
-            <a:r>
-              <a:rPr lang="en-US" sz="1800" dirty="0" smtClean="0">
-                <a:solidFill>
-                  <a:srgbClr val="000000"/>
-                </a:solidFill>
-                <a:latin typeface="Courier New"/>
-                <a:ea typeface="Times New Roman"/>
-                <a:cs typeface="Times New Roman"/>
-              </a:rPr>
-              <a:t> </a:t>
-            </a:r>
-            <a:r>
-              <a:rPr lang="en-US" sz="1800" dirty="0" smtClean="0">
-                <a:solidFill>
-                  <a:srgbClr val="808080"/>
-                </a:solidFill>
-                <a:latin typeface="Courier New"/>
-                <a:ea typeface="Times New Roman"/>
-                <a:cs typeface="Times New Roman"/>
-              </a:rPr>
-              <a:t>'\n'</a:t>
-            </a:r>
-            <a:r>
-              <a:rPr lang="en-US" sz="1800" b="1" dirty="0" smtClean="0">
-                <a:solidFill>
-                  <a:srgbClr val="000080"/>
-                </a:solidFill>
-                <a:latin typeface="Courier New"/>
-                <a:ea typeface="Times New Roman"/>
-                <a:cs typeface="Times New Roman"/>
-              </a:rPr>
-              <a:t>);</a:t>
-            </a:r>
-            <a:r>
-              <a:rPr lang="en-US" sz="1800" dirty="0" smtClean="0">
-                <a:solidFill>
-                  <a:srgbClr val="000000"/>
-                </a:solidFill>
-                <a:latin typeface="Courier New"/>
-                <a:ea typeface="Times New Roman"/>
-                <a:cs typeface="Times New Roman"/>
-              </a:rPr>
-              <a:t>  </a:t>
-            </a:r>
-            <a:endParaRPr lang="en-US" sz="2400" dirty="0" smtClean="0">
-              <a:latin typeface="Calibri"/>
-              <a:ea typeface="Calibri"/>
-              <a:cs typeface="Times New Roman"/>
-            </a:endParaRPr>
-          </a:p>
-          <a:p>
-            <a:pPr>
-              <a:lnSpc>
-                <a:spcPct val="115000"/>
-              </a:lnSpc>
-              <a:spcAft>
-                <a:spcPts val="0"/>
-              </a:spcAft>
-            </a:pPr>
-            <a:r>
-              <a:rPr lang="en-US" sz="1800" dirty="0" smtClean="0">
-                <a:solidFill>
-                  <a:srgbClr val="000000"/>
-                </a:solidFill>
-                <a:latin typeface="Courier New"/>
-                <a:ea typeface="Times New Roman"/>
-                <a:cs typeface="Times New Roman"/>
-              </a:rPr>
-              <a:t>  </a:t>
-            </a:r>
-            <a:r>
-              <a:rPr lang="en-US" sz="1800" dirty="0" err="1" smtClean="0">
-                <a:solidFill>
-                  <a:srgbClr val="8000FF"/>
-                </a:solidFill>
-                <a:latin typeface="Courier New"/>
-                <a:ea typeface="Times New Roman"/>
-                <a:cs typeface="Times New Roman"/>
-              </a:rPr>
-              <a:t>int</a:t>
-            </a:r>
-            <a:r>
-              <a:rPr lang="en-US" sz="1800" dirty="0" smtClean="0">
-                <a:solidFill>
-                  <a:srgbClr val="000000"/>
-                </a:solidFill>
-                <a:latin typeface="Courier New"/>
-                <a:ea typeface="Times New Roman"/>
-                <a:cs typeface="Times New Roman"/>
-              </a:rPr>
-              <a:t> v </a:t>
-            </a:r>
-            <a:r>
-              <a:rPr lang="en-US" sz="1800" b="1" dirty="0" smtClean="0">
-                <a:solidFill>
-                  <a:srgbClr val="000080"/>
-                </a:solidFill>
-                <a:latin typeface="Courier New"/>
-                <a:ea typeface="Times New Roman"/>
-                <a:cs typeface="Times New Roman"/>
-              </a:rPr>
-              <a:t>=</a:t>
-            </a:r>
-            <a:r>
-              <a:rPr lang="en-US" sz="1800" dirty="0" smtClean="0">
-                <a:solidFill>
-                  <a:srgbClr val="000000"/>
-                </a:solidFill>
-                <a:latin typeface="Courier New"/>
-                <a:ea typeface="Times New Roman"/>
-                <a:cs typeface="Times New Roman"/>
-              </a:rPr>
-              <a:t> </a:t>
-            </a:r>
-            <a:r>
-              <a:rPr lang="en-US" sz="1800" dirty="0" err="1" smtClean="0">
-                <a:solidFill>
-                  <a:srgbClr val="000000"/>
-                </a:solidFill>
-                <a:latin typeface="Courier New"/>
-                <a:ea typeface="Times New Roman"/>
-                <a:cs typeface="Times New Roman"/>
-              </a:rPr>
-              <a:t>s</a:t>
-            </a:r>
-            <a:r>
-              <a:rPr lang="en-US" sz="1800" b="1" dirty="0" err="1" smtClean="0">
-                <a:solidFill>
-                  <a:srgbClr val="000080"/>
-                </a:solidFill>
-                <a:latin typeface="Courier New"/>
-                <a:ea typeface="Times New Roman"/>
-                <a:cs typeface="Times New Roman"/>
-              </a:rPr>
-              <a:t>.</a:t>
-            </a:r>
-            <a:r>
-              <a:rPr lang="en-US" sz="1800" dirty="0" err="1" smtClean="0">
-                <a:solidFill>
-                  <a:srgbClr val="000000"/>
-                </a:solidFill>
-                <a:latin typeface="Courier New"/>
-                <a:ea typeface="Times New Roman"/>
-                <a:cs typeface="Times New Roman"/>
-              </a:rPr>
-              <a:t>toInt</a:t>
-            </a:r>
-            <a:r>
-              <a:rPr lang="en-US" sz="1800" b="1" dirty="0" smtClean="0">
-                <a:solidFill>
-                  <a:srgbClr val="000080"/>
-                </a:solidFill>
-                <a:latin typeface="Courier New"/>
-                <a:ea typeface="Times New Roman"/>
-                <a:cs typeface="Times New Roman"/>
-              </a:rPr>
-              <a:t>();</a:t>
-            </a:r>
-            <a:endParaRPr lang="en-US" sz="2400" dirty="0" smtClean="0">
-              <a:latin typeface="Calibri"/>
-              <a:ea typeface="Calibri"/>
-              <a:cs typeface="Times New Roman"/>
-            </a:endParaRPr>
-          </a:p>
-          <a:p>
-            <a:pPr>
-              <a:lnSpc>
-                <a:spcPct val="115000"/>
-              </a:lnSpc>
-              <a:spcAft>
-                <a:spcPts val="0"/>
-              </a:spcAft>
-            </a:pPr>
-            <a:r>
-              <a:rPr lang="en-US" sz="1800" dirty="0" smtClean="0">
-                <a:solidFill>
-                  <a:srgbClr val="000000"/>
-                </a:solidFill>
-                <a:latin typeface="Courier New"/>
-                <a:ea typeface="Times New Roman"/>
-                <a:cs typeface="Times New Roman"/>
-              </a:rPr>
-              <a:t>  </a:t>
-            </a:r>
-            <a:r>
-              <a:rPr lang="en-US" sz="1800" dirty="0" err="1" smtClean="0">
-                <a:solidFill>
-                  <a:srgbClr val="000000"/>
-                </a:solidFill>
-                <a:latin typeface="Courier New"/>
-                <a:ea typeface="Times New Roman"/>
-                <a:cs typeface="Times New Roman"/>
-              </a:rPr>
-              <a:t>analogWrite</a:t>
-            </a:r>
-            <a:r>
-              <a:rPr lang="en-US" sz="1800" b="1" dirty="0" smtClean="0">
-                <a:solidFill>
-                  <a:srgbClr val="000080"/>
-                </a:solidFill>
-                <a:latin typeface="Courier New"/>
-                <a:ea typeface="Times New Roman"/>
-                <a:cs typeface="Times New Roman"/>
-              </a:rPr>
-              <a:t>(</a:t>
-            </a:r>
-            <a:r>
-              <a:rPr lang="en-US" sz="1800" dirty="0" smtClean="0">
-                <a:solidFill>
-                  <a:srgbClr val="FF8000"/>
-                </a:solidFill>
-                <a:latin typeface="Courier New"/>
-                <a:ea typeface="Times New Roman"/>
-                <a:cs typeface="Times New Roman"/>
-              </a:rPr>
-              <a:t>10</a:t>
-            </a:r>
-            <a:r>
-              <a:rPr lang="en-US" sz="1800" b="1" dirty="0" smtClean="0">
-                <a:solidFill>
-                  <a:srgbClr val="000080"/>
-                </a:solidFill>
-                <a:latin typeface="Courier New"/>
-                <a:ea typeface="Times New Roman"/>
-                <a:cs typeface="Times New Roman"/>
-              </a:rPr>
-              <a:t>,</a:t>
-            </a:r>
-            <a:r>
-              <a:rPr lang="en-US" sz="1800" dirty="0" smtClean="0">
-                <a:solidFill>
-                  <a:srgbClr val="000000"/>
-                </a:solidFill>
-                <a:latin typeface="Courier New"/>
-                <a:ea typeface="Times New Roman"/>
-                <a:cs typeface="Times New Roman"/>
-              </a:rPr>
-              <a:t> v</a:t>
-            </a:r>
-            <a:r>
-              <a:rPr lang="en-US" sz="1800" b="1" dirty="0" smtClean="0">
-                <a:solidFill>
-                  <a:srgbClr val="000080"/>
-                </a:solidFill>
-                <a:latin typeface="Courier New"/>
-                <a:ea typeface="Times New Roman"/>
-                <a:cs typeface="Times New Roman"/>
-              </a:rPr>
-              <a:t>);</a:t>
-            </a:r>
-            <a:endParaRPr lang="en-US" sz="2400" dirty="0" smtClean="0">
-              <a:latin typeface="Calibri"/>
-              <a:ea typeface="Calibri"/>
-              <a:cs typeface="Times New Roman"/>
-            </a:endParaRPr>
-          </a:p>
-          <a:p>
-            <a:pPr>
-              <a:lnSpc>
-                <a:spcPct val="115000"/>
-              </a:lnSpc>
-              <a:spcAft>
-                <a:spcPts val="0"/>
-              </a:spcAft>
-            </a:pPr>
-            <a:r>
-              <a:rPr lang="en-US" sz="1800" dirty="0" smtClean="0">
-                <a:solidFill>
-                  <a:srgbClr val="000000"/>
-                </a:solidFill>
-                <a:latin typeface="Courier New"/>
-                <a:ea typeface="Times New Roman"/>
-                <a:cs typeface="Times New Roman"/>
-              </a:rPr>
-              <a:t>  </a:t>
-            </a:r>
-            <a:r>
-              <a:rPr lang="en-US" sz="1800" dirty="0" err="1" smtClean="0">
-                <a:solidFill>
-                  <a:srgbClr val="000000"/>
-                </a:solidFill>
-                <a:latin typeface="Courier New"/>
-                <a:ea typeface="Times New Roman"/>
-                <a:cs typeface="Times New Roman"/>
-              </a:rPr>
-              <a:t>Serial</a:t>
-            </a:r>
-            <a:r>
-              <a:rPr lang="en-US" sz="1800" b="1" dirty="0" err="1" smtClean="0">
-                <a:solidFill>
-                  <a:srgbClr val="000080"/>
-                </a:solidFill>
-                <a:latin typeface="Courier New"/>
-                <a:ea typeface="Times New Roman"/>
-                <a:cs typeface="Times New Roman"/>
-              </a:rPr>
-              <a:t>.</a:t>
-            </a:r>
-            <a:r>
-              <a:rPr lang="en-US" sz="1800" dirty="0" err="1" smtClean="0">
-                <a:solidFill>
-                  <a:srgbClr val="000000"/>
-                </a:solidFill>
-                <a:latin typeface="Courier New"/>
-                <a:ea typeface="Times New Roman"/>
-                <a:cs typeface="Times New Roman"/>
-              </a:rPr>
-              <a:t>println</a:t>
-            </a:r>
-            <a:r>
-              <a:rPr lang="en-US" sz="1800" b="1" dirty="0" smtClean="0">
-                <a:solidFill>
-                  <a:srgbClr val="000080"/>
-                </a:solidFill>
-                <a:latin typeface="Courier New"/>
-                <a:ea typeface="Times New Roman"/>
-                <a:cs typeface="Times New Roman"/>
-              </a:rPr>
-              <a:t>(</a:t>
-            </a:r>
-            <a:r>
-              <a:rPr lang="en-US" sz="1800" dirty="0" smtClean="0">
-                <a:solidFill>
-                  <a:srgbClr val="000000"/>
-                </a:solidFill>
-                <a:latin typeface="Courier New"/>
-                <a:ea typeface="Times New Roman"/>
-                <a:cs typeface="Times New Roman"/>
-              </a:rPr>
-              <a:t>v</a:t>
-            </a:r>
-            <a:r>
-              <a:rPr lang="en-US" sz="1800" b="1" dirty="0" smtClean="0">
-                <a:solidFill>
-                  <a:srgbClr val="000080"/>
-                </a:solidFill>
-                <a:latin typeface="Courier New"/>
-                <a:ea typeface="Times New Roman"/>
-                <a:cs typeface="Times New Roman"/>
-              </a:rPr>
-              <a:t>);</a:t>
-            </a:r>
-            <a:endParaRPr lang="en-US" sz="2400" dirty="0" smtClean="0">
-              <a:latin typeface="Calibri"/>
-              <a:ea typeface="Calibri"/>
-              <a:cs typeface="Times New Roman"/>
-            </a:endParaRPr>
-          </a:p>
-          <a:p>
-            <a:pPr>
-              <a:lnSpc>
-                <a:spcPct val="115000"/>
-              </a:lnSpc>
-              <a:spcAft>
-                <a:spcPts val="0"/>
-              </a:spcAft>
-            </a:pPr>
-            <a:r>
-              <a:rPr lang="en-US" sz="1800" b="1" dirty="0" smtClean="0">
-                <a:solidFill>
-                  <a:srgbClr val="000080"/>
-                </a:solidFill>
-                <a:latin typeface="Courier New"/>
-                <a:ea typeface="Times New Roman"/>
-                <a:cs typeface="Times New Roman"/>
-              </a:rPr>
-              <a:t>}</a:t>
-            </a:r>
-            <a:endParaRPr lang="en-US" sz="2400" dirty="0" smtClean="0">
-              <a:latin typeface="Calibri"/>
-              <a:ea typeface="Calibri"/>
-              <a:cs typeface="Times New Roman"/>
-            </a:endParaRPr>
-          </a:p>
-          <a:p>
-            <a:pPr>
-              <a:lnSpc>
-                <a:spcPct val="115000"/>
-              </a:lnSpc>
-              <a:spcAft>
-                <a:spcPts val="1000"/>
-              </a:spcAft>
-            </a:pPr>
-            <a:r>
-              <a:rPr lang="en-US" sz="2400" dirty="0" smtClean="0">
-                <a:latin typeface="Calibri"/>
-                <a:ea typeface="Calibri"/>
-                <a:cs typeface="Times New Roman"/>
-              </a:rPr>
-              <a:t> </a:t>
-            </a:r>
-          </a:p>
-          <a:p>
-            <a:pPr lvl="0">
-              <a:lnSpc>
-                <a:spcPct val="100000"/>
-              </a:lnSpc>
-              <a:spcAft>
-                <a:spcPts val="0"/>
-              </a:spcAft>
-              <a:buClr>
-                <a:srgbClr val="998C85"/>
-              </a:buClr>
-            </a:pPr>
-            <a:endParaRPr lang="pl-PL" sz="1800" dirty="0" smtClean="0">
-              <a:solidFill>
-                <a:sysClr val="windowText" lastClr="000000"/>
-              </a:solidFill>
-              <a:latin typeface="Courier New" pitchFamily="49" charset="0"/>
-              <a:cs typeface="Courier New" pitchFamily="49" charset="0"/>
-            </a:endParaRPr>
-          </a:p>
-        </p:txBody>
-      </p:sp>
-      <p:sp>
-        <p:nvSpPr>
-          <p:cNvPr id="11" name="Content Placeholder 7"/>
-          <p:cNvSpPr>
-            <a:spLocks noGrp="1"/>
-          </p:cNvSpPr>
-          <p:nvPr>
-            <p:ph idx="4294967295"/>
-          </p:nvPr>
-        </p:nvSpPr>
-        <p:spPr>
-          <a:xfrm>
-            <a:off x="344360" y="1340710"/>
-            <a:ext cx="4248590" cy="4968690"/>
-          </a:xfrm>
-          <a:prstGeom prst="rect">
-            <a:avLst/>
-          </a:prstGeom>
-        </p:spPr>
-        <p:txBody>
-          <a:bodyPr>
-            <a:noAutofit/>
-          </a:bodyPr>
-          <a:lstStyle/>
-          <a:p>
-            <a:pPr marL="342900" indent="-342900" defTabSz="457200">
-              <a:lnSpc>
-                <a:spcPct val="100000"/>
-              </a:lnSpc>
-              <a:spcBef>
-                <a:spcPct val="20000"/>
-              </a:spcBef>
-              <a:spcAft>
-                <a:spcPts val="1200"/>
-              </a:spcAft>
-              <a:buClrTx/>
-              <a:buFont typeface="Arial" pitchFamily="34" charset="0"/>
-              <a:buChar char="•"/>
-            </a:pPr>
-            <a:r>
-              <a:rPr lang="pl-PL" sz="2000" b="1" dirty="0" err="1" smtClean="0">
-                <a:solidFill>
-                  <a:srgbClr val="0070C0"/>
-                </a:solidFill>
-                <a:latin typeface="Courier New" pitchFamily="49" charset="0"/>
-                <a:cs typeface="Courier New" pitchFamily="49" charset="0"/>
-              </a:rPr>
-              <a:t>Serial.print</a:t>
-            </a:r>
-            <a:r>
-              <a:rPr lang="pl-PL" sz="2000" b="1" dirty="0" err="1" smtClean="0">
-                <a:solidFill>
-                  <a:srgbClr val="FF0000"/>
-                </a:solidFill>
-                <a:latin typeface="Courier New" pitchFamily="49" charset="0"/>
-                <a:cs typeface="Courier New" pitchFamily="49" charset="0"/>
-              </a:rPr>
-              <a:t>ln</a:t>
-            </a:r>
-            <a:r>
-              <a:rPr lang="pl-PL" sz="2000" b="1" dirty="0" smtClean="0">
-                <a:solidFill>
-                  <a:srgbClr val="0070C0"/>
-                </a:solidFill>
-                <a:latin typeface="Courier New" pitchFamily="49" charset="0"/>
-                <a:cs typeface="Courier New" pitchFamily="49" charset="0"/>
-              </a:rPr>
-              <a:t>(</a:t>
-            </a:r>
-            <a:r>
-              <a:rPr lang="pl-PL" sz="2000" b="1" dirty="0" err="1" smtClean="0">
-                <a:solidFill>
-                  <a:srgbClr val="0070C0"/>
-                </a:solidFill>
-                <a:latin typeface="Courier New" pitchFamily="49" charset="0"/>
-                <a:cs typeface="Courier New" pitchFamily="49" charset="0"/>
-              </a:rPr>
-              <a:t>value</a:t>
-            </a:r>
-            <a:r>
-              <a:rPr lang="pl-PL" sz="2000" b="1" dirty="0" smtClean="0">
-                <a:solidFill>
-                  <a:srgbClr val="0070C0"/>
-                </a:solidFill>
-                <a:latin typeface="Courier New" pitchFamily="49" charset="0"/>
-                <a:cs typeface="Courier New" pitchFamily="49" charset="0"/>
-              </a:rPr>
-              <a:t>)</a:t>
-            </a:r>
-            <a:r>
-              <a:rPr lang="pl-PL" sz="2000" b="1" dirty="0" smtClean="0">
-                <a:solidFill>
-                  <a:sysClr val="windowText" lastClr="000000"/>
-                </a:solidFill>
-                <a:latin typeface="Courier New" pitchFamily="49" charset="0"/>
-                <a:cs typeface="Courier New" pitchFamily="49" charset="0"/>
-              </a:rPr>
-              <a:t/>
-            </a:r>
-            <a:br>
-              <a:rPr lang="pl-PL" sz="2000" b="1" dirty="0" smtClean="0">
-                <a:solidFill>
-                  <a:sysClr val="windowText" lastClr="000000"/>
-                </a:solidFill>
-                <a:latin typeface="Courier New" pitchFamily="49" charset="0"/>
-                <a:cs typeface="Courier New" pitchFamily="49" charset="0"/>
-              </a:rPr>
-            </a:br>
-            <a:r>
-              <a:rPr lang="pl-PL" sz="2000" dirty="0" smtClean="0">
-                <a:solidFill>
-                  <a:sysClr val="windowText" lastClr="000000"/>
-                </a:solidFill>
-                <a:latin typeface="+mj-lt"/>
-                <a:cs typeface="Arial" pitchFamily="34" charset="0"/>
-              </a:rPr>
-              <a:t>wysłanie danych w postaci ASCII</a:t>
-            </a:r>
-          </a:p>
-          <a:p>
-            <a:pPr marL="342900" indent="-342900" defTabSz="457200">
-              <a:lnSpc>
-                <a:spcPct val="100000"/>
-              </a:lnSpc>
-              <a:spcBef>
-                <a:spcPct val="20000"/>
-              </a:spcBef>
-              <a:spcAft>
-                <a:spcPts val="1200"/>
-              </a:spcAft>
-              <a:buClrTx/>
-              <a:buFont typeface="Arial" pitchFamily="34" charset="0"/>
-              <a:buChar char="•"/>
-            </a:pPr>
-            <a:r>
-              <a:rPr lang="pl-PL" sz="2000" b="1" dirty="0" err="1" smtClean="0">
-                <a:solidFill>
-                  <a:srgbClr val="0070C0"/>
-                </a:solidFill>
-                <a:latin typeface="Courier New" pitchFamily="49" charset="0"/>
-                <a:cs typeface="Courier New" pitchFamily="49" charset="0"/>
-              </a:rPr>
-              <a:t>Serial.read</a:t>
-            </a:r>
-            <a:r>
-              <a:rPr lang="pl-PL" sz="2000" b="1" dirty="0" smtClean="0">
-                <a:solidFill>
-                  <a:srgbClr val="0070C0"/>
-                </a:solidFill>
-                <a:latin typeface="Courier New" pitchFamily="49" charset="0"/>
-                <a:cs typeface="Courier New" pitchFamily="49" charset="0"/>
-              </a:rPr>
-              <a:t>()</a:t>
-            </a:r>
-            <a:br>
-              <a:rPr lang="pl-PL" sz="2000" b="1" dirty="0" smtClean="0">
-                <a:solidFill>
-                  <a:srgbClr val="0070C0"/>
-                </a:solidFill>
-                <a:latin typeface="Courier New" pitchFamily="49" charset="0"/>
-                <a:cs typeface="Courier New" pitchFamily="49" charset="0"/>
-              </a:rPr>
-            </a:br>
-            <a:r>
-              <a:rPr lang="pl-PL" sz="2000" dirty="0" smtClean="0">
-                <a:solidFill>
-                  <a:sysClr val="windowText" lastClr="000000"/>
-                </a:solidFill>
-                <a:latin typeface="+mj-lt"/>
-                <a:cs typeface="Arial" pitchFamily="34" charset="0"/>
-              </a:rPr>
-              <a:t>odczytanie jednego znaku</a:t>
-            </a:r>
-          </a:p>
-          <a:p>
-            <a:pPr marL="342900" indent="-342900" defTabSz="457200">
-              <a:lnSpc>
-                <a:spcPct val="100000"/>
-              </a:lnSpc>
-              <a:spcBef>
-                <a:spcPct val="20000"/>
-              </a:spcBef>
-              <a:spcAft>
-                <a:spcPts val="1200"/>
-              </a:spcAft>
-              <a:buClrTx/>
-              <a:buFont typeface="Arial" pitchFamily="34" charset="0"/>
-              <a:buChar char="•"/>
-            </a:pPr>
-            <a:r>
-              <a:rPr lang="pl-PL" sz="2000" b="1" dirty="0" err="1" smtClean="0">
-                <a:solidFill>
-                  <a:srgbClr val="0070C0"/>
-                </a:solidFill>
-                <a:latin typeface="Courier New" pitchFamily="49" charset="0"/>
-                <a:cs typeface="Courier New" pitchFamily="49" charset="0"/>
-              </a:rPr>
-              <a:t>Serial.begin</a:t>
-            </a:r>
-            <a:r>
-              <a:rPr lang="pl-PL" sz="2000" b="1" dirty="0" smtClean="0">
-                <a:solidFill>
-                  <a:srgbClr val="0070C0"/>
-                </a:solidFill>
-                <a:latin typeface="Courier New" pitchFamily="49" charset="0"/>
-                <a:cs typeface="Courier New" pitchFamily="49" charset="0"/>
-              </a:rPr>
-              <a:t>(</a:t>
-            </a:r>
-            <a:r>
-              <a:rPr lang="pl-PL" sz="2000" b="1" dirty="0" err="1" smtClean="0">
-                <a:solidFill>
-                  <a:srgbClr val="0070C0"/>
-                </a:solidFill>
-                <a:latin typeface="Courier New" pitchFamily="49" charset="0"/>
-                <a:cs typeface="Courier New" pitchFamily="49" charset="0"/>
-              </a:rPr>
-              <a:t>value</a:t>
-            </a:r>
-            <a:r>
-              <a:rPr lang="pl-PL" sz="2000" b="1" dirty="0" smtClean="0">
-                <a:solidFill>
-                  <a:srgbClr val="0070C0"/>
-                </a:solidFill>
-                <a:latin typeface="Courier New" pitchFamily="49" charset="0"/>
-                <a:cs typeface="Courier New" pitchFamily="49" charset="0"/>
-              </a:rPr>
-              <a:t>)</a:t>
-            </a:r>
-            <a:br>
-              <a:rPr lang="pl-PL" sz="2000" b="1" dirty="0" smtClean="0">
-                <a:solidFill>
-                  <a:srgbClr val="0070C0"/>
-                </a:solidFill>
-                <a:latin typeface="Courier New" pitchFamily="49" charset="0"/>
-                <a:cs typeface="Courier New" pitchFamily="49" charset="0"/>
-              </a:rPr>
-            </a:br>
-            <a:r>
-              <a:rPr lang="pl-PL" sz="2000" dirty="0" smtClean="0">
-                <a:solidFill>
-                  <a:sysClr val="windowText" lastClr="000000"/>
-                </a:solidFill>
-                <a:latin typeface="Arial" pitchFamily="34" charset="0"/>
-                <a:cs typeface="Arial" pitchFamily="34" charset="0"/>
-              </a:rPr>
-              <a:t>ustala prędkość przesyłu danych</a:t>
-            </a:r>
-          </a:p>
-          <a:p>
-            <a:pPr marL="342900" indent="-342900" defTabSz="457200">
-              <a:lnSpc>
-                <a:spcPct val="100000"/>
-              </a:lnSpc>
-              <a:spcBef>
-                <a:spcPct val="20000"/>
-              </a:spcBef>
-              <a:spcAft>
-                <a:spcPts val="1200"/>
-              </a:spcAft>
-              <a:buClrTx/>
-              <a:buFont typeface="Arial" pitchFamily="34" charset="0"/>
-              <a:buChar char="•"/>
-            </a:pPr>
-            <a:r>
-              <a:rPr lang="pl-PL" sz="2000" b="1" dirty="0" err="1" smtClean="0">
-                <a:solidFill>
-                  <a:srgbClr val="0070C0"/>
-                </a:solidFill>
-                <a:latin typeface="Courier New" pitchFamily="49" charset="0"/>
-                <a:cs typeface="Courier New" pitchFamily="49" charset="0"/>
-              </a:rPr>
-              <a:t>Serial.available</a:t>
-            </a:r>
-            <a:r>
-              <a:rPr lang="pl-PL" sz="2000" b="1" dirty="0" smtClean="0">
-                <a:solidFill>
-                  <a:srgbClr val="0070C0"/>
-                </a:solidFill>
-                <a:latin typeface="Courier New" pitchFamily="49" charset="0"/>
-                <a:cs typeface="Courier New" pitchFamily="49" charset="0"/>
-              </a:rPr>
-              <a:t>()</a:t>
-            </a:r>
-            <a:br>
-              <a:rPr lang="pl-PL" sz="2000" b="1" dirty="0" smtClean="0">
-                <a:solidFill>
-                  <a:srgbClr val="0070C0"/>
-                </a:solidFill>
-                <a:latin typeface="Courier New" pitchFamily="49" charset="0"/>
-                <a:cs typeface="Courier New" pitchFamily="49" charset="0"/>
-              </a:rPr>
-            </a:br>
-            <a:r>
-              <a:rPr lang="pl-PL" sz="2000" dirty="0" smtClean="0">
-                <a:solidFill>
-                  <a:sysClr val="windowText" lastClr="000000"/>
-                </a:solidFill>
-                <a:latin typeface="Arial" pitchFamily="34" charset="0"/>
-                <a:cs typeface="Arial" pitchFamily="34" charset="0"/>
-              </a:rPr>
-              <a:t>sprawdza ilość znaków do odczytania</a:t>
-            </a:r>
-          </a:p>
-          <a:p>
-            <a:pPr marL="342900" indent="-342900" defTabSz="457200">
-              <a:lnSpc>
-                <a:spcPct val="100000"/>
-              </a:lnSpc>
-              <a:spcBef>
-                <a:spcPct val="20000"/>
-              </a:spcBef>
-              <a:spcAft>
-                <a:spcPts val="1200"/>
-              </a:spcAft>
-              <a:buClrTx/>
-              <a:buFont typeface="Arial" pitchFamily="34" charset="0"/>
-              <a:buChar char="•"/>
-            </a:pPr>
-            <a:r>
-              <a:rPr lang="pl-PL" sz="2000" b="1" dirty="0" err="1" smtClean="0">
-                <a:solidFill>
-                  <a:srgbClr val="0070C0"/>
-                </a:solidFill>
-                <a:latin typeface="Courier New" pitchFamily="49" charset="0"/>
-                <a:cs typeface="Courier New" pitchFamily="49" charset="0"/>
-              </a:rPr>
-              <a:t>analogWrite</a:t>
-            </a:r>
-            <a:r>
-              <a:rPr lang="pl-PL" sz="2000" b="1" dirty="0" smtClean="0">
-                <a:solidFill>
-                  <a:srgbClr val="0070C0"/>
-                </a:solidFill>
-                <a:latin typeface="Courier New" pitchFamily="49" charset="0"/>
-                <a:cs typeface="Courier New" pitchFamily="49" charset="0"/>
-              </a:rPr>
-              <a:t>(pin, </a:t>
-            </a:r>
-            <a:r>
-              <a:rPr lang="pl-PL" sz="2000" b="1" dirty="0" err="1" smtClean="0">
-                <a:solidFill>
-                  <a:srgbClr val="0070C0"/>
-                </a:solidFill>
-                <a:latin typeface="Courier New" pitchFamily="49" charset="0"/>
-                <a:cs typeface="Courier New" pitchFamily="49" charset="0"/>
-              </a:rPr>
-              <a:t>value</a:t>
-            </a:r>
-            <a:r>
-              <a:rPr lang="pl-PL" sz="2000" b="1" dirty="0" smtClean="0">
-                <a:solidFill>
-                  <a:srgbClr val="0070C0"/>
-                </a:solidFill>
-                <a:latin typeface="Courier New" pitchFamily="49" charset="0"/>
-                <a:cs typeface="Courier New" pitchFamily="49" charset="0"/>
-              </a:rPr>
-              <a:t>)</a:t>
-            </a:r>
-            <a:br>
-              <a:rPr lang="pl-PL" sz="2000" b="1" dirty="0" smtClean="0">
-                <a:solidFill>
-                  <a:srgbClr val="0070C0"/>
-                </a:solidFill>
-                <a:latin typeface="Courier New" pitchFamily="49" charset="0"/>
-                <a:cs typeface="Courier New" pitchFamily="49" charset="0"/>
-              </a:rPr>
-            </a:br>
-            <a:r>
-              <a:rPr lang="pl-PL" sz="2000" dirty="0" smtClean="0">
-                <a:solidFill>
-                  <a:sysClr val="windowText" lastClr="000000"/>
-                </a:solidFill>
-                <a:latin typeface="Arial" pitchFamily="34" charset="0"/>
-                <a:cs typeface="Arial" pitchFamily="34" charset="0"/>
-              </a:rPr>
-              <a:t>ustala wypełnienie cyfrowego wtyku z PWM, 0=0%, 255=100%</a:t>
-            </a:r>
-          </a:p>
-        </p:txBody>
-      </p:sp>
-    </p:spTree>
-  </p:cSld>
-  <p:clrMapOvr>
-    <a:masterClrMapping/>
-  </p:clrMapOvr>
-  <p:timing>
-    <p:tnLst>
-      <p:par>
-        <p:cTn id="1" dur="indefinite" restart="never" nodeType="tmRoot"/>
-      </p:par>
-    </p:tnLst>
-  </p:timing>
-</p:sld>
-</file>
-
 <file path=ppt/slides/slide2.xml><?xml version="1.0" encoding="utf-8"?>
 <p:sld xmlns:a="http://schemas.openxmlformats.org/drawingml/2006/main" xmlns:r="http://schemas.openxmlformats.org/officeDocument/2006/relationships" xmlns:p="http://schemas.openxmlformats.org/presentationml/2006/main">
   <p:cSld>
@@ -14336,14 +11302,7 @@
                 <a:latin typeface="Arial" pitchFamily="34" charset="0"/>
                 <a:cs typeface="Arial" pitchFamily="34" charset="0"/>
               </a:rPr>
-              <a:t> </a:t>
-            </a:r>
-            <a:r>
-              <a:rPr lang="pl-PL" dirty="0" smtClean="0">
-                <a:latin typeface="Arial" pitchFamily="34" charset="0"/>
-                <a:cs typeface="Arial" pitchFamily="34" charset="0"/>
-              </a:rPr>
-              <a:t>IDE</a:t>
+              <a:t> IDE</a:t>
             </a:r>
             <a:endParaRPr lang="en-GB" dirty="0">
               <a:latin typeface="Arial" pitchFamily="34" charset="0"/>
@@ -14508,17 +11467,7 @@
                 <a:latin typeface="Arial" pitchFamily="34" charset="0"/>
                 <a:cs typeface="Arial" pitchFamily="34" charset="0"/>
               </a:rPr>
-              <a:t> </a:t>
-            </a:r>
-            <a:r>
-              <a:rPr lang="pl-PL" sz="2000" b="1" dirty="0" smtClean="0">
-                <a:solidFill>
-                  <a:sysClr val="windowText" lastClr="000000"/>
-                </a:solidFill>
-                <a:latin typeface="Arial" pitchFamily="34" charset="0"/>
-                <a:cs typeface="Arial" pitchFamily="34" charset="0"/>
-              </a:rPr>
-              <a:t>IDE </a:t>
+              <a:t> IDE </a:t>
             </a:r>
             <a:r>
               <a:rPr lang="pl-PL" sz="2000" dirty="0" smtClean="0">
@@ -14601,17 +11550,7 @@
                 <a:latin typeface="Arial" pitchFamily="34" charset="0"/>
                 <a:cs typeface="Arial" pitchFamily="34" charset="0"/>
               </a:rPr>
-              <a:t> </a:t>
-            </a:r>
-            <a:r>
-              <a:rPr lang="pl-PL" sz="2000" b="1" dirty="0" smtClean="0">
-                <a:solidFill>
-                  <a:sysClr val="windowText" lastClr="000000"/>
-                </a:solidFill>
-                <a:latin typeface="Arial" pitchFamily="34" charset="0"/>
-                <a:cs typeface="Arial" pitchFamily="34" charset="0"/>
-              </a:rPr>
-              <a:t>IDE </a:t>
+              <a:t> IDE </a:t>
             </a:r>
             <a:r>
               <a:rPr lang="pl-PL" sz="2000" dirty="0" smtClean="0">
@@ -14717,27 +11656,27 @@
                 <a:latin typeface="Arial" pitchFamily="34" charset="0"/>
                 <a:cs typeface="Arial" pitchFamily="34" charset="0"/>
               </a:rPr>
-              <a:t> </a:t>
-            </a:r>
-            <a:r>
-              <a:rPr lang="pl-PL" sz="2000" b="1" dirty="0" smtClean="0">
+              <a:t> IDE </a:t>
+            </a:r>
+            <a:r>
+              <a:rPr lang="pl-PL" sz="2000" dirty="0" smtClean="0">
                 <a:solidFill>
                   <a:sysClr val="windowText" lastClr="000000"/>
                 </a:solidFill>
                 <a:latin typeface="Arial" pitchFamily="34" charset="0"/>
                 <a:cs typeface="Arial" pitchFamily="34" charset="0"/>
               </a:rPr>
-              <a:t>IDE </a:t>
-            </a:r>
-            <a:r>
-              <a:rPr lang="pl-PL" sz="2000" dirty="0" smtClean="0">
+              <a:t>ma kolorowanie</a:t>
+            </a:r>
+            <a:r>
+              <a:rPr lang="de-DE" sz="2000" dirty="0" smtClean="0">
                 <a:solidFill>
                   <a:sysClr val="windowText" lastClr="000000"/>
                 </a:solidFill>
                 <a:latin typeface="Arial" pitchFamily="34" charset="0"/>
                 <a:cs typeface="Arial" pitchFamily="34" charset="0"/>
               </a:rPr>
-              <a:t>ma </a:t>
+              <a:t> i </a:t>
             </a:r>
             <a:r>
               <a:rPr lang="pl-PL" sz="2000" dirty="0" smtClean="0">
@@ -14747,7 +11686,7 @@
                 <a:latin typeface="Arial" pitchFamily="34" charset="0"/>
                 <a:cs typeface="Arial" pitchFamily="34" charset="0"/>
               </a:rPr>
-              <a:t>kolorowanie</a:t>
+              <a:t>uzupełniani</a:t>
             </a:r>
             <a:r>
               <a:rPr lang="de-DE" sz="2000" dirty="0" smtClean="0">
@@ -14757,7 +11696,7 @@
                 <a:latin typeface="Arial" pitchFamily="34" charset="0"/>
                 <a:cs typeface="Arial" pitchFamily="34" charset="0"/>
               </a:rPr>
-              <a:t> i </a:t>
+              <a:t>e </a:t>
             </a:r>
             <a:r>
               <a:rPr lang="pl-PL" sz="2000" dirty="0" smtClean="0">
@@ -14767,45 +11706,8 @@
                 <a:latin typeface="Arial" pitchFamily="34" charset="0"/>
                 <a:cs typeface="Arial" pitchFamily="34" charset="0"/>
               </a:rPr>
-              <a:t>uzupełniani</a:t>
-            </a:r>
-            <a:r>
-              <a:rPr lang="de-DE" sz="2000" dirty="0" smtClean="0">
-                <a:solidFill>
-                  <a:sysClr val="windowText" lastClr="000000"/>
-                </a:solidFill>
-                <a:latin typeface="Arial" pitchFamily="34" charset="0"/>
-                <a:cs typeface="Arial" pitchFamily="34" charset="0"/>
-              </a:rPr>
-              <a:t>e </a:t>
-            </a:r>
-            <a:r>
-              <a:rPr lang="pl-PL" sz="2000" dirty="0" smtClean="0">
-                <a:solidFill>
-                  <a:sysClr val="windowText" lastClr="000000"/>
-                </a:solidFill>
-                <a:latin typeface="Arial" pitchFamily="34" charset="0"/>
-                <a:cs typeface="Arial" pitchFamily="34" charset="0"/>
-              </a:rPr>
-              <a:t>składni</a:t>
-            </a:r>
-            <a:r>
-              <a:rPr lang="pl-PL" sz="2000" dirty="0" smtClean="0">
-                <a:solidFill>
-                  <a:sysClr val="windowText" lastClr="000000"/>
-                </a:solidFill>
-                <a:latin typeface="Arial" pitchFamily="34" charset="0"/>
-                <a:cs typeface="Arial" pitchFamily="34" charset="0"/>
-              </a:rPr>
-              <a:t>.</a:t>
-            </a:r>
-            <a:endParaRPr lang="pl-PL" sz="2000" dirty="0" smtClean="0">
-              <a:solidFill>
-                <a:sysClr val="windowText" lastClr="000000"/>
-              </a:solidFill>
-              <a:latin typeface="Arial" pitchFamily="34" charset="0"/>
-              <a:cs typeface="Arial" pitchFamily="34" charset="0"/>
-            </a:endParaRPr>
+              <a:t>składni.</a:t>
+            </a:r>
           </a:p>
         </p:txBody>
       </p:sp>
@@ -17510,14 +14412,7 @@
                 <a:latin typeface="Arial" pitchFamily="34" charset="0"/>
                 <a:cs typeface="Arial" pitchFamily="34" charset="0"/>
               </a:rPr>
-              <a:t> </a:t>
-            </a:r>
-            <a:r>
-              <a:rPr lang="pl-PL" dirty="0" smtClean="0">
-                <a:latin typeface="Arial" pitchFamily="34" charset="0"/>
-                <a:cs typeface="Arial" pitchFamily="34" charset="0"/>
-              </a:rPr>
-              <a:t>IDE – kompilacja i wgrywanie</a:t>
+              <a:t> IDE – kompilacja i wgrywanie</a:t>
             </a:r>
             <a:endParaRPr lang="en-GB" dirty="0">
               <a:latin typeface="Arial" pitchFamily="34" charset="0"/>
@@ -17652,27 +14547,7 @@
                 <a:latin typeface="Arial" pitchFamily="34" charset="0"/>
                 <a:cs typeface="Arial" pitchFamily="34" charset="0"/>
               </a:rPr>
-              <a:t>Wybieramy rodzaj </a:t>
-            </a:r>
-            <a:r>
-              <a:rPr lang="pl-PL" sz="2000" dirty="0" smtClean="0">
-                <a:solidFill>
-                  <a:sysClr val="windowText" lastClr="000000"/>
-                </a:solidFill>
-                <a:latin typeface="Arial" pitchFamily="34" charset="0"/>
-                <a:cs typeface="Arial" pitchFamily="34" charset="0"/>
-              </a:rPr>
-              <a:t>płyty</a:t>
-            </a:r>
-            <a:r>
-              <a:rPr lang="pl-PL" sz="2000" dirty="0" smtClean="0">
-                <a:solidFill>
-                  <a:sysClr val="windowText" lastClr="000000"/>
-                </a:solidFill>
-                <a:latin typeface="Arial" pitchFamily="34" charset="0"/>
-                <a:cs typeface="Arial" pitchFamily="34" charset="0"/>
-              </a:rPr>
-              <a:t/>
+              <a:t>Wybieramy rodzaj płyty</a:t>
             </a:r>
             <a:br>
               <a:rPr lang="pl-PL" sz="2000" dirty="0" smtClean="0">
@@ -17972,16 +14847,6 @@
                 <a:cs typeface="Arial" pitchFamily="34" charset="0"/>
               </a:rPr>
               <a:t>Kompilacja</a:t>
-            </a:r>
-            <a:r>
-              <a:rPr lang="pl-PL" sz="2000" dirty="0" smtClean="0">
-                <a:solidFill>
-                  <a:sysClr val="windowText" lastClr="000000"/>
-                </a:solidFill>
-                <a:latin typeface="Arial" pitchFamily="34" charset="0"/>
-                <a:cs typeface="Arial" pitchFamily="34" charset="0"/>
-              </a:rPr>
-              <a:t/>
             </a:r>
             <a:br>
               <a:rPr lang="pl-PL" sz="2000" dirty="0" smtClean="0">
@@ -19023,24 +15888,6 @@
 <file path=ppt/tags/tag3.xml><?xml version="1.0" encoding="utf-8"?>
 <p:tagLst xmlns:a="http://schemas.openxmlformats.org/drawingml/2006/main" xmlns:r="http://schemas.openxmlformats.org/officeDocument/2006/relationships" xmlns:p="http://schemas.openxmlformats.org/presentationml/2006/main">
   <p:tag name="THINKCELLSHAPEDONOTDELETE" val="phk.3W3rhiEqWtBDEsi7Xgw"/>
-</p:tagLst>
-</file>
-
-<file path=ppt/tags/tag30.xml><?xml version="1.0" encoding="utf-8"?>
-<p:tagLst xmlns:a="http://schemas.openxmlformats.org/drawingml/2006/main" xmlns:r="http://schemas.openxmlformats.org/officeDocument/2006/relationships" xmlns:p="http://schemas.openxmlformats.org/presentationml/2006/main">
-  <p:tag name="THINKCELLSHAPEDONOTDELETE" val="prQEede2w9UymXTZvuecCog"/>
-</p:tagLst>
-</file>
-
-<file path=ppt/tags/tag31.xml><?xml version="1.0" encoding="utf-8"?>
-<p:tagLst xmlns:a="http://schemas.openxmlformats.org/drawingml/2006/main" xmlns:r="http://schemas.openxmlformats.org/officeDocument/2006/relationships" xmlns:p="http://schemas.openxmlformats.org/presentationml/2006/main">
-  <p:tag name="THINKCELLSHAPEDONOTDELETE" val="prQEede2w9UymXTZvuecCog"/>
-</p:tagLst>
-</file>
-
-<file path=ppt/tags/tag32.xml><?xml version="1.0" encoding="utf-8"?>
-<p:tagLst xmlns:a="http://schemas.openxmlformats.org/drawingml/2006/main" xmlns:r="http://schemas.openxmlformats.org/officeDocument/2006/relationships" xmlns:p="http://schemas.openxmlformats.org/presentationml/2006/main">
-  <p:tag name="THINKCELLSHAPEDONOTDELETE" val="prQEede2w9UymXTZvuecCog"/>
 </p:tagLst>
 </file>
 

--- a/prezentacje/arduino_ide.pptx
+++ b/prezentacje/arduino_ide.pptx
@@ -355,7 +355,7 @@
             <a:fld id="{2FB4FF29-EE9A-4D47-9F1A-289A80693C0F}" type="datetimeFigureOut">
               <a:rPr lang="en-US" smtClean="0"/>
               <a:pPr/>
-              <a:t>7/1/2016</a:t>
+              <a:t>7/14/2016</a:t>
             </a:fld>
             <a:endParaRPr lang="en-US" dirty="0"/>
           </a:p>
@@ -11563,24 +11563,14 @@
               <a:t>zawiera kompilator, programator, </a:t>
             </a:r>
             <a:r>
-              <a:rPr lang="pl-PL" sz="2000" dirty="0" err="1" smtClean="0">
+              <a:rPr lang="pl-PL" sz="2000" dirty="0" smtClean="0">
                 <a:solidFill>
                   <a:sysClr val="windowText" lastClr="000000"/>
                 </a:solidFill>
                 <a:latin typeface="Arial" pitchFamily="34" charset="0"/>
                 <a:cs typeface="Arial" pitchFamily="34" charset="0"/>
               </a:rPr>
-              <a:t>biblioteke</a:t>
-            </a:r>
-            <a:r>
-              <a:rPr lang="pl-PL" sz="2000" dirty="0" smtClean="0">
-                <a:solidFill>
-                  <a:sysClr val="windowText" lastClr="000000"/>
-                </a:solidFill>
-                <a:latin typeface="Arial" pitchFamily="34" charset="0"/>
-                <a:cs typeface="Arial" pitchFamily="34" charset="0"/>
-              </a:rPr>
-              <a:t> </a:t>
+              <a:t>bibliotekę </a:t>
             </a:r>
             <a:r>
               <a:rPr lang="pl-PL" sz="2000" dirty="0" err="1" smtClean="0">
